--- a/lab/t7-xu-ly-anh/thuyet trinh.pptx
+++ b/lab/t7-xu-ly-anh/thuyet trinh.pptx
@@ -9,9 +9,9 @@
     <p:sldId id="261" r:id="rId3"/>
     <p:sldId id="262" r:id="rId4"/>
     <p:sldId id="263" r:id="rId5"/>
-    <p:sldId id="267" r:id="rId6"/>
-    <p:sldId id="264" r:id="rId7"/>
-    <p:sldId id="268" r:id="rId8"/>
+    <p:sldId id="264" r:id="rId6"/>
+    <p:sldId id="268" r:id="rId7"/>
+    <p:sldId id="267" r:id="rId8"/>
     <p:sldId id="265" r:id="rId9"/>
     <p:sldId id="266" r:id="rId10"/>
   </p:sldIdLst>
@@ -1780,14 +1780,14 @@
         <a:lstStyle/>
         <a:p>
           <a:r>
-            <a:rPr lang="vi-VN" b="1"/>
+            <a:rPr lang="vi-VN" b="1" dirty="0"/>
             <a:t>Tính mơ hồ:</a:t>
           </a:r>
           <a:r>
-            <a:rPr lang="vi-VN"/>
+            <a:rPr lang="vi-VN" dirty="0"/>
             <a:t> Một hình ảnh 2D có thể tương ứng với nhiều tư thế 3D khác nhau, dẫn đến sự không rõ ràng trong việc xác định tư thế chính xác.</a:t>
           </a:r>
-          <a:endParaRPr lang="en-US"/>
+          <a:endParaRPr lang="en-US" dirty="0"/>
         </a:p>
       </dgm:t>
     </dgm:pt>
@@ -2607,14 +2607,14 @@
             <a:buChar char="•"/>
           </a:pPr>
           <a:r>
-            <a:rPr lang="vi-VN" sz="1100" b="1" kern="1200"/>
+            <a:rPr lang="vi-VN" sz="1100" b="1" kern="1200" dirty="0"/>
             <a:t>Tính mơ hồ:</a:t>
           </a:r>
           <a:r>
-            <a:rPr lang="vi-VN" sz="1100" kern="1200"/>
+            <a:rPr lang="vi-VN" sz="1100" kern="1200" dirty="0"/>
             <a:t> Một hình ảnh 2D có thể tương ứng với nhiều tư thế 3D khác nhau, dẫn đến sự không rõ ràng trong việc xác định tư thế chính xác.</a:t>
           </a:r>
-          <a:endParaRPr lang="en-US" sz="1100" kern="1200"/>
+          <a:endParaRPr lang="en-US" sz="1100" kern="1200" dirty="0"/>
         </a:p>
         <a:p>
           <a:pPr marL="114300" lvl="2" indent="-57150" algn="l" defTabSz="488950">
@@ -10296,10 +10296,16 @@
           <a:lstStyle/>
           <a:p>
             <a:r>
-              <a:rPr lang="vi-VN"/>
+              <a:rPr lang="vi-VN" dirty="0">
+                <a:latin typeface="Arial" panose="020B0604020202020204" pitchFamily="34" charset="0"/>
+                <a:cs typeface="Arial" panose="020B0604020202020204" pitchFamily="34" charset="0"/>
+              </a:rPr>
               <a:t>Vấn đề ước tính tư thế 3D</a:t>
             </a:r>
-            <a:endParaRPr lang="en-VN" dirty="0"/>
+            <a:endParaRPr lang="en-VN" dirty="0">
+              <a:latin typeface="Arial" panose="020B0604020202020204" pitchFamily="34" charset="0"/>
+              <a:cs typeface="Arial" panose="020B0604020202020204" pitchFamily="34" charset="0"/>
+            </a:endParaRPr>
           </a:p>
         </p:txBody>
       </p:sp>
@@ -10319,7 +10325,7 @@
             <p:ph idx="1"/>
             <p:extLst>
               <p:ext uri="{D42A27DB-BD31-4B8C-83A1-F6EECF244321}">
-                <p14:modId xmlns:p14="http://schemas.microsoft.com/office/powerpoint/2010/main" val="3004838474"/>
+                <p14:modId xmlns:p14="http://schemas.microsoft.com/office/powerpoint/2010/main" val="3119513106"/>
               </p:ext>
             </p:extLst>
           </p:nvPr>
@@ -10513,6 +10519,14 @@
 <file path=ppt/slides/slide4.xml><?xml version="1.0" encoding="utf-8"?>
 <p:sld xmlns:a="http://schemas.openxmlformats.org/drawingml/2006/main" xmlns:r="http://schemas.openxmlformats.org/officeDocument/2006/relationships" xmlns:p="http://schemas.openxmlformats.org/presentationml/2006/main">
   <p:cSld>
+    <p:bg>
+      <p:bgPr>
+        <a:solidFill>
+          <a:schemeClr val="bg1"/>
+        </a:solidFill>
+        <a:effectLst/>
+      </p:bgPr>
+    </p:bg>
     <p:spTree>
       <p:nvGrpSpPr>
         <p:cNvPr id="1" name=""/>
@@ -10543,9 +10557,16 @@
             <p:ph type="title"/>
           </p:nvPr>
         </p:nvSpPr>
-        <p:spPr/>
+        <p:spPr>
+          <a:xfrm>
+            <a:off x="1069848" y="484632"/>
+            <a:ext cx="10058400" cy="1609344"/>
+          </a:xfrm>
+        </p:spPr>
         <p:txBody>
-          <a:bodyPr/>
+          <a:bodyPr>
+            <a:normAutofit/>
+          </a:bodyPr>
           <a:lstStyle/>
           <a:p>
             <a:r>
@@ -10572,6 +10593,36 @@
           </a:p>
         </p:txBody>
       </p:sp>
+      <p:pic>
+        <p:nvPicPr>
+          <p:cNvPr id="4" name="Content Placeholder 3">
+            <a:extLst>
+              <a:ext uri="{FF2B5EF4-FFF2-40B4-BE49-F238E27FC236}">
+                <a16:creationId xmlns:a16="http://schemas.microsoft.com/office/drawing/2014/main" id="{5FDCD260-0B87-10F5-D68A-0B8C368023F9}"/>
+              </a:ext>
+            </a:extLst>
+          </p:cNvPr>
+          <p:cNvPicPr>
+            <a:picLocks noChangeAspect="1"/>
+          </p:cNvPicPr>
+          <p:nvPr/>
+        </p:nvPicPr>
+        <p:blipFill>
+          <a:blip r:embed="rId2"/>
+          <a:stretch>
+            <a:fillRect/>
+          </a:stretch>
+        </p:blipFill>
+        <p:spPr>
+          <a:xfrm>
+            <a:off x="711017" y="2216248"/>
+            <a:ext cx="5644063" cy="3267715"/>
+          </a:xfrm>
+          <a:prstGeom prst="rect">
+            <a:avLst/>
+          </a:prstGeom>
+        </p:spPr>
+      </p:pic>
       <p:sp>
         <p:nvSpPr>
           <p:cNvPr id="3" name="Content Placeholder 2">
@@ -10588,37 +10639,42 @@
             <p:ph idx="1"/>
           </p:nvPr>
         </p:nvSpPr>
-        <p:spPr/>
+        <p:spPr>
+          <a:xfrm>
+            <a:off x="6355080" y="2121408"/>
+            <a:ext cx="4773168" cy="4050792"/>
+          </a:xfrm>
+        </p:spPr>
         <p:txBody>
           <a:bodyPr>
-            <a:normAutofit/>
+            <a:normAutofit lnSpcReduction="10000"/>
           </a:bodyPr>
           <a:lstStyle/>
           <a:p>
             <a:r>
-              <a:rPr lang="vi-VN" b="1" dirty="0"/>
+              <a:rPr lang="vi-VN" sz="1400" b="1"/>
               <a:t>DiffPose - Giải pháp mới</a:t>
             </a:r>
-            <a:endParaRPr lang="vi-VN" dirty="0"/>
+            <a:endParaRPr lang="vi-VN" sz="1400"/>
           </a:p>
           <a:p>
             <a:pPr lvl="1"/>
             <a:r>
-              <a:rPr lang="vi-VN" dirty="0"/>
+              <a:rPr lang="vi-VN" sz="1400"/>
               <a:t>DiffPose nổi lên như một phương pháp mới đầy hứa hẹn cho việc ước tính tư thế 3D từ một hình ảnh duy nhất. Nó sử dụng mô hình khuếch tán để biến đổi một phân phối tư thế 3D không chắc chắn thành một phân phối tư thế 3D tự tin, mang lại kết quả chính xác và đáng tin cậy hơn so với các phương pháp truyền thống.</a:t>
             </a:r>
           </a:p>
           <a:p>
             <a:r>
-              <a:rPr lang="vi-VN" b="1" dirty="0"/>
+              <a:rPr lang="vi-VN" sz="1400" b="1"/>
               <a:t>Thành phần chính</a:t>
             </a:r>
-            <a:endParaRPr lang="vi-VN" dirty="0"/>
+            <a:endParaRPr lang="vi-VN" sz="1400"/>
           </a:p>
           <a:p>
             <a:pPr lvl="1"/>
             <a:r>
-              <a:rPr lang="vi-VN" dirty="0"/>
+              <a:rPr lang="vi-VN" sz="1400"/>
               <a:t>DiffPose bao gồm hai thành phần chính:</a:t>
             </a:r>
           </a:p>
@@ -10628,11 +10684,11 @@
               <a:buChar char="Ø"/>
             </a:pPr>
             <a:r>
-              <a:rPr lang="vi-VN" b="1" dirty="0"/>
+              <a:rPr lang="vi-VN" sz="1400" b="1"/>
               <a:t>Mô hình khuếch tán dựa trên GCN:</a:t>
             </a:r>
             <a:r>
-              <a:rPr lang="vi-VN" dirty="0"/>
+              <a:rPr lang="vi-VN" sz="1400"/>
               <a:t> Mô hình này sử dụng mạng nơ-ron tích chập đồ thị (GCN) để mô hình hóa sự lan truyền thông tin trong phân phối tư thế. GCN có khả năng học hỏi mối quan hệ giữa các khớp và xử lý hiệu quả cấu trúc phức tạp của cơ thể người.</a:t>
             </a:r>
           </a:p>
@@ -10642,16 +10698,16 @@
               <a:buChar char="Ø"/>
             </a:pPr>
             <a:r>
-              <a:rPr lang="vi-VN" b="1" dirty="0"/>
+              <a:rPr lang="vi-VN" sz="1400" b="1"/>
               <a:t>Quá trình khuếch tán ngược có điều kiện ngữ cảnh:</a:t>
             </a:r>
             <a:r>
-              <a:rPr lang="vi-VN" dirty="0"/>
+              <a:rPr lang="vi-VN" sz="1400"/>
               <a:t> Quá trình này tận dụng thông tin ngữ cảnh từ hình ảnh để điều chỉnh quá trình khuếch tán, đảm bảo rằng kết quả ước tính phù hợp với nội dung hình ảnh và cải thiện độ chính xác tổng thể</a:t>
             </a:r>
           </a:p>
           <a:p>
-            <a:endParaRPr lang="en-VN" dirty="0"/>
+            <a:endParaRPr lang="en-VN" sz="1400"/>
           </a:p>
         </p:txBody>
       </p:sp>
@@ -10693,32 +10749,33 @@
           <a:chExt cx="0" cy="0"/>
         </a:xfrm>
       </p:grpSpPr>
-      <p:pic>
-        <p:nvPicPr>
-          <p:cNvPr id="4" name="Content Placeholder 3">
+      <p:sp useBgFill="1">
+        <p:nvSpPr>
+          <p:cNvPr id="27" name="Rectangle 26">
             <a:extLst>
               <a:ext uri="{FF2B5EF4-FFF2-40B4-BE49-F238E27FC236}">
-                <a16:creationId xmlns:a16="http://schemas.microsoft.com/office/drawing/2014/main" id="{E1D96F0F-5F7F-EAE8-E9BD-4E2C1833CBCD}"/>
+                <a16:creationId xmlns:a16="http://schemas.microsoft.com/office/drawing/2014/main" id="{5118BA95-03E7-41B7-B442-0AF8C0A7FF68}"/>
+              </a:ext>
+              <a:ext uri="{C183D7F6-B498-43B3-948B-1728B52AA6E4}">
+                <adec:decorative xmlns:adec="http://schemas.microsoft.com/office/drawing/2017/decorative" val="1"/>
               </a:ext>
             </a:extLst>
           </p:cNvPr>
-          <p:cNvPicPr>
-            <a:picLocks noGrp="1" noChangeAspect="1"/>
-          </p:cNvPicPr>
+          <p:cNvSpPr>
+            <a:spLocks noGrp="1" noRot="1" noChangeAspect="1" noMove="1" noResize="1" noEditPoints="1" noAdjustHandles="1" noChangeArrowheads="1" noChangeShapeType="1" noTextEdit="1"/>
+          </p:cNvSpPr>
           <p:nvPr>
-            <p:ph idx="1"/>
+            <p:extLst>
+              <p:ext uri="{386F3935-93C4-4BCD-93E2-E3B085C9AB24}">
+                <p16:designElem xmlns:p16="http://schemas.microsoft.com/office/powerpoint/2015/main" val="1"/>
+              </p:ext>
+            </p:extLst>
           </p:nvPr>
-        </p:nvPicPr>
-        <p:blipFill>
-          <a:blip r:embed="rId2"/>
-          <a:stretch>
-            <a:fillRect/>
-          </a:stretch>
-        </p:blipFill>
-        <p:spPr>
+        </p:nvSpPr>
+        <p:spPr bwMode="white">
           <a:xfrm>
-            <a:off x="643467" y="1506982"/>
-            <a:ext cx="10905066" cy="3844035"/>
+            <a:off x="3048" y="0"/>
+            <a:ext cx="12188952" cy="6858001"/>
           </a:xfrm>
           <a:prstGeom prst="rect">
             <a:avLst/>
@@ -10727,11 +10784,556 @@
             <a:noFill/>
           </a:ln>
         </p:spPr>
-      </p:pic>
+        <p:style>
+          <a:lnRef idx="2">
+            <a:schemeClr val="accent1">
+              <a:shade val="50000"/>
+            </a:schemeClr>
+          </a:lnRef>
+          <a:fillRef idx="1">
+            <a:schemeClr val="accent1"/>
+          </a:fillRef>
+          <a:effectRef idx="0">
+            <a:schemeClr val="accent1"/>
+          </a:effectRef>
+          <a:fontRef idx="minor">
+            <a:schemeClr val="lt1"/>
+          </a:fontRef>
+        </p:style>
+        <p:txBody>
+          <a:bodyPr rot="0" spcFirstLastPara="0" vert="horz" wrap="square" lIns="91440" tIns="45720" rIns="91440" bIns="45720" numCol="1" spcCol="0" rtlCol="0" fromWordArt="0" anchor="ctr" anchorCtr="0" forceAA="0" compatLnSpc="1">
+            <a:prstTxWarp prst="textNoShape">
+              <a:avLst/>
+            </a:prstTxWarp>
+            <a:noAutofit/>
+          </a:bodyPr>
+          <a:lstStyle>
+            <a:defPPr>
+              <a:defRPr lang="en-US"/>
+            </a:defPPr>
+            <a:lvl1pPr marL="0" algn="l" defTabSz="914400" rtl="0" eaLnBrk="1" latinLnBrk="0" hangingPunct="1">
+              <a:defRPr sz="1800" kern="1200">
+                <a:solidFill>
+                  <a:schemeClr val="lt1"/>
+                </a:solidFill>
+                <a:latin typeface="+mn-lt"/>
+                <a:ea typeface="+mn-ea"/>
+                <a:cs typeface="+mn-cs"/>
+              </a:defRPr>
+            </a:lvl1pPr>
+            <a:lvl2pPr marL="457200" algn="l" defTabSz="914400" rtl="0" eaLnBrk="1" latinLnBrk="0" hangingPunct="1">
+              <a:defRPr sz="1800" kern="1200">
+                <a:solidFill>
+                  <a:schemeClr val="lt1"/>
+                </a:solidFill>
+                <a:latin typeface="+mn-lt"/>
+                <a:ea typeface="+mn-ea"/>
+                <a:cs typeface="+mn-cs"/>
+              </a:defRPr>
+            </a:lvl2pPr>
+            <a:lvl3pPr marL="914400" algn="l" defTabSz="914400" rtl="0" eaLnBrk="1" latinLnBrk="0" hangingPunct="1">
+              <a:defRPr sz="1800" kern="1200">
+                <a:solidFill>
+                  <a:schemeClr val="lt1"/>
+                </a:solidFill>
+                <a:latin typeface="+mn-lt"/>
+                <a:ea typeface="+mn-ea"/>
+                <a:cs typeface="+mn-cs"/>
+              </a:defRPr>
+            </a:lvl3pPr>
+            <a:lvl4pPr marL="1371600" algn="l" defTabSz="914400" rtl="0" eaLnBrk="1" latinLnBrk="0" hangingPunct="1">
+              <a:defRPr sz="1800" kern="1200">
+                <a:solidFill>
+                  <a:schemeClr val="lt1"/>
+                </a:solidFill>
+                <a:latin typeface="+mn-lt"/>
+                <a:ea typeface="+mn-ea"/>
+                <a:cs typeface="+mn-cs"/>
+              </a:defRPr>
+            </a:lvl4pPr>
+            <a:lvl5pPr marL="1828800" algn="l" defTabSz="914400" rtl="0" eaLnBrk="1" latinLnBrk="0" hangingPunct="1">
+              <a:defRPr sz="1800" kern="1200">
+                <a:solidFill>
+                  <a:schemeClr val="lt1"/>
+                </a:solidFill>
+                <a:latin typeface="+mn-lt"/>
+                <a:ea typeface="+mn-ea"/>
+                <a:cs typeface="+mn-cs"/>
+              </a:defRPr>
+            </a:lvl5pPr>
+            <a:lvl6pPr marL="2286000" algn="l" defTabSz="914400" rtl="0" eaLnBrk="1" latinLnBrk="0" hangingPunct="1">
+              <a:defRPr sz="1800" kern="1200">
+                <a:solidFill>
+                  <a:schemeClr val="lt1"/>
+                </a:solidFill>
+                <a:latin typeface="+mn-lt"/>
+                <a:ea typeface="+mn-ea"/>
+                <a:cs typeface="+mn-cs"/>
+              </a:defRPr>
+            </a:lvl6pPr>
+            <a:lvl7pPr marL="2743200" algn="l" defTabSz="914400" rtl="0" eaLnBrk="1" latinLnBrk="0" hangingPunct="1">
+              <a:defRPr sz="1800" kern="1200">
+                <a:solidFill>
+                  <a:schemeClr val="lt1"/>
+                </a:solidFill>
+                <a:latin typeface="+mn-lt"/>
+                <a:ea typeface="+mn-ea"/>
+                <a:cs typeface="+mn-cs"/>
+              </a:defRPr>
+            </a:lvl7pPr>
+            <a:lvl8pPr marL="3200400" algn="l" defTabSz="914400" rtl="0" eaLnBrk="1" latinLnBrk="0" hangingPunct="1">
+              <a:defRPr sz="1800" kern="1200">
+                <a:solidFill>
+                  <a:schemeClr val="lt1"/>
+                </a:solidFill>
+                <a:latin typeface="+mn-lt"/>
+                <a:ea typeface="+mn-ea"/>
+                <a:cs typeface="+mn-cs"/>
+              </a:defRPr>
+            </a:lvl8pPr>
+            <a:lvl9pPr marL="3657600" algn="l" defTabSz="914400" rtl="0" eaLnBrk="1" latinLnBrk="0" hangingPunct="1">
+              <a:defRPr sz="1800" kern="1200">
+                <a:solidFill>
+                  <a:schemeClr val="lt1"/>
+                </a:solidFill>
+                <a:latin typeface="+mn-lt"/>
+                <a:ea typeface="+mn-ea"/>
+                <a:cs typeface="+mn-cs"/>
+              </a:defRPr>
+            </a:lvl9pPr>
+          </a:lstStyle>
+          <a:p>
+            <a:pPr algn="ctr"/>
+            <a:endParaRPr lang="en-US"/>
+          </a:p>
+        </p:txBody>
+      </p:sp>
+      <p:grpSp>
+        <p:nvGrpSpPr>
+          <p:cNvPr id="29" name="Group 28">
+            <a:extLst>
+              <a:ext uri="{FF2B5EF4-FFF2-40B4-BE49-F238E27FC236}">
+                <a16:creationId xmlns:a16="http://schemas.microsoft.com/office/drawing/2014/main" id="{E799C3D5-7D55-4046-808C-F290F456D6EF}"/>
+              </a:ext>
+              <a:ext uri="{C183D7F6-B498-43B3-948B-1728B52AA6E4}">
+                <adec:decorative xmlns:adec="http://schemas.microsoft.com/office/drawing/2017/decorative" val="1"/>
+              </a:ext>
+            </a:extLst>
+          </p:cNvPr>
+          <p:cNvGrpSpPr>
+            <a:grpSpLocks noGrp="1" noUngrp="1" noRot="1" noChangeAspect="1" noMove="1" noResize="1"/>
+          </p:cNvGrpSpPr>
+          <p:nvPr>
+            <p:extLst>
+              <p:ext uri="{386F3935-93C4-4BCD-93E2-E3B085C9AB24}">
+                <p16:designElem xmlns:p16="http://schemas.microsoft.com/office/powerpoint/2015/main" val="1"/>
+              </p:ext>
+            </p:extLst>
+          </p:nvPr>
+        </p:nvGrpSpPr>
+        <p:grpSpPr>
+          <a:xfrm>
+            <a:off x="1061035" y="1679569"/>
+            <a:ext cx="3498864" cy="3498858"/>
+            <a:chOff x="1061035" y="1679569"/>
+            <a:chExt cx="3498864" cy="3498858"/>
+          </a:xfrm>
+        </p:grpSpPr>
+        <p:sp>
+          <p:nvSpPr>
+            <p:cNvPr id="30" name="Oval 29">
+              <a:extLst>
+                <a:ext uri="{FF2B5EF4-FFF2-40B4-BE49-F238E27FC236}">
+                  <a16:creationId xmlns:a16="http://schemas.microsoft.com/office/drawing/2014/main" id="{059D8741-EAD6-41B1-A882-70D70FC35821}"/>
+                </a:ext>
+                <a:ext uri="{C183D7F6-B498-43B3-948B-1728B52AA6E4}">
+                  <adec:decorative xmlns:adec="http://schemas.microsoft.com/office/drawing/2017/decorative" val="1"/>
+                </a:ext>
+              </a:extLst>
+            </p:cNvPr>
+            <p:cNvSpPr/>
+            <p:nvPr>
+              <p:extLst>
+                <p:ext uri="{386F3935-93C4-4BCD-93E2-E3B085C9AB24}">
+                  <p16:designElem xmlns:p16="http://schemas.microsoft.com/office/powerpoint/2015/main" val="1"/>
+                </p:ext>
+              </p:extLst>
+            </p:nvPr>
+          </p:nvSpPr>
+          <p:spPr>
+            <a:xfrm>
+              <a:off x="1061035" y="1679569"/>
+              <a:ext cx="3498864" cy="3498858"/>
+            </a:xfrm>
+            <a:prstGeom prst="ellipse">
+              <a:avLst/>
+            </a:prstGeom>
+            <a:blipFill dpi="0" rotWithShape="1">
+              <a:blip r:embed="rId2">
+                <a:duotone>
+                  <a:schemeClr val="accent1">
+                    <a:shade val="45000"/>
+                    <a:satMod val="135000"/>
+                  </a:schemeClr>
+                  <a:prstClr val="white"/>
+                </a:duotone>
+                <a:extLst>
+                  <a:ext uri="{BEBA8EAE-BF5A-486C-A8C5-ECC9F3942E4B}">
+                    <a14:imgProps xmlns:a14="http://schemas.microsoft.com/office/drawing/2010/main">
+                      <a14:imgLayer r:embed="rId3">
+                        <a14:imgEffect>
+                          <a14:saturation sat="400000"/>
+                        </a14:imgEffect>
+                        <a14:imgEffect>
+                          <a14:brightnessContrast bright="-40000" contrast="40000"/>
+                        </a14:imgEffect>
+                      </a14:imgLayer>
+                    </a14:imgProps>
+                  </a:ext>
+                </a:extLst>
+              </a:blip>
+              <a:srcRect/>
+              <a:tile tx="0" ty="0" sx="85000" sy="85000" flip="none" algn="tl"/>
+            </a:blipFill>
+            <a:ln w="25400" cap="flat" cmpd="sng" algn="ctr">
+              <a:noFill/>
+              <a:prstDash val="solid"/>
+            </a:ln>
+            <a:effectLst/>
+          </p:spPr>
+          <p:txBody>
+            <a:bodyPr lIns="0" tIns="0" rIns="0" bIns="0" rtlCol="0" anchor="ctr"/>
+            <a:lstStyle/>
+            <a:p>
+              <a:pPr marL="0" marR="0" lvl="0" indent="0" algn="ctr" defTabSz="914400" eaLnBrk="1" fontAlgn="auto" latinLnBrk="0" hangingPunct="1">
+                <a:lnSpc>
+                  <a:spcPct val="100000"/>
+                </a:lnSpc>
+                <a:spcBef>
+                  <a:spcPts val="0"/>
+                </a:spcBef>
+                <a:spcAft>
+                  <a:spcPts val="0"/>
+                </a:spcAft>
+                <a:buClrTx/>
+                <a:buSzTx/>
+                <a:buFontTx/>
+                <a:buNone/>
+                <a:tabLst/>
+                <a:defRPr/>
+              </a:pPr>
+              <a:endParaRPr kumimoji="0" lang="en-US" sz="2000" b="0" i="0" u="none" strike="noStrike" kern="0" cap="none" spc="0" normalizeH="0" baseline="0" noProof="0" dirty="0">
+                <a:ln>
+                  <a:noFill/>
+                </a:ln>
+                <a:solidFill>
+                  <a:prstClr val="white"/>
+                </a:solidFill>
+                <a:effectLst/>
+                <a:uLnTx/>
+                <a:uFillTx/>
+                <a:latin typeface="Rockwell Extra Bold" pitchFamily="18" charset="0"/>
+                <a:ea typeface="+mn-ea"/>
+                <a:cs typeface="+mn-cs"/>
+              </a:endParaRPr>
+            </a:p>
+          </p:txBody>
+        </p:sp>
+        <p:sp>
+          <p:nvSpPr>
+            <p:cNvPr id="31" name="Oval 30">
+              <a:extLst>
+                <a:ext uri="{FF2B5EF4-FFF2-40B4-BE49-F238E27FC236}">
+                  <a16:creationId xmlns:a16="http://schemas.microsoft.com/office/drawing/2014/main" id="{45444F36-3103-4D11-A25F-C054D4606DA4}"/>
+                </a:ext>
+                <a:ext uri="{C183D7F6-B498-43B3-948B-1728B52AA6E4}">
+                  <adec:decorative xmlns:adec="http://schemas.microsoft.com/office/drawing/2017/decorative" val="1"/>
+                </a:ext>
+              </a:extLst>
+            </p:cNvPr>
+            <p:cNvSpPr/>
+            <p:nvPr>
+              <p:extLst>
+                <p:ext uri="{386F3935-93C4-4BCD-93E2-E3B085C9AB24}">
+                  <p16:designElem xmlns:p16="http://schemas.microsoft.com/office/powerpoint/2015/main" val="1"/>
+                </p:ext>
+              </p:extLst>
+            </p:nvPr>
+          </p:nvSpPr>
+          <p:spPr>
+            <a:xfrm>
+              <a:off x="1246134" y="1864667"/>
+              <a:ext cx="3128666" cy="3128662"/>
+            </a:xfrm>
+            <a:prstGeom prst="ellipse">
+              <a:avLst/>
+            </a:prstGeom>
+            <a:noFill/>
+            <a:ln w="25400" cap="flat" cmpd="sng" algn="ctr">
+              <a:solidFill>
+                <a:sysClr val="window" lastClr="FFFFFF"/>
+              </a:solidFill>
+              <a:prstDash val="solid"/>
+            </a:ln>
+            <a:effectLst/>
+          </p:spPr>
+          <p:txBody>
+            <a:bodyPr rtlCol="0" anchor="ctr"/>
+            <a:lstStyle/>
+            <a:p>
+              <a:pPr marL="0" marR="0" lvl="0" indent="0" algn="ctr" defTabSz="914400" eaLnBrk="1" fontAlgn="auto" latinLnBrk="0" hangingPunct="1">
+                <a:lnSpc>
+                  <a:spcPct val="100000"/>
+                </a:lnSpc>
+                <a:spcBef>
+                  <a:spcPts val="0"/>
+                </a:spcBef>
+                <a:spcAft>
+                  <a:spcPts val="0"/>
+                </a:spcAft>
+                <a:buClrTx/>
+                <a:buSzTx/>
+                <a:buFontTx/>
+                <a:buNone/>
+                <a:tabLst/>
+                <a:defRPr/>
+              </a:pPr>
+              <a:endParaRPr kumimoji="0" lang="en-US" sz="1800" b="0" i="0" u="none" strike="noStrike" kern="0" cap="none" spc="0" normalizeH="0" baseline="0" noProof="0" dirty="0">
+                <a:ln>
+                  <a:noFill/>
+                </a:ln>
+                <a:solidFill>
+                  <a:prstClr val="white"/>
+                </a:solidFill>
+                <a:effectLst/>
+                <a:uLnTx/>
+                <a:uFillTx/>
+                <a:latin typeface="Calibri"/>
+                <a:ea typeface="+mn-ea"/>
+                <a:cs typeface="+mn-cs"/>
+              </a:endParaRPr>
+            </a:p>
+          </p:txBody>
+        </p:sp>
+      </p:grpSp>
+      <p:sp>
+        <p:nvSpPr>
+          <p:cNvPr id="2" name="Title 1">
+            <a:extLst>
+              <a:ext uri="{FF2B5EF4-FFF2-40B4-BE49-F238E27FC236}">
+                <a16:creationId xmlns:a16="http://schemas.microsoft.com/office/drawing/2014/main" id="{C390BAE5-A172-7EBE-01BF-0A76EFF10A8C}"/>
+              </a:ext>
+            </a:extLst>
+          </p:cNvPr>
+          <p:cNvSpPr>
+            <a:spLocks noGrp="1"/>
+          </p:cNvSpPr>
+          <p:nvPr>
+            <p:ph type="title"/>
+          </p:nvPr>
+        </p:nvSpPr>
+        <p:spPr>
+          <a:xfrm>
+            <a:off x="1490145" y="2376862"/>
+            <a:ext cx="2640646" cy="2104273"/>
+          </a:xfrm>
+          <a:noFill/>
+        </p:spPr>
+        <p:txBody>
+          <a:bodyPr>
+            <a:normAutofit/>
+          </a:bodyPr>
+          <a:lstStyle/>
+          <a:p>
+            <a:pPr algn="ctr"/>
+            <a:r>
+              <a:rPr lang="en-US" sz="3000">
+                <a:solidFill>
+                  <a:srgbClr val="FFFFFF"/>
+                </a:solidFill>
+              </a:rPr>
+              <a:t>Nguyên tắc hoạt động của DiffPose</a:t>
+            </a:r>
+            <a:endParaRPr lang="en-VN" sz="3000">
+              <a:solidFill>
+                <a:srgbClr val="FFFFFF"/>
+              </a:solidFill>
+            </a:endParaRPr>
+          </a:p>
+        </p:txBody>
+      </p:sp>
+      <p:sp>
+        <p:nvSpPr>
+          <p:cNvPr id="33" name="Rectangle 32">
+            <a:extLst>
+              <a:ext uri="{FF2B5EF4-FFF2-40B4-BE49-F238E27FC236}">
+                <a16:creationId xmlns:a16="http://schemas.microsoft.com/office/drawing/2014/main" id="{AD9B3EAD-A2B3-42C4-927C-3455E3E69EE6}"/>
+              </a:ext>
+              <a:ext uri="{C183D7F6-B498-43B3-948B-1728B52AA6E4}">
+                <adec:decorative xmlns:adec="http://schemas.microsoft.com/office/drawing/2017/decorative" val="1"/>
+              </a:ext>
+            </a:extLst>
+          </p:cNvPr>
+          <p:cNvSpPr>
+            <a:spLocks noGrp="1" noRot="1" noChangeAspect="1" noMove="1" noResize="1" noEditPoints="1" noAdjustHandles="1" noChangeArrowheads="1" noChangeShapeType="1" noTextEdit="1"/>
+          </p:cNvSpPr>
+          <p:nvPr>
+            <p:extLst>
+              <p:ext uri="{386F3935-93C4-4BCD-93E2-E3B085C9AB24}">
+                <p16:designElem xmlns:p16="http://schemas.microsoft.com/office/powerpoint/2015/main" val="1"/>
+              </p:ext>
+            </p:extLst>
+          </p:nvPr>
+        </p:nvSpPr>
+        <p:spPr>
+          <a:xfrm rot="5400000">
+            <a:off x="3502277" y="3388659"/>
+            <a:ext cx="3657600" cy="80683"/>
+          </a:xfrm>
+          <a:prstGeom prst="rect">
+            <a:avLst/>
+          </a:prstGeom>
+          <a:blipFill dpi="0" rotWithShape="1">
+            <a:blip r:embed="rId4">
+              <a:alphaModFix amt="85000"/>
+              <a:lum bright="70000" contrast="-70000"/>
+              <a:extLst>
+                <a:ext uri="{BEBA8EAE-BF5A-486C-A8C5-ECC9F3942E4B}">
+                  <a14:imgProps xmlns:a14="http://schemas.microsoft.com/office/drawing/2010/main">
+                    <a14:imgLayer r:embed="rId5">
+                      <a14:imgEffect>
+                        <a14:sharpenSoften amount="61000"/>
+                      </a14:imgEffect>
+                    </a14:imgLayer>
+                  </a14:imgProps>
+                </a:ext>
+                <a:ext uri="{28A0092B-C50C-407E-A947-70E740481C1C}">
+                  <a14:useLocalDpi xmlns:a14="http://schemas.microsoft.com/office/drawing/2010/main" val="0"/>
+                </a:ext>
+              </a:extLst>
+            </a:blip>
+            <a:srcRect/>
+            <a:tile tx="0" ty="-717550" sx="92000" sy="89000" flip="xy" algn="ctr"/>
+          </a:blipFill>
+          <a:ln>
+            <a:noFill/>
+          </a:ln>
+        </p:spPr>
+        <p:style>
+          <a:lnRef idx="2">
+            <a:schemeClr val="accent1">
+              <a:shade val="50000"/>
+            </a:schemeClr>
+          </a:lnRef>
+          <a:fillRef idx="1">
+            <a:schemeClr val="accent1"/>
+          </a:fillRef>
+          <a:effectRef idx="0">
+            <a:schemeClr val="accent1"/>
+          </a:effectRef>
+          <a:fontRef idx="minor">
+            <a:schemeClr val="lt1"/>
+          </a:fontRef>
+        </p:style>
+        <p:txBody>
+          <a:bodyPr/>
+          <a:lstStyle/>
+          <a:p>
+            <a:endParaRPr lang="en-VN"/>
+          </a:p>
+        </p:txBody>
+      </p:sp>
+      <p:sp>
+        <p:nvSpPr>
+          <p:cNvPr id="3" name="Content Placeholder 2">
+            <a:extLst>
+              <a:ext uri="{FF2B5EF4-FFF2-40B4-BE49-F238E27FC236}">
+                <a16:creationId xmlns:a16="http://schemas.microsoft.com/office/drawing/2014/main" id="{CC731128-7945-C327-66D4-0853DBD996E0}"/>
+              </a:ext>
+            </a:extLst>
+          </p:cNvPr>
+          <p:cNvSpPr>
+            <a:spLocks noGrp="1"/>
+          </p:cNvSpPr>
+          <p:nvPr>
+            <p:ph idx="1"/>
+          </p:nvPr>
+        </p:nvSpPr>
+        <p:spPr>
+          <a:xfrm>
+            <a:off x="6081089" y="725394"/>
+            <a:ext cx="5142658" cy="5407212"/>
+          </a:xfrm>
+        </p:spPr>
+        <p:txBody>
+          <a:bodyPr anchor="ctr">
+            <a:normAutofit/>
+          </a:bodyPr>
+          <a:lstStyle/>
+          <a:p>
+            <a:pPr rtl="0"/>
+            <a:r>
+              <a:rPr lang="vi-VN" b="1">
+                <a:effectLst/>
+              </a:rPr>
+              <a:t>Quy trình</a:t>
+            </a:r>
+            <a:endParaRPr lang="vi-VN">
+              <a:effectLst/>
+            </a:endParaRPr>
+          </a:p>
+          <a:p>
+            <a:pPr lvl="1"/>
+            <a:r>
+              <a:rPr lang="vi-VN">
+                <a:effectLst/>
+              </a:rPr>
+              <a:t>Quy trình hoạt động của DiffPose có thể được tóm tắt như sau:</a:t>
+            </a:r>
+          </a:p>
+          <a:p>
+            <a:pPr lvl="2">
+              <a:buFont typeface="+mj-lt"/>
+              <a:buAutoNum type="arabicPeriod"/>
+            </a:pPr>
+            <a:r>
+              <a:rPr lang="vi-VN" b="1">
+                <a:effectLst/>
+              </a:rPr>
+              <a:t>Khởi tạo phân phối tư thế 3D không chắc chắn:</a:t>
+            </a:r>
+            <a:r>
+              <a:rPr lang="vi-VN">
+                <a:effectLst/>
+              </a:rPr>
+              <a:t> Bắt đầu với một phân phối tư thế 3D ban đầu, đại diện cho nhiều tư thế tiềm ẩn có thể phù hợp với hình ảnh đầu vào.</a:t>
+            </a:r>
+          </a:p>
+          <a:p>
+            <a:pPr lvl="2">
+              <a:buFont typeface="+mj-lt"/>
+              <a:buAutoNum type="arabicPeriod"/>
+            </a:pPr>
+            <a:r>
+              <a:rPr lang="vi-VN" b="1">
+                <a:effectLst/>
+              </a:rPr>
+              <a:t>Áp dụng mô hình khuếch tán dựa trên GCN:</a:t>
+            </a:r>
+            <a:r>
+              <a:rPr lang="vi-VN">
+                <a:effectLst/>
+              </a:rPr>
+              <a:t> Sử dụng mô hình khuếch tán dựa trên GCN để biến đổi phân phối tư thế 3D theo thời gian. Mô hình học hỏi các mối quan hệ giữa các khớp.</a:t>
+            </a:r>
+            <a:endParaRPr lang="en-VN"/>
+          </a:p>
+        </p:txBody>
+      </p:sp>
     </p:spTree>
     <p:extLst>
       <p:ext uri="{BB962C8B-B14F-4D97-AF65-F5344CB8AC3E}">
-        <p14:creationId xmlns:p14="http://schemas.microsoft.com/office/powerpoint/2010/main" val="1651295913"/>
+        <p14:creationId xmlns:p14="http://schemas.microsoft.com/office/powerpoint/2010/main" val="3703456969"/>
       </p:ext>
     </p:extLst>
   </p:cSld>
@@ -10758,123 +11360,42 @@
           <a:chExt cx="0" cy="0"/>
         </a:xfrm>
       </p:grpSpPr>
-      <p:sp>
-        <p:nvSpPr>
-          <p:cNvPr id="2" name="Title 1">
+      <p:pic>
+        <p:nvPicPr>
+          <p:cNvPr id="4" name="Content Placeholder 3">
             <a:extLst>
               <a:ext uri="{FF2B5EF4-FFF2-40B4-BE49-F238E27FC236}">
-                <a16:creationId xmlns:a16="http://schemas.microsoft.com/office/drawing/2014/main" id="{C390BAE5-A172-7EBE-01BF-0A76EFF10A8C}"/>
+                <a16:creationId xmlns:a16="http://schemas.microsoft.com/office/drawing/2014/main" id="{CEE78199-9994-6819-AE6B-C5AC9B2123A7}"/>
               </a:ext>
             </a:extLst>
           </p:cNvPr>
-          <p:cNvSpPr>
-            <a:spLocks noGrp="1"/>
-          </p:cNvSpPr>
-          <p:nvPr>
-            <p:ph type="title"/>
-          </p:nvPr>
-        </p:nvSpPr>
-        <p:spPr/>
-        <p:txBody>
-          <a:bodyPr>
-            <a:normAutofit/>
-          </a:bodyPr>
-          <a:lstStyle/>
-          <a:p>
-            <a:r>
-              <a:rPr lang="en-US"/>
-              <a:t>Nguyên tắc hoạt động của DiffPose</a:t>
-            </a:r>
-            <a:endParaRPr lang="en-VN" dirty="0"/>
-          </a:p>
-        </p:txBody>
-      </p:sp>
-      <p:sp>
-        <p:nvSpPr>
-          <p:cNvPr id="3" name="Content Placeholder 2">
-            <a:extLst>
-              <a:ext uri="{FF2B5EF4-FFF2-40B4-BE49-F238E27FC236}">
-                <a16:creationId xmlns:a16="http://schemas.microsoft.com/office/drawing/2014/main" id="{CC731128-7945-C327-66D4-0853DBD996E0}"/>
-              </a:ext>
-            </a:extLst>
-          </p:cNvPr>
-          <p:cNvSpPr>
-            <a:spLocks noGrp="1"/>
-          </p:cNvSpPr>
+          <p:cNvPicPr>
+            <a:picLocks noGrp="1" noChangeAspect="1"/>
+          </p:cNvPicPr>
           <p:nvPr>
             <p:ph idx="1"/>
           </p:nvPr>
-        </p:nvSpPr>
-        <p:spPr/>
-        <p:txBody>
-          <a:bodyPr>
-            <a:normAutofit/>
-          </a:bodyPr>
-          <a:lstStyle/>
-          <a:p>
-            <a:pPr rtl="0"/>
-            <a:r>
-              <a:rPr lang="vi-VN" b="1" dirty="0">
-                <a:effectLst/>
-              </a:rPr>
-              <a:t>Quy trình</a:t>
-            </a:r>
-            <a:endParaRPr lang="vi-VN" dirty="0">
-              <a:effectLst/>
-            </a:endParaRPr>
-          </a:p>
-          <a:p>
-            <a:pPr lvl="1"/>
-            <a:r>
-              <a:rPr lang="vi-VN" dirty="0">
-                <a:effectLst/>
-              </a:rPr>
-              <a:t>Quy trình hoạt động của DiffPose có thể được tóm tắt như sau:</a:t>
-            </a:r>
-          </a:p>
-          <a:p>
-            <a:pPr lvl="2">
-              <a:buFont typeface="+mj-lt"/>
-              <a:buAutoNum type="arabicPeriod"/>
-            </a:pPr>
-            <a:r>
-              <a:rPr lang="vi-VN" b="1" dirty="0">
-                <a:effectLst/>
-              </a:rPr>
-              <a:t>Khởi tạo phân phối tư thế 3D không chắc chắn:</a:t>
-            </a:r>
-            <a:r>
-              <a:rPr lang="vi-VN" dirty="0">
-                <a:effectLst/>
-              </a:rPr>
-              <a:t> Bắt đầu với một phân phối tư thế 3D ban đầu, đại diện cho nhiều tư thế tiềm ẩn có thể phù hợp với hình ảnh đầu vào.</a:t>
-            </a:r>
-          </a:p>
-          <a:p>
-            <a:pPr lvl="2">
-              <a:buFont typeface="+mj-lt"/>
-              <a:buAutoNum type="arabicPeriod"/>
-            </a:pPr>
-            <a:r>
-              <a:rPr lang="vi-VN" b="1" dirty="0">
-                <a:effectLst/>
-              </a:rPr>
-              <a:t>Áp dụng mô hình khuếch tán dựa trên GCN:</a:t>
-            </a:r>
-            <a:r>
-              <a:rPr lang="vi-VN" dirty="0">
-                <a:effectLst/>
-              </a:rPr>
-              <a:t> Sử dụng mô hình khuếch tán dựa trên GCN để biến đổi phân phối tư thế 3D theo thời gian. Mô hình học hỏi các mối quan hệ giữa các khớp.</a:t>
-            </a:r>
-            <a:endParaRPr lang="en-VN" dirty="0"/>
-          </a:p>
-        </p:txBody>
-      </p:sp>
+        </p:nvPicPr>
+        <p:blipFill>
+          <a:blip r:embed="rId2"/>
+          <a:stretch>
+            <a:fillRect/>
+          </a:stretch>
+        </p:blipFill>
+        <p:spPr>
+          <a:xfrm>
+            <a:off x="240632" y="613611"/>
+            <a:ext cx="12155736" cy="5061051"/>
+          </a:xfrm>
+          <a:prstGeom prst="rect">
+            <a:avLst/>
+          </a:prstGeom>
+        </p:spPr>
+      </p:pic>
     </p:spTree>
     <p:extLst>
       <p:ext uri="{BB962C8B-B14F-4D97-AF65-F5344CB8AC3E}">
-        <p14:creationId xmlns:p14="http://schemas.microsoft.com/office/powerpoint/2010/main" val="3703456969"/>
+        <p14:creationId xmlns:p14="http://schemas.microsoft.com/office/powerpoint/2010/main" val="2044084094"/>
       </p:ext>
     </p:extLst>
   </p:cSld>
@@ -10887,14 +11408,6 @@
 <file path=ppt/slides/slide7.xml><?xml version="1.0" encoding="utf-8"?>
 <p:sld xmlns:a="http://schemas.openxmlformats.org/drawingml/2006/main" xmlns:r="http://schemas.openxmlformats.org/officeDocument/2006/relationships" xmlns:p="http://schemas.openxmlformats.org/presentationml/2006/main">
   <p:cSld>
-    <p:bg>
-      <p:bgPr>
-        <a:solidFill>
-          <a:schemeClr val="bg1"/>
-        </a:solidFill>
-        <a:effectLst/>
-      </p:bgPr>
-    </p:bg>
     <p:spTree>
       <p:nvGrpSpPr>
         <p:cNvPr id="1" name=""/>
@@ -10911,73 +11424,10 @@
       </p:grpSpPr>
       <p:sp>
         <p:nvSpPr>
-          <p:cNvPr id="2" name="Title 1">
+          <p:cNvPr id="3" name="Content Placeholder 2">
             <a:extLst>
               <a:ext uri="{FF2B5EF4-FFF2-40B4-BE49-F238E27FC236}">
-                <a16:creationId xmlns:a16="http://schemas.microsoft.com/office/drawing/2014/main" id="{764AF86E-5C98-2128-29C0-3567B8D1B867}"/>
-              </a:ext>
-            </a:extLst>
-          </p:cNvPr>
-          <p:cNvSpPr>
-            <a:spLocks noGrp="1"/>
-          </p:cNvSpPr>
-          <p:nvPr>
-            <p:ph type="title"/>
-          </p:nvPr>
-        </p:nvSpPr>
-        <p:spPr>
-          <a:xfrm>
-            <a:off x="1066800" y="4511898"/>
-            <a:ext cx="6156790" cy="1609344"/>
-          </a:xfrm>
-        </p:spPr>
-        <p:txBody>
-          <a:bodyPr anchor="ctr">
-            <a:normAutofit/>
-          </a:bodyPr>
-          <a:lstStyle/>
-          <a:p>
-            <a:pPr algn="r"/>
-            <a:endParaRPr lang="en-VN" dirty="0"/>
-          </a:p>
-        </p:txBody>
-      </p:sp>
-      <p:pic>
-        <p:nvPicPr>
-          <p:cNvPr id="4" name="Content Placeholder 3">
-            <a:extLst>
-              <a:ext uri="{FF2B5EF4-FFF2-40B4-BE49-F238E27FC236}">
-                <a16:creationId xmlns:a16="http://schemas.microsoft.com/office/drawing/2014/main" id="{EC518E37-5FEE-B3CF-52BB-3EB92800F48A}"/>
-              </a:ext>
-            </a:extLst>
-          </p:cNvPr>
-          <p:cNvPicPr>
-            <a:picLocks noChangeAspect="1"/>
-          </p:cNvPicPr>
-          <p:nvPr/>
-        </p:nvPicPr>
-        <p:blipFill>
-          <a:blip r:embed="rId2"/>
-          <a:stretch>
-            <a:fillRect/>
-          </a:stretch>
-        </p:blipFill>
-        <p:spPr>
-          <a:xfrm>
-            <a:off x="1088135" y="853956"/>
-            <a:ext cx="10861709" cy="4012499"/>
-          </a:xfrm>
-          <a:prstGeom prst="rect">
-            <a:avLst/>
-          </a:prstGeom>
-        </p:spPr>
-      </p:pic>
-      <p:sp>
-        <p:nvSpPr>
-          <p:cNvPr id="19" name="Content Placeholder 7">
-            <a:extLst>
-              <a:ext uri="{FF2B5EF4-FFF2-40B4-BE49-F238E27FC236}">
-                <a16:creationId xmlns:a16="http://schemas.microsoft.com/office/drawing/2014/main" id="{035D3955-A4F2-3A28-49F8-C6FA997CB451}"/>
+                <a16:creationId xmlns:a16="http://schemas.microsoft.com/office/drawing/2014/main" id="{36B9100A-05E9-EEBA-6A51-A5A377AFBFEF}"/>
               </a:ext>
             </a:extLst>
           </p:cNvPr>
@@ -10990,106 +11440,188 @@
         </p:nvSpPr>
         <p:spPr>
           <a:xfrm>
-            <a:off x="7534655" y="4511896"/>
-            <a:ext cx="3703321" cy="1609345"/>
+            <a:off x="1069848" y="1082842"/>
+            <a:ext cx="10058400" cy="5089358"/>
           </a:xfrm>
         </p:spPr>
         <p:txBody>
-          <a:bodyPr anchor="ctr">
-            <a:normAutofit/>
+          <a:bodyPr>
+            <a:normAutofit fontScale="85000" lnSpcReduction="10000"/>
           </a:bodyPr>
           <a:lstStyle/>
           <a:p>
-            <a:endParaRPr lang="en-US" sz="1400" dirty="0"/>
-          </a:p>
-        </p:txBody>
-      </p:sp>
-      <p:sp>
-        <p:nvSpPr>
-          <p:cNvPr id="20" name="Rectangle 19">
-            <a:extLst>
-              <a:ext uri="{FF2B5EF4-FFF2-40B4-BE49-F238E27FC236}">
-                <a16:creationId xmlns:a16="http://schemas.microsoft.com/office/drawing/2014/main" id="{CAC6F186-990E-4A9E-9C75-88580953E2D2}"/>
-              </a:ext>
-              <a:ext uri="{C183D7F6-B498-43B3-948B-1728B52AA6E4}">
-                <adec:decorative xmlns:adec="http://schemas.microsoft.com/office/drawing/2017/decorative" val="1"/>
-              </a:ext>
-            </a:extLst>
-          </p:cNvPr>
-          <p:cNvSpPr>
-            <a:spLocks noGrp="1" noRot="1" noChangeAspect="1" noMove="1" noResize="1" noEditPoints="1" noAdjustHandles="1" noChangeArrowheads="1" noChangeShapeType="1" noTextEdit="1"/>
-          </p:cNvSpPr>
-          <p:nvPr>
-            <p:extLst>
-              <p:ext uri="{386F3935-93C4-4BCD-93E2-E3B085C9AB24}">
-                <p16:designElem xmlns:p16="http://schemas.microsoft.com/office/powerpoint/2015/main" val="1"/>
-              </p:ext>
-            </p:extLst>
-          </p:nvPr>
-        </p:nvSpPr>
-        <p:spPr>
-          <a:xfrm>
-            <a:off x="1066800" y="4431215"/>
-            <a:ext cx="10058400" cy="80683"/>
-          </a:xfrm>
-          <a:prstGeom prst="rect">
-            <a:avLst/>
-          </a:prstGeom>
-          <a:blipFill dpi="0" rotWithShape="1">
-            <a:blip r:embed="rId3">
-              <a:alphaModFix amt="85000"/>
-              <a:lum bright="70000" contrast="-70000"/>
-              <a:extLst>
-                <a:ext uri="{BEBA8EAE-BF5A-486C-A8C5-ECC9F3942E4B}">
-                  <a14:imgProps xmlns:a14="http://schemas.microsoft.com/office/drawing/2010/main">
-                    <a14:imgLayer r:embed="rId4">
-                      <a14:imgEffect>
-                        <a14:sharpenSoften amount="61000"/>
-                      </a14:imgEffect>
-                    </a14:imgLayer>
-                  </a14:imgProps>
-                </a:ext>
-                <a:ext uri="{28A0092B-C50C-407E-A947-70E740481C1C}">
-                  <a14:useLocalDpi xmlns:a14="http://schemas.microsoft.com/office/drawing/2010/main" val="0"/>
-                </a:ext>
-              </a:extLst>
-            </a:blip>
-            <a:srcRect/>
-            <a:tile tx="0" ty="-762000" sx="92000" sy="89000" flip="xy" algn="ctr"/>
-          </a:blipFill>
-          <a:ln>
-            <a:noFill/>
-          </a:ln>
-        </p:spPr>
-        <p:style>
-          <a:lnRef idx="2">
-            <a:schemeClr val="accent1">
-              <a:shade val="50000"/>
-            </a:schemeClr>
-          </a:lnRef>
-          <a:fillRef idx="1">
-            <a:schemeClr val="accent1"/>
-          </a:fillRef>
-          <a:effectRef idx="0">
-            <a:schemeClr val="accent1"/>
-          </a:effectRef>
-          <a:fontRef idx="minor">
-            <a:schemeClr val="lt1"/>
-          </a:fontRef>
-        </p:style>
-        <p:txBody>
-          <a:bodyPr rtlCol="0" anchor="ctr"/>
-          <a:lstStyle/>
-          <a:p>
-            <a:pPr algn="ctr"/>
-            <a:endParaRPr lang="en-US"/>
+            <a:r>
+              <a:rPr lang="vi-VN" b="1" dirty="0"/>
+              <a:t>Quá trình khuếch tán ngược có điều kiện ngữ cảnh</a:t>
+            </a:r>
+            <a:r>
+              <a:rPr lang="vi-VN" dirty="0"/>
+              <a:t> bao gồm các bước sau:</a:t>
+            </a:r>
+          </a:p>
+          <a:p>
+            <a:pPr>
+              <a:buFont typeface="+mj-lt"/>
+              <a:buAutoNum type="arabicPeriod"/>
+            </a:pPr>
+            <a:r>
+              <a:rPr lang="vi-VN" b="1" dirty="0"/>
+              <a:t>Khởi tạo:</a:t>
+            </a:r>
+            <a:endParaRPr lang="vi-VN" dirty="0"/>
+          </a:p>
+          <a:p>
+            <a:pPr marL="742950" lvl="1" indent="-285750">
+              <a:buFont typeface="Wingdings" pitchFamily="2" charset="2"/>
+              <a:buChar char="Ø"/>
+            </a:pPr>
+            <a:r>
+              <a:rPr lang="vi-VN" dirty="0"/>
+              <a:t>Bắt đầu với một tư thế 3D ngẫu nhiên được lấy từ phân phối tư thế 3D ban đầu (biểu thị bằng đám mây điểm).</a:t>
+            </a:r>
+          </a:p>
+          <a:p>
+            <a:pPr marL="742950" lvl="1" indent="-285750">
+              <a:buFont typeface="Wingdings" pitchFamily="2" charset="2"/>
+              <a:buChar char="Ø"/>
+            </a:pPr>
+            <a:r>
+              <a:rPr lang="vi-VN" dirty="0"/>
+              <a:t>Tư thế ban đầu này có thể được chọn ngẫu nhiên hoặc lấy từ mô hình ước tính tư thế thô sơ.</a:t>
+            </a:r>
+          </a:p>
+          <a:p>
+            <a:pPr>
+              <a:buFont typeface="+mj-lt"/>
+              <a:buAutoNum type="arabicPeriod"/>
+            </a:pPr>
+            <a:r>
+              <a:rPr lang="vi-VN" b="1" dirty="0"/>
+              <a:t>Khuếch tán ngược:</a:t>
+            </a:r>
+            <a:endParaRPr lang="vi-VN" dirty="0"/>
+          </a:p>
+          <a:p>
+            <a:pPr marL="742950" lvl="1" indent="-285750">
+              <a:buFont typeface="Wingdings" pitchFamily="2" charset="2"/>
+              <a:buChar char="Ø"/>
+            </a:pPr>
+            <a:r>
+              <a:rPr lang="vi-VN" dirty="0"/>
+              <a:t>Áp dụng mô hình khuếch tán ngược để biến đổi tư thế 3D ban đầu theo thời gian.</a:t>
+            </a:r>
+          </a:p>
+          <a:p>
+            <a:pPr marL="742950" lvl="1" indent="-285750">
+              <a:buFont typeface="Wingdings" pitchFamily="2" charset="2"/>
+              <a:buChar char="Ø"/>
+            </a:pPr>
+            <a:r>
+              <a:rPr lang="vi-VN" dirty="0"/>
+              <a:t>Mô hình này sử dụng thông tin ngữ cảnh được trích xuất từ hình ảnh đầu vào để hướng dẫn quá trình khuếch tán.</a:t>
+            </a:r>
+          </a:p>
+          <a:p>
+            <a:pPr marL="742950" lvl="1" indent="-285750">
+              <a:buFont typeface="Wingdings" pitchFamily="2" charset="2"/>
+              <a:buChar char="Ø"/>
+            </a:pPr>
+            <a:r>
+              <a:rPr lang="vi-VN" dirty="0"/>
+              <a:t>Thông tin ngữ cảnh có thể bao gồm các đặc điểm như cạnh, màu sắc và kết cấu của hình ảnh.</a:t>
+            </a:r>
+          </a:p>
+          <a:p>
+            <a:pPr marL="742950" lvl="1" indent="-285750">
+              <a:buFont typeface="Wingdings" pitchFamily="2" charset="2"/>
+              <a:buChar char="Ø"/>
+            </a:pPr>
+            <a:r>
+              <a:rPr lang="vi-VN" dirty="0"/>
+              <a:t>Quá trình khuếch tán ngược sử dụng thông tin ngữ cảnh này để loại bỏ nhiễu và tinh chỉnh tư thế cho phù hợp với nội dung hình ảnh.</a:t>
+            </a:r>
+          </a:p>
+          <a:p>
+            <a:pPr>
+              <a:buFont typeface="+mj-lt"/>
+              <a:buAutoNum type="arabicPeriod"/>
+            </a:pPr>
+            <a:r>
+              <a:rPr lang="vi-VN" b="1" dirty="0"/>
+              <a:t>Lặp lại:</a:t>
+            </a:r>
+            <a:endParaRPr lang="vi-VN" dirty="0"/>
+          </a:p>
+          <a:p>
+            <a:pPr marL="742950" lvl="1" indent="-285750">
+              <a:buFont typeface="Wingdings" pitchFamily="2" charset="2"/>
+              <a:buChar char="Ø"/>
+            </a:pPr>
+            <a:r>
+              <a:rPr lang="vi-VN" dirty="0"/>
+              <a:t>Lặp lại bước 2 cho đến khi đạt được độ chính xác mong muốn hoặc khi tư thế 3D hội tụ.</a:t>
+            </a:r>
+          </a:p>
+          <a:p>
+            <a:pPr marL="742950" lvl="1" indent="-285750">
+              <a:buFont typeface="Wingdings" pitchFamily="2" charset="2"/>
+              <a:buChar char="Ø"/>
+            </a:pPr>
+            <a:r>
+              <a:rPr lang="vi-VN" dirty="0"/>
+              <a:t>Tại mỗi lần lặp, tư thế được tinh chỉnh thêm, trở nên nhất quán hơn với nội dung hình ảnh.</a:t>
+            </a:r>
+          </a:p>
+          <a:p>
+            <a:pPr marL="742950" lvl="1" indent="-285750">
+              <a:buFont typeface="Wingdings" pitchFamily="2" charset="2"/>
+              <a:buChar char="Ø"/>
+            </a:pPr>
+            <a:r>
+              <a:rPr lang="vi-VN" dirty="0"/>
+              <a:t>Quá trình tiếp tục cho đến khi đạt được độ chính xác mong muốn hoặc khi tư thế ổn định.</a:t>
+            </a:r>
+          </a:p>
+          <a:p>
+            <a:pPr>
+              <a:buFont typeface="+mj-lt"/>
+              <a:buAutoNum type="arabicPeriod"/>
+            </a:pPr>
+            <a:r>
+              <a:rPr lang="vi-VN" b="1" dirty="0"/>
+              <a:t>Tư thế 3D ước tính cuối cùng:</a:t>
+            </a:r>
+            <a:endParaRPr lang="vi-VN" dirty="0"/>
+          </a:p>
+          <a:p>
+            <a:pPr marL="742950" lvl="1" indent="-285750">
+              <a:buFont typeface="Wingdings" pitchFamily="2" charset="2"/>
+              <a:buChar char="Ø"/>
+            </a:pPr>
+            <a:r>
+              <a:rPr lang="vi-VN" dirty="0"/>
+              <a:t>Sau nhiều lần lặp, quá trình khuếch tán ngược hội tụ đến ước tính tư thế 3D cuối cùng.</a:t>
+            </a:r>
+          </a:p>
+          <a:p>
+            <a:pPr marL="742950" lvl="1" indent="-285750">
+              <a:buFont typeface="Wingdings" pitchFamily="2" charset="2"/>
+              <a:buChar char="Ø"/>
+            </a:pPr>
+            <a:r>
+              <a:rPr lang="vi-VN" dirty="0"/>
+              <a:t>Tư thế này đại diện cho cấu hình 3D có khả năng cao nhất phù hợp với hình ảnh và thông tin ngữ cảnh đã cho.</a:t>
+            </a:r>
+          </a:p>
+          <a:p>
+            <a:endParaRPr lang="en-VN" dirty="0"/>
           </a:p>
         </p:txBody>
       </p:sp>
     </p:spTree>
     <p:extLst>
       <p:ext uri="{BB962C8B-B14F-4D97-AF65-F5344CB8AC3E}">
-        <p14:creationId xmlns:p14="http://schemas.microsoft.com/office/powerpoint/2010/main" val="1625284199"/>
+        <p14:creationId xmlns:p14="http://schemas.microsoft.com/office/powerpoint/2010/main" val="1165595117"/>
       </p:ext>
     </p:extLst>
   </p:cSld>

--- a/lab/t7-xu-ly-anh/thuyet trinh.pptx
+++ b/lab/t7-xu-ly-anh/thuyet trinh.pptx
@@ -7,13 +7,14 @@
   <p:sldIdLst>
     <p:sldId id="256" r:id="rId2"/>
     <p:sldId id="261" r:id="rId3"/>
-    <p:sldId id="262" r:id="rId4"/>
-    <p:sldId id="263" r:id="rId5"/>
-    <p:sldId id="264" r:id="rId6"/>
-    <p:sldId id="268" r:id="rId7"/>
-    <p:sldId id="267" r:id="rId8"/>
-    <p:sldId id="265" r:id="rId9"/>
-    <p:sldId id="266" r:id="rId10"/>
+    <p:sldId id="269" r:id="rId4"/>
+    <p:sldId id="262" r:id="rId5"/>
+    <p:sldId id="263" r:id="rId6"/>
+    <p:sldId id="264" r:id="rId7"/>
+    <p:sldId id="268" r:id="rId8"/>
+    <p:sldId id="267" r:id="rId9"/>
+    <p:sldId id="265" r:id="rId10"/>
+    <p:sldId id="266" r:id="rId11"/>
   </p:sldIdLst>
   <p:sldSz cx="12192000" cy="6858000"/>
   <p:notesSz cx="6858000" cy="9144000"/>
@@ -10247,6 +10248,107 @@
 </p:sld>
 </file>
 
+<file path=ppt/slides/slide10.xml><?xml version="1.0" encoding="utf-8"?>
+<p:sld xmlns:a="http://schemas.openxmlformats.org/drawingml/2006/main" xmlns:r="http://schemas.openxmlformats.org/officeDocument/2006/relationships" xmlns:p="http://schemas.openxmlformats.org/presentationml/2006/main">
+  <p:cSld>
+    <p:spTree>
+      <p:nvGrpSpPr>
+        <p:cNvPr id="1" name=""/>
+        <p:cNvGrpSpPr/>
+        <p:nvPr/>
+      </p:nvGrpSpPr>
+      <p:grpSpPr>
+        <a:xfrm>
+          <a:off x="0" y="0"/>
+          <a:ext cx="0" cy="0"/>
+          <a:chOff x="0" y="0"/>
+          <a:chExt cx="0" cy="0"/>
+        </a:xfrm>
+      </p:grpSpPr>
+      <p:sp>
+        <p:nvSpPr>
+          <p:cNvPr id="2" name="Title 1">
+            <a:extLst>
+              <a:ext uri="{FF2B5EF4-FFF2-40B4-BE49-F238E27FC236}">
+                <a16:creationId xmlns:a16="http://schemas.microsoft.com/office/drawing/2014/main" id="{BB1307AF-AE2C-3DC6-63C4-7AA130BA334D}"/>
+              </a:ext>
+            </a:extLst>
+          </p:cNvPr>
+          <p:cNvSpPr>
+            <a:spLocks noGrp="1"/>
+          </p:cNvSpPr>
+          <p:nvPr>
+            <p:ph type="title"/>
+          </p:nvPr>
+        </p:nvSpPr>
+        <p:spPr/>
+        <p:txBody>
+          <a:bodyPr/>
+          <a:lstStyle/>
+          <a:p>
+            <a:r>
+              <a:rPr lang="en-US" dirty="0" err="1"/>
+              <a:t>Kết</a:t>
+            </a:r>
+            <a:r>
+              <a:rPr lang="en-US" dirty="0"/>
+              <a:t> </a:t>
+            </a:r>
+            <a:r>
+              <a:rPr lang="en-US" dirty="0" err="1"/>
+              <a:t>luận</a:t>
+            </a:r>
+            <a:endParaRPr lang="en-VN" dirty="0"/>
+          </a:p>
+        </p:txBody>
+      </p:sp>
+      <p:sp>
+        <p:nvSpPr>
+          <p:cNvPr id="3" name="Content Placeholder 2">
+            <a:extLst>
+              <a:ext uri="{FF2B5EF4-FFF2-40B4-BE49-F238E27FC236}">
+                <a16:creationId xmlns:a16="http://schemas.microsoft.com/office/drawing/2014/main" id="{CBC4D978-2F17-F9A6-97E7-8853DA40FB1C}"/>
+              </a:ext>
+            </a:extLst>
+          </p:cNvPr>
+          <p:cNvSpPr>
+            <a:spLocks noGrp="1"/>
+          </p:cNvSpPr>
+          <p:nvPr>
+            <p:ph idx="1"/>
+          </p:nvPr>
+        </p:nvSpPr>
+        <p:spPr/>
+        <p:txBody>
+          <a:bodyPr/>
+          <a:lstStyle/>
+          <a:p>
+            <a:pPr marL="0" indent="0">
+              <a:buNone/>
+            </a:pPr>
+            <a:r>
+              <a:rPr lang="vi-VN" dirty="0"/>
+              <a:t>DiffPose là một phương pháp mới đầy hứa hẹn cho việc ước tính tư thế 3D từ một hình ảnh duy nhất. Nó sử dụng mô hình khuếch tán để đạt được độ chính xác và độ tin cậy cao hơn so với các phương pháp truyền thống, đồng thời có khả năng thích ứng cao và tiềm năng ứng dụng rộng rãi trong nhiều lĩnh vực. DiffPose hứa hẹn sẽ mang lại những tiến bộ đáng kể trong các ứng dụng liên quan đến tư thế 3D và mở ra những khả năng mới cho tương tác giữa con người và máy móc.</a:t>
+            </a:r>
+          </a:p>
+          <a:p>
+            <a:endParaRPr lang="en-VN" dirty="0"/>
+          </a:p>
+        </p:txBody>
+      </p:sp>
+    </p:spTree>
+    <p:extLst>
+      <p:ext uri="{BB962C8B-B14F-4D97-AF65-F5344CB8AC3E}">
+        <p14:creationId xmlns:p14="http://schemas.microsoft.com/office/powerpoint/2010/main" val="1155105833"/>
+      </p:ext>
+    </p:extLst>
+  </p:cSld>
+  <p:clrMapOvr>
+    <a:masterClrMapping/>
+  </p:clrMapOvr>
+</p:sld>
+</file>
+
 <file path=ppt/slides/slide2.xml><?xml version="1.0" encoding="utf-8"?>
 <p:sld xmlns:a="http://schemas.openxmlformats.org/drawingml/2006/main" xmlns:r="http://schemas.openxmlformats.org/officeDocument/2006/relationships" xmlns:p="http://schemas.openxmlformats.org/presentationml/2006/main">
   <p:cSld>
@@ -10385,6 +10487,133 @@
 <file path=ppt/slides/slide3.xml><?xml version="1.0" encoding="utf-8"?>
 <p:sld xmlns:a="http://schemas.openxmlformats.org/drawingml/2006/main" xmlns:r="http://schemas.openxmlformats.org/officeDocument/2006/relationships" xmlns:p="http://schemas.openxmlformats.org/presentationml/2006/main">
   <p:cSld>
+    <p:spTree>
+      <p:nvGrpSpPr>
+        <p:cNvPr id="1" name=""/>
+        <p:cNvGrpSpPr/>
+        <p:nvPr/>
+      </p:nvGrpSpPr>
+      <p:grpSpPr>
+        <a:xfrm>
+          <a:off x="0" y="0"/>
+          <a:ext cx="0" cy="0"/>
+          <a:chOff x="0" y="0"/>
+          <a:chExt cx="0" cy="0"/>
+        </a:xfrm>
+      </p:grpSpPr>
+      <p:sp>
+        <p:nvSpPr>
+          <p:cNvPr id="2" name="Title 1">
+            <a:extLst>
+              <a:ext uri="{FF2B5EF4-FFF2-40B4-BE49-F238E27FC236}">
+                <a16:creationId xmlns:a16="http://schemas.microsoft.com/office/drawing/2014/main" id="{852E93B8-9B7C-108E-D6E2-64E4F947B2DE}"/>
+              </a:ext>
+            </a:extLst>
+          </p:cNvPr>
+          <p:cNvSpPr>
+            <a:spLocks noGrp="1"/>
+          </p:cNvSpPr>
+          <p:nvPr>
+            <p:ph type="title"/>
+          </p:nvPr>
+        </p:nvSpPr>
+        <p:spPr/>
+        <p:txBody>
+          <a:bodyPr/>
+          <a:lstStyle/>
+          <a:p>
+            <a:endParaRPr lang="en-VN"/>
+          </a:p>
+        </p:txBody>
+      </p:sp>
+      <p:sp>
+        <p:nvSpPr>
+          <p:cNvPr id="3" name="Content Placeholder 2">
+            <a:extLst>
+              <a:ext uri="{FF2B5EF4-FFF2-40B4-BE49-F238E27FC236}">
+                <a16:creationId xmlns:a16="http://schemas.microsoft.com/office/drawing/2014/main" id="{617A4672-AD78-C387-CAC2-07B6A89162DD}"/>
+              </a:ext>
+            </a:extLst>
+          </p:cNvPr>
+          <p:cNvSpPr>
+            <a:spLocks noGrp="1"/>
+          </p:cNvSpPr>
+          <p:nvPr>
+            <p:ph idx="1"/>
+          </p:nvPr>
+        </p:nvSpPr>
+        <p:spPr/>
+        <p:txBody>
+          <a:bodyPr/>
+          <a:lstStyle/>
+          <a:p>
+            <a:endParaRPr lang="en-VN"/>
+          </a:p>
+        </p:txBody>
+      </p:sp>
+      <p:pic>
+        <p:nvPicPr>
+          <p:cNvPr id="1026" name="Picture 2" descr="Absolute 3D human pose estimated from a single image (top-left) with occlusion and projected into a different view (top-right). Our multi-view consensus-based approach (bottom) results in a more precise absolute pose estimation and effectively handles cases of occlusion">
+            <a:extLst>
+              <a:ext uri="{FF2B5EF4-FFF2-40B4-BE49-F238E27FC236}">
+                <a16:creationId xmlns:a16="http://schemas.microsoft.com/office/drawing/2014/main" id="{78A89C2E-A4C2-9112-5A60-3B464A5E0BAE}"/>
+              </a:ext>
+            </a:extLst>
+          </p:cNvPr>
+          <p:cNvPicPr>
+            <a:picLocks noChangeAspect="1" noChangeArrowheads="1"/>
+          </p:cNvPicPr>
+          <p:nvPr/>
+        </p:nvPicPr>
+        <p:blipFill>
+          <a:blip r:embed="rId2">
+            <a:extLst>
+              <a:ext uri="{28A0092B-C50C-407E-A947-70E740481C1C}">
+                <a14:useLocalDpi xmlns:a14="http://schemas.microsoft.com/office/drawing/2010/main" val="0"/>
+              </a:ext>
+            </a:extLst>
+          </a:blip>
+          <a:srcRect/>
+          <a:stretch>
+            <a:fillRect/>
+          </a:stretch>
+        </p:blipFill>
+        <p:spPr bwMode="auto">
+          <a:xfrm>
+            <a:off x="738188" y="0"/>
+            <a:ext cx="10715625" cy="6858000"/>
+          </a:xfrm>
+          <a:prstGeom prst="rect">
+            <a:avLst/>
+          </a:prstGeom>
+          <a:noFill/>
+          <a:extLst>
+            <a:ext uri="{909E8E84-426E-40DD-AFC4-6F175D3DCCD1}">
+              <a14:hiddenFill xmlns:a14="http://schemas.microsoft.com/office/drawing/2010/main">
+                <a:solidFill>
+                  <a:srgbClr val="FFFFFF"/>
+                </a:solidFill>
+              </a14:hiddenFill>
+            </a:ext>
+          </a:extLst>
+        </p:spPr>
+      </p:pic>
+    </p:spTree>
+    <p:extLst>
+      <p:ext uri="{BB962C8B-B14F-4D97-AF65-F5344CB8AC3E}">
+        <p14:creationId xmlns:p14="http://schemas.microsoft.com/office/powerpoint/2010/main" val="1734093057"/>
+      </p:ext>
+    </p:extLst>
+  </p:cSld>
+  <p:clrMapOvr>
+    <a:masterClrMapping/>
+  </p:clrMapOvr>
+</p:sld>
+</file>
+
+<file path=ppt/slides/slide4.xml><?xml version="1.0" encoding="utf-8"?>
+<p:sld xmlns:a="http://schemas.openxmlformats.org/drawingml/2006/main" xmlns:r="http://schemas.openxmlformats.org/officeDocument/2006/relationships" xmlns:p="http://schemas.openxmlformats.org/presentationml/2006/main">
+  <p:cSld>
     <p:bg>
       <p:bgPr>
         <a:solidFill>
@@ -10516,7 +10745,7 @@
 </p:sld>
 </file>
 
-<file path=ppt/slides/slide4.xml><?xml version="1.0" encoding="utf-8"?>
+<file path=ppt/slides/slide5.xml><?xml version="1.0" encoding="utf-8"?>
 <p:sld xmlns:a="http://schemas.openxmlformats.org/drawingml/2006/main" xmlns:r="http://schemas.openxmlformats.org/officeDocument/2006/relationships" xmlns:p="http://schemas.openxmlformats.org/presentationml/2006/main">
   <p:cSld>
     <p:bg>
@@ -10724,7 +10953,7 @@
 </p:sld>
 </file>
 
-<file path=ppt/slides/slide5.xml><?xml version="1.0" encoding="utf-8"?>
+<file path=ppt/slides/slide6.xml><?xml version="1.0" encoding="utf-8"?>
 <p:sld xmlns:a="http://schemas.openxmlformats.org/drawingml/2006/main" xmlns:r="http://schemas.openxmlformats.org/officeDocument/2006/relationships" xmlns:p="http://schemas.openxmlformats.org/presentationml/2006/main">
   <p:cSld>
     <p:bg>
@@ -11343,7 +11572,7 @@
 </p:sld>
 </file>
 
-<file path=ppt/slides/slide6.xml><?xml version="1.0" encoding="utf-8"?>
+<file path=ppt/slides/slide7.xml><?xml version="1.0" encoding="utf-8"?>
 <p:sld xmlns:a="http://schemas.openxmlformats.org/drawingml/2006/main" xmlns:r="http://schemas.openxmlformats.org/officeDocument/2006/relationships" xmlns:p="http://schemas.openxmlformats.org/presentationml/2006/main">
   <p:cSld>
     <p:spTree>
@@ -11405,7 +11634,7 @@
 </p:sld>
 </file>
 
-<file path=ppt/slides/slide7.xml><?xml version="1.0" encoding="utf-8"?>
+<file path=ppt/slides/slide8.xml><?xml version="1.0" encoding="utf-8"?>
 <p:sld xmlns:a="http://schemas.openxmlformats.org/drawingml/2006/main" xmlns:r="http://schemas.openxmlformats.org/officeDocument/2006/relationships" xmlns:p="http://schemas.openxmlformats.org/presentationml/2006/main">
   <p:cSld>
     <p:spTree>
@@ -11631,7 +11860,7 @@
 </p:sld>
 </file>
 
-<file path=ppt/slides/slide8.xml><?xml version="1.0" encoding="utf-8"?>
+<file path=ppt/slides/slide9.xml><?xml version="1.0" encoding="utf-8"?>
 <p:sld xmlns:a="http://schemas.openxmlformats.org/drawingml/2006/main" xmlns:r="http://schemas.openxmlformats.org/officeDocument/2006/relationships" xmlns:p="http://schemas.openxmlformats.org/presentationml/2006/main">
   <p:cSld>
     <p:spTree>
@@ -11806,107 +12035,6 @@
     <p:extLst>
       <p:ext uri="{BB962C8B-B14F-4D97-AF65-F5344CB8AC3E}">
         <p14:creationId xmlns:p14="http://schemas.microsoft.com/office/powerpoint/2010/main" val="2022840906"/>
-      </p:ext>
-    </p:extLst>
-  </p:cSld>
-  <p:clrMapOvr>
-    <a:masterClrMapping/>
-  </p:clrMapOvr>
-</p:sld>
-</file>
-
-<file path=ppt/slides/slide9.xml><?xml version="1.0" encoding="utf-8"?>
-<p:sld xmlns:a="http://schemas.openxmlformats.org/drawingml/2006/main" xmlns:r="http://schemas.openxmlformats.org/officeDocument/2006/relationships" xmlns:p="http://schemas.openxmlformats.org/presentationml/2006/main">
-  <p:cSld>
-    <p:spTree>
-      <p:nvGrpSpPr>
-        <p:cNvPr id="1" name=""/>
-        <p:cNvGrpSpPr/>
-        <p:nvPr/>
-      </p:nvGrpSpPr>
-      <p:grpSpPr>
-        <a:xfrm>
-          <a:off x="0" y="0"/>
-          <a:ext cx="0" cy="0"/>
-          <a:chOff x="0" y="0"/>
-          <a:chExt cx="0" cy="0"/>
-        </a:xfrm>
-      </p:grpSpPr>
-      <p:sp>
-        <p:nvSpPr>
-          <p:cNvPr id="2" name="Title 1">
-            <a:extLst>
-              <a:ext uri="{FF2B5EF4-FFF2-40B4-BE49-F238E27FC236}">
-                <a16:creationId xmlns:a16="http://schemas.microsoft.com/office/drawing/2014/main" id="{BB1307AF-AE2C-3DC6-63C4-7AA130BA334D}"/>
-              </a:ext>
-            </a:extLst>
-          </p:cNvPr>
-          <p:cNvSpPr>
-            <a:spLocks noGrp="1"/>
-          </p:cNvSpPr>
-          <p:nvPr>
-            <p:ph type="title"/>
-          </p:nvPr>
-        </p:nvSpPr>
-        <p:spPr/>
-        <p:txBody>
-          <a:bodyPr/>
-          <a:lstStyle/>
-          <a:p>
-            <a:r>
-              <a:rPr lang="en-US" dirty="0" err="1"/>
-              <a:t>Kết</a:t>
-            </a:r>
-            <a:r>
-              <a:rPr lang="en-US" dirty="0"/>
-              <a:t> </a:t>
-            </a:r>
-            <a:r>
-              <a:rPr lang="en-US" dirty="0" err="1"/>
-              <a:t>luận</a:t>
-            </a:r>
-            <a:endParaRPr lang="en-VN" dirty="0"/>
-          </a:p>
-        </p:txBody>
-      </p:sp>
-      <p:sp>
-        <p:nvSpPr>
-          <p:cNvPr id="3" name="Content Placeholder 2">
-            <a:extLst>
-              <a:ext uri="{FF2B5EF4-FFF2-40B4-BE49-F238E27FC236}">
-                <a16:creationId xmlns:a16="http://schemas.microsoft.com/office/drawing/2014/main" id="{CBC4D978-2F17-F9A6-97E7-8853DA40FB1C}"/>
-              </a:ext>
-            </a:extLst>
-          </p:cNvPr>
-          <p:cNvSpPr>
-            <a:spLocks noGrp="1"/>
-          </p:cNvSpPr>
-          <p:nvPr>
-            <p:ph idx="1"/>
-          </p:nvPr>
-        </p:nvSpPr>
-        <p:spPr/>
-        <p:txBody>
-          <a:bodyPr/>
-          <a:lstStyle/>
-          <a:p>
-            <a:pPr marL="0" indent="0">
-              <a:buNone/>
-            </a:pPr>
-            <a:r>
-              <a:rPr lang="vi-VN" dirty="0"/>
-              <a:t>DiffPose là một phương pháp mới đầy hứa hẹn cho việc ước tính tư thế 3D từ một hình ảnh duy nhất. Nó sử dụng mô hình khuếch tán để đạt được độ chính xác và độ tin cậy cao hơn so với các phương pháp truyền thống, đồng thời có khả năng thích ứng cao và tiềm năng ứng dụng rộng rãi trong nhiều lĩnh vực. DiffPose hứa hẹn sẽ mang lại những tiến bộ đáng kể trong các ứng dụng liên quan đến tư thế 3D và mở ra những khả năng mới cho tương tác giữa con người và máy móc.</a:t>
-            </a:r>
-          </a:p>
-          <a:p>
-            <a:endParaRPr lang="en-VN" dirty="0"/>
-          </a:p>
-        </p:txBody>
-      </p:sp>
-    </p:spTree>
-    <p:extLst>
-      <p:ext uri="{BB962C8B-B14F-4D97-AF65-F5344CB8AC3E}">
-        <p14:creationId xmlns:p14="http://schemas.microsoft.com/office/powerpoint/2010/main" val="1155105833"/>
       </p:ext>
     </p:extLst>
   </p:cSld>

--- a/lab/t7-xu-ly-anh/thuyet trinh.pptx
+++ b/lab/t7-xu-ly-anh/thuyet trinh.pptx
@@ -1,20 +1,20 @@
 
 <file path=ppt/presentation.xml><?xml version="1.0" encoding="utf-8"?>
-<p:presentation xmlns:a="http://schemas.openxmlformats.org/drawingml/2006/main" xmlns:r="http://schemas.openxmlformats.org/officeDocument/2006/relationships" xmlns:p="http://schemas.openxmlformats.org/presentationml/2006/main" saveSubsetFonts="1" autoCompressPictures="0">
+<p:presentation xmlns:a="http://schemas.openxmlformats.org/drawingml/2006/main" xmlns:r="http://schemas.openxmlformats.org/officeDocument/2006/relationships" xmlns:p="http://schemas.openxmlformats.org/presentationml/2006/main" autoCompressPictures="0">
   <p:sldMasterIdLst>
-    <p:sldMasterId id="2147483816" r:id="rId1"/>
+    <p:sldMasterId id="2147483648" r:id="rId1"/>
   </p:sldMasterIdLst>
   <p:sldIdLst>
-    <p:sldId id="256" r:id="rId2"/>
-    <p:sldId id="261" r:id="rId3"/>
-    <p:sldId id="269" r:id="rId4"/>
-    <p:sldId id="262" r:id="rId5"/>
-    <p:sldId id="263" r:id="rId6"/>
-    <p:sldId id="264" r:id="rId7"/>
-    <p:sldId id="268" r:id="rId8"/>
-    <p:sldId id="267" r:id="rId9"/>
-    <p:sldId id="265" r:id="rId10"/>
-    <p:sldId id="266" r:id="rId11"/>
+    <p:sldId id="256" r:id="rId3"/>
+    <p:sldId id="261" r:id="rId4"/>
+    <p:sldId id="269" r:id="rId5"/>
+    <p:sldId id="262" r:id="rId6"/>
+    <p:sldId id="263" r:id="rId7"/>
+    <p:sldId id="264" r:id="rId8"/>
+    <p:sldId id="268" r:id="rId9"/>
+    <p:sldId id="267" r:id="rId10"/>
+    <p:sldId id="265" r:id="rId11"/>
+    <p:sldId id="266" r:id="rId12"/>
   </p:sldIdLst>
   <p:sldSz cx="12192000" cy="6858000"/>
   <p:notesSz cx="6858000" cy="9144000"/>
@@ -113,11 +113,6 @@
       </a:defRPr>
     </a:lvl9pPr>
   </p:defaultTextStyle>
-  <p:extLst>
-    <p:ext uri="{EFAFB233-063F-42B5-8137-9DF3F51BA10A}">
-      <p15:sldGuideLst xmlns:p15="http://schemas.microsoft.com/office/powerpoint/2012/main"/>
-    </p:ext>
-  </p:extLst>
 </p:presentation>
 </file>
 
@@ -128,35 +123,11 @@
   <dgm:catLst>
     <dgm:cat type="colorful" pri="10500"/>
   </dgm:catLst>
-  <dgm:styleLbl name="node0">
+  <dgm:styleLbl name="alignAcc1">
     <dgm:fillClrLst meth="repeat">
-      <a:schemeClr val="accent4"/>
-    </dgm:fillClrLst>
-    <dgm:linClrLst meth="repeat">
-      <a:schemeClr val="lt1"/>
-    </dgm:linClrLst>
-    <dgm:effectClrLst/>
-    <dgm:txLinClrLst/>
-    <dgm:txFillClrLst/>
-    <dgm:txEffectClrLst/>
-  </dgm:styleLbl>
-  <dgm:styleLbl name="node1">
-    <dgm:fillClrLst>
-      <a:schemeClr val="accent5"/>
-      <a:schemeClr val="accent6"/>
-    </dgm:fillClrLst>
-    <dgm:linClrLst meth="repeat">
-      <a:schemeClr val="lt1"/>
-    </dgm:linClrLst>
-    <dgm:effectClrLst/>
-    <dgm:txLinClrLst/>
-    <dgm:txFillClrLst/>
-    <dgm:txEffectClrLst/>
-  </dgm:styleLbl>
-  <dgm:styleLbl name="alignNode1">
-    <dgm:fillClrLst>
-      <a:schemeClr val="accent5"/>
-      <a:schemeClr val="accent6"/>
+      <a:schemeClr val="lt1">
+        <a:alpha val="90000"/>
+      </a:schemeClr>
     </dgm:fillClrLst>
     <dgm:linClrLst>
       <a:schemeClr val="accent5"/>
@@ -164,91 +135,36 @@
     </dgm:linClrLst>
     <dgm:effectClrLst/>
     <dgm:txLinClrLst/>
-    <dgm:txFillClrLst/>
+    <dgm:txFillClrLst meth="repeat">
+      <a:schemeClr val="dk1"/>
+    </dgm:txFillClrLst>
     <dgm:txEffectClrLst/>
   </dgm:styleLbl>
-  <dgm:styleLbl name="lnNode1">
-    <dgm:fillClrLst>
-      <a:schemeClr val="accent5"/>
-      <a:schemeClr val="accent6"/>
-    </dgm:fillClrLst>
-    <dgm:linClrLst meth="repeat">
-      <a:schemeClr val="lt1"/>
-    </dgm:linClrLst>
-    <dgm:effectClrLst/>
-    <dgm:txLinClrLst/>
-    <dgm:txFillClrLst/>
-    <dgm:txEffectClrLst/>
-  </dgm:styleLbl>
-  <dgm:styleLbl name="vennNode1">
+  <dgm:styleLbl name="alignAccFollowNode1">
     <dgm:fillClrLst>
       <a:schemeClr val="accent5">
-        <a:alpha val="50000"/>
+        <a:tint val="40000"/>
+        <a:alpha val="90000"/>
       </a:schemeClr>
       <a:schemeClr val="accent6">
-        <a:alpha val="50000"/>
+        <a:tint val="40000"/>
+        <a:alpha val="90000"/>
       </a:schemeClr>
     </dgm:fillClrLst>
-    <dgm:linClrLst meth="repeat">
-      <a:schemeClr val="lt1"/>
-    </dgm:linClrLst>
-    <dgm:effectClrLst/>
-    <dgm:txLinClrLst/>
-    <dgm:txFillClrLst/>
-    <dgm:txEffectClrLst/>
-  </dgm:styleLbl>
-  <dgm:styleLbl name="node2">
-    <dgm:fillClrLst>
-      <a:schemeClr val="accent6"/>
-    </dgm:fillClrLst>
-    <dgm:linClrLst meth="repeat">
-      <a:schemeClr val="lt1"/>
-    </dgm:linClrLst>
-    <dgm:effectClrLst/>
-    <dgm:txLinClrLst/>
-    <dgm:txFillClrLst/>
-    <dgm:txEffectClrLst/>
-  </dgm:styleLbl>
-  <dgm:styleLbl name="node3">
-    <dgm:fillClrLst>
-      <a:schemeClr val="accent1"/>
-    </dgm:fillClrLst>
-    <dgm:linClrLst meth="repeat">
-      <a:schemeClr val="lt1"/>
-    </dgm:linClrLst>
-    <dgm:effectClrLst/>
-    <dgm:txLinClrLst/>
-    <dgm:txFillClrLst/>
-    <dgm:txEffectClrLst/>
-  </dgm:styleLbl>
-  <dgm:styleLbl name="node4">
-    <dgm:fillClrLst>
-      <a:schemeClr val="accent2"/>
-    </dgm:fillClrLst>
-    <dgm:linClrLst meth="repeat">
-      <a:schemeClr val="lt1"/>
-    </dgm:linClrLst>
-    <dgm:effectClrLst/>
-    <dgm:txLinClrLst/>
-    <dgm:txFillClrLst/>
-    <dgm:txEffectClrLst/>
-  </dgm:styleLbl>
-  <dgm:styleLbl name="fgImgPlace1">
-    <dgm:fillClrLst>
+    <dgm:linClrLst>
       <a:schemeClr val="accent5">
-        <a:tint val="50000"/>
+        <a:tint val="40000"/>
+        <a:alpha val="90000"/>
       </a:schemeClr>
       <a:schemeClr val="accent6">
-        <a:tint val="50000"/>
+        <a:tint val="40000"/>
+        <a:alpha val="90000"/>
       </a:schemeClr>
-    </dgm:fillClrLst>
-    <dgm:linClrLst meth="repeat">
-      <a:schemeClr val="lt1"/>
     </dgm:linClrLst>
     <dgm:effectClrLst/>
     <dgm:txLinClrLst/>
     <dgm:txFillClrLst meth="repeat">
-      <a:schemeClr val="lt1"/>
+      <a:schemeClr val="dk1"/>
     </dgm:txFillClrLst>
     <dgm:txEffectClrLst/>
   </dgm:styleLbl>
@@ -271,6 +187,129 @@
     </dgm:txFillClrLst>
     <dgm:txEffectClrLst/>
   </dgm:styleLbl>
+  <dgm:styleLbl name="alignNode1">
+    <dgm:fillClrLst>
+      <a:schemeClr val="accent5"/>
+      <a:schemeClr val="accent6"/>
+    </dgm:fillClrLst>
+    <dgm:linClrLst>
+      <a:schemeClr val="accent5"/>
+      <a:schemeClr val="accent6"/>
+    </dgm:linClrLst>
+    <dgm:effectClrLst/>
+    <dgm:txLinClrLst/>
+    <dgm:txFillClrLst/>
+    <dgm:txEffectClrLst/>
+  </dgm:styleLbl>
+  <dgm:styleLbl name="asst0">
+    <dgm:fillClrLst meth="repeat">
+      <a:schemeClr val="accent5"/>
+    </dgm:fillClrLst>
+    <dgm:linClrLst meth="repeat">
+      <a:schemeClr val="lt1">
+        <a:shade val="80000"/>
+      </a:schemeClr>
+    </dgm:linClrLst>
+    <dgm:effectClrLst/>
+    <dgm:txLinClrLst/>
+    <dgm:txFillClrLst/>
+    <dgm:txEffectClrLst/>
+  </dgm:styleLbl>
+  <dgm:styleLbl name="asst1">
+    <dgm:fillClrLst meth="repeat">
+      <a:schemeClr val="accent6"/>
+    </dgm:fillClrLst>
+    <dgm:linClrLst meth="repeat">
+      <a:schemeClr val="lt1">
+        <a:shade val="80000"/>
+      </a:schemeClr>
+    </dgm:linClrLst>
+    <dgm:effectClrLst/>
+    <dgm:txLinClrLst/>
+    <dgm:txFillClrLst/>
+    <dgm:txEffectClrLst/>
+  </dgm:styleLbl>
+  <dgm:styleLbl name="asst2">
+    <dgm:fillClrLst>
+      <a:schemeClr val="accent1"/>
+    </dgm:fillClrLst>
+    <dgm:linClrLst meth="repeat">
+      <a:schemeClr val="lt1"/>
+    </dgm:linClrLst>
+    <dgm:effectClrLst/>
+    <dgm:txLinClrLst/>
+    <dgm:txFillClrLst/>
+    <dgm:txEffectClrLst/>
+  </dgm:styleLbl>
+  <dgm:styleLbl name="asst3">
+    <dgm:fillClrLst>
+      <a:schemeClr val="accent2"/>
+    </dgm:fillClrLst>
+    <dgm:linClrLst meth="repeat">
+      <a:schemeClr val="lt1"/>
+    </dgm:linClrLst>
+    <dgm:effectClrLst/>
+    <dgm:txLinClrLst/>
+    <dgm:txFillClrLst/>
+    <dgm:txEffectClrLst/>
+  </dgm:styleLbl>
+  <dgm:styleLbl name="asst4">
+    <dgm:fillClrLst>
+      <a:schemeClr val="accent3"/>
+    </dgm:fillClrLst>
+    <dgm:linClrLst meth="repeat">
+      <a:schemeClr val="lt1"/>
+    </dgm:linClrLst>
+    <dgm:effectClrLst/>
+    <dgm:txLinClrLst/>
+    <dgm:txFillClrLst/>
+    <dgm:txEffectClrLst/>
+  </dgm:styleLbl>
+  <dgm:styleLbl name="bgAcc1">
+    <dgm:fillClrLst meth="repeat">
+      <a:schemeClr val="lt1">
+        <a:alpha val="90000"/>
+      </a:schemeClr>
+    </dgm:fillClrLst>
+    <dgm:linClrLst>
+      <a:schemeClr val="accent5"/>
+      <a:schemeClr val="accent6"/>
+    </dgm:linClrLst>
+    <dgm:effectClrLst/>
+    <dgm:txLinClrLst/>
+    <dgm:txFillClrLst meth="repeat">
+      <a:schemeClr val="dk1"/>
+    </dgm:txFillClrLst>
+    <dgm:txEffectClrLst/>
+  </dgm:styleLbl>
+  <dgm:styleLbl name="bgAccFollowNode1">
+    <dgm:fillClrLst>
+      <a:schemeClr val="accent5">
+        <a:tint val="40000"/>
+        <a:alpha val="90000"/>
+      </a:schemeClr>
+      <a:schemeClr val="accent6">
+        <a:tint val="40000"/>
+        <a:alpha val="90000"/>
+      </a:schemeClr>
+    </dgm:fillClrLst>
+    <dgm:linClrLst>
+      <a:schemeClr val="accent5">
+        <a:tint val="40000"/>
+        <a:alpha val="90000"/>
+      </a:schemeClr>
+      <a:schemeClr val="accent6">
+        <a:tint val="40000"/>
+        <a:alpha val="90000"/>
+      </a:schemeClr>
+    </dgm:linClrLst>
+    <dgm:effectClrLst/>
+    <dgm:txLinClrLst/>
+    <dgm:txFillClrLst meth="repeat">
+      <a:schemeClr val="dk1"/>
+    </dgm:txFillClrLst>
+    <dgm:txEffectClrLst/>
+  </dgm:styleLbl>
   <dgm:styleLbl name="bgImgPlace1">
     <dgm:fillClrLst>
       <a:schemeClr val="accent5">
@@ -290,31 +329,19 @@
     </dgm:txFillClrLst>
     <dgm:txEffectClrLst/>
   </dgm:styleLbl>
-  <dgm:styleLbl name="sibTrans2D1">
-    <dgm:fillClrLst>
-      <a:schemeClr val="accent5"/>
-      <a:schemeClr val="accent6"/>
+  <dgm:styleLbl name="bgShp">
+    <dgm:fillClrLst meth="repeat">
+      <a:schemeClr val="accent5">
+        <a:tint val="40000"/>
+      </a:schemeClr>
     </dgm:fillClrLst>
     <dgm:linClrLst meth="repeat">
-      <a:schemeClr val="lt1"/>
-    </dgm:linClrLst>
-    <dgm:effectClrLst/>
-    <dgm:txLinClrLst/>
-    <dgm:txFillClrLst/>
-    <dgm:txEffectClrLst/>
-  </dgm:styleLbl>
-  <dgm:styleLbl name="fgSibTrans2D1">
-    <dgm:fillClrLst>
-      <a:schemeClr val="accent5"/>
-      <a:schemeClr val="accent6"/>
-    </dgm:fillClrLst>
-    <dgm:linClrLst meth="repeat">
-      <a:schemeClr val="lt1"/>
+      <a:schemeClr val="dk1"/>
     </dgm:linClrLst>
     <dgm:effectClrLst/>
     <dgm:txLinClrLst/>
     <dgm:txFillClrLst meth="repeat">
-      <a:schemeClr val="lt1"/>
+      <a:schemeClr val="dk1"/>
     </dgm:txFillClrLst>
     <dgm:txEffectClrLst/>
   </dgm:styleLbl>
@@ -330,19 +357,6 @@
     <dgm:txLinClrLst/>
     <dgm:txFillClrLst meth="repeat">
       <a:schemeClr val="lt1"/>
-    </dgm:txFillClrLst>
-    <dgm:txEffectClrLst/>
-  </dgm:styleLbl>
-  <dgm:styleLbl name="sibTrans1D1">
-    <dgm:fillClrLst/>
-    <dgm:linClrLst>
-      <a:schemeClr val="accent5"/>
-      <a:schemeClr val="accent6"/>
-    </dgm:linClrLst>
-    <dgm:effectClrLst/>
-    <dgm:txLinClrLst/>
-    <dgm:txFillClrLst meth="repeat">
-      <a:schemeClr val="tx1"/>
     </dgm:txFillClrLst>
     <dgm:txEffectClrLst/>
   </dgm:styleLbl>
@@ -362,76 +376,31 @@
     </dgm:txFillClrLst>
     <dgm:txEffectClrLst/>
   </dgm:styleLbl>
-  <dgm:styleLbl name="asst0">
+  <dgm:styleLbl name="conFgAcc1">
     <dgm:fillClrLst meth="repeat">
+      <a:schemeClr val="lt1">
+        <a:alpha val="90000"/>
+      </a:schemeClr>
+    </dgm:fillClrLst>
+    <dgm:linClrLst>
       <a:schemeClr val="accent5"/>
-    </dgm:fillClrLst>
-    <dgm:linClrLst meth="repeat">
-      <a:schemeClr val="lt1">
-        <a:shade val="80000"/>
-      </a:schemeClr>
+      <a:schemeClr val="accent6"/>
     </dgm:linClrLst>
     <dgm:effectClrLst/>
     <dgm:txLinClrLst/>
-    <dgm:txFillClrLst/>
+    <dgm:txFillClrLst meth="repeat">
+      <a:schemeClr val="dk1"/>
+    </dgm:txFillClrLst>
     <dgm:txEffectClrLst/>
   </dgm:styleLbl>
-  <dgm:styleLbl name="asst1">
+  <dgm:styleLbl name="dkBgShp">
     <dgm:fillClrLst meth="repeat">
-      <a:schemeClr val="accent6"/>
+      <a:schemeClr val="accent5">
+        <a:shade val="90000"/>
+      </a:schemeClr>
     </dgm:fillClrLst>
     <dgm:linClrLst meth="repeat">
-      <a:schemeClr val="lt1">
-        <a:shade val="80000"/>
-      </a:schemeClr>
-    </dgm:linClrLst>
-    <dgm:effectClrLst/>
-    <dgm:txLinClrLst/>
-    <dgm:txFillClrLst/>
-    <dgm:txEffectClrLst/>
-  </dgm:styleLbl>
-  <dgm:styleLbl name="asst2">
-    <dgm:fillClrLst>
-      <a:schemeClr val="accent1"/>
-    </dgm:fillClrLst>
-    <dgm:linClrLst meth="repeat">
-      <a:schemeClr val="lt1"/>
-    </dgm:linClrLst>
-    <dgm:effectClrLst/>
-    <dgm:txLinClrLst/>
-    <dgm:txFillClrLst/>
-    <dgm:txEffectClrLst/>
-  </dgm:styleLbl>
-  <dgm:styleLbl name="asst3">
-    <dgm:fillClrLst>
-      <a:schemeClr val="accent2"/>
-    </dgm:fillClrLst>
-    <dgm:linClrLst meth="repeat">
-      <a:schemeClr val="lt1"/>
-    </dgm:linClrLst>
-    <dgm:effectClrLst/>
-    <dgm:txLinClrLst/>
-    <dgm:txFillClrLst/>
-    <dgm:txEffectClrLst/>
-  </dgm:styleLbl>
-  <dgm:styleLbl name="asst4">
-    <dgm:fillClrLst>
-      <a:schemeClr val="accent3"/>
-    </dgm:fillClrLst>
-    <dgm:linClrLst meth="repeat">
-      <a:schemeClr val="lt1"/>
-    </dgm:linClrLst>
-    <dgm:effectClrLst/>
-    <dgm:txLinClrLst/>
-    <dgm:txFillClrLst/>
-    <dgm:txEffectClrLst/>
-  </dgm:styleLbl>
-  <dgm:styleLbl name="parChTrans2D1">
-    <dgm:fillClrLst meth="repeat">
-      <a:schemeClr val="accent5"/>
-    </dgm:fillClrLst>
-    <dgm:linClrLst meth="repeat">
-      <a:schemeClr val="lt1"/>
+      <a:schemeClr val="dk1"/>
     </dgm:linClrLst>
     <dgm:effectClrLst/>
     <dgm:txLinClrLst/>
@@ -440,103 +409,19 @@
     </dgm:txFillClrLst>
     <dgm:txEffectClrLst/>
   </dgm:styleLbl>
-  <dgm:styleLbl name="parChTrans2D2">
+  <dgm:styleLbl name="fgAcc0">
     <dgm:fillClrLst meth="repeat">
-      <a:schemeClr val="accent6"/>
+      <a:schemeClr val="lt1">
+        <a:alpha val="90000"/>
+      </a:schemeClr>
     </dgm:fillClrLst>
-    <dgm:linClrLst meth="repeat">
-      <a:schemeClr val="lt1"/>
-    </dgm:linClrLst>
-    <dgm:effectClrLst/>
-    <dgm:txLinClrLst/>
-    <dgm:txFillClrLst/>
-    <dgm:txEffectClrLst/>
-  </dgm:styleLbl>
-  <dgm:styleLbl name="parChTrans2D3">
-    <dgm:fillClrLst meth="repeat">
-      <a:schemeClr val="accent6"/>
-    </dgm:fillClrLst>
-    <dgm:linClrLst meth="repeat">
-      <a:schemeClr val="lt1"/>
-    </dgm:linClrLst>
-    <dgm:effectClrLst/>
-    <dgm:txLinClrLst/>
-    <dgm:txFillClrLst/>
-    <dgm:txEffectClrLst/>
-  </dgm:styleLbl>
-  <dgm:styleLbl name="parChTrans2D4">
-    <dgm:fillClrLst meth="repeat">
-      <a:schemeClr val="accent1"/>
-    </dgm:fillClrLst>
-    <dgm:linClrLst meth="repeat">
-      <a:schemeClr val="lt1"/>
+    <dgm:linClrLst>
+      <a:schemeClr val="accent4"/>
     </dgm:linClrLst>
     <dgm:effectClrLst/>
     <dgm:txLinClrLst/>
     <dgm:txFillClrLst meth="repeat">
-      <a:schemeClr val="lt1"/>
-    </dgm:txFillClrLst>
-    <dgm:txEffectClrLst/>
-  </dgm:styleLbl>
-  <dgm:styleLbl name="parChTrans1D1">
-    <dgm:fillClrLst meth="repeat">
-      <a:schemeClr val="accent5"/>
-    </dgm:fillClrLst>
-    <dgm:linClrLst meth="repeat">
-      <a:schemeClr val="accent5"/>
-    </dgm:linClrLst>
-    <dgm:effectClrLst/>
-    <dgm:txLinClrLst/>
-    <dgm:txFillClrLst meth="repeat">
-      <a:schemeClr val="tx1"/>
-    </dgm:txFillClrLst>
-    <dgm:txEffectClrLst/>
-  </dgm:styleLbl>
-  <dgm:styleLbl name="parChTrans1D2">
-    <dgm:fillClrLst meth="repeat">
-      <a:schemeClr val="accent6">
-        <a:tint val="90000"/>
-      </a:schemeClr>
-    </dgm:fillClrLst>
-    <dgm:linClrLst meth="repeat">
-      <a:schemeClr val="accent6"/>
-    </dgm:linClrLst>
-    <dgm:effectClrLst/>
-    <dgm:txLinClrLst/>
-    <dgm:txFillClrLst meth="repeat">
-      <a:schemeClr val="tx1"/>
-    </dgm:txFillClrLst>
-    <dgm:txEffectClrLst/>
-  </dgm:styleLbl>
-  <dgm:styleLbl name="parChTrans1D3">
-    <dgm:fillClrLst meth="repeat">
-      <a:schemeClr val="accent6">
-        <a:tint val="70000"/>
-      </a:schemeClr>
-    </dgm:fillClrLst>
-    <dgm:linClrLst meth="repeat">
-      <a:schemeClr val="accent1"/>
-    </dgm:linClrLst>
-    <dgm:effectClrLst/>
-    <dgm:txLinClrLst/>
-    <dgm:txFillClrLst meth="repeat">
-      <a:schemeClr val="tx1"/>
-    </dgm:txFillClrLst>
-    <dgm:txEffectClrLst/>
-  </dgm:styleLbl>
-  <dgm:styleLbl name="parChTrans1D4">
-    <dgm:fillClrLst meth="repeat">
-      <a:schemeClr val="accent6">
-        <a:tint val="50000"/>
-      </a:schemeClr>
-    </dgm:fillClrLst>
-    <dgm:linClrLst meth="repeat">
-      <a:schemeClr val="accent2"/>
-    </dgm:linClrLst>
-    <dgm:effectClrLst/>
-    <dgm:txLinClrLst/>
-    <dgm:txFillClrLst meth="repeat">
-      <a:schemeClr val="tx1"/>
+      <a:schemeClr val="dk1"/>
     </dgm:txFillClrLst>
     <dgm:txEffectClrLst/>
   </dgm:styleLbl>
@@ -557,14 +442,13 @@
     </dgm:txFillClrLst>
     <dgm:txEffectClrLst/>
   </dgm:styleLbl>
-  <dgm:styleLbl name="conFgAcc1">
+  <dgm:styleLbl name="fgAcc2">
     <dgm:fillClrLst meth="repeat">
       <a:schemeClr val="lt1">
         <a:alpha val="90000"/>
       </a:schemeClr>
     </dgm:fillClrLst>
     <dgm:linClrLst>
-      <a:schemeClr val="accent5"/>
       <a:schemeClr val="accent6"/>
     </dgm:linClrLst>
     <dgm:effectClrLst/>
@@ -574,15 +458,14 @@
     </dgm:txFillClrLst>
     <dgm:txEffectClrLst/>
   </dgm:styleLbl>
-  <dgm:styleLbl name="alignAcc1">
+  <dgm:styleLbl name="fgAcc3">
     <dgm:fillClrLst meth="repeat">
       <a:schemeClr val="lt1">
         <a:alpha val="90000"/>
       </a:schemeClr>
     </dgm:fillClrLst>
     <dgm:linClrLst>
-      <a:schemeClr val="accent5"/>
-      <a:schemeClr val="accent6"/>
+      <a:schemeClr val="accent1"/>
     </dgm:linClrLst>
     <dgm:effectClrLst/>
     <dgm:txLinClrLst/>
@@ -591,76 +474,14 @@
     </dgm:txFillClrLst>
     <dgm:txEffectClrLst/>
   </dgm:styleLbl>
-  <dgm:styleLbl name="trAlignAcc1">
-    <dgm:fillClrLst meth="repeat">
-      <a:schemeClr val="lt1">
-        <a:alpha val="40000"/>
-      </a:schemeClr>
-    </dgm:fillClrLst>
-    <dgm:linClrLst meth="repeat">
-      <a:schemeClr val="accent5"/>
-    </dgm:linClrLst>
-    <dgm:effectClrLst/>
-    <dgm:txLinClrLst/>
-    <dgm:txFillClrLst meth="repeat">
-      <a:schemeClr val="dk1"/>
-    </dgm:txFillClrLst>
-    <dgm:txEffectClrLst/>
-  </dgm:styleLbl>
-  <dgm:styleLbl name="bgAcc1">
+  <dgm:styleLbl name="fgAcc4">
     <dgm:fillClrLst meth="repeat">
       <a:schemeClr val="lt1">
         <a:alpha val="90000"/>
       </a:schemeClr>
     </dgm:fillClrLst>
     <dgm:linClrLst>
-      <a:schemeClr val="accent5"/>
-      <a:schemeClr val="accent6"/>
-    </dgm:linClrLst>
-    <dgm:effectClrLst/>
-    <dgm:txLinClrLst/>
-    <dgm:txFillClrLst meth="repeat">
-      <a:schemeClr val="dk1"/>
-    </dgm:txFillClrLst>
-    <dgm:txEffectClrLst/>
-  </dgm:styleLbl>
-  <dgm:styleLbl name="solidFgAcc1">
-    <dgm:fillClrLst meth="repeat">
-      <a:schemeClr val="lt1"/>
-    </dgm:fillClrLst>
-    <dgm:linClrLst>
-      <a:schemeClr val="accent5"/>
-      <a:schemeClr val="accent6"/>
-    </dgm:linClrLst>
-    <dgm:effectClrLst/>
-    <dgm:txLinClrLst/>
-    <dgm:txFillClrLst meth="repeat">
-      <a:schemeClr val="dk1"/>
-    </dgm:txFillClrLst>
-    <dgm:txEffectClrLst/>
-  </dgm:styleLbl>
-  <dgm:styleLbl name="solidAlignAcc1">
-    <dgm:fillClrLst meth="repeat">
-      <a:schemeClr val="lt1"/>
-    </dgm:fillClrLst>
-    <dgm:linClrLst>
-      <a:schemeClr val="accent5"/>
-      <a:schemeClr val="accent6"/>
-    </dgm:linClrLst>
-    <dgm:effectClrLst/>
-    <dgm:txLinClrLst/>
-    <dgm:txFillClrLst meth="repeat">
-      <a:schemeClr val="dk1"/>
-    </dgm:txFillClrLst>
-    <dgm:txEffectClrLst/>
-  </dgm:styleLbl>
-  <dgm:styleLbl name="solidBgAcc1">
-    <dgm:fillClrLst meth="repeat">
-      <a:schemeClr val="lt1"/>
-    </dgm:fillClrLst>
-    <dgm:linClrLst>
-      <a:schemeClr val="accent5"/>
-      <a:schemeClr val="accent6"/>
+      <a:schemeClr val="accent2"/>
     </dgm:linClrLst>
     <dgm:effectClrLst/>
     <dgm:txLinClrLst/>
@@ -697,167 +518,17 @@
     </dgm:txFillClrLst>
     <dgm:txEffectClrLst/>
   </dgm:styleLbl>
-  <dgm:styleLbl name="alignAccFollowNode1">
+  <dgm:styleLbl name="fgImgPlace1">
     <dgm:fillClrLst>
       <a:schemeClr val="accent5">
-        <a:tint val="40000"/>
-        <a:alpha val="90000"/>
+        <a:tint val="50000"/>
       </a:schemeClr>
       <a:schemeClr val="accent6">
-        <a:tint val="40000"/>
-        <a:alpha val="90000"/>
-      </a:schemeClr>
-    </dgm:fillClrLst>
-    <dgm:linClrLst>
-      <a:schemeClr val="accent5">
-        <a:tint val="40000"/>
-        <a:alpha val="90000"/>
-      </a:schemeClr>
-      <a:schemeClr val="accent6">
-        <a:tint val="40000"/>
-        <a:alpha val="90000"/>
-      </a:schemeClr>
-    </dgm:linClrLst>
-    <dgm:effectClrLst/>
-    <dgm:txLinClrLst/>
-    <dgm:txFillClrLst meth="repeat">
-      <a:schemeClr val="dk1"/>
-    </dgm:txFillClrLst>
-    <dgm:txEffectClrLst/>
-  </dgm:styleLbl>
-  <dgm:styleLbl name="bgAccFollowNode1">
-    <dgm:fillClrLst>
-      <a:schemeClr val="accent5">
-        <a:tint val="40000"/>
-        <a:alpha val="90000"/>
-      </a:schemeClr>
-      <a:schemeClr val="accent6">
-        <a:tint val="40000"/>
-        <a:alpha val="90000"/>
-      </a:schemeClr>
-    </dgm:fillClrLst>
-    <dgm:linClrLst>
-      <a:schemeClr val="accent5">
-        <a:tint val="40000"/>
-        <a:alpha val="90000"/>
-      </a:schemeClr>
-      <a:schemeClr val="accent6">
-        <a:tint val="40000"/>
-        <a:alpha val="90000"/>
-      </a:schemeClr>
-    </dgm:linClrLst>
-    <dgm:effectClrLst/>
-    <dgm:txLinClrLst/>
-    <dgm:txFillClrLst meth="repeat">
-      <a:schemeClr val="dk1"/>
-    </dgm:txFillClrLst>
-    <dgm:txEffectClrLst/>
-  </dgm:styleLbl>
-  <dgm:styleLbl name="fgAcc0">
-    <dgm:fillClrLst meth="repeat">
-      <a:schemeClr val="lt1">
-        <a:alpha val="90000"/>
-      </a:schemeClr>
-    </dgm:fillClrLst>
-    <dgm:linClrLst>
-      <a:schemeClr val="accent4"/>
-    </dgm:linClrLst>
-    <dgm:effectClrLst/>
-    <dgm:txLinClrLst/>
-    <dgm:txFillClrLst meth="repeat">
-      <a:schemeClr val="dk1"/>
-    </dgm:txFillClrLst>
-    <dgm:txEffectClrLst/>
-  </dgm:styleLbl>
-  <dgm:styleLbl name="fgAcc2">
-    <dgm:fillClrLst meth="repeat">
-      <a:schemeClr val="lt1">
-        <a:alpha val="90000"/>
-      </a:schemeClr>
-    </dgm:fillClrLst>
-    <dgm:linClrLst>
-      <a:schemeClr val="accent6"/>
-    </dgm:linClrLst>
-    <dgm:effectClrLst/>
-    <dgm:txLinClrLst/>
-    <dgm:txFillClrLst meth="repeat">
-      <a:schemeClr val="dk1"/>
-    </dgm:txFillClrLst>
-    <dgm:txEffectClrLst/>
-  </dgm:styleLbl>
-  <dgm:styleLbl name="fgAcc3">
-    <dgm:fillClrLst meth="repeat">
-      <a:schemeClr val="lt1">
-        <a:alpha val="90000"/>
-      </a:schemeClr>
-    </dgm:fillClrLst>
-    <dgm:linClrLst>
-      <a:schemeClr val="accent1"/>
-    </dgm:linClrLst>
-    <dgm:effectClrLst/>
-    <dgm:txLinClrLst/>
-    <dgm:txFillClrLst meth="repeat">
-      <a:schemeClr val="dk1"/>
-    </dgm:txFillClrLst>
-    <dgm:txEffectClrLst/>
-  </dgm:styleLbl>
-  <dgm:styleLbl name="fgAcc4">
-    <dgm:fillClrLst meth="repeat">
-      <a:schemeClr val="lt1">
-        <a:alpha val="90000"/>
-      </a:schemeClr>
-    </dgm:fillClrLst>
-    <dgm:linClrLst>
-      <a:schemeClr val="accent2"/>
-    </dgm:linClrLst>
-    <dgm:effectClrLst/>
-    <dgm:txLinClrLst/>
-    <dgm:txFillClrLst meth="repeat">
-      <a:schemeClr val="dk1"/>
-    </dgm:txFillClrLst>
-    <dgm:txEffectClrLst/>
-  </dgm:styleLbl>
-  <dgm:styleLbl name="bgShp">
-    <dgm:fillClrLst meth="repeat">
-      <a:schemeClr val="accent5">
-        <a:tint val="40000"/>
+        <a:tint val="50000"/>
       </a:schemeClr>
     </dgm:fillClrLst>
     <dgm:linClrLst meth="repeat">
-      <a:schemeClr val="dk1"/>
-    </dgm:linClrLst>
-    <dgm:effectClrLst/>
-    <dgm:txLinClrLst/>
-    <dgm:txFillClrLst meth="repeat">
-      <a:schemeClr val="dk1"/>
-    </dgm:txFillClrLst>
-    <dgm:txEffectClrLst/>
-  </dgm:styleLbl>
-  <dgm:styleLbl name="dkBgShp">
-    <dgm:fillClrLst meth="repeat">
-      <a:schemeClr val="accent5">
-        <a:shade val="90000"/>
-      </a:schemeClr>
-    </dgm:fillClrLst>
-    <dgm:linClrLst meth="repeat">
-      <a:schemeClr val="dk1"/>
-    </dgm:linClrLst>
-    <dgm:effectClrLst/>
-    <dgm:txLinClrLst/>
-    <dgm:txFillClrLst meth="repeat">
       <a:schemeClr val="lt1"/>
-    </dgm:txFillClrLst>
-    <dgm:txEffectClrLst/>
-  </dgm:styleLbl>
-  <dgm:styleLbl name="trBgShp">
-    <dgm:fillClrLst meth="repeat">
-      <a:schemeClr val="accent5">
-        <a:tint val="50000"/>
-        <a:alpha val="40000"/>
-      </a:schemeClr>
-    </dgm:fillClrLst>
-    <dgm:linClrLst meth="repeat">
-      <a:schemeClr val="accent5"/>
     </dgm:linClrLst>
     <dgm:effectClrLst/>
     <dgm:txLinClrLst/>
@@ -879,6 +550,209 @@
     <dgm:txLinClrLst/>
     <dgm:txFillClrLst meth="repeat">
       <a:schemeClr val="dk1"/>
+    </dgm:txFillClrLst>
+    <dgm:txEffectClrLst/>
+  </dgm:styleLbl>
+  <dgm:styleLbl name="fgSibTrans2D1">
+    <dgm:fillClrLst>
+      <a:schemeClr val="accent5"/>
+      <a:schemeClr val="accent6"/>
+    </dgm:fillClrLst>
+    <dgm:linClrLst meth="repeat">
+      <a:schemeClr val="lt1"/>
+    </dgm:linClrLst>
+    <dgm:effectClrLst/>
+    <dgm:txLinClrLst/>
+    <dgm:txFillClrLst meth="repeat">
+      <a:schemeClr val="lt1"/>
+    </dgm:txFillClrLst>
+    <dgm:txEffectClrLst/>
+  </dgm:styleLbl>
+  <dgm:styleLbl name="lnNode1">
+    <dgm:fillClrLst>
+      <a:schemeClr val="accent5"/>
+      <a:schemeClr val="accent6"/>
+    </dgm:fillClrLst>
+    <dgm:linClrLst meth="repeat">
+      <a:schemeClr val="lt1"/>
+    </dgm:linClrLst>
+    <dgm:effectClrLst/>
+    <dgm:txLinClrLst/>
+    <dgm:txFillClrLst/>
+    <dgm:txEffectClrLst/>
+  </dgm:styleLbl>
+  <dgm:styleLbl name="node0">
+    <dgm:fillClrLst meth="repeat">
+      <a:schemeClr val="accent4"/>
+    </dgm:fillClrLst>
+    <dgm:linClrLst meth="repeat">
+      <a:schemeClr val="lt1"/>
+    </dgm:linClrLst>
+    <dgm:effectClrLst/>
+    <dgm:txLinClrLst/>
+    <dgm:txFillClrLst/>
+    <dgm:txEffectClrLst/>
+  </dgm:styleLbl>
+  <dgm:styleLbl name="node1">
+    <dgm:fillClrLst>
+      <a:schemeClr val="accent5"/>
+      <a:schemeClr val="accent6"/>
+    </dgm:fillClrLst>
+    <dgm:linClrLst meth="repeat">
+      <a:schemeClr val="lt1"/>
+    </dgm:linClrLst>
+    <dgm:effectClrLst/>
+    <dgm:txLinClrLst/>
+    <dgm:txFillClrLst/>
+    <dgm:txEffectClrLst/>
+  </dgm:styleLbl>
+  <dgm:styleLbl name="node2">
+    <dgm:fillClrLst>
+      <a:schemeClr val="accent6"/>
+    </dgm:fillClrLst>
+    <dgm:linClrLst meth="repeat">
+      <a:schemeClr val="lt1"/>
+    </dgm:linClrLst>
+    <dgm:effectClrLst/>
+    <dgm:txLinClrLst/>
+    <dgm:txFillClrLst/>
+    <dgm:txEffectClrLst/>
+  </dgm:styleLbl>
+  <dgm:styleLbl name="node3">
+    <dgm:fillClrLst>
+      <a:schemeClr val="accent1"/>
+    </dgm:fillClrLst>
+    <dgm:linClrLst meth="repeat">
+      <a:schemeClr val="lt1"/>
+    </dgm:linClrLst>
+    <dgm:effectClrLst/>
+    <dgm:txLinClrLst/>
+    <dgm:txFillClrLst/>
+    <dgm:txEffectClrLst/>
+  </dgm:styleLbl>
+  <dgm:styleLbl name="node4">
+    <dgm:fillClrLst>
+      <a:schemeClr val="accent2"/>
+    </dgm:fillClrLst>
+    <dgm:linClrLst meth="repeat">
+      <a:schemeClr val="lt1"/>
+    </dgm:linClrLst>
+    <dgm:effectClrLst/>
+    <dgm:txLinClrLst/>
+    <dgm:txFillClrLst/>
+    <dgm:txEffectClrLst/>
+  </dgm:styleLbl>
+  <dgm:styleLbl name="parChTrans1D1">
+    <dgm:fillClrLst meth="repeat">
+      <a:schemeClr val="accent5"/>
+    </dgm:fillClrLst>
+    <dgm:linClrLst meth="repeat">
+      <a:schemeClr val="accent5"/>
+    </dgm:linClrLst>
+    <dgm:effectClrLst/>
+    <dgm:txLinClrLst/>
+    <dgm:txFillClrLst meth="repeat">
+      <a:schemeClr val="tx1"/>
+    </dgm:txFillClrLst>
+    <dgm:txEffectClrLst/>
+  </dgm:styleLbl>
+  <dgm:styleLbl name="parChTrans1D2">
+    <dgm:fillClrLst meth="repeat">
+      <a:schemeClr val="accent6">
+        <a:tint val="90000"/>
+      </a:schemeClr>
+    </dgm:fillClrLst>
+    <dgm:linClrLst meth="repeat">
+      <a:schemeClr val="accent6"/>
+    </dgm:linClrLst>
+    <dgm:effectClrLst/>
+    <dgm:txLinClrLst/>
+    <dgm:txFillClrLst meth="repeat">
+      <a:schemeClr val="tx1"/>
+    </dgm:txFillClrLst>
+    <dgm:txEffectClrLst/>
+  </dgm:styleLbl>
+  <dgm:styleLbl name="parChTrans1D3">
+    <dgm:fillClrLst meth="repeat">
+      <a:schemeClr val="accent6">
+        <a:tint val="70000"/>
+      </a:schemeClr>
+    </dgm:fillClrLst>
+    <dgm:linClrLst meth="repeat">
+      <a:schemeClr val="accent1"/>
+    </dgm:linClrLst>
+    <dgm:effectClrLst/>
+    <dgm:txLinClrLst/>
+    <dgm:txFillClrLst meth="repeat">
+      <a:schemeClr val="tx1"/>
+    </dgm:txFillClrLst>
+    <dgm:txEffectClrLst/>
+  </dgm:styleLbl>
+  <dgm:styleLbl name="parChTrans1D4">
+    <dgm:fillClrLst meth="repeat">
+      <a:schemeClr val="accent6">
+        <a:tint val="50000"/>
+      </a:schemeClr>
+    </dgm:fillClrLst>
+    <dgm:linClrLst meth="repeat">
+      <a:schemeClr val="accent2"/>
+    </dgm:linClrLst>
+    <dgm:effectClrLst/>
+    <dgm:txLinClrLst/>
+    <dgm:txFillClrLst meth="repeat">
+      <a:schemeClr val="tx1"/>
+    </dgm:txFillClrLst>
+    <dgm:txEffectClrLst/>
+  </dgm:styleLbl>
+  <dgm:styleLbl name="parChTrans2D1">
+    <dgm:fillClrLst meth="repeat">
+      <a:schemeClr val="accent5"/>
+    </dgm:fillClrLst>
+    <dgm:linClrLst meth="repeat">
+      <a:schemeClr val="lt1"/>
+    </dgm:linClrLst>
+    <dgm:effectClrLst/>
+    <dgm:txLinClrLst/>
+    <dgm:txFillClrLst meth="repeat">
+      <a:schemeClr val="lt1"/>
+    </dgm:txFillClrLst>
+    <dgm:txEffectClrLst/>
+  </dgm:styleLbl>
+  <dgm:styleLbl name="parChTrans2D2">
+    <dgm:fillClrLst meth="repeat">
+      <a:schemeClr val="accent6"/>
+    </dgm:fillClrLst>
+    <dgm:linClrLst meth="repeat">
+      <a:schemeClr val="lt1"/>
+    </dgm:linClrLst>
+    <dgm:effectClrLst/>
+    <dgm:txLinClrLst/>
+    <dgm:txFillClrLst/>
+    <dgm:txEffectClrLst/>
+  </dgm:styleLbl>
+  <dgm:styleLbl name="parChTrans2D3">
+    <dgm:fillClrLst meth="repeat">
+      <a:schemeClr val="accent6"/>
+    </dgm:fillClrLst>
+    <dgm:linClrLst meth="repeat">
+      <a:schemeClr val="lt1"/>
+    </dgm:linClrLst>
+    <dgm:effectClrLst/>
+    <dgm:txLinClrLst/>
+    <dgm:txFillClrLst/>
+    <dgm:txEffectClrLst/>
+  </dgm:styleLbl>
+  <dgm:styleLbl name="parChTrans2D4">
+    <dgm:fillClrLst meth="repeat">
+      <a:schemeClr val="accent1"/>
+    </dgm:fillClrLst>
+    <dgm:linClrLst meth="repeat">
+      <a:schemeClr val="lt1"/>
+    </dgm:linClrLst>
+    <dgm:effectClrLst/>
+    <dgm:txLinClrLst/>
+    <dgm:txFillClrLst meth="repeat">
+      <a:schemeClr val="lt1"/>
     </dgm:txFillClrLst>
     <dgm:txEffectClrLst/>
   </dgm:styleLbl>
@@ -900,6 +774,127 @@
     </dgm:txFillClrLst>
     <dgm:txEffectClrLst/>
   </dgm:styleLbl>
+  <dgm:styleLbl name="sibTrans1D1">
+    <dgm:fillClrLst/>
+    <dgm:linClrLst>
+      <a:schemeClr val="accent5"/>
+      <a:schemeClr val="accent6"/>
+    </dgm:linClrLst>
+    <dgm:effectClrLst/>
+    <dgm:txLinClrLst/>
+    <dgm:txFillClrLst meth="repeat">
+      <a:schemeClr val="tx1"/>
+    </dgm:txFillClrLst>
+    <dgm:txEffectClrLst/>
+  </dgm:styleLbl>
+  <dgm:styleLbl name="sibTrans2D1">
+    <dgm:fillClrLst>
+      <a:schemeClr val="accent5"/>
+      <a:schemeClr val="accent6"/>
+    </dgm:fillClrLst>
+    <dgm:linClrLst meth="repeat">
+      <a:schemeClr val="lt1"/>
+    </dgm:linClrLst>
+    <dgm:effectClrLst/>
+    <dgm:txLinClrLst/>
+    <dgm:txFillClrLst/>
+    <dgm:txEffectClrLst/>
+  </dgm:styleLbl>
+  <dgm:styleLbl name="solidAlignAcc1">
+    <dgm:fillClrLst meth="repeat">
+      <a:schemeClr val="lt1"/>
+    </dgm:fillClrLst>
+    <dgm:linClrLst>
+      <a:schemeClr val="accent5"/>
+      <a:schemeClr val="accent6"/>
+    </dgm:linClrLst>
+    <dgm:effectClrLst/>
+    <dgm:txLinClrLst/>
+    <dgm:txFillClrLst meth="repeat">
+      <a:schemeClr val="dk1"/>
+    </dgm:txFillClrLst>
+    <dgm:txEffectClrLst/>
+  </dgm:styleLbl>
+  <dgm:styleLbl name="solidBgAcc1">
+    <dgm:fillClrLst meth="repeat">
+      <a:schemeClr val="lt1"/>
+    </dgm:fillClrLst>
+    <dgm:linClrLst>
+      <a:schemeClr val="accent5"/>
+      <a:schemeClr val="accent6"/>
+    </dgm:linClrLst>
+    <dgm:effectClrLst/>
+    <dgm:txLinClrLst/>
+    <dgm:txFillClrLst meth="repeat">
+      <a:schemeClr val="dk1"/>
+    </dgm:txFillClrLst>
+    <dgm:txEffectClrLst/>
+  </dgm:styleLbl>
+  <dgm:styleLbl name="solidFgAcc1">
+    <dgm:fillClrLst meth="repeat">
+      <a:schemeClr val="lt1"/>
+    </dgm:fillClrLst>
+    <dgm:linClrLst>
+      <a:schemeClr val="accent5"/>
+      <a:schemeClr val="accent6"/>
+    </dgm:linClrLst>
+    <dgm:effectClrLst/>
+    <dgm:txLinClrLst/>
+    <dgm:txFillClrLst meth="repeat">
+      <a:schemeClr val="dk1"/>
+    </dgm:txFillClrLst>
+    <dgm:txEffectClrLst/>
+  </dgm:styleLbl>
+  <dgm:styleLbl name="trAlignAcc1">
+    <dgm:fillClrLst meth="repeat">
+      <a:schemeClr val="lt1">
+        <a:alpha val="40000"/>
+      </a:schemeClr>
+    </dgm:fillClrLst>
+    <dgm:linClrLst meth="repeat">
+      <a:schemeClr val="accent5"/>
+    </dgm:linClrLst>
+    <dgm:effectClrLst/>
+    <dgm:txLinClrLst/>
+    <dgm:txFillClrLst meth="repeat">
+      <a:schemeClr val="dk1"/>
+    </dgm:txFillClrLst>
+    <dgm:txEffectClrLst/>
+  </dgm:styleLbl>
+  <dgm:styleLbl name="trBgShp">
+    <dgm:fillClrLst meth="repeat">
+      <a:schemeClr val="accent5">
+        <a:tint val="50000"/>
+        <a:alpha val="40000"/>
+      </a:schemeClr>
+    </dgm:fillClrLst>
+    <dgm:linClrLst meth="repeat">
+      <a:schemeClr val="accent5"/>
+    </dgm:linClrLst>
+    <dgm:effectClrLst/>
+    <dgm:txLinClrLst/>
+    <dgm:txFillClrLst meth="repeat">
+      <a:schemeClr val="lt1"/>
+    </dgm:txFillClrLst>
+    <dgm:txEffectClrLst/>
+  </dgm:styleLbl>
+  <dgm:styleLbl name="vennNode1">
+    <dgm:fillClrLst>
+      <a:schemeClr val="accent5">
+        <a:alpha val="50000"/>
+      </a:schemeClr>
+      <a:schemeClr val="accent6">
+        <a:alpha val="50000"/>
+      </a:schemeClr>
+    </dgm:fillClrLst>
+    <dgm:linClrLst meth="repeat">
+      <a:schemeClr val="lt1"/>
+    </dgm:linClrLst>
+    <dgm:effectClrLst/>
+    <dgm:txLinClrLst/>
+    <dgm:txFillClrLst/>
+    <dgm:txEffectClrLst/>
+  </dgm:styleLbl>
 </dgm:colorsDef>
 </file>
 
@@ -910,35 +905,11 @@
   <dgm:catLst>
     <dgm:cat type="colorful" pri="10200"/>
   </dgm:catLst>
-  <dgm:styleLbl name="node0">
+  <dgm:styleLbl name="alignAcc1">
     <dgm:fillClrLst meth="repeat">
-      <a:schemeClr val="accent1"/>
-    </dgm:fillClrLst>
-    <dgm:linClrLst meth="repeat">
-      <a:schemeClr val="lt1"/>
-    </dgm:linClrLst>
-    <dgm:effectClrLst/>
-    <dgm:txLinClrLst/>
-    <dgm:txFillClrLst/>
-    <dgm:txEffectClrLst/>
-  </dgm:styleLbl>
-  <dgm:styleLbl name="node1">
-    <dgm:fillClrLst>
-      <a:schemeClr val="accent2"/>
-      <a:schemeClr val="accent3"/>
-    </dgm:fillClrLst>
-    <dgm:linClrLst meth="repeat">
-      <a:schemeClr val="lt1"/>
-    </dgm:linClrLst>
-    <dgm:effectClrLst/>
-    <dgm:txLinClrLst/>
-    <dgm:txFillClrLst/>
-    <dgm:txEffectClrLst/>
-  </dgm:styleLbl>
-  <dgm:styleLbl name="alignNode1">
-    <dgm:fillClrLst>
-      <a:schemeClr val="accent2"/>
-      <a:schemeClr val="accent3"/>
+      <a:schemeClr val="lt1">
+        <a:alpha val="90000"/>
+      </a:schemeClr>
     </dgm:fillClrLst>
     <dgm:linClrLst>
       <a:schemeClr val="accent2"/>
@@ -946,91 +917,36 @@
     </dgm:linClrLst>
     <dgm:effectClrLst/>
     <dgm:txLinClrLst/>
-    <dgm:txFillClrLst/>
+    <dgm:txFillClrLst meth="repeat">
+      <a:schemeClr val="dk1"/>
+    </dgm:txFillClrLst>
     <dgm:txEffectClrLst/>
   </dgm:styleLbl>
-  <dgm:styleLbl name="lnNode1">
-    <dgm:fillClrLst>
-      <a:schemeClr val="accent2"/>
-      <a:schemeClr val="accent3"/>
-    </dgm:fillClrLst>
-    <dgm:linClrLst meth="repeat">
-      <a:schemeClr val="lt1"/>
-    </dgm:linClrLst>
-    <dgm:effectClrLst/>
-    <dgm:txLinClrLst/>
-    <dgm:txFillClrLst/>
-    <dgm:txEffectClrLst/>
-  </dgm:styleLbl>
-  <dgm:styleLbl name="vennNode1">
+  <dgm:styleLbl name="alignAccFollowNode1">
     <dgm:fillClrLst>
       <a:schemeClr val="accent2">
-        <a:alpha val="50000"/>
+        <a:tint val="40000"/>
+        <a:alpha val="90000"/>
       </a:schemeClr>
       <a:schemeClr val="accent3">
-        <a:alpha val="50000"/>
+        <a:tint val="40000"/>
+        <a:alpha val="90000"/>
       </a:schemeClr>
     </dgm:fillClrLst>
-    <dgm:linClrLst meth="repeat">
-      <a:schemeClr val="lt1"/>
-    </dgm:linClrLst>
-    <dgm:effectClrLst/>
-    <dgm:txLinClrLst/>
-    <dgm:txFillClrLst/>
-    <dgm:txEffectClrLst/>
-  </dgm:styleLbl>
-  <dgm:styleLbl name="node2">
-    <dgm:fillClrLst>
-      <a:schemeClr val="accent3"/>
-    </dgm:fillClrLst>
-    <dgm:linClrLst meth="repeat">
-      <a:schemeClr val="lt1"/>
-    </dgm:linClrLst>
-    <dgm:effectClrLst/>
-    <dgm:txLinClrLst/>
-    <dgm:txFillClrLst/>
-    <dgm:txEffectClrLst/>
-  </dgm:styleLbl>
-  <dgm:styleLbl name="node3">
-    <dgm:fillClrLst>
-      <a:schemeClr val="accent4"/>
-    </dgm:fillClrLst>
-    <dgm:linClrLst meth="repeat">
-      <a:schemeClr val="lt1"/>
-    </dgm:linClrLst>
-    <dgm:effectClrLst/>
-    <dgm:txLinClrLst/>
-    <dgm:txFillClrLst/>
-    <dgm:txEffectClrLst/>
-  </dgm:styleLbl>
-  <dgm:styleLbl name="node4">
-    <dgm:fillClrLst>
-      <a:schemeClr val="accent5"/>
-    </dgm:fillClrLst>
-    <dgm:linClrLst meth="repeat">
-      <a:schemeClr val="lt1"/>
-    </dgm:linClrLst>
-    <dgm:effectClrLst/>
-    <dgm:txLinClrLst/>
-    <dgm:txFillClrLst/>
-    <dgm:txEffectClrLst/>
-  </dgm:styleLbl>
-  <dgm:styleLbl name="fgImgPlace1">
-    <dgm:fillClrLst>
+    <dgm:linClrLst>
       <a:schemeClr val="accent2">
-        <a:tint val="50000"/>
+        <a:tint val="40000"/>
+        <a:alpha val="90000"/>
       </a:schemeClr>
       <a:schemeClr val="accent3">
-        <a:tint val="50000"/>
+        <a:tint val="40000"/>
+        <a:alpha val="90000"/>
       </a:schemeClr>
-    </dgm:fillClrLst>
-    <dgm:linClrLst meth="repeat">
-      <a:schemeClr val="lt1"/>
     </dgm:linClrLst>
     <dgm:effectClrLst/>
     <dgm:txLinClrLst/>
     <dgm:txFillClrLst meth="repeat">
-      <a:schemeClr val="lt1"/>
+      <a:schemeClr val="dk1"/>
     </dgm:txFillClrLst>
     <dgm:txEffectClrLst/>
   </dgm:styleLbl>
@@ -1053,6 +969,129 @@
     </dgm:txFillClrLst>
     <dgm:txEffectClrLst/>
   </dgm:styleLbl>
+  <dgm:styleLbl name="alignNode1">
+    <dgm:fillClrLst>
+      <a:schemeClr val="accent2"/>
+      <a:schemeClr val="accent3"/>
+    </dgm:fillClrLst>
+    <dgm:linClrLst>
+      <a:schemeClr val="accent2"/>
+      <a:schemeClr val="accent3"/>
+    </dgm:linClrLst>
+    <dgm:effectClrLst/>
+    <dgm:txLinClrLst/>
+    <dgm:txFillClrLst/>
+    <dgm:txEffectClrLst/>
+  </dgm:styleLbl>
+  <dgm:styleLbl name="asst0">
+    <dgm:fillClrLst meth="repeat">
+      <a:schemeClr val="accent2"/>
+    </dgm:fillClrLst>
+    <dgm:linClrLst meth="repeat">
+      <a:schemeClr val="lt1">
+        <a:shade val="80000"/>
+      </a:schemeClr>
+    </dgm:linClrLst>
+    <dgm:effectClrLst/>
+    <dgm:txLinClrLst/>
+    <dgm:txFillClrLst/>
+    <dgm:txEffectClrLst/>
+  </dgm:styleLbl>
+  <dgm:styleLbl name="asst1">
+    <dgm:fillClrLst meth="repeat">
+      <a:schemeClr val="accent3"/>
+    </dgm:fillClrLst>
+    <dgm:linClrLst meth="repeat">
+      <a:schemeClr val="lt1">
+        <a:shade val="80000"/>
+      </a:schemeClr>
+    </dgm:linClrLst>
+    <dgm:effectClrLst/>
+    <dgm:txLinClrLst/>
+    <dgm:txFillClrLst/>
+    <dgm:txEffectClrLst/>
+  </dgm:styleLbl>
+  <dgm:styleLbl name="asst2">
+    <dgm:fillClrLst>
+      <a:schemeClr val="accent4"/>
+    </dgm:fillClrLst>
+    <dgm:linClrLst meth="repeat">
+      <a:schemeClr val="lt1"/>
+    </dgm:linClrLst>
+    <dgm:effectClrLst/>
+    <dgm:txLinClrLst/>
+    <dgm:txFillClrLst/>
+    <dgm:txEffectClrLst/>
+  </dgm:styleLbl>
+  <dgm:styleLbl name="asst3">
+    <dgm:fillClrLst>
+      <a:schemeClr val="accent5"/>
+    </dgm:fillClrLst>
+    <dgm:linClrLst meth="repeat">
+      <a:schemeClr val="lt1"/>
+    </dgm:linClrLst>
+    <dgm:effectClrLst/>
+    <dgm:txLinClrLst/>
+    <dgm:txFillClrLst/>
+    <dgm:txEffectClrLst/>
+  </dgm:styleLbl>
+  <dgm:styleLbl name="asst4">
+    <dgm:fillClrLst>
+      <a:schemeClr val="accent6"/>
+    </dgm:fillClrLst>
+    <dgm:linClrLst meth="repeat">
+      <a:schemeClr val="lt1"/>
+    </dgm:linClrLst>
+    <dgm:effectClrLst/>
+    <dgm:txLinClrLst/>
+    <dgm:txFillClrLst/>
+    <dgm:txEffectClrLst/>
+  </dgm:styleLbl>
+  <dgm:styleLbl name="bgAcc1">
+    <dgm:fillClrLst meth="repeat">
+      <a:schemeClr val="lt1">
+        <a:alpha val="90000"/>
+      </a:schemeClr>
+    </dgm:fillClrLst>
+    <dgm:linClrLst>
+      <a:schemeClr val="accent2"/>
+      <a:schemeClr val="accent3"/>
+    </dgm:linClrLst>
+    <dgm:effectClrLst/>
+    <dgm:txLinClrLst/>
+    <dgm:txFillClrLst meth="repeat">
+      <a:schemeClr val="dk1"/>
+    </dgm:txFillClrLst>
+    <dgm:txEffectClrLst/>
+  </dgm:styleLbl>
+  <dgm:styleLbl name="bgAccFollowNode1">
+    <dgm:fillClrLst>
+      <a:schemeClr val="accent2">
+        <a:tint val="40000"/>
+        <a:alpha val="90000"/>
+      </a:schemeClr>
+      <a:schemeClr val="accent3">
+        <a:tint val="40000"/>
+        <a:alpha val="90000"/>
+      </a:schemeClr>
+    </dgm:fillClrLst>
+    <dgm:linClrLst>
+      <a:schemeClr val="accent2">
+        <a:tint val="40000"/>
+        <a:alpha val="90000"/>
+      </a:schemeClr>
+      <a:schemeClr val="accent3">
+        <a:tint val="40000"/>
+        <a:alpha val="90000"/>
+      </a:schemeClr>
+    </dgm:linClrLst>
+    <dgm:effectClrLst/>
+    <dgm:txLinClrLst/>
+    <dgm:txFillClrLst meth="repeat">
+      <a:schemeClr val="dk1"/>
+    </dgm:txFillClrLst>
+    <dgm:txEffectClrLst/>
+  </dgm:styleLbl>
   <dgm:styleLbl name="bgImgPlace1">
     <dgm:fillClrLst>
       <a:schemeClr val="accent2">
@@ -1072,31 +1111,19 @@
     </dgm:txFillClrLst>
     <dgm:txEffectClrLst/>
   </dgm:styleLbl>
-  <dgm:styleLbl name="sibTrans2D1">
-    <dgm:fillClrLst>
-      <a:schemeClr val="accent2"/>
-      <a:schemeClr val="accent3"/>
+  <dgm:styleLbl name="bgShp">
+    <dgm:fillClrLst meth="repeat">
+      <a:schemeClr val="accent2">
+        <a:tint val="40000"/>
+      </a:schemeClr>
     </dgm:fillClrLst>
     <dgm:linClrLst meth="repeat">
-      <a:schemeClr val="lt1"/>
-    </dgm:linClrLst>
-    <dgm:effectClrLst/>
-    <dgm:txLinClrLst/>
-    <dgm:txFillClrLst/>
-    <dgm:txEffectClrLst/>
-  </dgm:styleLbl>
-  <dgm:styleLbl name="fgSibTrans2D1">
-    <dgm:fillClrLst>
-      <a:schemeClr val="accent2"/>
-      <a:schemeClr val="accent3"/>
-    </dgm:fillClrLst>
-    <dgm:linClrLst meth="repeat">
-      <a:schemeClr val="lt1"/>
+      <a:schemeClr val="dk1"/>
     </dgm:linClrLst>
     <dgm:effectClrLst/>
     <dgm:txLinClrLst/>
     <dgm:txFillClrLst meth="repeat">
-      <a:schemeClr val="lt1"/>
+      <a:schemeClr val="dk1"/>
     </dgm:txFillClrLst>
     <dgm:txEffectClrLst/>
   </dgm:styleLbl>
@@ -1112,19 +1139,6 @@
     <dgm:txLinClrLst/>
     <dgm:txFillClrLst meth="repeat">
       <a:schemeClr val="lt1"/>
-    </dgm:txFillClrLst>
-    <dgm:txEffectClrLst/>
-  </dgm:styleLbl>
-  <dgm:styleLbl name="sibTrans1D1">
-    <dgm:fillClrLst/>
-    <dgm:linClrLst>
-      <a:schemeClr val="accent2"/>
-      <a:schemeClr val="accent3"/>
-    </dgm:linClrLst>
-    <dgm:effectClrLst/>
-    <dgm:txLinClrLst/>
-    <dgm:txFillClrLst meth="repeat">
-      <a:schemeClr val="tx1"/>
     </dgm:txFillClrLst>
     <dgm:txEffectClrLst/>
   </dgm:styleLbl>
@@ -1144,76 +1158,31 @@
     </dgm:txFillClrLst>
     <dgm:txEffectClrLst/>
   </dgm:styleLbl>
-  <dgm:styleLbl name="asst0">
+  <dgm:styleLbl name="conFgAcc1">
     <dgm:fillClrLst meth="repeat">
+      <a:schemeClr val="lt1">
+        <a:alpha val="90000"/>
+      </a:schemeClr>
+    </dgm:fillClrLst>
+    <dgm:linClrLst>
       <a:schemeClr val="accent2"/>
-    </dgm:fillClrLst>
-    <dgm:linClrLst meth="repeat">
-      <a:schemeClr val="lt1">
-        <a:shade val="80000"/>
-      </a:schemeClr>
+      <a:schemeClr val="accent3"/>
     </dgm:linClrLst>
     <dgm:effectClrLst/>
     <dgm:txLinClrLst/>
-    <dgm:txFillClrLst/>
+    <dgm:txFillClrLst meth="repeat">
+      <a:schemeClr val="dk1"/>
+    </dgm:txFillClrLst>
     <dgm:txEffectClrLst/>
   </dgm:styleLbl>
-  <dgm:styleLbl name="asst1">
+  <dgm:styleLbl name="dkBgShp">
     <dgm:fillClrLst meth="repeat">
-      <a:schemeClr val="accent3"/>
+      <a:schemeClr val="accent2">
+        <a:shade val="90000"/>
+      </a:schemeClr>
     </dgm:fillClrLst>
     <dgm:linClrLst meth="repeat">
-      <a:schemeClr val="lt1">
-        <a:shade val="80000"/>
-      </a:schemeClr>
-    </dgm:linClrLst>
-    <dgm:effectClrLst/>
-    <dgm:txLinClrLst/>
-    <dgm:txFillClrLst/>
-    <dgm:txEffectClrLst/>
-  </dgm:styleLbl>
-  <dgm:styleLbl name="asst2">
-    <dgm:fillClrLst>
-      <a:schemeClr val="accent4"/>
-    </dgm:fillClrLst>
-    <dgm:linClrLst meth="repeat">
-      <a:schemeClr val="lt1"/>
-    </dgm:linClrLst>
-    <dgm:effectClrLst/>
-    <dgm:txLinClrLst/>
-    <dgm:txFillClrLst/>
-    <dgm:txEffectClrLst/>
-  </dgm:styleLbl>
-  <dgm:styleLbl name="asst3">
-    <dgm:fillClrLst>
-      <a:schemeClr val="accent5"/>
-    </dgm:fillClrLst>
-    <dgm:linClrLst meth="repeat">
-      <a:schemeClr val="lt1"/>
-    </dgm:linClrLst>
-    <dgm:effectClrLst/>
-    <dgm:txLinClrLst/>
-    <dgm:txFillClrLst/>
-    <dgm:txEffectClrLst/>
-  </dgm:styleLbl>
-  <dgm:styleLbl name="asst4">
-    <dgm:fillClrLst>
-      <a:schemeClr val="accent6"/>
-    </dgm:fillClrLst>
-    <dgm:linClrLst meth="repeat">
-      <a:schemeClr val="lt1"/>
-    </dgm:linClrLst>
-    <dgm:effectClrLst/>
-    <dgm:txLinClrLst/>
-    <dgm:txFillClrLst/>
-    <dgm:txEffectClrLst/>
-  </dgm:styleLbl>
-  <dgm:styleLbl name="parChTrans2D1">
-    <dgm:fillClrLst meth="repeat">
-      <a:schemeClr val="accent2"/>
-    </dgm:fillClrLst>
-    <dgm:linClrLst meth="repeat">
-      <a:schemeClr val="lt1"/>
+      <a:schemeClr val="dk1"/>
     </dgm:linClrLst>
     <dgm:effectClrLst/>
     <dgm:txLinClrLst/>
@@ -1222,103 +1191,19 @@
     </dgm:txFillClrLst>
     <dgm:txEffectClrLst/>
   </dgm:styleLbl>
-  <dgm:styleLbl name="parChTrans2D2">
+  <dgm:styleLbl name="fgAcc0">
     <dgm:fillClrLst meth="repeat">
-      <a:schemeClr val="accent3"/>
+      <a:schemeClr val="lt1">
+        <a:alpha val="90000"/>
+      </a:schemeClr>
     </dgm:fillClrLst>
-    <dgm:linClrLst meth="repeat">
-      <a:schemeClr val="lt1"/>
-    </dgm:linClrLst>
-    <dgm:effectClrLst/>
-    <dgm:txLinClrLst/>
-    <dgm:txFillClrLst/>
-    <dgm:txEffectClrLst/>
-  </dgm:styleLbl>
-  <dgm:styleLbl name="parChTrans2D3">
-    <dgm:fillClrLst meth="repeat">
-      <a:schemeClr val="accent4"/>
-    </dgm:fillClrLst>
-    <dgm:linClrLst meth="repeat">
-      <a:schemeClr val="lt1"/>
-    </dgm:linClrLst>
-    <dgm:effectClrLst/>
-    <dgm:txLinClrLst/>
-    <dgm:txFillClrLst/>
-    <dgm:txEffectClrLst/>
-  </dgm:styleLbl>
-  <dgm:styleLbl name="parChTrans2D4">
-    <dgm:fillClrLst meth="repeat">
-      <a:schemeClr val="accent5"/>
-    </dgm:fillClrLst>
-    <dgm:linClrLst meth="repeat">
-      <a:schemeClr val="lt1"/>
+    <dgm:linClrLst>
+      <a:schemeClr val="accent1"/>
     </dgm:linClrLst>
     <dgm:effectClrLst/>
     <dgm:txLinClrLst/>
     <dgm:txFillClrLst meth="repeat">
-      <a:schemeClr val="lt1"/>
-    </dgm:txFillClrLst>
-    <dgm:txEffectClrLst/>
-  </dgm:styleLbl>
-  <dgm:styleLbl name="parChTrans1D1">
-    <dgm:fillClrLst meth="repeat">
-      <a:schemeClr val="accent2"/>
-    </dgm:fillClrLst>
-    <dgm:linClrLst meth="repeat">
-      <a:schemeClr val="accent2"/>
-    </dgm:linClrLst>
-    <dgm:effectClrLst/>
-    <dgm:txLinClrLst/>
-    <dgm:txFillClrLst meth="repeat">
-      <a:schemeClr val="tx1"/>
-    </dgm:txFillClrLst>
-    <dgm:txEffectClrLst/>
-  </dgm:styleLbl>
-  <dgm:styleLbl name="parChTrans1D2">
-    <dgm:fillClrLst meth="repeat">
-      <a:schemeClr val="accent2">
-        <a:tint val="90000"/>
-      </a:schemeClr>
-    </dgm:fillClrLst>
-    <dgm:linClrLst meth="repeat">
-      <a:schemeClr val="accent3"/>
-    </dgm:linClrLst>
-    <dgm:effectClrLst/>
-    <dgm:txLinClrLst/>
-    <dgm:txFillClrLst meth="repeat">
-      <a:schemeClr val="tx1"/>
-    </dgm:txFillClrLst>
-    <dgm:txEffectClrLst/>
-  </dgm:styleLbl>
-  <dgm:styleLbl name="parChTrans1D3">
-    <dgm:fillClrLst meth="repeat">
-      <a:schemeClr val="accent2">
-        <a:tint val="70000"/>
-      </a:schemeClr>
-    </dgm:fillClrLst>
-    <dgm:linClrLst meth="repeat">
-      <a:schemeClr val="accent4"/>
-    </dgm:linClrLst>
-    <dgm:effectClrLst/>
-    <dgm:txLinClrLst/>
-    <dgm:txFillClrLst meth="repeat">
-      <a:schemeClr val="tx1"/>
-    </dgm:txFillClrLst>
-    <dgm:txEffectClrLst/>
-  </dgm:styleLbl>
-  <dgm:styleLbl name="parChTrans1D4">
-    <dgm:fillClrLst meth="repeat">
-      <a:schemeClr val="accent2">
-        <a:tint val="50000"/>
-      </a:schemeClr>
-    </dgm:fillClrLst>
-    <dgm:linClrLst meth="repeat">
-      <a:schemeClr val="accent5"/>
-    </dgm:linClrLst>
-    <dgm:effectClrLst/>
-    <dgm:txLinClrLst/>
-    <dgm:txFillClrLst meth="repeat">
-      <a:schemeClr val="tx1"/>
+      <a:schemeClr val="dk1"/>
     </dgm:txFillClrLst>
     <dgm:txEffectClrLst/>
   </dgm:styleLbl>
@@ -1339,14 +1224,13 @@
     </dgm:txFillClrLst>
     <dgm:txEffectClrLst/>
   </dgm:styleLbl>
-  <dgm:styleLbl name="conFgAcc1">
+  <dgm:styleLbl name="fgAcc2">
     <dgm:fillClrLst meth="repeat">
       <a:schemeClr val="lt1">
         <a:alpha val="90000"/>
       </a:schemeClr>
     </dgm:fillClrLst>
     <dgm:linClrLst>
-      <a:schemeClr val="accent2"/>
       <a:schemeClr val="accent3"/>
     </dgm:linClrLst>
     <dgm:effectClrLst/>
@@ -1356,15 +1240,14 @@
     </dgm:txFillClrLst>
     <dgm:txEffectClrLst/>
   </dgm:styleLbl>
-  <dgm:styleLbl name="alignAcc1">
+  <dgm:styleLbl name="fgAcc3">
     <dgm:fillClrLst meth="repeat">
       <a:schemeClr val="lt1">
         <a:alpha val="90000"/>
       </a:schemeClr>
     </dgm:fillClrLst>
     <dgm:linClrLst>
-      <a:schemeClr val="accent2"/>
-      <a:schemeClr val="accent3"/>
+      <a:schemeClr val="accent4"/>
     </dgm:linClrLst>
     <dgm:effectClrLst/>
     <dgm:txLinClrLst/>
@@ -1373,76 +1256,14 @@
     </dgm:txFillClrLst>
     <dgm:txEffectClrLst/>
   </dgm:styleLbl>
-  <dgm:styleLbl name="trAlignAcc1">
-    <dgm:fillClrLst meth="repeat">
-      <a:schemeClr val="lt1">
-        <a:alpha val="40000"/>
-      </a:schemeClr>
-    </dgm:fillClrLst>
-    <dgm:linClrLst meth="repeat">
-      <a:schemeClr val="accent2"/>
-    </dgm:linClrLst>
-    <dgm:effectClrLst/>
-    <dgm:txLinClrLst/>
-    <dgm:txFillClrLst meth="repeat">
-      <a:schemeClr val="dk1"/>
-    </dgm:txFillClrLst>
-    <dgm:txEffectClrLst/>
-  </dgm:styleLbl>
-  <dgm:styleLbl name="bgAcc1">
+  <dgm:styleLbl name="fgAcc4">
     <dgm:fillClrLst meth="repeat">
       <a:schemeClr val="lt1">
         <a:alpha val="90000"/>
       </a:schemeClr>
     </dgm:fillClrLst>
     <dgm:linClrLst>
-      <a:schemeClr val="accent2"/>
-      <a:schemeClr val="accent3"/>
-    </dgm:linClrLst>
-    <dgm:effectClrLst/>
-    <dgm:txLinClrLst/>
-    <dgm:txFillClrLst meth="repeat">
-      <a:schemeClr val="dk1"/>
-    </dgm:txFillClrLst>
-    <dgm:txEffectClrLst/>
-  </dgm:styleLbl>
-  <dgm:styleLbl name="solidFgAcc1">
-    <dgm:fillClrLst meth="repeat">
-      <a:schemeClr val="lt1"/>
-    </dgm:fillClrLst>
-    <dgm:linClrLst>
-      <a:schemeClr val="accent2"/>
-      <a:schemeClr val="accent3"/>
-    </dgm:linClrLst>
-    <dgm:effectClrLst/>
-    <dgm:txLinClrLst/>
-    <dgm:txFillClrLst meth="repeat">
-      <a:schemeClr val="dk1"/>
-    </dgm:txFillClrLst>
-    <dgm:txEffectClrLst/>
-  </dgm:styleLbl>
-  <dgm:styleLbl name="solidAlignAcc1">
-    <dgm:fillClrLst meth="repeat">
-      <a:schemeClr val="lt1"/>
-    </dgm:fillClrLst>
-    <dgm:linClrLst>
-      <a:schemeClr val="accent2"/>
-      <a:schemeClr val="accent3"/>
-    </dgm:linClrLst>
-    <dgm:effectClrLst/>
-    <dgm:txLinClrLst/>
-    <dgm:txFillClrLst meth="repeat">
-      <a:schemeClr val="dk1"/>
-    </dgm:txFillClrLst>
-    <dgm:txEffectClrLst/>
-  </dgm:styleLbl>
-  <dgm:styleLbl name="solidBgAcc1">
-    <dgm:fillClrLst meth="repeat">
-      <a:schemeClr val="lt1"/>
-    </dgm:fillClrLst>
-    <dgm:linClrLst>
-      <a:schemeClr val="accent2"/>
-      <a:schemeClr val="accent3"/>
+      <a:schemeClr val="accent5"/>
     </dgm:linClrLst>
     <dgm:effectClrLst/>
     <dgm:txLinClrLst/>
@@ -1479,26 +1300,33 @@
     </dgm:txFillClrLst>
     <dgm:txEffectClrLst/>
   </dgm:styleLbl>
-  <dgm:styleLbl name="alignAccFollowNode1">
+  <dgm:styleLbl name="fgImgPlace1">
     <dgm:fillClrLst>
       <a:schemeClr val="accent2">
-        <a:tint val="40000"/>
-        <a:alpha val="90000"/>
+        <a:tint val="50000"/>
       </a:schemeClr>
       <a:schemeClr val="accent3">
-        <a:tint val="40000"/>
-        <a:alpha val="90000"/>
+        <a:tint val="50000"/>
       </a:schemeClr>
     </dgm:fillClrLst>
-    <dgm:linClrLst>
+    <dgm:linClrLst meth="repeat">
+      <a:schemeClr val="lt1"/>
+    </dgm:linClrLst>
+    <dgm:effectClrLst/>
+    <dgm:txLinClrLst/>
+    <dgm:txFillClrLst meth="repeat">
+      <a:schemeClr val="lt1"/>
+    </dgm:txFillClrLst>
+    <dgm:txEffectClrLst/>
+  </dgm:styleLbl>
+  <dgm:styleLbl name="fgShp">
+    <dgm:fillClrLst meth="repeat">
       <a:schemeClr val="accent2">
         <a:tint val="40000"/>
-        <a:alpha val="90000"/>
       </a:schemeClr>
-      <a:schemeClr val="accent3">
-        <a:tint val="40000"/>
-        <a:alpha val="90000"/>
-      </a:schemeClr>
+    </dgm:fillClrLst>
+    <dgm:linClrLst meth="repeat">
+      <a:schemeClr val="lt1"/>
     </dgm:linClrLst>
     <dgm:effectClrLst/>
     <dgm:txLinClrLst/>
@@ -1507,57 +1335,259 @@
     </dgm:txFillClrLst>
     <dgm:txEffectClrLst/>
   </dgm:styleLbl>
-  <dgm:styleLbl name="bgAccFollowNode1">
+  <dgm:styleLbl name="fgSibTrans2D1">
     <dgm:fillClrLst>
+      <a:schemeClr val="accent2"/>
+      <a:schemeClr val="accent3"/>
+    </dgm:fillClrLst>
+    <dgm:linClrLst meth="repeat">
+      <a:schemeClr val="lt1"/>
+    </dgm:linClrLst>
+    <dgm:effectClrLst/>
+    <dgm:txLinClrLst/>
+    <dgm:txFillClrLst meth="repeat">
+      <a:schemeClr val="lt1"/>
+    </dgm:txFillClrLst>
+    <dgm:txEffectClrLst/>
+  </dgm:styleLbl>
+  <dgm:styleLbl name="lnNode1">
+    <dgm:fillClrLst>
+      <a:schemeClr val="accent2"/>
+      <a:schemeClr val="accent3"/>
+    </dgm:fillClrLst>
+    <dgm:linClrLst meth="repeat">
+      <a:schemeClr val="lt1"/>
+    </dgm:linClrLst>
+    <dgm:effectClrLst/>
+    <dgm:txLinClrLst/>
+    <dgm:txFillClrLst/>
+    <dgm:txEffectClrLst/>
+  </dgm:styleLbl>
+  <dgm:styleLbl name="node0">
+    <dgm:fillClrLst meth="repeat">
+      <a:schemeClr val="accent1"/>
+    </dgm:fillClrLst>
+    <dgm:linClrLst meth="repeat">
+      <a:schemeClr val="lt1"/>
+    </dgm:linClrLst>
+    <dgm:effectClrLst/>
+    <dgm:txLinClrLst/>
+    <dgm:txFillClrLst/>
+    <dgm:txEffectClrLst/>
+  </dgm:styleLbl>
+  <dgm:styleLbl name="node1">
+    <dgm:fillClrLst>
+      <a:schemeClr val="accent2"/>
+      <a:schemeClr val="accent3"/>
+    </dgm:fillClrLst>
+    <dgm:linClrLst meth="repeat">
+      <a:schemeClr val="lt1"/>
+    </dgm:linClrLst>
+    <dgm:effectClrLst/>
+    <dgm:txLinClrLst/>
+    <dgm:txFillClrLst/>
+    <dgm:txEffectClrLst/>
+  </dgm:styleLbl>
+  <dgm:styleLbl name="node2">
+    <dgm:fillClrLst>
+      <a:schemeClr val="accent3"/>
+    </dgm:fillClrLst>
+    <dgm:linClrLst meth="repeat">
+      <a:schemeClr val="lt1"/>
+    </dgm:linClrLst>
+    <dgm:effectClrLst/>
+    <dgm:txLinClrLst/>
+    <dgm:txFillClrLst/>
+    <dgm:txEffectClrLst/>
+  </dgm:styleLbl>
+  <dgm:styleLbl name="node3">
+    <dgm:fillClrLst>
+      <a:schemeClr val="accent4"/>
+    </dgm:fillClrLst>
+    <dgm:linClrLst meth="repeat">
+      <a:schemeClr val="lt1"/>
+    </dgm:linClrLst>
+    <dgm:effectClrLst/>
+    <dgm:txLinClrLst/>
+    <dgm:txFillClrLst/>
+    <dgm:txEffectClrLst/>
+  </dgm:styleLbl>
+  <dgm:styleLbl name="node4">
+    <dgm:fillClrLst>
+      <a:schemeClr val="accent5"/>
+    </dgm:fillClrLst>
+    <dgm:linClrLst meth="repeat">
+      <a:schemeClr val="lt1"/>
+    </dgm:linClrLst>
+    <dgm:effectClrLst/>
+    <dgm:txLinClrLst/>
+    <dgm:txFillClrLst/>
+    <dgm:txEffectClrLst/>
+  </dgm:styleLbl>
+  <dgm:styleLbl name="parChTrans1D1">
+    <dgm:fillClrLst meth="repeat">
+      <a:schemeClr val="accent2"/>
+    </dgm:fillClrLst>
+    <dgm:linClrLst meth="repeat">
+      <a:schemeClr val="accent2"/>
+    </dgm:linClrLst>
+    <dgm:effectClrLst/>
+    <dgm:txLinClrLst/>
+    <dgm:txFillClrLst meth="repeat">
+      <a:schemeClr val="tx1"/>
+    </dgm:txFillClrLst>
+    <dgm:txEffectClrLst/>
+  </dgm:styleLbl>
+  <dgm:styleLbl name="parChTrans1D2">
+    <dgm:fillClrLst meth="repeat">
       <a:schemeClr val="accent2">
-        <a:tint val="40000"/>
-        <a:alpha val="90000"/>
-      </a:schemeClr>
-      <a:schemeClr val="accent3">
-        <a:tint val="40000"/>
-        <a:alpha val="90000"/>
+        <a:tint val="90000"/>
       </a:schemeClr>
     </dgm:fillClrLst>
-    <dgm:linClrLst>
+    <dgm:linClrLst meth="repeat">
+      <a:schemeClr val="accent3"/>
+    </dgm:linClrLst>
+    <dgm:effectClrLst/>
+    <dgm:txLinClrLst/>
+    <dgm:txFillClrLst meth="repeat">
+      <a:schemeClr val="tx1"/>
+    </dgm:txFillClrLst>
+    <dgm:txEffectClrLst/>
+  </dgm:styleLbl>
+  <dgm:styleLbl name="parChTrans1D3">
+    <dgm:fillClrLst meth="repeat">
       <a:schemeClr val="accent2">
-        <a:tint val="40000"/>
-        <a:alpha val="90000"/>
+        <a:tint val="70000"/>
       </a:schemeClr>
-      <a:schemeClr val="accent3">
-        <a:tint val="40000"/>
-        <a:alpha val="90000"/>
+    </dgm:fillClrLst>
+    <dgm:linClrLst meth="repeat">
+      <a:schemeClr val="accent4"/>
+    </dgm:linClrLst>
+    <dgm:effectClrLst/>
+    <dgm:txLinClrLst/>
+    <dgm:txFillClrLst meth="repeat">
+      <a:schemeClr val="tx1"/>
+    </dgm:txFillClrLst>
+    <dgm:txEffectClrLst/>
+  </dgm:styleLbl>
+  <dgm:styleLbl name="parChTrans1D4">
+    <dgm:fillClrLst meth="repeat">
+      <a:schemeClr val="accent2">
+        <a:tint val="50000"/>
+      </a:schemeClr>
+    </dgm:fillClrLst>
+    <dgm:linClrLst meth="repeat">
+      <a:schemeClr val="accent5"/>
+    </dgm:linClrLst>
+    <dgm:effectClrLst/>
+    <dgm:txLinClrLst/>
+    <dgm:txFillClrLst meth="repeat">
+      <a:schemeClr val="tx1"/>
+    </dgm:txFillClrLst>
+    <dgm:txEffectClrLst/>
+  </dgm:styleLbl>
+  <dgm:styleLbl name="parChTrans2D1">
+    <dgm:fillClrLst meth="repeat">
+      <a:schemeClr val="accent2"/>
+    </dgm:fillClrLst>
+    <dgm:linClrLst meth="repeat">
+      <a:schemeClr val="lt1"/>
+    </dgm:linClrLst>
+    <dgm:effectClrLst/>
+    <dgm:txLinClrLst/>
+    <dgm:txFillClrLst meth="repeat">
+      <a:schemeClr val="lt1"/>
+    </dgm:txFillClrLst>
+    <dgm:txEffectClrLst/>
+  </dgm:styleLbl>
+  <dgm:styleLbl name="parChTrans2D2">
+    <dgm:fillClrLst meth="repeat">
+      <a:schemeClr val="accent3"/>
+    </dgm:fillClrLst>
+    <dgm:linClrLst meth="repeat">
+      <a:schemeClr val="lt1"/>
+    </dgm:linClrLst>
+    <dgm:effectClrLst/>
+    <dgm:txLinClrLst/>
+    <dgm:txFillClrLst/>
+    <dgm:txEffectClrLst/>
+  </dgm:styleLbl>
+  <dgm:styleLbl name="parChTrans2D3">
+    <dgm:fillClrLst meth="repeat">
+      <a:schemeClr val="accent4"/>
+    </dgm:fillClrLst>
+    <dgm:linClrLst meth="repeat">
+      <a:schemeClr val="lt1"/>
+    </dgm:linClrLst>
+    <dgm:effectClrLst/>
+    <dgm:txLinClrLst/>
+    <dgm:txFillClrLst/>
+    <dgm:txEffectClrLst/>
+  </dgm:styleLbl>
+  <dgm:styleLbl name="parChTrans2D4">
+    <dgm:fillClrLst meth="repeat">
+      <a:schemeClr val="accent5"/>
+    </dgm:fillClrLst>
+    <dgm:linClrLst meth="repeat">
+      <a:schemeClr val="lt1"/>
+    </dgm:linClrLst>
+    <dgm:effectClrLst/>
+    <dgm:txLinClrLst/>
+    <dgm:txFillClrLst meth="repeat">
+      <a:schemeClr val="lt1"/>
+    </dgm:txFillClrLst>
+    <dgm:txEffectClrLst/>
+  </dgm:styleLbl>
+  <dgm:styleLbl name="revTx">
+    <dgm:fillClrLst meth="repeat">
+      <a:schemeClr val="lt1">
+        <a:alpha val="0"/>
+      </a:schemeClr>
+    </dgm:fillClrLst>
+    <dgm:linClrLst meth="repeat">
+      <a:schemeClr val="dk1">
+        <a:alpha val="0"/>
       </a:schemeClr>
     </dgm:linClrLst>
     <dgm:effectClrLst/>
     <dgm:txLinClrLst/>
     <dgm:txFillClrLst meth="repeat">
-      <a:schemeClr val="dk1"/>
+      <a:schemeClr val="tx1"/>
     </dgm:txFillClrLst>
     <dgm:txEffectClrLst/>
   </dgm:styleLbl>
-  <dgm:styleLbl name="fgAcc0">
-    <dgm:fillClrLst meth="repeat">
-      <a:schemeClr val="lt1">
-        <a:alpha val="90000"/>
-      </a:schemeClr>
-    </dgm:fillClrLst>
+  <dgm:styleLbl name="sibTrans1D1">
+    <dgm:fillClrLst/>
     <dgm:linClrLst>
-      <a:schemeClr val="accent1"/>
+      <a:schemeClr val="accent2"/>
+      <a:schemeClr val="accent3"/>
     </dgm:linClrLst>
     <dgm:effectClrLst/>
     <dgm:txLinClrLst/>
     <dgm:txFillClrLst meth="repeat">
-      <a:schemeClr val="dk1"/>
+      <a:schemeClr val="tx1"/>
     </dgm:txFillClrLst>
     <dgm:txEffectClrLst/>
   </dgm:styleLbl>
-  <dgm:styleLbl name="fgAcc2">
+  <dgm:styleLbl name="sibTrans2D1">
+    <dgm:fillClrLst>
+      <a:schemeClr val="accent2"/>
+      <a:schemeClr val="accent3"/>
+    </dgm:fillClrLst>
+    <dgm:linClrLst meth="repeat">
+      <a:schemeClr val="lt1"/>
+    </dgm:linClrLst>
+    <dgm:effectClrLst/>
+    <dgm:txLinClrLst/>
+    <dgm:txFillClrLst/>
+    <dgm:txEffectClrLst/>
+  </dgm:styleLbl>
+  <dgm:styleLbl name="solidAlignAcc1">
     <dgm:fillClrLst meth="repeat">
-      <a:schemeClr val="lt1">
-        <a:alpha val="90000"/>
-      </a:schemeClr>
+      <a:schemeClr val="lt1"/>
     </dgm:fillClrLst>
     <dgm:linClrLst>
+      <a:schemeClr val="accent2"/>
       <a:schemeClr val="accent3"/>
     </dgm:linClrLst>
     <dgm:effectClrLst/>
@@ -1567,14 +1597,13 @@
     </dgm:txFillClrLst>
     <dgm:txEffectClrLst/>
   </dgm:styleLbl>
-  <dgm:styleLbl name="fgAcc3">
+  <dgm:styleLbl name="solidBgAcc1">
     <dgm:fillClrLst meth="repeat">
-      <a:schemeClr val="lt1">
-        <a:alpha val="90000"/>
-      </a:schemeClr>
+      <a:schemeClr val="lt1"/>
     </dgm:fillClrLst>
     <dgm:linClrLst>
-      <a:schemeClr val="accent4"/>
+      <a:schemeClr val="accent2"/>
+      <a:schemeClr val="accent3"/>
     </dgm:linClrLst>
     <dgm:effectClrLst/>
     <dgm:txLinClrLst/>
@@ -1583,14 +1612,13 @@
     </dgm:txFillClrLst>
     <dgm:txEffectClrLst/>
   </dgm:styleLbl>
-  <dgm:styleLbl name="fgAcc4">
+  <dgm:styleLbl name="solidFgAcc1">
     <dgm:fillClrLst meth="repeat">
-      <a:schemeClr val="lt1">
-        <a:alpha val="90000"/>
-      </a:schemeClr>
+      <a:schemeClr val="lt1"/>
     </dgm:fillClrLst>
     <dgm:linClrLst>
-      <a:schemeClr val="accent5"/>
+      <a:schemeClr val="accent2"/>
+      <a:schemeClr val="accent3"/>
     </dgm:linClrLst>
     <dgm:effectClrLst/>
     <dgm:txLinClrLst/>
@@ -1599,35 +1627,19 @@
     </dgm:txFillClrLst>
     <dgm:txEffectClrLst/>
   </dgm:styleLbl>
-  <dgm:styleLbl name="bgShp">
+  <dgm:styleLbl name="trAlignAcc1">
     <dgm:fillClrLst meth="repeat">
-      <a:schemeClr val="accent2">
-        <a:tint val="40000"/>
+      <a:schemeClr val="lt1">
+        <a:alpha val="40000"/>
       </a:schemeClr>
     </dgm:fillClrLst>
     <dgm:linClrLst meth="repeat">
-      <a:schemeClr val="dk1"/>
+      <a:schemeClr val="accent2"/>
     </dgm:linClrLst>
     <dgm:effectClrLst/>
     <dgm:txLinClrLst/>
     <dgm:txFillClrLst meth="repeat">
       <a:schemeClr val="dk1"/>
-    </dgm:txFillClrLst>
-    <dgm:txEffectClrLst/>
-  </dgm:styleLbl>
-  <dgm:styleLbl name="dkBgShp">
-    <dgm:fillClrLst meth="repeat">
-      <a:schemeClr val="accent2">
-        <a:shade val="90000"/>
-      </a:schemeClr>
-    </dgm:fillClrLst>
-    <dgm:linClrLst meth="repeat">
-      <a:schemeClr val="dk1"/>
-    </dgm:linClrLst>
-    <dgm:effectClrLst/>
-    <dgm:txLinClrLst/>
-    <dgm:txFillClrLst meth="repeat">
-      <a:schemeClr val="lt1"/>
     </dgm:txFillClrLst>
     <dgm:txEffectClrLst/>
   </dgm:styleLbl>
@@ -1648,10 +1660,13 @@
     </dgm:txFillClrLst>
     <dgm:txEffectClrLst/>
   </dgm:styleLbl>
-  <dgm:styleLbl name="fgShp">
-    <dgm:fillClrLst meth="repeat">
+  <dgm:styleLbl name="vennNode1">
+    <dgm:fillClrLst>
       <a:schemeClr val="accent2">
-        <a:tint val="40000"/>
+        <a:alpha val="50000"/>
+      </a:schemeClr>
+      <a:schemeClr val="accent3">
+        <a:alpha val="50000"/>
       </a:schemeClr>
     </dgm:fillClrLst>
     <dgm:linClrLst meth="repeat">
@@ -1659,27 +1674,7 @@
     </dgm:linClrLst>
     <dgm:effectClrLst/>
     <dgm:txLinClrLst/>
-    <dgm:txFillClrLst meth="repeat">
-      <a:schemeClr val="dk1"/>
-    </dgm:txFillClrLst>
-    <dgm:txEffectClrLst/>
-  </dgm:styleLbl>
-  <dgm:styleLbl name="revTx">
-    <dgm:fillClrLst meth="repeat">
-      <a:schemeClr val="lt1">
-        <a:alpha val="0"/>
-      </a:schemeClr>
-    </dgm:fillClrLst>
-    <dgm:linClrLst meth="repeat">
-      <a:schemeClr val="dk1">
-        <a:alpha val="0"/>
-      </a:schemeClr>
-    </dgm:linClrLst>
-    <dgm:effectClrLst/>
-    <dgm:txLinClrLst/>
-    <dgm:txFillClrLst meth="repeat">
-      <a:schemeClr val="tx1"/>
-    </dgm:txFillClrLst>
+    <dgm:txFillClrLst/>
     <dgm:txEffectClrLst/>
   </dgm:styleLbl>
 </dgm:colorsDef>
@@ -1714,7 +1709,7 @@
         </a:p>
       </dgm:t>
     </dgm:pt>
-    <dgm:pt modelId="{091A6692-3C01-4F26-900D-2D21122ED034}" type="parTrans" cxnId="{492E2019-5DE6-40FD-B1C4-D8FCBE02380F}">
+    <dgm:pt modelId="{091A6692-3C01-4F26-900D-2D21122ED034}" cxnId="{492E2019-5DE6-40FD-B1C4-D8FCBE02380F}" type="parTrans">
       <dgm:prSet/>
       <dgm:spPr/>
       <dgm:t>
@@ -1725,7 +1720,7 @@
         </a:p>
       </dgm:t>
     </dgm:pt>
-    <dgm:pt modelId="{4F97C451-2AE3-42BA-BDE6-4A48B2DB3D6C}" type="sibTrans" cxnId="{492E2019-5DE6-40FD-B1C4-D8FCBE02380F}">
+    <dgm:pt modelId="{4F97C451-2AE3-42BA-BDE6-4A48B2DB3D6C}" cxnId="{492E2019-5DE6-40FD-B1C4-D8FCBE02380F}" type="sibTrans">
       <dgm:prSet/>
       <dgm:spPr/>
       <dgm:t>
@@ -1751,7 +1746,7 @@
         </a:p>
       </dgm:t>
     </dgm:pt>
-    <dgm:pt modelId="{2ED2BF83-D129-495E-8D83-C5DDC59535AC}" type="parTrans" cxnId="{CFBEF06D-BCD2-4097-8091-6D2B3741A732}">
+    <dgm:pt modelId="{2ED2BF83-D129-495E-8D83-C5DDC59535AC}" cxnId="{CFBEF06D-BCD2-4097-8091-6D2B3741A732}" type="parTrans">
       <dgm:prSet/>
       <dgm:spPr/>
       <dgm:t>
@@ -1762,7 +1757,7 @@
         </a:p>
       </dgm:t>
     </dgm:pt>
-    <dgm:pt modelId="{8DDB7A20-DC79-4E83-8311-A3F14A1CE399}" type="sibTrans" cxnId="{CFBEF06D-BCD2-4097-8091-6D2B3741A732}">
+    <dgm:pt modelId="{8DDB7A20-DC79-4E83-8311-A3F14A1CE399}" cxnId="{CFBEF06D-BCD2-4097-8091-6D2B3741A732}" type="sibTrans">
       <dgm:prSet/>
       <dgm:spPr/>
       <dgm:t>
@@ -1792,7 +1787,7 @@
         </a:p>
       </dgm:t>
     </dgm:pt>
-    <dgm:pt modelId="{331AAC80-839C-4997-BC60-AB9BB652155E}" type="parTrans" cxnId="{C0FBB12F-05BE-4E7C-8E73-41134625A16B}">
+    <dgm:pt modelId="{331AAC80-839C-4997-BC60-AB9BB652155E}" cxnId="{C0FBB12F-05BE-4E7C-8E73-41134625A16B}" type="parTrans">
       <dgm:prSet/>
       <dgm:spPr/>
       <dgm:t>
@@ -1803,7 +1798,7 @@
         </a:p>
       </dgm:t>
     </dgm:pt>
-    <dgm:pt modelId="{12596C90-79A8-45E5-AED9-AEEBD7C4C84D}" type="sibTrans" cxnId="{C0FBB12F-05BE-4E7C-8E73-41134625A16B}">
+    <dgm:pt modelId="{12596C90-79A8-45E5-AED9-AEEBD7C4C84D}" cxnId="{C0FBB12F-05BE-4E7C-8E73-41134625A16B}" type="sibTrans">
       <dgm:prSet/>
       <dgm:spPr/>
       <dgm:t>
@@ -1833,7 +1828,7 @@
         </a:p>
       </dgm:t>
     </dgm:pt>
-    <dgm:pt modelId="{E225D3E0-CE14-4E6C-AE4B-E39D2BEB470C}" type="parTrans" cxnId="{F675F12D-6EBE-4B01-BF40-8B52E9F36670}">
+    <dgm:pt modelId="{E225D3E0-CE14-4E6C-AE4B-E39D2BEB470C}" cxnId="{F675F12D-6EBE-4B01-BF40-8B52E9F36670}" type="parTrans">
       <dgm:prSet/>
       <dgm:spPr/>
       <dgm:t>
@@ -1844,7 +1839,7 @@
         </a:p>
       </dgm:t>
     </dgm:pt>
-    <dgm:pt modelId="{DD8839C1-97B0-41C1-9B42-548054D8036B}" type="sibTrans" cxnId="{F675F12D-6EBE-4B01-BF40-8B52E9F36670}">
+    <dgm:pt modelId="{DD8839C1-97B0-41C1-9B42-548054D8036B}" cxnId="{F675F12D-6EBE-4B01-BF40-8B52E9F36670}" type="sibTrans">
       <dgm:prSet/>
       <dgm:spPr/>
       <dgm:t>
@@ -1870,7 +1865,7 @@
         </a:p>
       </dgm:t>
     </dgm:pt>
-    <dgm:pt modelId="{2C5EAB5D-D649-4A52-ACEF-77AB28398F3D}" type="parTrans" cxnId="{6BF3AE89-7A61-41A0-81C0-00FA1021B289}">
+    <dgm:pt modelId="{2C5EAB5D-D649-4A52-ACEF-77AB28398F3D}" cxnId="{6BF3AE89-7A61-41A0-81C0-00FA1021B289}" type="parTrans">
       <dgm:prSet/>
       <dgm:spPr/>
       <dgm:t>
@@ -1881,7 +1876,7 @@
         </a:p>
       </dgm:t>
     </dgm:pt>
-    <dgm:pt modelId="{3B8BD0B7-B6D7-4279-BBE6-38F9ADAD4F19}" type="sibTrans" cxnId="{6BF3AE89-7A61-41A0-81C0-00FA1021B289}">
+    <dgm:pt modelId="{3B8BD0B7-B6D7-4279-BBE6-38F9ADAD4F19}" cxnId="{6BF3AE89-7A61-41A0-81C0-00FA1021B289}" type="sibTrans">
       <dgm:prSet/>
       <dgm:spPr/>
       <dgm:t>
@@ -1907,7 +1902,7 @@
         </a:p>
       </dgm:t>
     </dgm:pt>
-    <dgm:pt modelId="{B33C0B55-05E5-4D20-A186-97C286E24DFA}" type="parTrans" cxnId="{47549D44-5BF4-4913-B6ED-4C05C3D00EFB}">
+    <dgm:pt modelId="{B33C0B55-05E5-4D20-A186-97C286E24DFA}" cxnId="{47549D44-5BF4-4913-B6ED-4C05C3D00EFB}" type="parTrans">
       <dgm:prSet/>
       <dgm:spPr/>
       <dgm:t>
@@ -1918,7 +1913,7 @@
         </a:p>
       </dgm:t>
     </dgm:pt>
-    <dgm:pt modelId="{887C4067-355C-4020-BB64-5FCEB9A30B7C}" type="sibTrans" cxnId="{47549D44-5BF4-4913-B6ED-4C05C3D00EFB}">
+    <dgm:pt modelId="{887C4067-355C-4020-BB64-5FCEB9A30B7C}" cxnId="{47549D44-5BF4-4913-B6ED-4C05C3D00EFB}" type="sibTrans">
       <dgm:prSet/>
       <dgm:spPr/>
       <dgm:t>
@@ -2012,7 +2007,7 @@
   <dgm:whole/>
   <dgm:extLst>
     <a:ext uri="http://schemas.microsoft.com/office/drawing/2008/diagram">
-      <dsp:dataModelExt xmlns:dsp="http://schemas.microsoft.com/office/drawing/2008/diagram" relId="rId6" minVer="http://schemas.openxmlformats.org/drawingml/2006/diagram"/>
+      <dsp:dataModelExt xmlns:dsp="http://schemas.microsoft.com/office/drawing/2008/diagram" relId="rId5" minVer="http://schemas.openxmlformats.org/drawingml/2006/diagram"/>
     </a:ext>
   </dgm:extLst>
 </dgm:dataModel>
@@ -2047,7 +2042,7 @@
         </a:p>
       </dgm:t>
     </dgm:pt>
-    <dgm:pt modelId="{EFA6D2E7-2AFA-4459-AA24-D79A8068B0A8}" type="parTrans" cxnId="{96EEE7B7-4741-4213-B0E7-8397BA6C4F6B}">
+    <dgm:pt modelId="{EFA6D2E7-2AFA-4459-AA24-D79A8068B0A8}" cxnId="{96EEE7B7-4741-4213-B0E7-8397BA6C4F6B}" type="parTrans">
       <dgm:prSet/>
       <dgm:spPr/>
       <dgm:t>
@@ -2058,7 +2053,7 @@
         </a:p>
       </dgm:t>
     </dgm:pt>
-    <dgm:pt modelId="{A82B545C-3644-4520-9F59-82EDA7E3B93C}" type="sibTrans" cxnId="{96EEE7B7-4741-4213-B0E7-8397BA6C4F6B}">
+    <dgm:pt modelId="{A82B545C-3644-4520-9F59-82EDA7E3B93C}" cxnId="{96EEE7B7-4741-4213-B0E7-8397BA6C4F6B}" type="sibTrans">
       <dgm:prSet/>
       <dgm:spPr/>
       <dgm:t>
@@ -2084,7 +2079,7 @@
         </a:p>
       </dgm:t>
     </dgm:pt>
-    <dgm:pt modelId="{3689E726-8199-433C-AB8C-9785D9B4E983}" type="parTrans" cxnId="{B0E05263-D7B3-415F-8C9F-654063636D21}">
+    <dgm:pt modelId="{3689E726-8199-433C-AB8C-9785D9B4E983}" cxnId="{B0E05263-D7B3-415F-8C9F-654063636D21}" type="parTrans">
       <dgm:prSet/>
       <dgm:spPr/>
       <dgm:t>
@@ -2095,7 +2090,7 @@
         </a:p>
       </dgm:t>
     </dgm:pt>
-    <dgm:pt modelId="{FE1F6BB1-9938-4B2F-BB06-E6BA64580218}" type="sibTrans" cxnId="{B0E05263-D7B3-415F-8C9F-654063636D21}">
+    <dgm:pt modelId="{FE1F6BB1-9938-4B2F-BB06-E6BA64580218}" cxnId="{B0E05263-D7B3-415F-8C9F-654063636D21}" type="sibTrans">
       <dgm:prSet/>
       <dgm:spPr/>
       <dgm:t>
@@ -2125,7 +2120,7 @@
         </a:p>
       </dgm:t>
     </dgm:pt>
-    <dgm:pt modelId="{2B1CA1F2-6345-4263-B785-496ECB18977D}" type="parTrans" cxnId="{3629C9DC-A6C4-44CE-8C2A-A18942E8A9C3}">
+    <dgm:pt modelId="{2B1CA1F2-6345-4263-B785-496ECB18977D}" cxnId="{3629C9DC-A6C4-44CE-8C2A-A18942E8A9C3}" type="parTrans">
       <dgm:prSet/>
       <dgm:spPr/>
       <dgm:t>
@@ -2136,7 +2131,7 @@
         </a:p>
       </dgm:t>
     </dgm:pt>
-    <dgm:pt modelId="{9FDB18CA-CA2F-459A-9969-D01602808E2A}" type="sibTrans" cxnId="{3629C9DC-A6C4-44CE-8C2A-A18942E8A9C3}">
+    <dgm:pt modelId="{9FDB18CA-CA2F-459A-9969-D01602808E2A}" cxnId="{3629C9DC-A6C4-44CE-8C2A-A18942E8A9C3}" type="sibTrans">
       <dgm:prSet/>
       <dgm:spPr/>
       <dgm:t>
@@ -2166,7 +2161,7 @@
         </a:p>
       </dgm:t>
     </dgm:pt>
-    <dgm:pt modelId="{FB9271B3-1516-44AA-9AA0-AC18D759D388}" type="parTrans" cxnId="{DB2BFA1C-B7E9-46D0-BAEF-C3D061186F21}">
+    <dgm:pt modelId="{FB9271B3-1516-44AA-9AA0-AC18D759D388}" cxnId="{DB2BFA1C-B7E9-46D0-BAEF-C3D061186F21}" type="parTrans">
       <dgm:prSet/>
       <dgm:spPr/>
       <dgm:t>
@@ -2177,7 +2172,7 @@
         </a:p>
       </dgm:t>
     </dgm:pt>
-    <dgm:pt modelId="{EDBABC2B-6DB1-42E7-993D-AD253771C111}" type="sibTrans" cxnId="{DB2BFA1C-B7E9-46D0-BAEF-C3D061186F21}">
+    <dgm:pt modelId="{EDBABC2B-6DB1-42E7-993D-AD253771C111}" cxnId="{DB2BFA1C-B7E9-46D0-BAEF-C3D061186F21}" type="sibTrans">
       <dgm:prSet/>
       <dgm:spPr/>
       <dgm:t>
@@ -2203,7 +2198,7 @@
         </a:p>
       </dgm:t>
     </dgm:pt>
-    <dgm:pt modelId="{C36A101A-69A7-406B-9825-C3EF8C56D57C}" type="parTrans" cxnId="{93D94FE7-1722-4877-885F-D473698D3A93}">
+    <dgm:pt modelId="{C36A101A-69A7-406B-9825-C3EF8C56D57C}" cxnId="{93D94FE7-1722-4877-885F-D473698D3A93}" type="parTrans">
       <dgm:prSet/>
       <dgm:spPr/>
       <dgm:t>
@@ -2214,7 +2209,7 @@
         </a:p>
       </dgm:t>
     </dgm:pt>
-    <dgm:pt modelId="{3DEEFAD1-EB8F-4B9E-A4E9-D8668497199A}" type="sibTrans" cxnId="{93D94FE7-1722-4877-885F-D473698D3A93}">
+    <dgm:pt modelId="{3DEEFAD1-EB8F-4B9E-A4E9-D8668497199A}" cxnId="{93D94FE7-1722-4877-885F-D473698D3A93}" type="sibTrans">
       <dgm:prSet/>
       <dgm:spPr/>
       <dgm:t>
@@ -2240,7 +2235,7 @@
         </a:p>
       </dgm:t>
     </dgm:pt>
-    <dgm:pt modelId="{A4206AD9-3A5F-40B9-9991-DF52FF0C5AD5}" type="parTrans" cxnId="{63B562E6-D9DC-4653-96FF-7EE53C8EE405}">
+    <dgm:pt modelId="{A4206AD9-3A5F-40B9-9991-DF52FF0C5AD5}" cxnId="{63B562E6-D9DC-4653-96FF-7EE53C8EE405}" type="parTrans">
       <dgm:prSet/>
       <dgm:spPr/>
       <dgm:t>
@@ -2251,7 +2246,7 @@
         </a:p>
       </dgm:t>
     </dgm:pt>
-    <dgm:pt modelId="{41A11495-387F-4CA7-A79A-85564FC24CCF}" type="sibTrans" cxnId="{63B562E6-D9DC-4653-96FF-7EE53C8EE405}">
+    <dgm:pt modelId="{41A11495-387F-4CA7-A79A-85564FC24CCF}" cxnId="{63B562E6-D9DC-4653-96FF-7EE53C8EE405}" type="sibTrans">
       <dgm:prSet/>
       <dgm:spPr/>
       <dgm:t>
@@ -2281,7 +2276,7 @@
         </a:p>
       </dgm:t>
     </dgm:pt>
-    <dgm:pt modelId="{233B047F-3CAA-46EA-A62E-6E3CC79AB90F}" type="parTrans" cxnId="{E782D3DA-FFA0-4C2A-B145-4249D16D1B38}">
+    <dgm:pt modelId="{233B047F-3CAA-46EA-A62E-6E3CC79AB90F}" cxnId="{E782D3DA-FFA0-4C2A-B145-4249D16D1B38}" type="parTrans">
       <dgm:prSet/>
       <dgm:spPr/>
       <dgm:t>
@@ -2292,7 +2287,7 @@
         </a:p>
       </dgm:t>
     </dgm:pt>
-    <dgm:pt modelId="{09B921F1-D191-41C9-A783-F11E9F406C0A}" type="sibTrans" cxnId="{E782D3DA-FFA0-4C2A-B145-4249D16D1B38}">
+    <dgm:pt modelId="{09B921F1-D191-41C9-A783-F11E9F406C0A}" cxnId="{E782D3DA-FFA0-4C2A-B145-4249D16D1B38}" type="sibTrans">
       <dgm:prSet/>
       <dgm:spPr/>
       <dgm:t>
@@ -2322,7 +2317,7 @@
         </a:p>
       </dgm:t>
     </dgm:pt>
-    <dgm:pt modelId="{96F428A9-1AC9-4FDC-966A-28110E04FF4B}" type="parTrans" cxnId="{AB48B1A2-713D-4A3F-85C1-D9B96939AB1C}">
+    <dgm:pt modelId="{96F428A9-1AC9-4FDC-966A-28110E04FF4B}" cxnId="{AB48B1A2-713D-4A3F-85C1-D9B96939AB1C}" type="parTrans">
       <dgm:prSet/>
       <dgm:spPr/>
       <dgm:t>
@@ -2333,7 +2328,7 @@
         </a:p>
       </dgm:t>
     </dgm:pt>
-    <dgm:pt modelId="{0A6AFF6D-7DFA-440D-9F1C-05CDC0DFBDEA}" type="sibTrans" cxnId="{AB48B1A2-713D-4A3F-85C1-D9B96939AB1C}">
+    <dgm:pt modelId="{0A6AFF6D-7DFA-440D-9F1C-05CDC0DFBDEA}" cxnId="{AB48B1A2-713D-4A3F-85C1-D9B96939AB1C}" type="sibTrans">
       <dgm:prSet/>
       <dgm:spPr/>
       <dgm:t>
@@ -2415,7 +2410,7 @@
   <dgm:whole/>
   <dgm:extLst>
     <a:ext uri="http://schemas.microsoft.com/office/drawing/2008/diagram">
-      <dsp:dataModelExt xmlns:dsp="http://schemas.microsoft.com/office/drawing/2008/diagram" relId="rId6" minVer="http://schemas.openxmlformats.org/drawingml/2006/diagram"/>
+      <dsp:dataModelExt xmlns:dsp="http://schemas.microsoft.com/office/drawing/2008/diagram" relId="rId5" minVer="http://schemas.openxmlformats.org/drawingml/2006/diagram"/>
     </a:ext>
   </dgm:extLst>
 </dgm:dataModel>
@@ -3262,7 +3257,9 @@
   <dgm:styleData>
     <dgm:dataModel>
       <dgm:ptLst>
-        <dgm:pt modelId="0" type="doc"/>
+        <dgm:pt modelId="0" type="doc">
+          <dgm:prSet qsTypeId="urn:microsoft.com/office/officeart/2005/8/quickstyle/simple5"/>
+        </dgm:pt>
         <dgm:pt modelId="1"/>
       </dgm:ptLst>
       <dgm:cxnLst>
@@ -3373,7 +3370,7 @@
             <dgm:bulletEnabled val="1"/>
           </dgm:varLst>
           <dgm:alg type="tx"/>
-          <dgm:shape xmlns:r="http://schemas.openxmlformats.org/officeDocument/2006/relationships" rot="90" type="chevron" r:blip="">
+          <dgm:shape xmlns:r="http://schemas.openxmlformats.org/officeDocument/2006/relationships" type="chevron" r:blip="" rot="90">
             <dgm:adjLst/>
           </dgm:shape>
           <dgm:presOf axis="self" ptType="node"/>
@@ -3402,7 +3399,7 @@
                 <dgm:param type="stBulletLvl" val="1"/>
                 <dgm:param type="txAnchorVertCh" val="mid"/>
               </dgm:alg>
-              <dgm:shape xmlns:r="http://schemas.openxmlformats.org/officeDocument/2006/relationships" rot="90" type="round2SameRect" r:blip="">
+              <dgm:shape xmlns:r="http://schemas.openxmlformats.org/officeDocument/2006/relationships" type="round2SameRect" r:blip="" rot="90">
                 <dgm:adjLst/>
               </dgm:shape>
             </dgm:if>
@@ -3411,7 +3408,7 @@
                 <dgm:param type="stBulletLvl" val="1"/>
                 <dgm:param type="txAnchorVertCh" val="mid"/>
               </dgm:alg>
-              <dgm:shape xmlns:r="http://schemas.openxmlformats.org/officeDocument/2006/relationships" rot="-90" type="round2SameRect" r:blip="">
+              <dgm:shape xmlns:r="http://schemas.openxmlformats.org/officeDocument/2006/relationships" type="round2SameRect" r:blip="" rot="-90">
                 <dgm:adjLst/>
               </dgm:shape>
             </dgm:else>
@@ -3585,8 +3582,8 @@
               <dgm:bulletEnabled val="1"/>
             </dgm:varLst>
             <dgm:alg type="tx">
+              <dgm:param type="lnSpAfChP" val="20"/>
               <dgm:param type="stBulletLvl" val="1"/>
-              <dgm:param type="lnSpAfChP" val="20"/>
             </dgm:alg>
             <dgm:shape xmlns:r="http://schemas.openxmlformats.org/officeDocument/2006/relationships" type="rect" r:blip="">
               <dgm:adjLst/>
@@ -3637,12 +3634,542 @@
     <a:camera prst="orthographicFront"/>
     <a:lightRig rig="threePt" dir="t"/>
   </dgm:scene3d>
+  <dgm:styleLbl name="alignAcc1">
+    <dgm:scene3d>
+      <a:camera prst="orthographicFront"/>
+      <a:lightRig rig="threePt" dir="t"/>
+    </dgm:scene3d>
+    <dgm:txPr/>
+    <dgm:style>
+      <a:lnRef idx="1">
+        <a:scrgbClr r="0" g="0" b="0"/>
+      </a:lnRef>
+      <a:fillRef idx="1">
+        <a:scrgbClr r="0" g="0" b="0"/>
+      </a:fillRef>
+      <a:effectRef idx="0">
+        <a:scrgbClr r="0" g="0" b="0"/>
+      </a:effectRef>
+      <a:fontRef idx="minor"/>
+    </dgm:style>
+  </dgm:styleLbl>
+  <dgm:styleLbl name="alignAccFollowNode1">
+    <dgm:scene3d>
+      <a:camera prst="orthographicFront"/>
+      <a:lightRig rig="threePt" dir="t"/>
+    </dgm:scene3d>
+    <dgm:txPr/>
+    <dgm:style>
+      <a:lnRef idx="1">
+        <a:scrgbClr r="0" g="0" b="0"/>
+      </a:lnRef>
+      <a:fillRef idx="1">
+        <a:scrgbClr r="0" g="0" b="0"/>
+      </a:fillRef>
+      <a:effectRef idx="0">
+        <a:scrgbClr r="0" g="0" b="0"/>
+      </a:effectRef>
+      <a:fontRef idx="minor"/>
+    </dgm:style>
+  </dgm:styleLbl>
+  <dgm:styleLbl name="alignImgPlace1">
+    <dgm:scene3d>
+      <a:camera prst="orthographicFront"/>
+      <a:lightRig rig="threePt" dir="t"/>
+    </dgm:scene3d>
+    <dgm:txPr/>
+    <dgm:style>
+      <a:lnRef idx="0">
+        <a:scrgbClr r="0" g="0" b="0"/>
+      </a:lnRef>
+      <a:fillRef idx="1">
+        <a:scrgbClr r="0" g="0" b="0"/>
+      </a:fillRef>
+      <a:effectRef idx="2">
+        <a:scrgbClr r="0" g="0" b="0"/>
+      </a:effectRef>
+      <a:fontRef idx="minor"/>
+    </dgm:style>
+  </dgm:styleLbl>
+  <dgm:styleLbl name="alignNode1">
+    <dgm:scene3d>
+      <a:camera prst="orthographicFront"/>
+      <a:lightRig rig="threePt" dir="t"/>
+    </dgm:scene3d>
+    <dgm:txPr/>
+    <dgm:style>
+      <a:lnRef idx="1">
+        <a:scrgbClr r="0" g="0" b="0"/>
+      </a:lnRef>
+      <a:fillRef idx="3">
+        <a:scrgbClr r="0" g="0" b="0"/>
+      </a:fillRef>
+      <a:effectRef idx="2">
+        <a:scrgbClr r="0" g="0" b="0"/>
+      </a:effectRef>
+      <a:fontRef idx="minor">
+        <a:schemeClr val="lt1"/>
+      </a:fontRef>
+    </dgm:style>
+  </dgm:styleLbl>
+  <dgm:styleLbl name="asst0">
+    <dgm:scene3d>
+      <a:camera prst="orthographicFront"/>
+      <a:lightRig rig="threePt" dir="t"/>
+    </dgm:scene3d>
+    <dgm:txPr/>
+    <dgm:style>
+      <a:lnRef idx="0">
+        <a:scrgbClr r="0" g="0" b="0"/>
+      </a:lnRef>
+      <a:fillRef idx="3">
+        <a:scrgbClr r="0" g="0" b="0"/>
+      </a:fillRef>
+      <a:effectRef idx="2">
+        <a:scrgbClr r="0" g="0" b="0"/>
+      </a:effectRef>
+      <a:fontRef idx="minor">
+        <a:schemeClr val="lt1"/>
+      </a:fontRef>
+    </dgm:style>
+  </dgm:styleLbl>
+  <dgm:styleLbl name="asst1">
+    <dgm:scene3d>
+      <a:camera prst="orthographicFront"/>
+      <a:lightRig rig="threePt" dir="t"/>
+    </dgm:scene3d>
+    <dgm:txPr/>
+    <dgm:style>
+      <a:lnRef idx="0">
+        <a:scrgbClr r="0" g="0" b="0"/>
+      </a:lnRef>
+      <a:fillRef idx="3">
+        <a:scrgbClr r="0" g="0" b="0"/>
+      </a:fillRef>
+      <a:effectRef idx="2">
+        <a:scrgbClr r="0" g="0" b="0"/>
+      </a:effectRef>
+      <a:fontRef idx="minor">
+        <a:schemeClr val="lt1"/>
+      </a:fontRef>
+    </dgm:style>
+  </dgm:styleLbl>
+  <dgm:styleLbl name="asst2">
+    <dgm:scene3d>
+      <a:camera prst="orthographicFront"/>
+      <a:lightRig rig="threePt" dir="t"/>
+    </dgm:scene3d>
+    <dgm:txPr/>
+    <dgm:style>
+      <a:lnRef idx="0">
+        <a:scrgbClr r="0" g="0" b="0"/>
+      </a:lnRef>
+      <a:fillRef idx="3">
+        <a:scrgbClr r="0" g="0" b="0"/>
+      </a:fillRef>
+      <a:effectRef idx="2">
+        <a:scrgbClr r="0" g="0" b="0"/>
+      </a:effectRef>
+      <a:fontRef idx="minor">
+        <a:schemeClr val="lt1"/>
+      </a:fontRef>
+    </dgm:style>
+  </dgm:styleLbl>
+  <dgm:styleLbl name="asst3">
+    <dgm:scene3d>
+      <a:camera prst="orthographicFront"/>
+      <a:lightRig rig="threePt" dir="t"/>
+    </dgm:scene3d>
+    <dgm:txPr/>
+    <dgm:style>
+      <a:lnRef idx="0">
+        <a:scrgbClr r="0" g="0" b="0"/>
+      </a:lnRef>
+      <a:fillRef idx="3">
+        <a:scrgbClr r="0" g="0" b="0"/>
+      </a:fillRef>
+      <a:effectRef idx="2">
+        <a:scrgbClr r="0" g="0" b="0"/>
+      </a:effectRef>
+      <a:fontRef idx="minor">
+        <a:schemeClr val="lt1"/>
+      </a:fontRef>
+    </dgm:style>
+  </dgm:styleLbl>
+  <dgm:styleLbl name="asst4">
+    <dgm:scene3d>
+      <a:camera prst="orthographicFront"/>
+      <a:lightRig rig="threePt" dir="t"/>
+    </dgm:scene3d>
+    <dgm:txPr/>
+    <dgm:style>
+      <a:lnRef idx="0">
+        <a:scrgbClr r="0" g="0" b="0"/>
+      </a:lnRef>
+      <a:fillRef idx="3">
+        <a:scrgbClr r="0" g="0" b="0"/>
+      </a:fillRef>
+      <a:effectRef idx="2">
+        <a:scrgbClr r="0" g="0" b="0"/>
+      </a:effectRef>
+      <a:fontRef idx="minor">
+        <a:schemeClr val="lt1"/>
+      </a:fontRef>
+    </dgm:style>
+  </dgm:styleLbl>
+  <dgm:styleLbl name="bgAcc1">
+    <dgm:scene3d>
+      <a:camera prst="orthographicFront"/>
+      <a:lightRig rig="threePt" dir="t"/>
+    </dgm:scene3d>
+    <dgm:txPr/>
+    <dgm:style>
+      <a:lnRef idx="1">
+        <a:scrgbClr r="0" g="0" b="0"/>
+      </a:lnRef>
+      <a:fillRef idx="1">
+        <a:scrgbClr r="0" g="0" b="0"/>
+      </a:fillRef>
+      <a:effectRef idx="0">
+        <a:scrgbClr r="0" g="0" b="0"/>
+      </a:effectRef>
+      <a:fontRef idx="minor"/>
+    </dgm:style>
+  </dgm:styleLbl>
+  <dgm:styleLbl name="bgAccFollowNode1">
+    <dgm:scene3d>
+      <a:camera prst="orthographicFront"/>
+      <a:lightRig rig="threePt" dir="t"/>
+    </dgm:scene3d>
+    <dgm:txPr/>
+    <dgm:style>
+      <a:lnRef idx="1">
+        <a:scrgbClr r="0" g="0" b="0"/>
+      </a:lnRef>
+      <a:fillRef idx="1">
+        <a:scrgbClr r="0" g="0" b="0"/>
+      </a:fillRef>
+      <a:effectRef idx="0">
+        <a:scrgbClr r="0" g="0" b="0"/>
+      </a:effectRef>
+      <a:fontRef idx="minor"/>
+    </dgm:style>
+  </dgm:styleLbl>
+  <dgm:styleLbl name="bgImgPlace1">
+    <dgm:scene3d>
+      <a:camera prst="orthographicFront"/>
+      <a:lightRig rig="threePt" dir="t"/>
+    </dgm:scene3d>
+    <dgm:txPr/>
+    <dgm:style>
+      <a:lnRef idx="0">
+        <a:scrgbClr r="0" g="0" b="0"/>
+      </a:lnRef>
+      <a:fillRef idx="1">
+        <a:scrgbClr r="0" g="0" b="0"/>
+      </a:fillRef>
+      <a:effectRef idx="2">
+        <a:scrgbClr r="0" g="0" b="0"/>
+      </a:effectRef>
+      <a:fontRef idx="minor"/>
+    </dgm:style>
+  </dgm:styleLbl>
+  <dgm:styleLbl name="bgShp">
+    <dgm:scene3d>
+      <a:camera prst="orthographicFront"/>
+      <a:lightRig rig="threePt" dir="t"/>
+    </dgm:scene3d>
+    <dgm:txPr/>
+    <dgm:style>
+      <a:lnRef idx="0">
+        <a:scrgbClr r="0" g="0" b="0"/>
+      </a:lnRef>
+      <a:fillRef idx="1">
+        <a:scrgbClr r="0" g="0" b="0"/>
+      </a:fillRef>
+      <a:effectRef idx="2">
+        <a:scrgbClr r="0" g="0" b="0"/>
+      </a:effectRef>
+      <a:fontRef idx="minor"/>
+    </dgm:style>
+  </dgm:styleLbl>
+  <dgm:styleLbl name="bgSibTrans2D1">
+    <dgm:scene3d>
+      <a:camera prst="orthographicFront"/>
+      <a:lightRig rig="threePt" dir="t"/>
+    </dgm:scene3d>
+    <dgm:txPr/>
+    <dgm:style>
+      <a:lnRef idx="0">
+        <a:scrgbClr r="0" g="0" b="0"/>
+      </a:lnRef>
+      <a:fillRef idx="3">
+        <a:scrgbClr r="0" g="0" b="0"/>
+      </a:fillRef>
+      <a:effectRef idx="2">
+        <a:scrgbClr r="0" g="0" b="0"/>
+      </a:effectRef>
+      <a:fontRef idx="minor">
+        <a:schemeClr val="lt1"/>
+      </a:fontRef>
+    </dgm:style>
+  </dgm:styleLbl>
+  <dgm:styleLbl name="callout">
+    <dgm:scene3d>
+      <a:camera prst="orthographicFront"/>
+      <a:lightRig rig="threePt" dir="t"/>
+    </dgm:scene3d>
+    <dgm:txPr/>
+    <dgm:style>
+      <a:lnRef idx="2">
+        <a:scrgbClr r="0" g="0" b="0"/>
+      </a:lnRef>
+      <a:fillRef idx="1">
+        <a:scrgbClr r="0" g="0" b="0"/>
+      </a:fillRef>
+      <a:effectRef idx="1">
+        <a:scrgbClr r="0" g="0" b="0"/>
+      </a:effectRef>
+      <a:fontRef idx="minor"/>
+    </dgm:style>
+  </dgm:styleLbl>
+  <dgm:styleLbl name="conFgAcc1">
+    <dgm:scene3d>
+      <a:camera prst="orthographicFront"/>
+      <a:lightRig rig="threePt" dir="t"/>
+    </dgm:scene3d>
+    <dgm:txPr/>
+    <dgm:style>
+      <a:lnRef idx="1">
+        <a:scrgbClr r="0" g="0" b="0"/>
+      </a:lnRef>
+      <a:fillRef idx="1">
+        <a:scrgbClr r="0" g="0" b="0"/>
+      </a:fillRef>
+      <a:effectRef idx="0">
+        <a:scrgbClr r="0" g="0" b="0"/>
+      </a:effectRef>
+      <a:fontRef idx="minor"/>
+    </dgm:style>
+  </dgm:styleLbl>
+  <dgm:styleLbl name="dkBgShp">
+    <dgm:scene3d>
+      <a:camera prst="orthographicFront"/>
+      <a:lightRig rig="threePt" dir="t"/>
+    </dgm:scene3d>
+    <dgm:txPr/>
+    <dgm:style>
+      <a:lnRef idx="0">
+        <a:scrgbClr r="0" g="0" b="0"/>
+      </a:lnRef>
+      <a:fillRef idx="1">
+        <a:scrgbClr r="0" g="0" b="0"/>
+      </a:fillRef>
+      <a:effectRef idx="2">
+        <a:scrgbClr r="0" g="0" b="0"/>
+      </a:effectRef>
+      <a:fontRef idx="minor"/>
+    </dgm:style>
+  </dgm:styleLbl>
+  <dgm:styleLbl name="fgAcc0">
+    <dgm:scene3d>
+      <a:camera prst="orthographicFront"/>
+      <a:lightRig rig="threePt" dir="t"/>
+    </dgm:scene3d>
+    <dgm:txPr/>
+    <dgm:style>
+      <a:lnRef idx="1">
+        <a:scrgbClr r="0" g="0" b="0"/>
+      </a:lnRef>
+      <a:fillRef idx="1">
+        <a:scrgbClr r="0" g="0" b="0"/>
+      </a:fillRef>
+      <a:effectRef idx="0">
+        <a:scrgbClr r="0" g="0" b="0"/>
+      </a:effectRef>
+      <a:fontRef idx="minor"/>
+    </dgm:style>
+  </dgm:styleLbl>
+  <dgm:styleLbl name="fgAcc1">
+    <dgm:scene3d>
+      <a:camera prst="orthographicFront"/>
+      <a:lightRig rig="threePt" dir="t"/>
+    </dgm:scene3d>
+    <dgm:txPr/>
+    <dgm:style>
+      <a:lnRef idx="1">
+        <a:scrgbClr r="0" g="0" b="0"/>
+      </a:lnRef>
+      <a:fillRef idx="1">
+        <a:scrgbClr r="0" g="0" b="0"/>
+      </a:fillRef>
+      <a:effectRef idx="0">
+        <a:scrgbClr r="0" g="0" b="0"/>
+      </a:effectRef>
+      <a:fontRef idx="minor"/>
+    </dgm:style>
+  </dgm:styleLbl>
+  <dgm:styleLbl name="fgAcc2">
+    <dgm:scene3d>
+      <a:camera prst="orthographicFront"/>
+      <a:lightRig rig="threePt" dir="t"/>
+    </dgm:scene3d>
+    <dgm:txPr/>
+    <dgm:style>
+      <a:lnRef idx="1">
+        <a:scrgbClr r="0" g="0" b="0"/>
+      </a:lnRef>
+      <a:fillRef idx="1">
+        <a:scrgbClr r="0" g="0" b="0"/>
+      </a:fillRef>
+      <a:effectRef idx="0">
+        <a:scrgbClr r="0" g="0" b="0"/>
+      </a:effectRef>
+      <a:fontRef idx="minor"/>
+    </dgm:style>
+  </dgm:styleLbl>
+  <dgm:styleLbl name="fgAcc3">
+    <dgm:scene3d>
+      <a:camera prst="orthographicFront"/>
+      <a:lightRig rig="threePt" dir="t"/>
+    </dgm:scene3d>
+    <dgm:txPr/>
+    <dgm:style>
+      <a:lnRef idx="1">
+        <a:scrgbClr r="0" g="0" b="0"/>
+      </a:lnRef>
+      <a:fillRef idx="1">
+        <a:scrgbClr r="0" g="0" b="0"/>
+      </a:fillRef>
+      <a:effectRef idx="0">
+        <a:scrgbClr r="0" g="0" b="0"/>
+      </a:effectRef>
+      <a:fontRef idx="minor"/>
+    </dgm:style>
+  </dgm:styleLbl>
+  <dgm:styleLbl name="fgAcc4">
+    <dgm:scene3d>
+      <a:camera prst="orthographicFront"/>
+      <a:lightRig rig="threePt" dir="t"/>
+    </dgm:scene3d>
+    <dgm:txPr/>
+    <dgm:style>
+      <a:lnRef idx="1">
+        <a:scrgbClr r="0" g="0" b="0"/>
+      </a:lnRef>
+      <a:fillRef idx="1">
+        <a:scrgbClr r="0" g="0" b="0"/>
+      </a:fillRef>
+      <a:effectRef idx="0">
+        <a:scrgbClr r="0" g="0" b="0"/>
+      </a:effectRef>
+      <a:fontRef idx="minor"/>
+    </dgm:style>
+  </dgm:styleLbl>
+  <dgm:styleLbl name="fgAccFollowNode1">
+    <dgm:scene3d>
+      <a:camera prst="orthographicFront"/>
+      <a:lightRig rig="threePt" dir="t"/>
+    </dgm:scene3d>
+    <dgm:txPr/>
+    <dgm:style>
+      <a:lnRef idx="1">
+        <a:scrgbClr r="0" g="0" b="0"/>
+      </a:lnRef>
+      <a:fillRef idx="1">
+        <a:scrgbClr r="0" g="0" b="0"/>
+      </a:fillRef>
+      <a:effectRef idx="0">
+        <a:scrgbClr r="0" g="0" b="0"/>
+      </a:effectRef>
+      <a:fontRef idx="minor"/>
+    </dgm:style>
+  </dgm:styleLbl>
+  <dgm:styleLbl name="fgImgPlace1">
+    <dgm:scene3d>
+      <a:camera prst="orthographicFront"/>
+      <a:lightRig rig="threePt" dir="t"/>
+    </dgm:scene3d>
+    <dgm:txPr/>
+    <dgm:style>
+      <a:lnRef idx="0">
+        <a:scrgbClr r="0" g="0" b="0"/>
+      </a:lnRef>
+      <a:fillRef idx="1">
+        <a:scrgbClr r="0" g="0" b="0"/>
+      </a:fillRef>
+      <a:effectRef idx="2">
+        <a:scrgbClr r="0" g="0" b="0"/>
+      </a:effectRef>
+      <a:fontRef idx="minor"/>
+    </dgm:style>
+  </dgm:styleLbl>
+  <dgm:styleLbl name="fgShp">
+    <dgm:scene3d>
+      <a:camera prst="orthographicFront"/>
+      <a:lightRig rig="threePt" dir="t"/>
+    </dgm:scene3d>
+    <dgm:txPr/>
+    <dgm:style>
+      <a:lnRef idx="0">
+        <a:scrgbClr r="0" g="0" b="0"/>
+      </a:lnRef>
+      <a:fillRef idx="3">
+        <a:scrgbClr r="0" g="0" b="0"/>
+      </a:fillRef>
+      <a:effectRef idx="2">
+        <a:scrgbClr r="0" g="0" b="0"/>
+      </a:effectRef>
+      <a:fontRef idx="minor"/>
+    </dgm:style>
+  </dgm:styleLbl>
+  <dgm:styleLbl name="fgSibTrans2D1">
+    <dgm:scene3d>
+      <a:camera prst="orthographicFront"/>
+      <a:lightRig rig="threePt" dir="t"/>
+    </dgm:scene3d>
+    <dgm:txPr/>
+    <dgm:style>
+      <a:lnRef idx="0">
+        <a:scrgbClr r="0" g="0" b="0"/>
+      </a:lnRef>
+      <a:fillRef idx="3">
+        <a:scrgbClr r="0" g="0" b="0"/>
+      </a:fillRef>
+      <a:effectRef idx="2">
+        <a:scrgbClr r="0" g="0" b="0"/>
+      </a:effectRef>
+      <a:fontRef idx="minor">
+        <a:schemeClr val="lt1"/>
+      </a:fontRef>
+    </dgm:style>
+  </dgm:styleLbl>
+  <dgm:styleLbl name="lnNode1">
+    <dgm:scene3d>
+      <a:camera prst="orthographicFront"/>
+      <a:lightRig rig="threePt" dir="t"/>
+    </dgm:scene3d>
+    <dgm:txPr/>
+    <dgm:style>
+      <a:lnRef idx="1">
+        <a:scrgbClr r="0" g="0" b="0"/>
+      </a:lnRef>
+      <a:fillRef idx="3">
+        <a:scrgbClr r="0" g="0" b="0"/>
+      </a:fillRef>
+      <a:effectRef idx="2">
+        <a:scrgbClr r="0" g="0" b="0"/>
+      </a:effectRef>
+      <a:fontRef idx="minor">
+        <a:schemeClr val="lt1"/>
+      </a:fontRef>
+    </dgm:style>
+  </dgm:styleLbl>
   <dgm:styleLbl name="node0">
     <dgm:scene3d>
       <a:camera prst="orthographicFront"/>
       <a:lightRig rig="threePt" dir="t"/>
     </dgm:scene3d>
-    <dgm:sp3d/>
     <dgm:txPr/>
     <dgm:style>
       <a:lnRef idx="0">
@@ -3659,15 +4186,14 @@
       </a:fontRef>
     </dgm:style>
   </dgm:styleLbl>
-  <dgm:styleLbl name="lnNode1">
+  <dgm:styleLbl name="node1">
     <dgm:scene3d>
       <a:camera prst="orthographicFront"/>
       <a:lightRig rig="threePt" dir="t"/>
     </dgm:scene3d>
-    <dgm:sp3d/>
     <dgm:txPr/>
     <dgm:style>
-      <a:lnRef idx="1">
+      <a:lnRef idx="0">
         <a:scrgbClr r="0" g="0" b="0"/>
       </a:lnRef>
       <a:fillRef idx="3">
@@ -3681,12 +4207,388 @@
       </a:fontRef>
     </dgm:style>
   </dgm:styleLbl>
+  <dgm:styleLbl name="node2">
+    <dgm:scene3d>
+      <a:camera prst="orthographicFront"/>
+      <a:lightRig rig="threePt" dir="t"/>
+    </dgm:scene3d>
+    <dgm:txPr/>
+    <dgm:style>
+      <a:lnRef idx="0">
+        <a:scrgbClr r="0" g="0" b="0"/>
+      </a:lnRef>
+      <a:fillRef idx="3">
+        <a:scrgbClr r="0" g="0" b="0"/>
+      </a:fillRef>
+      <a:effectRef idx="2">
+        <a:scrgbClr r="0" g="0" b="0"/>
+      </a:effectRef>
+      <a:fontRef idx="minor">
+        <a:schemeClr val="lt1"/>
+      </a:fontRef>
+    </dgm:style>
+  </dgm:styleLbl>
+  <dgm:styleLbl name="node3">
+    <dgm:scene3d>
+      <a:camera prst="orthographicFront"/>
+      <a:lightRig rig="threePt" dir="t"/>
+    </dgm:scene3d>
+    <dgm:txPr/>
+    <dgm:style>
+      <a:lnRef idx="0">
+        <a:scrgbClr r="0" g="0" b="0"/>
+      </a:lnRef>
+      <a:fillRef idx="3">
+        <a:scrgbClr r="0" g="0" b="0"/>
+      </a:fillRef>
+      <a:effectRef idx="2">
+        <a:scrgbClr r="0" g="0" b="0"/>
+      </a:effectRef>
+      <a:fontRef idx="minor">
+        <a:schemeClr val="lt1"/>
+      </a:fontRef>
+    </dgm:style>
+  </dgm:styleLbl>
+  <dgm:styleLbl name="node4">
+    <dgm:scene3d>
+      <a:camera prst="orthographicFront"/>
+      <a:lightRig rig="threePt" dir="t"/>
+    </dgm:scene3d>
+    <dgm:txPr/>
+    <dgm:style>
+      <a:lnRef idx="0">
+        <a:scrgbClr r="0" g="0" b="0"/>
+      </a:lnRef>
+      <a:fillRef idx="3">
+        <a:scrgbClr r="0" g="0" b="0"/>
+      </a:fillRef>
+      <a:effectRef idx="2">
+        <a:scrgbClr r="0" g="0" b="0"/>
+      </a:effectRef>
+      <a:fontRef idx="minor">
+        <a:schemeClr val="lt1"/>
+      </a:fontRef>
+    </dgm:style>
+  </dgm:styleLbl>
+  <dgm:styleLbl name="parChTrans1D1">
+    <dgm:scene3d>
+      <a:camera prst="orthographicFront"/>
+      <a:lightRig rig="threePt" dir="t"/>
+    </dgm:scene3d>
+    <dgm:txPr/>
+    <dgm:style>
+      <a:lnRef idx="1">
+        <a:scrgbClr r="0" g="0" b="0"/>
+      </a:lnRef>
+      <a:fillRef idx="0">
+        <a:scrgbClr r="0" g="0" b="0"/>
+      </a:fillRef>
+      <a:effectRef idx="0">
+        <a:scrgbClr r="0" g="0" b="0"/>
+      </a:effectRef>
+      <a:fontRef idx="minor"/>
+    </dgm:style>
+  </dgm:styleLbl>
+  <dgm:styleLbl name="parChTrans1D2">
+    <dgm:scene3d>
+      <a:camera prst="orthographicFront"/>
+      <a:lightRig rig="threePt" dir="t"/>
+    </dgm:scene3d>
+    <dgm:txPr/>
+    <dgm:style>
+      <a:lnRef idx="1">
+        <a:scrgbClr r="0" g="0" b="0"/>
+      </a:lnRef>
+      <a:fillRef idx="0">
+        <a:scrgbClr r="0" g="0" b="0"/>
+      </a:fillRef>
+      <a:effectRef idx="0">
+        <a:scrgbClr r="0" g="0" b="0"/>
+      </a:effectRef>
+      <a:fontRef idx="minor"/>
+    </dgm:style>
+  </dgm:styleLbl>
+  <dgm:styleLbl name="parChTrans1D3">
+    <dgm:scene3d>
+      <a:camera prst="orthographicFront"/>
+      <a:lightRig rig="threePt" dir="t"/>
+    </dgm:scene3d>
+    <dgm:txPr/>
+    <dgm:style>
+      <a:lnRef idx="1">
+        <a:scrgbClr r="0" g="0" b="0"/>
+      </a:lnRef>
+      <a:fillRef idx="0">
+        <a:scrgbClr r="0" g="0" b="0"/>
+      </a:fillRef>
+      <a:effectRef idx="0">
+        <a:scrgbClr r="0" g="0" b="0"/>
+      </a:effectRef>
+      <a:fontRef idx="minor"/>
+    </dgm:style>
+  </dgm:styleLbl>
+  <dgm:styleLbl name="parChTrans1D4">
+    <dgm:scene3d>
+      <a:camera prst="orthographicFront"/>
+      <a:lightRig rig="threePt" dir="t"/>
+    </dgm:scene3d>
+    <dgm:txPr/>
+    <dgm:style>
+      <a:lnRef idx="1">
+        <a:scrgbClr r="0" g="0" b="0"/>
+      </a:lnRef>
+      <a:fillRef idx="0">
+        <a:scrgbClr r="0" g="0" b="0"/>
+      </a:fillRef>
+      <a:effectRef idx="0">
+        <a:scrgbClr r="0" g="0" b="0"/>
+      </a:effectRef>
+      <a:fontRef idx="minor"/>
+    </dgm:style>
+  </dgm:styleLbl>
+  <dgm:styleLbl name="parChTrans2D1">
+    <dgm:scene3d>
+      <a:camera prst="orthographicFront"/>
+      <a:lightRig rig="threePt" dir="t"/>
+    </dgm:scene3d>
+    <dgm:txPr/>
+    <dgm:style>
+      <a:lnRef idx="0">
+        <a:scrgbClr r="0" g="0" b="0"/>
+      </a:lnRef>
+      <a:fillRef idx="3">
+        <a:scrgbClr r="0" g="0" b="0"/>
+      </a:fillRef>
+      <a:effectRef idx="2">
+        <a:scrgbClr r="0" g="0" b="0"/>
+      </a:effectRef>
+      <a:fontRef idx="minor">
+        <a:schemeClr val="lt1"/>
+      </a:fontRef>
+    </dgm:style>
+  </dgm:styleLbl>
+  <dgm:styleLbl name="parChTrans2D2">
+    <dgm:scene3d>
+      <a:camera prst="orthographicFront"/>
+      <a:lightRig rig="threePt" dir="t"/>
+    </dgm:scene3d>
+    <dgm:txPr/>
+    <dgm:style>
+      <a:lnRef idx="0">
+        <a:scrgbClr r="0" g="0" b="0"/>
+      </a:lnRef>
+      <a:fillRef idx="3">
+        <a:scrgbClr r="0" g="0" b="0"/>
+      </a:fillRef>
+      <a:effectRef idx="2">
+        <a:scrgbClr r="0" g="0" b="0"/>
+      </a:effectRef>
+      <a:fontRef idx="minor">
+        <a:schemeClr val="lt1"/>
+      </a:fontRef>
+    </dgm:style>
+  </dgm:styleLbl>
+  <dgm:styleLbl name="parChTrans2D3">
+    <dgm:scene3d>
+      <a:camera prst="orthographicFront"/>
+      <a:lightRig rig="threePt" dir="t"/>
+    </dgm:scene3d>
+    <dgm:txPr/>
+    <dgm:style>
+      <a:lnRef idx="1">
+        <a:scrgbClr r="0" g="0" b="0"/>
+      </a:lnRef>
+      <a:fillRef idx="3">
+        <a:scrgbClr r="0" g="0" b="0"/>
+      </a:fillRef>
+      <a:effectRef idx="2">
+        <a:scrgbClr r="0" g="0" b="0"/>
+      </a:effectRef>
+      <a:fontRef idx="minor">
+        <a:schemeClr val="lt1"/>
+      </a:fontRef>
+    </dgm:style>
+  </dgm:styleLbl>
+  <dgm:styleLbl name="parChTrans2D4">
+    <dgm:scene3d>
+      <a:camera prst="orthographicFront"/>
+      <a:lightRig rig="threePt" dir="t"/>
+    </dgm:scene3d>
+    <dgm:txPr/>
+    <dgm:style>
+      <a:lnRef idx="1">
+        <a:scrgbClr r="0" g="0" b="0"/>
+      </a:lnRef>
+      <a:fillRef idx="3">
+        <a:scrgbClr r="0" g="0" b="0"/>
+      </a:fillRef>
+      <a:effectRef idx="2">
+        <a:scrgbClr r="0" g="0" b="0"/>
+      </a:effectRef>
+      <a:fontRef idx="minor">
+        <a:schemeClr val="lt1"/>
+      </a:fontRef>
+    </dgm:style>
+  </dgm:styleLbl>
+  <dgm:styleLbl name="revTx">
+    <dgm:scene3d>
+      <a:camera prst="orthographicFront"/>
+      <a:lightRig rig="threePt" dir="t"/>
+    </dgm:scene3d>
+    <dgm:txPr/>
+    <dgm:style>
+      <a:lnRef idx="0">
+        <a:scrgbClr r="0" g="0" b="0"/>
+      </a:lnRef>
+      <a:fillRef idx="0">
+        <a:scrgbClr r="0" g="0" b="0"/>
+      </a:fillRef>
+      <a:effectRef idx="0">
+        <a:scrgbClr r="0" g="0" b="0"/>
+      </a:effectRef>
+      <a:fontRef idx="minor"/>
+    </dgm:style>
+  </dgm:styleLbl>
+  <dgm:styleLbl name="sibTrans1D1">
+    <dgm:scene3d>
+      <a:camera prst="orthographicFront"/>
+      <a:lightRig rig="threePt" dir="t"/>
+    </dgm:scene3d>
+    <dgm:txPr/>
+    <dgm:style>
+      <a:lnRef idx="1">
+        <a:scrgbClr r="0" g="0" b="0"/>
+      </a:lnRef>
+      <a:fillRef idx="0">
+        <a:scrgbClr r="0" g="0" b="0"/>
+      </a:fillRef>
+      <a:effectRef idx="0">
+        <a:scrgbClr r="0" g="0" b="0"/>
+      </a:effectRef>
+      <a:fontRef idx="minor"/>
+    </dgm:style>
+  </dgm:styleLbl>
+  <dgm:styleLbl name="sibTrans2D1">
+    <dgm:scene3d>
+      <a:camera prst="orthographicFront"/>
+      <a:lightRig rig="threePt" dir="t"/>
+    </dgm:scene3d>
+    <dgm:txPr/>
+    <dgm:style>
+      <a:lnRef idx="0">
+        <a:scrgbClr r="0" g="0" b="0"/>
+      </a:lnRef>
+      <a:fillRef idx="3">
+        <a:scrgbClr r="0" g="0" b="0"/>
+      </a:fillRef>
+      <a:effectRef idx="2">
+        <a:scrgbClr r="0" g="0" b="0"/>
+      </a:effectRef>
+      <a:fontRef idx="minor">
+        <a:schemeClr val="lt1"/>
+      </a:fontRef>
+    </dgm:style>
+  </dgm:styleLbl>
+  <dgm:styleLbl name="solidAlignAcc1">
+    <dgm:scene3d>
+      <a:camera prst="orthographicFront"/>
+      <a:lightRig rig="threePt" dir="t"/>
+    </dgm:scene3d>
+    <dgm:txPr/>
+    <dgm:style>
+      <a:lnRef idx="1">
+        <a:scrgbClr r="0" g="0" b="0"/>
+      </a:lnRef>
+      <a:fillRef idx="1">
+        <a:scrgbClr r="0" g="0" b="0"/>
+      </a:fillRef>
+      <a:effectRef idx="0">
+        <a:scrgbClr r="0" g="0" b="0"/>
+      </a:effectRef>
+      <a:fontRef idx="minor"/>
+    </dgm:style>
+  </dgm:styleLbl>
+  <dgm:styleLbl name="solidBgAcc1">
+    <dgm:scene3d>
+      <a:camera prst="orthographicFront"/>
+      <a:lightRig rig="threePt" dir="t"/>
+    </dgm:scene3d>
+    <dgm:txPr/>
+    <dgm:style>
+      <a:lnRef idx="1">
+        <a:scrgbClr r="0" g="0" b="0"/>
+      </a:lnRef>
+      <a:fillRef idx="1">
+        <a:scrgbClr r="0" g="0" b="0"/>
+      </a:fillRef>
+      <a:effectRef idx="0">
+        <a:scrgbClr r="0" g="0" b="0"/>
+      </a:effectRef>
+      <a:fontRef idx="minor"/>
+    </dgm:style>
+  </dgm:styleLbl>
+  <dgm:styleLbl name="solidFgAcc1">
+    <dgm:scene3d>
+      <a:camera prst="orthographicFront"/>
+      <a:lightRig rig="threePt" dir="t"/>
+    </dgm:scene3d>
+    <dgm:txPr/>
+    <dgm:style>
+      <a:lnRef idx="1">
+        <a:scrgbClr r="0" g="0" b="0"/>
+      </a:lnRef>
+      <a:fillRef idx="1">
+        <a:scrgbClr r="0" g="0" b="0"/>
+      </a:fillRef>
+      <a:effectRef idx="0">
+        <a:scrgbClr r="0" g="0" b="0"/>
+      </a:effectRef>
+      <a:fontRef idx="minor"/>
+    </dgm:style>
+  </dgm:styleLbl>
+  <dgm:styleLbl name="trAlignAcc1">
+    <dgm:scene3d>
+      <a:camera prst="orthographicFront"/>
+      <a:lightRig rig="threePt" dir="t"/>
+    </dgm:scene3d>
+    <dgm:txPr/>
+    <dgm:style>
+      <a:lnRef idx="1">
+        <a:scrgbClr r="0" g="0" b="0"/>
+      </a:lnRef>
+      <a:fillRef idx="1">
+        <a:scrgbClr r="0" g="0" b="0"/>
+      </a:fillRef>
+      <a:effectRef idx="0">
+        <a:scrgbClr r="0" g="0" b="0"/>
+      </a:effectRef>
+      <a:fontRef idx="minor"/>
+    </dgm:style>
+  </dgm:styleLbl>
+  <dgm:styleLbl name="trBgShp">
+    <dgm:scene3d>
+      <a:camera prst="orthographicFront"/>
+      <a:lightRig rig="threePt" dir="t"/>
+    </dgm:scene3d>
+    <dgm:txPr/>
+    <dgm:style>
+      <a:lnRef idx="0">
+        <a:scrgbClr r="0" g="0" b="0"/>
+      </a:lnRef>
+      <a:fillRef idx="1">
+        <a:scrgbClr r="0" g="0" b="0"/>
+      </a:fillRef>
+      <a:effectRef idx="0">
+        <a:scrgbClr r="0" g="0" b="0"/>
+      </a:effectRef>
+      <a:fontRef idx="minor"/>
+    </dgm:style>
+  </dgm:styleLbl>
   <dgm:styleLbl name="vennNode1">
     <dgm:scene3d>
       <a:camera prst="orthographicFront"/>
       <a:lightRig rig="threePt" dir="t"/>
     </dgm:scene3d>
-    <dgm:sp3d/>
     <dgm:txPr/>
     <dgm:style>
       <a:lnRef idx="0">
@@ -3701,960 +4603,6 @@
       <a:fontRef idx="minor">
         <a:schemeClr val="tx1"/>
       </a:fontRef>
-    </dgm:style>
-  </dgm:styleLbl>
-  <dgm:styleLbl name="alignNode1">
-    <dgm:scene3d>
-      <a:camera prst="orthographicFront"/>
-      <a:lightRig rig="threePt" dir="t"/>
-    </dgm:scene3d>
-    <dgm:sp3d/>
-    <dgm:txPr/>
-    <dgm:style>
-      <a:lnRef idx="1">
-        <a:scrgbClr r="0" g="0" b="0"/>
-      </a:lnRef>
-      <a:fillRef idx="3">
-        <a:scrgbClr r="0" g="0" b="0"/>
-      </a:fillRef>
-      <a:effectRef idx="2">
-        <a:scrgbClr r="0" g="0" b="0"/>
-      </a:effectRef>
-      <a:fontRef idx="minor">
-        <a:schemeClr val="lt1"/>
-      </a:fontRef>
-    </dgm:style>
-  </dgm:styleLbl>
-  <dgm:styleLbl name="node1">
-    <dgm:scene3d>
-      <a:camera prst="orthographicFront"/>
-      <a:lightRig rig="threePt" dir="t"/>
-    </dgm:scene3d>
-    <dgm:sp3d/>
-    <dgm:txPr/>
-    <dgm:style>
-      <a:lnRef idx="0">
-        <a:scrgbClr r="0" g="0" b="0"/>
-      </a:lnRef>
-      <a:fillRef idx="3">
-        <a:scrgbClr r="0" g="0" b="0"/>
-      </a:fillRef>
-      <a:effectRef idx="2">
-        <a:scrgbClr r="0" g="0" b="0"/>
-      </a:effectRef>
-      <a:fontRef idx="minor">
-        <a:schemeClr val="lt1"/>
-      </a:fontRef>
-    </dgm:style>
-  </dgm:styleLbl>
-  <dgm:styleLbl name="node2">
-    <dgm:scene3d>
-      <a:camera prst="orthographicFront"/>
-      <a:lightRig rig="threePt" dir="t"/>
-    </dgm:scene3d>
-    <dgm:sp3d/>
-    <dgm:txPr/>
-    <dgm:style>
-      <a:lnRef idx="0">
-        <a:scrgbClr r="0" g="0" b="0"/>
-      </a:lnRef>
-      <a:fillRef idx="3">
-        <a:scrgbClr r="0" g="0" b="0"/>
-      </a:fillRef>
-      <a:effectRef idx="2">
-        <a:scrgbClr r="0" g="0" b="0"/>
-      </a:effectRef>
-      <a:fontRef idx="minor">
-        <a:schemeClr val="lt1"/>
-      </a:fontRef>
-    </dgm:style>
-  </dgm:styleLbl>
-  <dgm:styleLbl name="node3">
-    <dgm:scene3d>
-      <a:camera prst="orthographicFront"/>
-      <a:lightRig rig="threePt" dir="t"/>
-    </dgm:scene3d>
-    <dgm:sp3d/>
-    <dgm:txPr/>
-    <dgm:style>
-      <a:lnRef idx="0">
-        <a:scrgbClr r="0" g="0" b="0"/>
-      </a:lnRef>
-      <a:fillRef idx="3">
-        <a:scrgbClr r="0" g="0" b="0"/>
-      </a:fillRef>
-      <a:effectRef idx="2">
-        <a:scrgbClr r="0" g="0" b="0"/>
-      </a:effectRef>
-      <a:fontRef idx="minor">
-        <a:schemeClr val="lt1"/>
-      </a:fontRef>
-    </dgm:style>
-  </dgm:styleLbl>
-  <dgm:styleLbl name="node4">
-    <dgm:scene3d>
-      <a:camera prst="orthographicFront"/>
-      <a:lightRig rig="threePt" dir="t"/>
-    </dgm:scene3d>
-    <dgm:sp3d/>
-    <dgm:txPr/>
-    <dgm:style>
-      <a:lnRef idx="0">
-        <a:scrgbClr r="0" g="0" b="0"/>
-      </a:lnRef>
-      <a:fillRef idx="3">
-        <a:scrgbClr r="0" g="0" b="0"/>
-      </a:fillRef>
-      <a:effectRef idx="2">
-        <a:scrgbClr r="0" g="0" b="0"/>
-      </a:effectRef>
-      <a:fontRef idx="minor">
-        <a:schemeClr val="lt1"/>
-      </a:fontRef>
-    </dgm:style>
-  </dgm:styleLbl>
-  <dgm:styleLbl name="fgImgPlace1">
-    <dgm:scene3d>
-      <a:camera prst="orthographicFront"/>
-      <a:lightRig rig="threePt" dir="t"/>
-    </dgm:scene3d>
-    <dgm:sp3d/>
-    <dgm:txPr/>
-    <dgm:style>
-      <a:lnRef idx="0">
-        <a:scrgbClr r="0" g="0" b="0"/>
-      </a:lnRef>
-      <a:fillRef idx="1">
-        <a:scrgbClr r="0" g="0" b="0"/>
-      </a:fillRef>
-      <a:effectRef idx="2">
-        <a:scrgbClr r="0" g="0" b="0"/>
-      </a:effectRef>
-      <a:fontRef idx="minor"/>
-    </dgm:style>
-  </dgm:styleLbl>
-  <dgm:styleLbl name="alignImgPlace1">
-    <dgm:scene3d>
-      <a:camera prst="orthographicFront"/>
-      <a:lightRig rig="threePt" dir="t"/>
-    </dgm:scene3d>
-    <dgm:sp3d/>
-    <dgm:txPr/>
-    <dgm:style>
-      <a:lnRef idx="0">
-        <a:scrgbClr r="0" g="0" b="0"/>
-      </a:lnRef>
-      <a:fillRef idx="1">
-        <a:scrgbClr r="0" g="0" b="0"/>
-      </a:fillRef>
-      <a:effectRef idx="2">
-        <a:scrgbClr r="0" g="0" b="0"/>
-      </a:effectRef>
-      <a:fontRef idx="minor"/>
-    </dgm:style>
-  </dgm:styleLbl>
-  <dgm:styleLbl name="bgImgPlace1">
-    <dgm:scene3d>
-      <a:camera prst="orthographicFront"/>
-      <a:lightRig rig="threePt" dir="t"/>
-    </dgm:scene3d>
-    <dgm:sp3d/>
-    <dgm:txPr/>
-    <dgm:style>
-      <a:lnRef idx="0">
-        <a:scrgbClr r="0" g="0" b="0"/>
-      </a:lnRef>
-      <a:fillRef idx="1">
-        <a:scrgbClr r="0" g="0" b="0"/>
-      </a:fillRef>
-      <a:effectRef idx="2">
-        <a:scrgbClr r="0" g="0" b="0"/>
-      </a:effectRef>
-      <a:fontRef idx="minor"/>
-    </dgm:style>
-  </dgm:styleLbl>
-  <dgm:styleLbl name="sibTrans2D1">
-    <dgm:scene3d>
-      <a:camera prst="orthographicFront"/>
-      <a:lightRig rig="threePt" dir="t"/>
-    </dgm:scene3d>
-    <dgm:sp3d/>
-    <dgm:txPr/>
-    <dgm:style>
-      <a:lnRef idx="0">
-        <a:scrgbClr r="0" g="0" b="0"/>
-      </a:lnRef>
-      <a:fillRef idx="3">
-        <a:scrgbClr r="0" g="0" b="0"/>
-      </a:fillRef>
-      <a:effectRef idx="2">
-        <a:scrgbClr r="0" g="0" b="0"/>
-      </a:effectRef>
-      <a:fontRef idx="minor">
-        <a:schemeClr val="lt1"/>
-      </a:fontRef>
-    </dgm:style>
-  </dgm:styleLbl>
-  <dgm:styleLbl name="fgSibTrans2D1">
-    <dgm:scene3d>
-      <a:camera prst="orthographicFront"/>
-      <a:lightRig rig="threePt" dir="t"/>
-    </dgm:scene3d>
-    <dgm:sp3d/>
-    <dgm:txPr/>
-    <dgm:style>
-      <a:lnRef idx="0">
-        <a:scrgbClr r="0" g="0" b="0"/>
-      </a:lnRef>
-      <a:fillRef idx="3">
-        <a:scrgbClr r="0" g="0" b="0"/>
-      </a:fillRef>
-      <a:effectRef idx="2">
-        <a:scrgbClr r="0" g="0" b="0"/>
-      </a:effectRef>
-      <a:fontRef idx="minor">
-        <a:schemeClr val="lt1"/>
-      </a:fontRef>
-    </dgm:style>
-  </dgm:styleLbl>
-  <dgm:styleLbl name="bgSibTrans2D1">
-    <dgm:scene3d>
-      <a:camera prst="orthographicFront"/>
-      <a:lightRig rig="threePt" dir="t"/>
-    </dgm:scene3d>
-    <dgm:sp3d/>
-    <dgm:txPr/>
-    <dgm:style>
-      <a:lnRef idx="0">
-        <a:scrgbClr r="0" g="0" b="0"/>
-      </a:lnRef>
-      <a:fillRef idx="3">
-        <a:scrgbClr r="0" g="0" b="0"/>
-      </a:fillRef>
-      <a:effectRef idx="2">
-        <a:scrgbClr r="0" g="0" b="0"/>
-      </a:effectRef>
-      <a:fontRef idx="minor">
-        <a:schemeClr val="lt1"/>
-      </a:fontRef>
-    </dgm:style>
-  </dgm:styleLbl>
-  <dgm:styleLbl name="sibTrans1D1">
-    <dgm:scene3d>
-      <a:camera prst="orthographicFront"/>
-      <a:lightRig rig="threePt" dir="t"/>
-    </dgm:scene3d>
-    <dgm:sp3d/>
-    <dgm:txPr/>
-    <dgm:style>
-      <a:lnRef idx="1">
-        <a:scrgbClr r="0" g="0" b="0"/>
-      </a:lnRef>
-      <a:fillRef idx="0">
-        <a:scrgbClr r="0" g="0" b="0"/>
-      </a:fillRef>
-      <a:effectRef idx="0">
-        <a:scrgbClr r="0" g="0" b="0"/>
-      </a:effectRef>
-      <a:fontRef idx="minor"/>
-    </dgm:style>
-  </dgm:styleLbl>
-  <dgm:styleLbl name="callout">
-    <dgm:scene3d>
-      <a:camera prst="orthographicFront"/>
-      <a:lightRig rig="threePt" dir="t"/>
-    </dgm:scene3d>
-    <dgm:sp3d/>
-    <dgm:txPr/>
-    <dgm:style>
-      <a:lnRef idx="2">
-        <a:scrgbClr r="0" g="0" b="0"/>
-      </a:lnRef>
-      <a:fillRef idx="1">
-        <a:scrgbClr r="0" g="0" b="0"/>
-      </a:fillRef>
-      <a:effectRef idx="1">
-        <a:scrgbClr r="0" g="0" b="0"/>
-      </a:effectRef>
-      <a:fontRef idx="minor"/>
-    </dgm:style>
-  </dgm:styleLbl>
-  <dgm:styleLbl name="asst0">
-    <dgm:scene3d>
-      <a:camera prst="orthographicFront"/>
-      <a:lightRig rig="threePt" dir="t"/>
-    </dgm:scene3d>
-    <dgm:sp3d/>
-    <dgm:txPr/>
-    <dgm:style>
-      <a:lnRef idx="0">
-        <a:scrgbClr r="0" g="0" b="0"/>
-      </a:lnRef>
-      <a:fillRef idx="3">
-        <a:scrgbClr r="0" g="0" b="0"/>
-      </a:fillRef>
-      <a:effectRef idx="2">
-        <a:scrgbClr r="0" g="0" b="0"/>
-      </a:effectRef>
-      <a:fontRef idx="minor">
-        <a:schemeClr val="lt1"/>
-      </a:fontRef>
-    </dgm:style>
-  </dgm:styleLbl>
-  <dgm:styleLbl name="asst1">
-    <dgm:scene3d>
-      <a:camera prst="orthographicFront"/>
-      <a:lightRig rig="threePt" dir="t"/>
-    </dgm:scene3d>
-    <dgm:sp3d/>
-    <dgm:txPr/>
-    <dgm:style>
-      <a:lnRef idx="0">
-        <a:scrgbClr r="0" g="0" b="0"/>
-      </a:lnRef>
-      <a:fillRef idx="3">
-        <a:scrgbClr r="0" g="0" b="0"/>
-      </a:fillRef>
-      <a:effectRef idx="2">
-        <a:scrgbClr r="0" g="0" b="0"/>
-      </a:effectRef>
-      <a:fontRef idx="minor">
-        <a:schemeClr val="lt1"/>
-      </a:fontRef>
-    </dgm:style>
-  </dgm:styleLbl>
-  <dgm:styleLbl name="asst2">
-    <dgm:scene3d>
-      <a:camera prst="orthographicFront"/>
-      <a:lightRig rig="threePt" dir="t"/>
-    </dgm:scene3d>
-    <dgm:sp3d/>
-    <dgm:txPr/>
-    <dgm:style>
-      <a:lnRef idx="0">
-        <a:scrgbClr r="0" g="0" b="0"/>
-      </a:lnRef>
-      <a:fillRef idx="3">
-        <a:scrgbClr r="0" g="0" b="0"/>
-      </a:fillRef>
-      <a:effectRef idx="2">
-        <a:scrgbClr r="0" g="0" b="0"/>
-      </a:effectRef>
-      <a:fontRef idx="minor">
-        <a:schemeClr val="lt1"/>
-      </a:fontRef>
-    </dgm:style>
-  </dgm:styleLbl>
-  <dgm:styleLbl name="asst3">
-    <dgm:scene3d>
-      <a:camera prst="orthographicFront"/>
-      <a:lightRig rig="threePt" dir="t"/>
-    </dgm:scene3d>
-    <dgm:sp3d/>
-    <dgm:txPr/>
-    <dgm:style>
-      <a:lnRef idx="0">
-        <a:scrgbClr r="0" g="0" b="0"/>
-      </a:lnRef>
-      <a:fillRef idx="3">
-        <a:scrgbClr r="0" g="0" b="0"/>
-      </a:fillRef>
-      <a:effectRef idx="2">
-        <a:scrgbClr r="0" g="0" b="0"/>
-      </a:effectRef>
-      <a:fontRef idx="minor">
-        <a:schemeClr val="lt1"/>
-      </a:fontRef>
-    </dgm:style>
-  </dgm:styleLbl>
-  <dgm:styleLbl name="asst4">
-    <dgm:scene3d>
-      <a:camera prst="orthographicFront"/>
-      <a:lightRig rig="threePt" dir="t"/>
-    </dgm:scene3d>
-    <dgm:sp3d/>
-    <dgm:txPr/>
-    <dgm:style>
-      <a:lnRef idx="0">
-        <a:scrgbClr r="0" g="0" b="0"/>
-      </a:lnRef>
-      <a:fillRef idx="3">
-        <a:scrgbClr r="0" g="0" b="0"/>
-      </a:fillRef>
-      <a:effectRef idx="2">
-        <a:scrgbClr r="0" g="0" b="0"/>
-      </a:effectRef>
-      <a:fontRef idx="minor">
-        <a:schemeClr val="lt1"/>
-      </a:fontRef>
-    </dgm:style>
-  </dgm:styleLbl>
-  <dgm:styleLbl name="parChTrans2D1">
-    <dgm:scene3d>
-      <a:camera prst="orthographicFront"/>
-      <a:lightRig rig="threePt" dir="t"/>
-    </dgm:scene3d>
-    <dgm:sp3d/>
-    <dgm:txPr/>
-    <dgm:style>
-      <a:lnRef idx="0">
-        <a:scrgbClr r="0" g="0" b="0"/>
-      </a:lnRef>
-      <a:fillRef idx="3">
-        <a:scrgbClr r="0" g="0" b="0"/>
-      </a:fillRef>
-      <a:effectRef idx="2">
-        <a:scrgbClr r="0" g="0" b="0"/>
-      </a:effectRef>
-      <a:fontRef idx="minor">
-        <a:schemeClr val="lt1"/>
-      </a:fontRef>
-    </dgm:style>
-  </dgm:styleLbl>
-  <dgm:styleLbl name="parChTrans2D2">
-    <dgm:scene3d>
-      <a:camera prst="orthographicFront"/>
-      <a:lightRig rig="threePt" dir="t"/>
-    </dgm:scene3d>
-    <dgm:sp3d/>
-    <dgm:txPr/>
-    <dgm:style>
-      <a:lnRef idx="0">
-        <a:scrgbClr r="0" g="0" b="0"/>
-      </a:lnRef>
-      <a:fillRef idx="3">
-        <a:scrgbClr r="0" g="0" b="0"/>
-      </a:fillRef>
-      <a:effectRef idx="2">
-        <a:scrgbClr r="0" g="0" b="0"/>
-      </a:effectRef>
-      <a:fontRef idx="minor">
-        <a:schemeClr val="lt1"/>
-      </a:fontRef>
-    </dgm:style>
-  </dgm:styleLbl>
-  <dgm:styleLbl name="parChTrans2D3">
-    <dgm:scene3d>
-      <a:camera prst="orthographicFront"/>
-      <a:lightRig rig="threePt" dir="t"/>
-    </dgm:scene3d>
-    <dgm:sp3d/>
-    <dgm:txPr/>
-    <dgm:style>
-      <a:lnRef idx="1">
-        <a:scrgbClr r="0" g="0" b="0"/>
-      </a:lnRef>
-      <a:fillRef idx="3">
-        <a:scrgbClr r="0" g="0" b="0"/>
-      </a:fillRef>
-      <a:effectRef idx="2">
-        <a:scrgbClr r="0" g="0" b="0"/>
-      </a:effectRef>
-      <a:fontRef idx="minor">
-        <a:schemeClr val="lt1"/>
-      </a:fontRef>
-    </dgm:style>
-  </dgm:styleLbl>
-  <dgm:styleLbl name="parChTrans2D4">
-    <dgm:scene3d>
-      <a:camera prst="orthographicFront"/>
-      <a:lightRig rig="threePt" dir="t"/>
-    </dgm:scene3d>
-    <dgm:sp3d/>
-    <dgm:txPr/>
-    <dgm:style>
-      <a:lnRef idx="1">
-        <a:scrgbClr r="0" g="0" b="0"/>
-      </a:lnRef>
-      <a:fillRef idx="3">
-        <a:scrgbClr r="0" g="0" b="0"/>
-      </a:fillRef>
-      <a:effectRef idx="2">
-        <a:scrgbClr r="0" g="0" b="0"/>
-      </a:effectRef>
-      <a:fontRef idx="minor">
-        <a:schemeClr val="lt1"/>
-      </a:fontRef>
-    </dgm:style>
-  </dgm:styleLbl>
-  <dgm:styleLbl name="parChTrans1D1">
-    <dgm:scene3d>
-      <a:camera prst="orthographicFront"/>
-      <a:lightRig rig="threePt" dir="t"/>
-    </dgm:scene3d>
-    <dgm:sp3d/>
-    <dgm:txPr/>
-    <dgm:style>
-      <a:lnRef idx="1">
-        <a:scrgbClr r="0" g="0" b="0"/>
-      </a:lnRef>
-      <a:fillRef idx="0">
-        <a:scrgbClr r="0" g="0" b="0"/>
-      </a:fillRef>
-      <a:effectRef idx="0">
-        <a:scrgbClr r="0" g="0" b="0"/>
-      </a:effectRef>
-      <a:fontRef idx="minor"/>
-    </dgm:style>
-  </dgm:styleLbl>
-  <dgm:styleLbl name="parChTrans1D2">
-    <dgm:scene3d>
-      <a:camera prst="orthographicFront"/>
-      <a:lightRig rig="threePt" dir="t"/>
-    </dgm:scene3d>
-    <dgm:sp3d/>
-    <dgm:txPr/>
-    <dgm:style>
-      <a:lnRef idx="1">
-        <a:scrgbClr r="0" g="0" b="0"/>
-      </a:lnRef>
-      <a:fillRef idx="0">
-        <a:scrgbClr r="0" g="0" b="0"/>
-      </a:fillRef>
-      <a:effectRef idx="0">
-        <a:scrgbClr r="0" g="0" b="0"/>
-      </a:effectRef>
-      <a:fontRef idx="minor"/>
-    </dgm:style>
-  </dgm:styleLbl>
-  <dgm:styleLbl name="parChTrans1D3">
-    <dgm:scene3d>
-      <a:camera prst="orthographicFront"/>
-      <a:lightRig rig="threePt" dir="t"/>
-    </dgm:scene3d>
-    <dgm:sp3d/>
-    <dgm:txPr/>
-    <dgm:style>
-      <a:lnRef idx="1">
-        <a:scrgbClr r="0" g="0" b="0"/>
-      </a:lnRef>
-      <a:fillRef idx="0">
-        <a:scrgbClr r="0" g="0" b="0"/>
-      </a:fillRef>
-      <a:effectRef idx="0">
-        <a:scrgbClr r="0" g="0" b="0"/>
-      </a:effectRef>
-      <a:fontRef idx="minor"/>
-    </dgm:style>
-  </dgm:styleLbl>
-  <dgm:styleLbl name="parChTrans1D4">
-    <dgm:scene3d>
-      <a:camera prst="orthographicFront"/>
-      <a:lightRig rig="threePt" dir="t"/>
-    </dgm:scene3d>
-    <dgm:sp3d/>
-    <dgm:txPr/>
-    <dgm:style>
-      <a:lnRef idx="1">
-        <a:scrgbClr r="0" g="0" b="0"/>
-      </a:lnRef>
-      <a:fillRef idx="0">
-        <a:scrgbClr r="0" g="0" b="0"/>
-      </a:fillRef>
-      <a:effectRef idx="0">
-        <a:scrgbClr r="0" g="0" b="0"/>
-      </a:effectRef>
-      <a:fontRef idx="minor"/>
-    </dgm:style>
-  </dgm:styleLbl>
-  <dgm:styleLbl name="fgAcc1">
-    <dgm:scene3d>
-      <a:camera prst="orthographicFront"/>
-      <a:lightRig rig="threePt" dir="t"/>
-    </dgm:scene3d>
-    <dgm:sp3d/>
-    <dgm:txPr/>
-    <dgm:style>
-      <a:lnRef idx="1">
-        <a:scrgbClr r="0" g="0" b="0"/>
-      </a:lnRef>
-      <a:fillRef idx="1">
-        <a:scrgbClr r="0" g="0" b="0"/>
-      </a:fillRef>
-      <a:effectRef idx="0">
-        <a:scrgbClr r="0" g="0" b="0"/>
-      </a:effectRef>
-      <a:fontRef idx="minor"/>
-    </dgm:style>
-  </dgm:styleLbl>
-  <dgm:styleLbl name="conFgAcc1">
-    <dgm:scene3d>
-      <a:camera prst="orthographicFront"/>
-      <a:lightRig rig="threePt" dir="t"/>
-    </dgm:scene3d>
-    <dgm:sp3d/>
-    <dgm:txPr/>
-    <dgm:style>
-      <a:lnRef idx="1">
-        <a:scrgbClr r="0" g="0" b="0"/>
-      </a:lnRef>
-      <a:fillRef idx="1">
-        <a:scrgbClr r="0" g="0" b="0"/>
-      </a:fillRef>
-      <a:effectRef idx="0">
-        <a:scrgbClr r="0" g="0" b="0"/>
-      </a:effectRef>
-      <a:fontRef idx="minor"/>
-    </dgm:style>
-  </dgm:styleLbl>
-  <dgm:styleLbl name="alignAcc1">
-    <dgm:scene3d>
-      <a:camera prst="orthographicFront"/>
-      <a:lightRig rig="threePt" dir="t"/>
-    </dgm:scene3d>
-    <dgm:sp3d/>
-    <dgm:txPr/>
-    <dgm:style>
-      <a:lnRef idx="1">
-        <a:scrgbClr r="0" g="0" b="0"/>
-      </a:lnRef>
-      <a:fillRef idx="1">
-        <a:scrgbClr r="0" g="0" b="0"/>
-      </a:fillRef>
-      <a:effectRef idx="0">
-        <a:scrgbClr r="0" g="0" b="0"/>
-      </a:effectRef>
-      <a:fontRef idx="minor"/>
-    </dgm:style>
-  </dgm:styleLbl>
-  <dgm:styleLbl name="trAlignAcc1">
-    <dgm:scene3d>
-      <a:camera prst="orthographicFront"/>
-      <a:lightRig rig="threePt" dir="t"/>
-    </dgm:scene3d>
-    <dgm:sp3d/>
-    <dgm:txPr/>
-    <dgm:style>
-      <a:lnRef idx="1">
-        <a:scrgbClr r="0" g="0" b="0"/>
-      </a:lnRef>
-      <a:fillRef idx="1">
-        <a:scrgbClr r="0" g="0" b="0"/>
-      </a:fillRef>
-      <a:effectRef idx="0">
-        <a:scrgbClr r="0" g="0" b="0"/>
-      </a:effectRef>
-      <a:fontRef idx="minor"/>
-    </dgm:style>
-  </dgm:styleLbl>
-  <dgm:styleLbl name="bgAcc1">
-    <dgm:scene3d>
-      <a:camera prst="orthographicFront"/>
-      <a:lightRig rig="threePt" dir="t"/>
-    </dgm:scene3d>
-    <dgm:sp3d/>
-    <dgm:txPr/>
-    <dgm:style>
-      <a:lnRef idx="1">
-        <a:scrgbClr r="0" g="0" b="0"/>
-      </a:lnRef>
-      <a:fillRef idx="1">
-        <a:scrgbClr r="0" g="0" b="0"/>
-      </a:fillRef>
-      <a:effectRef idx="0">
-        <a:scrgbClr r="0" g="0" b="0"/>
-      </a:effectRef>
-      <a:fontRef idx="minor"/>
-    </dgm:style>
-  </dgm:styleLbl>
-  <dgm:styleLbl name="solidFgAcc1">
-    <dgm:scene3d>
-      <a:camera prst="orthographicFront"/>
-      <a:lightRig rig="threePt" dir="t"/>
-    </dgm:scene3d>
-    <dgm:sp3d/>
-    <dgm:txPr/>
-    <dgm:style>
-      <a:lnRef idx="1">
-        <a:scrgbClr r="0" g="0" b="0"/>
-      </a:lnRef>
-      <a:fillRef idx="1">
-        <a:scrgbClr r="0" g="0" b="0"/>
-      </a:fillRef>
-      <a:effectRef idx="0">
-        <a:scrgbClr r="0" g="0" b="0"/>
-      </a:effectRef>
-      <a:fontRef idx="minor"/>
-    </dgm:style>
-  </dgm:styleLbl>
-  <dgm:styleLbl name="solidAlignAcc1">
-    <dgm:scene3d>
-      <a:camera prst="orthographicFront"/>
-      <a:lightRig rig="threePt" dir="t"/>
-    </dgm:scene3d>
-    <dgm:sp3d/>
-    <dgm:txPr/>
-    <dgm:style>
-      <a:lnRef idx="1">
-        <a:scrgbClr r="0" g="0" b="0"/>
-      </a:lnRef>
-      <a:fillRef idx="1">
-        <a:scrgbClr r="0" g="0" b="0"/>
-      </a:fillRef>
-      <a:effectRef idx="0">
-        <a:scrgbClr r="0" g="0" b="0"/>
-      </a:effectRef>
-      <a:fontRef idx="minor"/>
-    </dgm:style>
-  </dgm:styleLbl>
-  <dgm:styleLbl name="solidBgAcc1">
-    <dgm:scene3d>
-      <a:camera prst="orthographicFront"/>
-      <a:lightRig rig="threePt" dir="t"/>
-    </dgm:scene3d>
-    <dgm:sp3d/>
-    <dgm:txPr/>
-    <dgm:style>
-      <a:lnRef idx="1">
-        <a:scrgbClr r="0" g="0" b="0"/>
-      </a:lnRef>
-      <a:fillRef idx="1">
-        <a:scrgbClr r="0" g="0" b="0"/>
-      </a:fillRef>
-      <a:effectRef idx="0">
-        <a:scrgbClr r="0" g="0" b="0"/>
-      </a:effectRef>
-      <a:fontRef idx="minor"/>
-    </dgm:style>
-  </dgm:styleLbl>
-  <dgm:styleLbl name="fgAccFollowNode1">
-    <dgm:scene3d>
-      <a:camera prst="orthographicFront"/>
-      <a:lightRig rig="threePt" dir="t"/>
-    </dgm:scene3d>
-    <dgm:sp3d/>
-    <dgm:txPr/>
-    <dgm:style>
-      <a:lnRef idx="1">
-        <a:scrgbClr r="0" g="0" b="0"/>
-      </a:lnRef>
-      <a:fillRef idx="1">
-        <a:scrgbClr r="0" g="0" b="0"/>
-      </a:fillRef>
-      <a:effectRef idx="0">
-        <a:scrgbClr r="0" g="0" b="0"/>
-      </a:effectRef>
-      <a:fontRef idx="minor"/>
-    </dgm:style>
-  </dgm:styleLbl>
-  <dgm:styleLbl name="alignAccFollowNode1">
-    <dgm:scene3d>
-      <a:camera prst="orthographicFront"/>
-      <a:lightRig rig="threePt" dir="t"/>
-    </dgm:scene3d>
-    <dgm:sp3d/>
-    <dgm:txPr/>
-    <dgm:style>
-      <a:lnRef idx="1">
-        <a:scrgbClr r="0" g="0" b="0"/>
-      </a:lnRef>
-      <a:fillRef idx="1">
-        <a:scrgbClr r="0" g="0" b="0"/>
-      </a:fillRef>
-      <a:effectRef idx="0">
-        <a:scrgbClr r="0" g="0" b="0"/>
-      </a:effectRef>
-      <a:fontRef idx="minor"/>
-    </dgm:style>
-  </dgm:styleLbl>
-  <dgm:styleLbl name="bgAccFollowNode1">
-    <dgm:scene3d>
-      <a:camera prst="orthographicFront"/>
-      <a:lightRig rig="threePt" dir="t"/>
-    </dgm:scene3d>
-    <dgm:sp3d/>
-    <dgm:txPr/>
-    <dgm:style>
-      <a:lnRef idx="1">
-        <a:scrgbClr r="0" g="0" b="0"/>
-      </a:lnRef>
-      <a:fillRef idx="1">
-        <a:scrgbClr r="0" g="0" b="0"/>
-      </a:fillRef>
-      <a:effectRef idx="0">
-        <a:scrgbClr r="0" g="0" b="0"/>
-      </a:effectRef>
-      <a:fontRef idx="minor"/>
-    </dgm:style>
-  </dgm:styleLbl>
-  <dgm:styleLbl name="fgAcc0">
-    <dgm:scene3d>
-      <a:camera prst="orthographicFront"/>
-      <a:lightRig rig="threePt" dir="t"/>
-    </dgm:scene3d>
-    <dgm:sp3d/>
-    <dgm:txPr/>
-    <dgm:style>
-      <a:lnRef idx="1">
-        <a:scrgbClr r="0" g="0" b="0"/>
-      </a:lnRef>
-      <a:fillRef idx="1">
-        <a:scrgbClr r="0" g="0" b="0"/>
-      </a:fillRef>
-      <a:effectRef idx="0">
-        <a:scrgbClr r="0" g="0" b="0"/>
-      </a:effectRef>
-      <a:fontRef idx="minor"/>
-    </dgm:style>
-  </dgm:styleLbl>
-  <dgm:styleLbl name="fgAcc2">
-    <dgm:scene3d>
-      <a:camera prst="orthographicFront"/>
-      <a:lightRig rig="threePt" dir="t"/>
-    </dgm:scene3d>
-    <dgm:sp3d/>
-    <dgm:txPr/>
-    <dgm:style>
-      <a:lnRef idx="1">
-        <a:scrgbClr r="0" g="0" b="0"/>
-      </a:lnRef>
-      <a:fillRef idx="1">
-        <a:scrgbClr r="0" g="0" b="0"/>
-      </a:fillRef>
-      <a:effectRef idx="0">
-        <a:scrgbClr r="0" g="0" b="0"/>
-      </a:effectRef>
-      <a:fontRef idx="minor"/>
-    </dgm:style>
-  </dgm:styleLbl>
-  <dgm:styleLbl name="fgAcc3">
-    <dgm:scene3d>
-      <a:camera prst="orthographicFront"/>
-      <a:lightRig rig="threePt" dir="t"/>
-    </dgm:scene3d>
-    <dgm:sp3d/>
-    <dgm:txPr/>
-    <dgm:style>
-      <a:lnRef idx="1">
-        <a:scrgbClr r="0" g="0" b="0"/>
-      </a:lnRef>
-      <a:fillRef idx="1">
-        <a:scrgbClr r="0" g="0" b="0"/>
-      </a:fillRef>
-      <a:effectRef idx="0">
-        <a:scrgbClr r="0" g="0" b="0"/>
-      </a:effectRef>
-      <a:fontRef idx="minor"/>
-    </dgm:style>
-  </dgm:styleLbl>
-  <dgm:styleLbl name="fgAcc4">
-    <dgm:scene3d>
-      <a:camera prst="orthographicFront"/>
-      <a:lightRig rig="threePt" dir="t"/>
-    </dgm:scene3d>
-    <dgm:sp3d/>
-    <dgm:txPr/>
-    <dgm:style>
-      <a:lnRef idx="1">
-        <a:scrgbClr r="0" g="0" b="0"/>
-      </a:lnRef>
-      <a:fillRef idx="1">
-        <a:scrgbClr r="0" g="0" b="0"/>
-      </a:fillRef>
-      <a:effectRef idx="0">
-        <a:scrgbClr r="0" g="0" b="0"/>
-      </a:effectRef>
-      <a:fontRef idx="minor"/>
-    </dgm:style>
-  </dgm:styleLbl>
-  <dgm:styleLbl name="bgShp">
-    <dgm:scene3d>
-      <a:camera prst="orthographicFront"/>
-      <a:lightRig rig="threePt" dir="t"/>
-    </dgm:scene3d>
-    <dgm:sp3d/>
-    <dgm:txPr/>
-    <dgm:style>
-      <a:lnRef idx="0">
-        <a:scrgbClr r="0" g="0" b="0"/>
-      </a:lnRef>
-      <a:fillRef idx="1">
-        <a:scrgbClr r="0" g="0" b="0"/>
-      </a:fillRef>
-      <a:effectRef idx="2">
-        <a:scrgbClr r="0" g="0" b="0"/>
-      </a:effectRef>
-      <a:fontRef idx="minor"/>
-    </dgm:style>
-  </dgm:styleLbl>
-  <dgm:styleLbl name="dkBgShp">
-    <dgm:scene3d>
-      <a:camera prst="orthographicFront"/>
-      <a:lightRig rig="threePt" dir="t"/>
-    </dgm:scene3d>
-    <dgm:sp3d/>
-    <dgm:txPr/>
-    <dgm:style>
-      <a:lnRef idx="0">
-        <a:scrgbClr r="0" g="0" b="0"/>
-      </a:lnRef>
-      <a:fillRef idx="1">
-        <a:scrgbClr r="0" g="0" b="0"/>
-      </a:fillRef>
-      <a:effectRef idx="2">
-        <a:scrgbClr r="0" g="0" b="0"/>
-      </a:effectRef>
-      <a:fontRef idx="minor"/>
-    </dgm:style>
-  </dgm:styleLbl>
-  <dgm:styleLbl name="trBgShp">
-    <dgm:scene3d>
-      <a:camera prst="orthographicFront"/>
-      <a:lightRig rig="threePt" dir="t"/>
-    </dgm:scene3d>
-    <dgm:sp3d/>
-    <dgm:txPr/>
-    <dgm:style>
-      <a:lnRef idx="0">
-        <a:scrgbClr r="0" g="0" b="0"/>
-      </a:lnRef>
-      <a:fillRef idx="1">
-        <a:scrgbClr r="0" g="0" b="0"/>
-      </a:fillRef>
-      <a:effectRef idx="0">
-        <a:scrgbClr r="0" g="0" b="0"/>
-      </a:effectRef>
-      <a:fontRef idx="minor"/>
-    </dgm:style>
-  </dgm:styleLbl>
-  <dgm:styleLbl name="fgShp">
-    <dgm:scene3d>
-      <a:camera prst="orthographicFront"/>
-      <a:lightRig rig="threePt" dir="t"/>
-    </dgm:scene3d>
-    <dgm:sp3d/>
-    <dgm:txPr/>
-    <dgm:style>
-      <a:lnRef idx="0">
-        <a:scrgbClr r="0" g="0" b="0"/>
-      </a:lnRef>
-      <a:fillRef idx="3">
-        <a:scrgbClr r="0" g="0" b="0"/>
-      </a:fillRef>
-      <a:effectRef idx="2">
-        <a:scrgbClr r="0" g="0" b="0"/>
-      </a:effectRef>
-      <a:fontRef idx="minor"/>
-    </dgm:style>
-  </dgm:styleLbl>
-  <dgm:styleLbl name="revTx">
-    <dgm:scene3d>
-      <a:camera prst="orthographicFront"/>
-      <a:lightRig rig="threePt" dir="t"/>
-    </dgm:scene3d>
-    <dgm:sp3d/>
-    <dgm:txPr/>
-    <dgm:style>
-      <a:lnRef idx="0">
-        <a:scrgbClr r="0" g="0" b="0"/>
-      </a:lnRef>
-      <a:fillRef idx="0">
-        <a:scrgbClr r="0" g="0" b="0"/>
-      </a:fillRef>
-      <a:effectRef idx="0">
-        <a:scrgbClr r="0" g="0" b="0"/>
-      </a:effectRef>
-      <a:fontRef idx="minor"/>
     </dgm:style>
   </dgm:styleLbl>
 </dgm:styleDef>
@@ -4671,12 +4619,542 @@
     <a:camera prst="orthographicFront"/>
     <a:lightRig rig="threePt" dir="t"/>
   </dgm:scene3d>
+  <dgm:styleLbl name="alignAcc1">
+    <dgm:scene3d>
+      <a:camera prst="orthographicFront"/>
+      <a:lightRig rig="threePt" dir="t"/>
+    </dgm:scene3d>
+    <dgm:txPr/>
+    <dgm:style>
+      <a:lnRef idx="2">
+        <a:scrgbClr r="0" g="0" b="0"/>
+      </a:lnRef>
+      <a:fillRef idx="1">
+        <a:scrgbClr r="0" g="0" b="0"/>
+      </a:fillRef>
+      <a:effectRef idx="0">
+        <a:scrgbClr r="0" g="0" b="0"/>
+      </a:effectRef>
+      <a:fontRef idx="minor"/>
+    </dgm:style>
+  </dgm:styleLbl>
+  <dgm:styleLbl name="alignAccFollowNode1">
+    <dgm:scene3d>
+      <a:camera prst="orthographicFront"/>
+      <a:lightRig rig="threePt" dir="t"/>
+    </dgm:scene3d>
+    <dgm:txPr/>
+    <dgm:style>
+      <a:lnRef idx="2">
+        <a:scrgbClr r="0" g="0" b="0"/>
+      </a:lnRef>
+      <a:fillRef idx="1">
+        <a:scrgbClr r="0" g="0" b="0"/>
+      </a:fillRef>
+      <a:effectRef idx="0">
+        <a:scrgbClr r="0" g="0" b="0"/>
+      </a:effectRef>
+      <a:fontRef idx="minor"/>
+    </dgm:style>
+  </dgm:styleLbl>
+  <dgm:styleLbl name="alignImgPlace1">
+    <dgm:scene3d>
+      <a:camera prst="orthographicFront"/>
+      <a:lightRig rig="threePt" dir="t"/>
+    </dgm:scene3d>
+    <dgm:txPr/>
+    <dgm:style>
+      <a:lnRef idx="2">
+        <a:scrgbClr r="0" g="0" b="0"/>
+      </a:lnRef>
+      <a:fillRef idx="1">
+        <a:scrgbClr r="0" g="0" b="0"/>
+      </a:fillRef>
+      <a:effectRef idx="0">
+        <a:scrgbClr r="0" g="0" b="0"/>
+      </a:effectRef>
+      <a:fontRef idx="minor"/>
+    </dgm:style>
+  </dgm:styleLbl>
+  <dgm:styleLbl name="alignNode1">
+    <dgm:scene3d>
+      <a:camera prst="orthographicFront"/>
+      <a:lightRig rig="threePt" dir="t"/>
+    </dgm:scene3d>
+    <dgm:txPr/>
+    <dgm:style>
+      <a:lnRef idx="2">
+        <a:scrgbClr r="0" g="0" b="0"/>
+      </a:lnRef>
+      <a:fillRef idx="1">
+        <a:scrgbClr r="0" g="0" b="0"/>
+      </a:fillRef>
+      <a:effectRef idx="0">
+        <a:scrgbClr r="0" g="0" b="0"/>
+      </a:effectRef>
+      <a:fontRef idx="minor">
+        <a:schemeClr val="lt1"/>
+      </a:fontRef>
+    </dgm:style>
+  </dgm:styleLbl>
+  <dgm:styleLbl name="asst0">
+    <dgm:scene3d>
+      <a:camera prst="orthographicFront"/>
+      <a:lightRig rig="threePt" dir="t"/>
+    </dgm:scene3d>
+    <dgm:txPr/>
+    <dgm:style>
+      <a:lnRef idx="2">
+        <a:scrgbClr r="0" g="0" b="0"/>
+      </a:lnRef>
+      <a:fillRef idx="1">
+        <a:scrgbClr r="0" g="0" b="0"/>
+      </a:fillRef>
+      <a:effectRef idx="0">
+        <a:scrgbClr r="0" g="0" b="0"/>
+      </a:effectRef>
+      <a:fontRef idx="minor">
+        <a:schemeClr val="lt1"/>
+      </a:fontRef>
+    </dgm:style>
+  </dgm:styleLbl>
+  <dgm:styleLbl name="asst1">
+    <dgm:scene3d>
+      <a:camera prst="orthographicFront"/>
+      <a:lightRig rig="threePt" dir="t"/>
+    </dgm:scene3d>
+    <dgm:txPr/>
+    <dgm:style>
+      <a:lnRef idx="2">
+        <a:scrgbClr r="0" g="0" b="0"/>
+      </a:lnRef>
+      <a:fillRef idx="1">
+        <a:scrgbClr r="0" g="0" b="0"/>
+      </a:fillRef>
+      <a:effectRef idx="0">
+        <a:scrgbClr r="0" g="0" b="0"/>
+      </a:effectRef>
+      <a:fontRef idx="minor">
+        <a:schemeClr val="lt1"/>
+      </a:fontRef>
+    </dgm:style>
+  </dgm:styleLbl>
+  <dgm:styleLbl name="asst2">
+    <dgm:scene3d>
+      <a:camera prst="orthographicFront"/>
+      <a:lightRig rig="threePt" dir="t"/>
+    </dgm:scene3d>
+    <dgm:txPr/>
+    <dgm:style>
+      <a:lnRef idx="2">
+        <a:scrgbClr r="0" g="0" b="0"/>
+      </a:lnRef>
+      <a:fillRef idx="1">
+        <a:scrgbClr r="0" g="0" b="0"/>
+      </a:fillRef>
+      <a:effectRef idx="0">
+        <a:scrgbClr r="0" g="0" b="0"/>
+      </a:effectRef>
+      <a:fontRef idx="minor">
+        <a:schemeClr val="lt1"/>
+      </a:fontRef>
+    </dgm:style>
+  </dgm:styleLbl>
+  <dgm:styleLbl name="asst3">
+    <dgm:scene3d>
+      <a:camera prst="orthographicFront"/>
+      <a:lightRig rig="threePt" dir="t"/>
+    </dgm:scene3d>
+    <dgm:txPr/>
+    <dgm:style>
+      <a:lnRef idx="2">
+        <a:scrgbClr r="0" g="0" b="0"/>
+      </a:lnRef>
+      <a:fillRef idx="1">
+        <a:scrgbClr r="0" g="0" b="0"/>
+      </a:fillRef>
+      <a:effectRef idx="0">
+        <a:scrgbClr r="0" g="0" b="0"/>
+      </a:effectRef>
+      <a:fontRef idx="minor">
+        <a:schemeClr val="lt1"/>
+      </a:fontRef>
+    </dgm:style>
+  </dgm:styleLbl>
+  <dgm:styleLbl name="asst4">
+    <dgm:scene3d>
+      <a:camera prst="orthographicFront"/>
+      <a:lightRig rig="threePt" dir="t"/>
+    </dgm:scene3d>
+    <dgm:txPr/>
+    <dgm:style>
+      <a:lnRef idx="2">
+        <a:scrgbClr r="0" g="0" b="0"/>
+      </a:lnRef>
+      <a:fillRef idx="1">
+        <a:scrgbClr r="0" g="0" b="0"/>
+      </a:fillRef>
+      <a:effectRef idx="0">
+        <a:scrgbClr r="0" g="0" b="0"/>
+      </a:effectRef>
+      <a:fontRef idx="minor">
+        <a:schemeClr val="lt1"/>
+      </a:fontRef>
+    </dgm:style>
+  </dgm:styleLbl>
+  <dgm:styleLbl name="bgAcc1">
+    <dgm:scene3d>
+      <a:camera prst="orthographicFront"/>
+      <a:lightRig rig="threePt" dir="t"/>
+    </dgm:scene3d>
+    <dgm:txPr/>
+    <dgm:style>
+      <a:lnRef idx="2">
+        <a:scrgbClr r="0" g="0" b="0"/>
+      </a:lnRef>
+      <a:fillRef idx="1">
+        <a:scrgbClr r="0" g="0" b="0"/>
+      </a:fillRef>
+      <a:effectRef idx="0">
+        <a:scrgbClr r="0" g="0" b="0"/>
+      </a:effectRef>
+      <a:fontRef idx="minor"/>
+    </dgm:style>
+  </dgm:styleLbl>
+  <dgm:styleLbl name="bgAccFollowNode1">
+    <dgm:scene3d>
+      <a:camera prst="orthographicFront"/>
+      <a:lightRig rig="threePt" dir="t"/>
+    </dgm:scene3d>
+    <dgm:txPr/>
+    <dgm:style>
+      <a:lnRef idx="2">
+        <a:scrgbClr r="0" g="0" b="0"/>
+      </a:lnRef>
+      <a:fillRef idx="1">
+        <a:scrgbClr r="0" g="0" b="0"/>
+      </a:fillRef>
+      <a:effectRef idx="0">
+        <a:scrgbClr r="0" g="0" b="0"/>
+      </a:effectRef>
+      <a:fontRef idx="minor"/>
+    </dgm:style>
+  </dgm:styleLbl>
+  <dgm:styleLbl name="bgImgPlace1">
+    <dgm:scene3d>
+      <a:camera prst="orthographicFront"/>
+      <a:lightRig rig="threePt" dir="t"/>
+    </dgm:scene3d>
+    <dgm:txPr/>
+    <dgm:style>
+      <a:lnRef idx="2">
+        <a:scrgbClr r="0" g="0" b="0"/>
+      </a:lnRef>
+      <a:fillRef idx="1">
+        <a:scrgbClr r="0" g="0" b="0"/>
+      </a:fillRef>
+      <a:effectRef idx="0">
+        <a:scrgbClr r="0" g="0" b="0"/>
+      </a:effectRef>
+      <a:fontRef idx="minor"/>
+    </dgm:style>
+  </dgm:styleLbl>
+  <dgm:styleLbl name="bgShp">
+    <dgm:scene3d>
+      <a:camera prst="orthographicFront"/>
+      <a:lightRig rig="threePt" dir="t"/>
+    </dgm:scene3d>
+    <dgm:txPr/>
+    <dgm:style>
+      <a:lnRef idx="0">
+        <a:scrgbClr r="0" g="0" b="0"/>
+      </a:lnRef>
+      <a:fillRef idx="1">
+        <a:scrgbClr r="0" g="0" b="0"/>
+      </a:fillRef>
+      <a:effectRef idx="0">
+        <a:scrgbClr r="0" g="0" b="0"/>
+      </a:effectRef>
+      <a:fontRef idx="minor"/>
+    </dgm:style>
+  </dgm:styleLbl>
+  <dgm:styleLbl name="bgSibTrans2D1">
+    <dgm:scene3d>
+      <a:camera prst="orthographicFront"/>
+      <a:lightRig rig="threePt" dir="t"/>
+    </dgm:scene3d>
+    <dgm:txPr/>
+    <dgm:style>
+      <a:lnRef idx="0">
+        <a:scrgbClr r="0" g="0" b="0"/>
+      </a:lnRef>
+      <a:fillRef idx="1">
+        <a:scrgbClr r="0" g="0" b="0"/>
+      </a:fillRef>
+      <a:effectRef idx="0">
+        <a:scrgbClr r="0" g="0" b="0"/>
+      </a:effectRef>
+      <a:fontRef idx="minor">
+        <a:schemeClr val="lt1"/>
+      </a:fontRef>
+    </dgm:style>
+  </dgm:styleLbl>
+  <dgm:styleLbl name="callout">
+    <dgm:scene3d>
+      <a:camera prst="orthographicFront"/>
+      <a:lightRig rig="threePt" dir="t"/>
+    </dgm:scene3d>
+    <dgm:txPr/>
+    <dgm:style>
+      <a:lnRef idx="2">
+        <a:scrgbClr r="0" g="0" b="0"/>
+      </a:lnRef>
+      <a:fillRef idx="1">
+        <a:scrgbClr r="0" g="0" b="0"/>
+      </a:fillRef>
+      <a:effectRef idx="0">
+        <a:scrgbClr r="0" g="0" b="0"/>
+      </a:effectRef>
+      <a:fontRef idx="minor"/>
+    </dgm:style>
+  </dgm:styleLbl>
+  <dgm:styleLbl name="conFgAcc1">
+    <dgm:scene3d>
+      <a:camera prst="orthographicFront"/>
+      <a:lightRig rig="threePt" dir="t"/>
+    </dgm:scene3d>
+    <dgm:txPr/>
+    <dgm:style>
+      <a:lnRef idx="2">
+        <a:scrgbClr r="0" g="0" b="0"/>
+      </a:lnRef>
+      <a:fillRef idx="1">
+        <a:scrgbClr r="0" g="0" b="0"/>
+      </a:fillRef>
+      <a:effectRef idx="0">
+        <a:scrgbClr r="0" g="0" b="0"/>
+      </a:effectRef>
+      <a:fontRef idx="minor"/>
+    </dgm:style>
+  </dgm:styleLbl>
+  <dgm:styleLbl name="dkBgShp">
+    <dgm:scene3d>
+      <a:camera prst="orthographicFront"/>
+      <a:lightRig rig="threePt" dir="t"/>
+    </dgm:scene3d>
+    <dgm:txPr/>
+    <dgm:style>
+      <a:lnRef idx="0">
+        <a:scrgbClr r="0" g="0" b="0"/>
+      </a:lnRef>
+      <a:fillRef idx="1">
+        <a:scrgbClr r="0" g="0" b="0"/>
+      </a:fillRef>
+      <a:effectRef idx="0">
+        <a:scrgbClr r="0" g="0" b="0"/>
+      </a:effectRef>
+      <a:fontRef idx="minor"/>
+    </dgm:style>
+  </dgm:styleLbl>
+  <dgm:styleLbl name="fgAcc0">
+    <dgm:scene3d>
+      <a:camera prst="orthographicFront"/>
+      <a:lightRig rig="threePt" dir="t"/>
+    </dgm:scene3d>
+    <dgm:txPr/>
+    <dgm:style>
+      <a:lnRef idx="2">
+        <a:scrgbClr r="0" g="0" b="0"/>
+      </a:lnRef>
+      <a:fillRef idx="1">
+        <a:scrgbClr r="0" g="0" b="0"/>
+      </a:fillRef>
+      <a:effectRef idx="0">
+        <a:scrgbClr r="0" g="0" b="0"/>
+      </a:effectRef>
+      <a:fontRef idx="minor"/>
+    </dgm:style>
+  </dgm:styleLbl>
+  <dgm:styleLbl name="fgAcc1">
+    <dgm:scene3d>
+      <a:camera prst="orthographicFront"/>
+      <a:lightRig rig="threePt" dir="t"/>
+    </dgm:scene3d>
+    <dgm:txPr/>
+    <dgm:style>
+      <a:lnRef idx="2">
+        <a:scrgbClr r="0" g="0" b="0"/>
+      </a:lnRef>
+      <a:fillRef idx="1">
+        <a:scrgbClr r="0" g="0" b="0"/>
+      </a:fillRef>
+      <a:effectRef idx="0">
+        <a:scrgbClr r="0" g="0" b="0"/>
+      </a:effectRef>
+      <a:fontRef idx="minor"/>
+    </dgm:style>
+  </dgm:styleLbl>
+  <dgm:styleLbl name="fgAcc2">
+    <dgm:scene3d>
+      <a:camera prst="orthographicFront"/>
+      <a:lightRig rig="threePt" dir="t"/>
+    </dgm:scene3d>
+    <dgm:txPr/>
+    <dgm:style>
+      <a:lnRef idx="2">
+        <a:scrgbClr r="0" g="0" b="0"/>
+      </a:lnRef>
+      <a:fillRef idx="1">
+        <a:scrgbClr r="0" g="0" b="0"/>
+      </a:fillRef>
+      <a:effectRef idx="0">
+        <a:scrgbClr r="0" g="0" b="0"/>
+      </a:effectRef>
+      <a:fontRef idx="minor"/>
+    </dgm:style>
+  </dgm:styleLbl>
+  <dgm:styleLbl name="fgAcc3">
+    <dgm:scene3d>
+      <a:camera prst="orthographicFront"/>
+      <a:lightRig rig="threePt" dir="t"/>
+    </dgm:scene3d>
+    <dgm:txPr/>
+    <dgm:style>
+      <a:lnRef idx="2">
+        <a:scrgbClr r="0" g="0" b="0"/>
+      </a:lnRef>
+      <a:fillRef idx="1">
+        <a:scrgbClr r="0" g="0" b="0"/>
+      </a:fillRef>
+      <a:effectRef idx="0">
+        <a:scrgbClr r="0" g="0" b="0"/>
+      </a:effectRef>
+      <a:fontRef idx="minor"/>
+    </dgm:style>
+  </dgm:styleLbl>
+  <dgm:styleLbl name="fgAcc4">
+    <dgm:scene3d>
+      <a:camera prst="orthographicFront"/>
+      <a:lightRig rig="threePt" dir="t"/>
+    </dgm:scene3d>
+    <dgm:txPr/>
+    <dgm:style>
+      <a:lnRef idx="2">
+        <a:scrgbClr r="0" g="0" b="0"/>
+      </a:lnRef>
+      <a:fillRef idx="1">
+        <a:scrgbClr r="0" g="0" b="0"/>
+      </a:fillRef>
+      <a:effectRef idx="0">
+        <a:scrgbClr r="0" g="0" b="0"/>
+      </a:effectRef>
+      <a:fontRef idx="minor"/>
+    </dgm:style>
+  </dgm:styleLbl>
+  <dgm:styleLbl name="fgAccFollowNode1">
+    <dgm:scene3d>
+      <a:camera prst="orthographicFront"/>
+      <a:lightRig rig="threePt" dir="t"/>
+    </dgm:scene3d>
+    <dgm:txPr/>
+    <dgm:style>
+      <a:lnRef idx="2">
+        <a:scrgbClr r="0" g="0" b="0"/>
+      </a:lnRef>
+      <a:fillRef idx="1">
+        <a:scrgbClr r="0" g="0" b="0"/>
+      </a:fillRef>
+      <a:effectRef idx="0">
+        <a:scrgbClr r="0" g="0" b="0"/>
+      </a:effectRef>
+      <a:fontRef idx="minor"/>
+    </dgm:style>
+  </dgm:styleLbl>
+  <dgm:styleLbl name="fgImgPlace1">
+    <dgm:scene3d>
+      <a:camera prst="orthographicFront"/>
+      <a:lightRig rig="threePt" dir="t"/>
+    </dgm:scene3d>
+    <dgm:txPr/>
+    <dgm:style>
+      <a:lnRef idx="2">
+        <a:scrgbClr r="0" g="0" b="0"/>
+      </a:lnRef>
+      <a:fillRef idx="1">
+        <a:scrgbClr r="0" g="0" b="0"/>
+      </a:fillRef>
+      <a:effectRef idx="0">
+        <a:scrgbClr r="0" g="0" b="0"/>
+      </a:effectRef>
+      <a:fontRef idx="minor"/>
+    </dgm:style>
+  </dgm:styleLbl>
+  <dgm:styleLbl name="fgShp">
+    <dgm:scene3d>
+      <a:camera prst="orthographicFront"/>
+      <a:lightRig rig="threePt" dir="t"/>
+    </dgm:scene3d>
+    <dgm:txPr/>
+    <dgm:style>
+      <a:lnRef idx="2">
+        <a:scrgbClr r="0" g="0" b="0"/>
+      </a:lnRef>
+      <a:fillRef idx="1">
+        <a:scrgbClr r="0" g="0" b="0"/>
+      </a:fillRef>
+      <a:effectRef idx="0">
+        <a:scrgbClr r="0" g="0" b="0"/>
+      </a:effectRef>
+      <a:fontRef idx="minor"/>
+    </dgm:style>
+  </dgm:styleLbl>
+  <dgm:styleLbl name="fgSibTrans2D1">
+    <dgm:scene3d>
+      <a:camera prst="orthographicFront"/>
+      <a:lightRig rig="threePt" dir="t"/>
+    </dgm:scene3d>
+    <dgm:txPr/>
+    <dgm:style>
+      <a:lnRef idx="0">
+        <a:scrgbClr r="0" g="0" b="0"/>
+      </a:lnRef>
+      <a:fillRef idx="1">
+        <a:scrgbClr r="0" g="0" b="0"/>
+      </a:fillRef>
+      <a:effectRef idx="0">
+        <a:scrgbClr r="0" g="0" b="0"/>
+      </a:effectRef>
+      <a:fontRef idx="minor">
+        <a:schemeClr val="lt1"/>
+      </a:fontRef>
+    </dgm:style>
+  </dgm:styleLbl>
+  <dgm:styleLbl name="lnNode1">
+    <dgm:scene3d>
+      <a:camera prst="orthographicFront"/>
+      <a:lightRig rig="threePt" dir="t"/>
+    </dgm:scene3d>
+    <dgm:txPr/>
+    <dgm:style>
+      <a:lnRef idx="2">
+        <a:scrgbClr r="0" g="0" b="0"/>
+      </a:lnRef>
+      <a:fillRef idx="1">
+        <a:scrgbClr r="0" g="0" b="0"/>
+      </a:fillRef>
+      <a:effectRef idx="0">
+        <a:scrgbClr r="0" g="0" b="0"/>
+      </a:effectRef>
+      <a:fontRef idx="minor">
+        <a:schemeClr val="lt1"/>
+      </a:fontRef>
+    </dgm:style>
+  </dgm:styleLbl>
   <dgm:styleLbl name="node0">
     <dgm:scene3d>
       <a:camera prst="orthographicFront"/>
       <a:lightRig rig="threePt" dir="t"/>
     </dgm:scene3d>
-    <dgm:sp3d/>
     <dgm:txPr/>
     <dgm:style>
       <a:lnRef idx="2">
@@ -4693,12 +5171,11 @@
       </a:fontRef>
     </dgm:style>
   </dgm:styleLbl>
-  <dgm:styleLbl name="lnNode1">
+  <dgm:styleLbl name="node1">
     <dgm:scene3d>
       <a:camera prst="orthographicFront"/>
       <a:lightRig rig="threePt" dir="t"/>
     </dgm:scene3d>
-    <dgm:sp3d/>
     <dgm:txPr/>
     <dgm:style>
       <a:lnRef idx="2">
@@ -4715,12 +5192,388 @@
       </a:fontRef>
     </dgm:style>
   </dgm:styleLbl>
+  <dgm:styleLbl name="node2">
+    <dgm:scene3d>
+      <a:camera prst="orthographicFront"/>
+      <a:lightRig rig="threePt" dir="t"/>
+    </dgm:scene3d>
+    <dgm:txPr/>
+    <dgm:style>
+      <a:lnRef idx="2">
+        <a:scrgbClr r="0" g="0" b="0"/>
+      </a:lnRef>
+      <a:fillRef idx="1">
+        <a:scrgbClr r="0" g="0" b="0"/>
+      </a:fillRef>
+      <a:effectRef idx="0">
+        <a:scrgbClr r="0" g="0" b="0"/>
+      </a:effectRef>
+      <a:fontRef idx="minor">
+        <a:schemeClr val="lt1"/>
+      </a:fontRef>
+    </dgm:style>
+  </dgm:styleLbl>
+  <dgm:styleLbl name="node3">
+    <dgm:scene3d>
+      <a:camera prst="orthographicFront"/>
+      <a:lightRig rig="threePt" dir="t"/>
+    </dgm:scene3d>
+    <dgm:txPr/>
+    <dgm:style>
+      <a:lnRef idx="2">
+        <a:scrgbClr r="0" g="0" b="0"/>
+      </a:lnRef>
+      <a:fillRef idx="1">
+        <a:scrgbClr r="0" g="0" b="0"/>
+      </a:fillRef>
+      <a:effectRef idx="0">
+        <a:scrgbClr r="0" g="0" b="0"/>
+      </a:effectRef>
+      <a:fontRef idx="minor">
+        <a:schemeClr val="lt1"/>
+      </a:fontRef>
+    </dgm:style>
+  </dgm:styleLbl>
+  <dgm:styleLbl name="node4">
+    <dgm:scene3d>
+      <a:camera prst="orthographicFront"/>
+      <a:lightRig rig="threePt" dir="t"/>
+    </dgm:scene3d>
+    <dgm:txPr/>
+    <dgm:style>
+      <a:lnRef idx="2">
+        <a:scrgbClr r="0" g="0" b="0"/>
+      </a:lnRef>
+      <a:fillRef idx="1">
+        <a:scrgbClr r="0" g="0" b="0"/>
+      </a:fillRef>
+      <a:effectRef idx="0">
+        <a:scrgbClr r="0" g="0" b="0"/>
+      </a:effectRef>
+      <a:fontRef idx="minor">
+        <a:schemeClr val="lt1"/>
+      </a:fontRef>
+    </dgm:style>
+  </dgm:styleLbl>
+  <dgm:styleLbl name="parChTrans1D1">
+    <dgm:scene3d>
+      <a:camera prst="orthographicFront"/>
+      <a:lightRig rig="threePt" dir="t"/>
+    </dgm:scene3d>
+    <dgm:txPr/>
+    <dgm:style>
+      <a:lnRef idx="2">
+        <a:scrgbClr r="0" g="0" b="0"/>
+      </a:lnRef>
+      <a:fillRef idx="0">
+        <a:scrgbClr r="0" g="0" b="0"/>
+      </a:fillRef>
+      <a:effectRef idx="0">
+        <a:scrgbClr r="0" g="0" b="0"/>
+      </a:effectRef>
+      <a:fontRef idx="minor"/>
+    </dgm:style>
+  </dgm:styleLbl>
+  <dgm:styleLbl name="parChTrans1D2">
+    <dgm:scene3d>
+      <a:camera prst="orthographicFront"/>
+      <a:lightRig rig="threePt" dir="t"/>
+    </dgm:scene3d>
+    <dgm:txPr/>
+    <dgm:style>
+      <a:lnRef idx="2">
+        <a:scrgbClr r="0" g="0" b="0"/>
+      </a:lnRef>
+      <a:fillRef idx="0">
+        <a:scrgbClr r="0" g="0" b="0"/>
+      </a:fillRef>
+      <a:effectRef idx="0">
+        <a:scrgbClr r="0" g="0" b="0"/>
+      </a:effectRef>
+      <a:fontRef idx="minor"/>
+    </dgm:style>
+  </dgm:styleLbl>
+  <dgm:styleLbl name="parChTrans1D3">
+    <dgm:scene3d>
+      <a:camera prst="orthographicFront"/>
+      <a:lightRig rig="threePt" dir="t"/>
+    </dgm:scene3d>
+    <dgm:txPr/>
+    <dgm:style>
+      <a:lnRef idx="2">
+        <a:scrgbClr r="0" g="0" b="0"/>
+      </a:lnRef>
+      <a:fillRef idx="0">
+        <a:scrgbClr r="0" g="0" b="0"/>
+      </a:fillRef>
+      <a:effectRef idx="0">
+        <a:scrgbClr r="0" g="0" b="0"/>
+      </a:effectRef>
+      <a:fontRef idx="minor"/>
+    </dgm:style>
+  </dgm:styleLbl>
+  <dgm:styleLbl name="parChTrans1D4">
+    <dgm:scene3d>
+      <a:camera prst="orthographicFront"/>
+      <a:lightRig rig="threePt" dir="t"/>
+    </dgm:scene3d>
+    <dgm:txPr/>
+    <dgm:style>
+      <a:lnRef idx="2">
+        <a:scrgbClr r="0" g="0" b="0"/>
+      </a:lnRef>
+      <a:fillRef idx="0">
+        <a:scrgbClr r="0" g="0" b="0"/>
+      </a:fillRef>
+      <a:effectRef idx="0">
+        <a:scrgbClr r="0" g="0" b="0"/>
+      </a:effectRef>
+      <a:fontRef idx="minor"/>
+    </dgm:style>
+  </dgm:styleLbl>
+  <dgm:styleLbl name="parChTrans2D1">
+    <dgm:scene3d>
+      <a:camera prst="orthographicFront"/>
+      <a:lightRig rig="threePt" dir="t"/>
+    </dgm:scene3d>
+    <dgm:txPr/>
+    <dgm:style>
+      <a:lnRef idx="2">
+        <a:scrgbClr r="0" g="0" b="0"/>
+      </a:lnRef>
+      <a:fillRef idx="1">
+        <a:scrgbClr r="0" g="0" b="0"/>
+      </a:fillRef>
+      <a:effectRef idx="0">
+        <a:scrgbClr r="0" g="0" b="0"/>
+      </a:effectRef>
+      <a:fontRef idx="minor">
+        <a:schemeClr val="lt1"/>
+      </a:fontRef>
+    </dgm:style>
+  </dgm:styleLbl>
+  <dgm:styleLbl name="parChTrans2D2">
+    <dgm:scene3d>
+      <a:camera prst="orthographicFront"/>
+      <a:lightRig rig="threePt" dir="t"/>
+    </dgm:scene3d>
+    <dgm:txPr/>
+    <dgm:style>
+      <a:lnRef idx="2">
+        <a:scrgbClr r="0" g="0" b="0"/>
+      </a:lnRef>
+      <a:fillRef idx="1">
+        <a:scrgbClr r="0" g="0" b="0"/>
+      </a:fillRef>
+      <a:effectRef idx="0">
+        <a:scrgbClr r="0" g="0" b="0"/>
+      </a:effectRef>
+      <a:fontRef idx="minor">
+        <a:schemeClr val="lt1"/>
+      </a:fontRef>
+    </dgm:style>
+  </dgm:styleLbl>
+  <dgm:styleLbl name="parChTrans2D3">
+    <dgm:scene3d>
+      <a:camera prst="orthographicFront"/>
+      <a:lightRig rig="threePt" dir="t"/>
+    </dgm:scene3d>
+    <dgm:txPr/>
+    <dgm:style>
+      <a:lnRef idx="2">
+        <a:scrgbClr r="0" g="0" b="0"/>
+      </a:lnRef>
+      <a:fillRef idx="1">
+        <a:scrgbClr r="0" g="0" b="0"/>
+      </a:fillRef>
+      <a:effectRef idx="0">
+        <a:scrgbClr r="0" g="0" b="0"/>
+      </a:effectRef>
+      <a:fontRef idx="minor">
+        <a:schemeClr val="lt1"/>
+      </a:fontRef>
+    </dgm:style>
+  </dgm:styleLbl>
+  <dgm:styleLbl name="parChTrans2D4">
+    <dgm:scene3d>
+      <a:camera prst="orthographicFront"/>
+      <a:lightRig rig="threePt" dir="t"/>
+    </dgm:scene3d>
+    <dgm:txPr/>
+    <dgm:style>
+      <a:lnRef idx="2">
+        <a:scrgbClr r="0" g="0" b="0"/>
+      </a:lnRef>
+      <a:fillRef idx="1">
+        <a:scrgbClr r="0" g="0" b="0"/>
+      </a:fillRef>
+      <a:effectRef idx="0">
+        <a:scrgbClr r="0" g="0" b="0"/>
+      </a:effectRef>
+      <a:fontRef idx="minor">
+        <a:schemeClr val="lt1"/>
+      </a:fontRef>
+    </dgm:style>
+  </dgm:styleLbl>
+  <dgm:styleLbl name="revTx">
+    <dgm:scene3d>
+      <a:camera prst="orthographicFront"/>
+      <a:lightRig rig="threePt" dir="t"/>
+    </dgm:scene3d>
+    <dgm:txPr/>
+    <dgm:style>
+      <a:lnRef idx="0">
+        <a:scrgbClr r="0" g="0" b="0"/>
+      </a:lnRef>
+      <a:fillRef idx="0">
+        <a:scrgbClr r="0" g="0" b="0"/>
+      </a:fillRef>
+      <a:effectRef idx="0">
+        <a:scrgbClr r="0" g="0" b="0"/>
+      </a:effectRef>
+      <a:fontRef idx="minor"/>
+    </dgm:style>
+  </dgm:styleLbl>
+  <dgm:styleLbl name="sibTrans1D1">
+    <dgm:scene3d>
+      <a:camera prst="orthographicFront"/>
+      <a:lightRig rig="threePt" dir="t"/>
+    </dgm:scene3d>
+    <dgm:txPr/>
+    <dgm:style>
+      <a:lnRef idx="1">
+        <a:scrgbClr r="0" g="0" b="0"/>
+      </a:lnRef>
+      <a:fillRef idx="0">
+        <a:scrgbClr r="0" g="0" b="0"/>
+      </a:fillRef>
+      <a:effectRef idx="0">
+        <a:scrgbClr r="0" g="0" b="0"/>
+      </a:effectRef>
+      <a:fontRef idx="minor"/>
+    </dgm:style>
+  </dgm:styleLbl>
+  <dgm:styleLbl name="sibTrans2D1">
+    <dgm:scene3d>
+      <a:camera prst="orthographicFront"/>
+      <a:lightRig rig="threePt" dir="t"/>
+    </dgm:scene3d>
+    <dgm:txPr/>
+    <dgm:style>
+      <a:lnRef idx="0">
+        <a:scrgbClr r="0" g="0" b="0"/>
+      </a:lnRef>
+      <a:fillRef idx="1">
+        <a:scrgbClr r="0" g="0" b="0"/>
+      </a:fillRef>
+      <a:effectRef idx="0">
+        <a:scrgbClr r="0" g="0" b="0"/>
+      </a:effectRef>
+      <a:fontRef idx="minor">
+        <a:schemeClr val="lt1"/>
+      </a:fontRef>
+    </dgm:style>
+  </dgm:styleLbl>
+  <dgm:styleLbl name="solidAlignAcc1">
+    <dgm:scene3d>
+      <a:camera prst="orthographicFront"/>
+      <a:lightRig rig="threePt" dir="t"/>
+    </dgm:scene3d>
+    <dgm:txPr/>
+    <dgm:style>
+      <a:lnRef idx="2">
+        <a:scrgbClr r="0" g="0" b="0"/>
+      </a:lnRef>
+      <a:fillRef idx="1">
+        <a:scrgbClr r="0" g="0" b="0"/>
+      </a:fillRef>
+      <a:effectRef idx="0">
+        <a:scrgbClr r="0" g="0" b="0"/>
+      </a:effectRef>
+      <a:fontRef idx="minor"/>
+    </dgm:style>
+  </dgm:styleLbl>
+  <dgm:styleLbl name="solidBgAcc1">
+    <dgm:scene3d>
+      <a:camera prst="orthographicFront"/>
+      <a:lightRig rig="threePt" dir="t"/>
+    </dgm:scene3d>
+    <dgm:txPr/>
+    <dgm:style>
+      <a:lnRef idx="2">
+        <a:scrgbClr r="0" g="0" b="0"/>
+      </a:lnRef>
+      <a:fillRef idx="1">
+        <a:scrgbClr r="0" g="0" b="0"/>
+      </a:fillRef>
+      <a:effectRef idx="0">
+        <a:scrgbClr r="0" g="0" b="0"/>
+      </a:effectRef>
+      <a:fontRef idx="minor"/>
+    </dgm:style>
+  </dgm:styleLbl>
+  <dgm:styleLbl name="solidFgAcc1">
+    <dgm:scene3d>
+      <a:camera prst="orthographicFront"/>
+      <a:lightRig rig="threePt" dir="t"/>
+    </dgm:scene3d>
+    <dgm:txPr/>
+    <dgm:style>
+      <a:lnRef idx="2">
+        <a:scrgbClr r="0" g="0" b="0"/>
+      </a:lnRef>
+      <a:fillRef idx="1">
+        <a:scrgbClr r="0" g="0" b="0"/>
+      </a:fillRef>
+      <a:effectRef idx="0">
+        <a:scrgbClr r="0" g="0" b="0"/>
+      </a:effectRef>
+      <a:fontRef idx="minor"/>
+    </dgm:style>
+  </dgm:styleLbl>
+  <dgm:styleLbl name="trAlignAcc1">
+    <dgm:scene3d>
+      <a:camera prst="orthographicFront"/>
+      <a:lightRig rig="threePt" dir="t"/>
+    </dgm:scene3d>
+    <dgm:txPr/>
+    <dgm:style>
+      <a:lnRef idx="1">
+        <a:scrgbClr r="0" g="0" b="0"/>
+      </a:lnRef>
+      <a:fillRef idx="1">
+        <a:scrgbClr r="0" g="0" b="0"/>
+      </a:fillRef>
+      <a:effectRef idx="0">
+        <a:scrgbClr r="0" g="0" b="0"/>
+      </a:effectRef>
+      <a:fontRef idx="minor"/>
+    </dgm:style>
+  </dgm:styleLbl>
+  <dgm:styleLbl name="trBgShp">
+    <dgm:scene3d>
+      <a:camera prst="orthographicFront"/>
+      <a:lightRig rig="threePt" dir="t"/>
+    </dgm:scene3d>
+    <dgm:txPr/>
+    <dgm:style>
+      <a:lnRef idx="0">
+        <a:scrgbClr r="0" g="0" b="0"/>
+      </a:lnRef>
+      <a:fillRef idx="1">
+        <a:scrgbClr r="0" g="0" b="0"/>
+      </a:fillRef>
+      <a:effectRef idx="0">
+        <a:scrgbClr r="0" g="0" b="0"/>
+      </a:effectRef>
+      <a:fontRef idx="minor"/>
+    </dgm:style>
+  </dgm:styleLbl>
   <dgm:styleLbl name="vennNode1">
     <dgm:scene3d>
       <a:camera prst="orthographicFront"/>
       <a:lightRig rig="threePt" dir="t"/>
     </dgm:scene3d>
-    <dgm:sp3d/>
     <dgm:txPr/>
     <dgm:style>
       <a:lnRef idx="2">
@@ -4737,965 +5590,11 @@
       </a:fontRef>
     </dgm:style>
   </dgm:styleLbl>
-  <dgm:styleLbl name="alignNode1">
-    <dgm:scene3d>
-      <a:camera prst="orthographicFront"/>
-      <a:lightRig rig="threePt" dir="t"/>
-    </dgm:scene3d>
-    <dgm:sp3d/>
-    <dgm:txPr/>
-    <dgm:style>
-      <a:lnRef idx="2">
-        <a:scrgbClr r="0" g="0" b="0"/>
-      </a:lnRef>
-      <a:fillRef idx="1">
-        <a:scrgbClr r="0" g="0" b="0"/>
-      </a:fillRef>
-      <a:effectRef idx="0">
-        <a:scrgbClr r="0" g="0" b="0"/>
-      </a:effectRef>
-      <a:fontRef idx="minor">
-        <a:schemeClr val="lt1"/>
-      </a:fontRef>
-    </dgm:style>
-  </dgm:styleLbl>
-  <dgm:styleLbl name="node1">
-    <dgm:scene3d>
-      <a:camera prst="orthographicFront"/>
-      <a:lightRig rig="threePt" dir="t"/>
-    </dgm:scene3d>
-    <dgm:sp3d/>
-    <dgm:txPr/>
-    <dgm:style>
-      <a:lnRef idx="2">
-        <a:scrgbClr r="0" g="0" b="0"/>
-      </a:lnRef>
-      <a:fillRef idx="1">
-        <a:scrgbClr r="0" g="0" b="0"/>
-      </a:fillRef>
-      <a:effectRef idx="0">
-        <a:scrgbClr r="0" g="0" b="0"/>
-      </a:effectRef>
-      <a:fontRef idx="minor">
-        <a:schemeClr val="lt1"/>
-      </a:fontRef>
-    </dgm:style>
-  </dgm:styleLbl>
-  <dgm:styleLbl name="node2">
-    <dgm:scene3d>
-      <a:camera prst="orthographicFront"/>
-      <a:lightRig rig="threePt" dir="t"/>
-    </dgm:scene3d>
-    <dgm:sp3d/>
-    <dgm:txPr/>
-    <dgm:style>
-      <a:lnRef idx="2">
-        <a:scrgbClr r="0" g="0" b="0"/>
-      </a:lnRef>
-      <a:fillRef idx="1">
-        <a:scrgbClr r="0" g="0" b="0"/>
-      </a:fillRef>
-      <a:effectRef idx="0">
-        <a:scrgbClr r="0" g="0" b="0"/>
-      </a:effectRef>
-      <a:fontRef idx="minor">
-        <a:schemeClr val="lt1"/>
-      </a:fontRef>
-    </dgm:style>
-  </dgm:styleLbl>
-  <dgm:styleLbl name="node3">
-    <dgm:scene3d>
-      <a:camera prst="orthographicFront"/>
-      <a:lightRig rig="threePt" dir="t"/>
-    </dgm:scene3d>
-    <dgm:sp3d/>
-    <dgm:txPr/>
-    <dgm:style>
-      <a:lnRef idx="2">
-        <a:scrgbClr r="0" g="0" b="0"/>
-      </a:lnRef>
-      <a:fillRef idx="1">
-        <a:scrgbClr r="0" g="0" b="0"/>
-      </a:fillRef>
-      <a:effectRef idx="0">
-        <a:scrgbClr r="0" g="0" b="0"/>
-      </a:effectRef>
-      <a:fontRef idx="minor">
-        <a:schemeClr val="lt1"/>
-      </a:fontRef>
-    </dgm:style>
-  </dgm:styleLbl>
-  <dgm:styleLbl name="node4">
-    <dgm:scene3d>
-      <a:camera prst="orthographicFront"/>
-      <a:lightRig rig="threePt" dir="t"/>
-    </dgm:scene3d>
-    <dgm:sp3d/>
-    <dgm:txPr/>
-    <dgm:style>
-      <a:lnRef idx="2">
-        <a:scrgbClr r="0" g="0" b="0"/>
-      </a:lnRef>
-      <a:fillRef idx="1">
-        <a:scrgbClr r="0" g="0" b="0"/>
-      </a:fillRef>
-      <a:effectRef idx="0">
-        <a:scrgbClr r="0" g="0" b="0"/>
-      </a:effectRef>
-      <a:fontRef idx="minor">
-        <a:schemeClr val="lt1"/>
-      </a:fontRef>
-    </dgm:style>
-  </dgm:styleLbl>
-  <dgm:styleLbl name="fgImgPlace1">
-    <dgm:scene3d>
-      <a:camera prst="orthographicFront"/>
-      <a:lightRig rig="threePt" dir="t"/>
-    </dgm:scene3d>
-    <dgm:sp3d/>
-    <dgm:txPr/>
-    <dgm:style>
-      <a:lnRef idx="2">
-        <a:scrgbClr r="0" g="0" b="0"/>
-      </a:lnRef>
-      <a:fillRef idx="1">
-        <a:scrgbClr r="0" g="0" b="0"/>
-      </a:fillRef>
-      <a:effectRef idx="0">
-        <a:scrgbClr r="0" g="0" b="0"/>
-      </a:effectRef>
-      <a:fontRef idx="minor"/>
-    </dgm:style>
-  </dgm:styleLbl>
-  <dgm:styleLbl name="alignImgPlace1">
-    <dgm:scene3d>
-      <a:camera prst="orthographicFront"/>
-      <a:lightRig rig="threePt" dir="t"/>
-    </dgm:scene3d>
-    <dgm:sp3d/>
-    <dgm:txPr/>
-    <dgm:style>
-      <a:lnRef idx="2">
-        <a:scrgbClr r="0" g="0" b="0"/>
-      </a:lnRef>
-      <a:fillRef idx="1">
-        <a:scrgbClr r="0" g="0" b="0"/>
-      </a:fillRef>
-      <a:effectRef idx="0">
-        <a:scrgbClr r="0" g="0" b="0"/>
-      </a:effectRef>
-      <a:fontRef idx="minor"/>
-    </dgm:style>
-  </dgm:styleLbl>
-  <dgm:styleLbl name="bgImgPlace1">
-    <dgm:scene3d>
-      <a:camera prst="orthographicFront"/>
-      <a:lightRig rig="threePt" dir="t"/>
-    </dgm:scene3d>
-    <dgm:sp3d/>
-    <dgm:txPr/>
-    <dgm:style>
-      <a:lnRef idx="2">
-        <a:scrgbClr r="0" g="0" b="0"/>
-      </a:lnRef>
-      <a:fillRef idx="1">
-        <a:scrgbClr r="0" g="0" b="0"/>
-      </a:fillRef>
-      <a:effectRef idx="0">
-        <a:scrgbClr r="0" g="0" b="0"/>
-      </a:effectRef>
-      <a:fontRef idx="minor"/>
-    </dgm:style>
-  </dgm:styleLbl>
-  <dgm:styleLbl name="sibTrans2D1">
-    <dgm:scene3d>
-      <a:camera prst="orthographicFront"/>
-      <a:lightRig rig="threePt" dir="t"/>
-    </dgm:scene3d>
-    <dgm:sp3d/>
-    <dgm:txPr/>
-    <dgm:style>
-      <a:lnRef idx="0">
-        <a:scrgbClr r="0" g="0" b="0"/>
-      </a:lnRef>
-      <a:fillRef idx="1">
-        <a:scrgbClr r="0" g="0" b="0"/>
-      </a:fillRef>
-      <a:effectRef idx="0">
-        <a:scrgbClr r="0" g="0" b="0"/>
-      </a:effectRef>
-      <a:fontRef idx="minor">
-        <a:schemeClr val="lt1"/>
-      </a:fontRef>
-    </dgm:style>
-  </dgm:styleLbl>
-  <dgm:styleLbl name="fgSibTrans2D1">
-    <dgm:scene3d>
-      <a:camera prst="orthographicFront"/>
-      <a:lightRig rig="threePt" dir="t"/>
-    </dgm:scene3d>
-    <dgm:sp3d/>
-    <dgm:txPr/>
-    <dgm:style>
-      <a:lnRef idx="0">
-        <a:scrgbClr r="0" g="0" b="0"/>
-      </a:lnRef>
-      <a:fillRef idx="1">
-        <a:scrgbClr r="0" g="0" b="0"/>
-      </a:fillRef>
-      <a:effectRef idx="0">
-        <a:scrgbClr r="0" g="0" b="0"/>
-      </a:effectRef>
-      <a:fontRef idx="minor">
-        <a:schemeClr val="lt1"/>
-      </a:fontRef>
-    </dgm:style>
-  </dgm:styleLbl>
-  <dgm:styleLbl name="bgSibTrans2D1">
-    <dgm:scene3d>
-      <a:camera prst="orthographicFront"/>
-      <a:lightRig rig="threePt" dir="t"/>
-    </dgm:scene3d>
-    <dgm:sp3d/>
-    <dgm:txPr/>
-    <dgm:style>
-      <a:lnRef idx="0">
-        <a:scrgbClr r="0" g="0" b="0"/>
-      </a:lnRef>
-      <a:fillRef idx="1">
-        <a:scrgbClr r="0" g="0" b="0"/>
-      </a:fillRef>
-      <a:effectRef idx="0">
-        <a:scrgbClr r="0" g="0" b="0"/>
-      </a:effectRef>
-      <a:fontRef idx="minor">
-        <a:schemeClr val="lt1"/>
-      </a:fontRef>
-    </dgm:style>
-  </dgm:styleLbl>
-  <dgm:styleLbl name="sibTrans1D1">
-    <dgm:scene3d>
-      <a:camera prst="orthographicFront"/>
-      <a:lightRig rig="threePt" dir="t"/>
-    </dgm:scene3d>
-    <dgm:sp3d/>
-    <dgm:txPr/>
-    <dgm:style>
-      <a:lnRef idx="1">
-        <a:scrgbClr r="0" g="0" b="0"/>
-      </a:lnRef>
-      <a:fillRef idx="0">
-        <a:scrgbClr r="0" g="0" b="0"/>
-      </a:fillRef>
-      <a:effectRef idx="0">
-        <a:scrgbClr r="0" g="0" b="0"/>
-      </a:effectRef>
-      <a:fontRef idx="minor"/>
-    </dgm:style>
-  </dgm:styleLbl>
-  <dgm:styleLbl name="callout">
-    <dgm:scene3d>
-      <a:camera prst="orthographicFront"/>
-      <a:lightRig rig="threePt" dir="t"/>
-    </dgm:scene3d>
-    <dgm:sp3d/>
-    <dgm:txPr/>
-    <dgm:style>
-      <a:lnRef idx="2">
-        <a:scrgbClr r="0" g="0" b="0"/>
-      </a:lnRef>
-      <a:fillRef idx="1">
-        <a:scrgbClr r="0" g="0" b="0"/>
-      </a:fillRef>
-      <a:effectRef idx="0">
-        <a:scrgbClr r="0" g="0" b="0"/>
-      </a:effectRef>
-      <a:fontRef idx="minor"/>
-    </dgm:style>
-  </dgm:styleLbl>
-  <dgm:styleLbl name="asst0">
-    <dgm:scene3d>
-      <a:camera prst="orthographicFront"/>
-      <a:lightRig rig="threePt" dir="t"/>
-    </dgm:scene3d>
-    <dgm:sp3d/>
-    <dgm:txPr/>
-    <dgm:style>
-      <a:lnRef idx="2">
-        <a:scrgbClr r="0" g="0" b="0"/>
-      </a:lnRef>
-      <a:fillRef idx="1">
-        <a:scrgbClr r="0" g="0" b="0"/>
-      </a:fillRef>
-      <a:effectRef idx="0">
-        <a:scrgbClr r="0" g="0" b="0"/>
-      </a:effectRef>
-      <a:fontRef idx="minor">
-        <a:schemeClr val="lt1"/>
-      </a:fontRef>
-    </dgm:style>
-  </dgm:styleLbl>
-  <dgm:styleLbl name="asst1">
-    <dgm:scene3d>
-      <a:camera prst="orthographicFront"/>
-      <a:lightRig rig="threePt" dir="t"/>
-    </dgm:scene3d>
-    <dgm:sp3d/>
-    <dgm:txPr/>
-    <dgm:style>
-      <a:lnRef idx="2">
-        <a:scrgbClr r="0" g="0" b="0"/>
-      </a:lnRef>
-      <a:fillRef idx="1">
-        <a:scrgbClr r="0" g="0" b="0"/>
-      </a:fillRef>
-      <a:effectRef idx="0">
-        <a:scrgbClr r="0" g="0" b="0"/>
-      </a:effectRef>
-      <a:fontRef idx="minor">
-        <a:schemeClr val="lt1"/>
-      </a:fontRef>
-    </dgm:style>
-  </dgm:styleLbl>
-  <dgm:styleLbl name="asst2">
-    <dgm:scene3d>
-      <a:camera prst="orthographicFront"/>
-      <a:lightRig rig="threePt" dir="t"/>
-    </dgm:scene3d>
-    <dgm:sp3d/>
-    <dgm:txPr/>
-    <dgm:style>
-      <a:lnRef idx="2">
-        <a:scrgbClr r="0" g="0" b="0"/>
-      </a:lnRef>
-      <a:fillRef idx="1">
-        <a:scrgbClr r="0" g="0" b="0"/>
-      </a:fillRef>
-      <a:effectRef idx="0">
-        <a:scrgbClr r="0" g="0" b="0"/>
-      </a:effectRef>
-      <a:fontRef idx="minor">
-        <a:schemeClr val="lt1"/>
-      </a:fontRef>
-    </dgm:style>
-  </dgm:styleLbl>
-  <dgm:styleLbl name="asst3">
-    <dgm:scene3d>
-      <a:camera prst="orthographicFront"/>
-      <a:lightRig rig="threePt" dir="t"/>
-    </dgm:scene3d>
-    <dgm:sp3d/>
-    <dgm:txPr/>
-    <dgm:style>
-      <a:lnRef idx="2">
-        <a:scrgbClr r="0" g="0" b="0"/>
-      </a:lnRef>
-      <a:fillRef idx="1">
-        <a:scrgbClr r="0" g="0" b="0"/>
-      </a:fillRef>
-      <a:effectRef idx="0">
-        <a:scrgbClr r="0" g="0" b="0"/>
-      </a:effectRef>
-      <a:fontRef idx="minor">
-        <a:schemeClr val="lt1"/>
-      </a:fontRef>
-    </dgm:style>
-  </dgm:styleLbl>
-  <dgm:styleLbl name="asst4">
-    <dgm:scene3d>
-      <a:camera prst="orthographicFront"/>
-      <a:lightRig rig="threePt" dir="t"/>
-    </dgm:scene3d>
-    <dgm:sp3d/>
-    <dgm:txPr/>
-    <dgm:style>
-      <a:lnRef idx="2">
-        <a:scrgbClr r="0" g="0" b="0"/>
-      </a:lnRef>
-      <a:fillRef idx="1">
-        <a:scrgbClr r="0" g="0" b="0"/>
-      </a:fillRef>
-      <a:effectRef idx="0">
-        <a:scrgbClr r="0" g="0" b="0"/>
-      </a:effectRef>
-      <a:fontRef idx="minor">
-        <a:schemeClr val="lt1"/>
-      </a:fontRef>
-    </dgm:style>
-  </dgm:styleLbl>
-  <dgm:styleLbl name="parChTrans2D1">
-    <dgm:scene3d>
-      <a:camera prst="orthographicFront"/>
-      <a:lightRig rig="threePt" dir="t"/>
-    </dgm:scene3d>
-    <dgm:sp3d/>
-    <dgm:txPr/>
-    <dgm:style>
-      <a:lnRef idx="2">
-        <a:scrgbClr r="0" g="0" b="0"/>
-      </a:lnRef>
-      <a:fillRef idx="1">
-        <a:scrgbClr r="0" g="0" b="0"/>
-      </a:fillRef>
-      <a:effectRef idx="0">
-        <a:scrgbClr r="0" g="0" b="0"/>
-      </a:effectRef>
-      <a:fontRef idx="minor">
-        <a:schemeClr val="lt1"/>
-      </a:fontRef>
-    </dgm:style>
-  </dgm:styleLbl>
-  <dgm:styleLbl name="parChTrans2D2">
-    <dgm:scene3d>
-      <a:camera prst="orthographicFront"/>
-      <a:lightRig rig="threePt" dir="t"/>
-    </dgm:scene3d>
-    <dgm:sp3d/>
-    <dgm:txPr/>
-    <dgm:style>
-      <a:lnRef idx="2">
-        <a:scrgbClr r="0" g="0" b="0"/>
-      </a:lnRef>
-      <a:fillRef idx="1">
-        <a:scrgbClr r="0" g="0" b="0"/>
-      </a:fillRef>
-      <a:effectRef idx="0">
-        <a:scrgbClr r="0" g="0" b="0"/>
-      </a:effectRef>
-      <a:fontRef idx="minor">
-        <a:schemeClr val="lt1"/>
-      </a:fontRef>
-    </dgm:style>
-  </dgm:styleLbl>
-  <dgm:styleLbl name="parChTrans2D3">
-    <dgm:scene3d>
-      <a:camera prst="orthographicFront"/>
-      <a:lightRig rig="threePt" dir="t"/>
-    </dgm:scene3d>
-    <dgm:sp3d/>
-    <dgm:txPr/>
-    <dgm:style>
-      <a:lnRef idx="2">
-        <a:scrgbClr r="0" g="0" b="0"/>
-      </a:lnRef>
-      <a:fillRef idx="1">
-        <a:scrgbClr r="0" g="0" b="0"/>
-      </a:fillRef>
-      <a:effectRef idx="0">
-        <a:scrgbClr r="0" g="0" b="0"/>
-      </a:effectRef>
-      <a:fontRef idx="minor">
-        <a:schemeClr val="lt1"/>
-      </a:fontRef>
-    </dgm:style>
-  </dgm:styleLbl>
-  <dgm:styleLbl name="parChTrans2D4">
-    <dgm:scene3d>
-      <a:camera prst="orthographicFront"/>
-      <a:lightRig rig="threePt" dir="t"/>
-    </dgm:scene3d>
-    <dgm:sp3d/>
-    <dgm:txPr/>
-    <dgm:style>
-      <a:lnRef idx="2">
-        <a:scrgbClr r="0" g="0" b="0"/>
-      </a:lnRef>
-      <a:fillRef idx="1">
-        <a:scrgbClr r="0" g="0" b="0"/>
-      </a:fillRef>
-      <a:effectRef idx="0">
-        <a:scrgbClr r="0" g="0" b="0"/>
-      </a:effectRef>
-      <a:fontRef idx="minor">
-        <a:schemeClr val="lt1"/>
-      </a:fontRef>
-    </dgm:style>
-  </dgm:styleLbl>
-  <dgm:styleLbl name="parChTrans1D1">
-    <dgm:scene3d>
-      <a:camera prst="orthographicFront"/>
-      <a:lightRig rig="threePt" dir="t"/>
-    </dgm:scene3d>
-    <dgm:sp3d/>
-    <dgm:txPr/>
-    <dgm:style>
-      <a:lnRef idx="2">
-        <a:scrgbClr r="0" g="0" b="0"/>
-      </a:lnRef>
-      <a:fillRef idx="0">
-        <a:scrgbClr r="0" g="0" b="0"/>
-      </a:fillRef>
-      <a:effectRef idx="0">
-        <a:scrgbClr r="0" g="0" b="0"/>
-      </a:effectRef>
-      <a:fontRef idx="minor"/>
-    </dgm:style>
-  </dgm:styleLbl>
-  <dgm:styleLbl name="parChTrans1D2">
-    <dgm:scene3d>
-      <a:camera prst="orthographicFront"/>
-      <a:lightRig rig="threePt" dir="t"/>
-    </dgm:scene3d>
-    <dgm:sp3d/>
-    <dgm:txPr/>
-    <dgm:style>
-      <a:lnRef idx="2">
-        <a:scrgbClr r="0" g="0" b="0"/>
-      </a:lnRef>
-      <a:fillRef idx="0">
-        <a:scrgbClr r="0" g="0" b="0"/>
-      </a:fillRef>
-      <a:effectRef idx="0">
-        <a:scrgbClr r="0" g="0" b="0"/>
-      </a:effectRef>
-      <a:fontRef idx="minor"/>
-    </dgm:style>
-  </dgm:styleLbl>
-  <dgm:styleLbl name="parChTrans1D3">
-    <dgm:scene3d>
-      <a:camera prst="orthographicFront"/>
-      <a:lightRig rig="threePt" dir="t"/>
-    </dgm:scene3d>
-    <dgm:sp3d/>
-    <dgm:txPr/>
-    <dgm:style>
-      <a:lnRef idx="2">
-        <a:scrgbClr r="0" g="0" b="0"/>
-      </a:lnRef>
-      <a:fillRef idx="0">
-        <a:scrgbClr r="0" g="0" b="0"/>
-      </a:fillRef>
-      <a:effectRef idx="0">
-        <a:scrgbClr r="0" g="0" b="0"/>
-      </a:effectRef>
-      <a:fontRef idx="minor"/>
-    </dgm:style>
-  </dgm:styleLbl>
-  <dgm:styleLbl name="parChTrans1D4">
-    <dgm:scene3d>
-      <a:camera prst="orthographicFront"/>
-      <a:lightRig rig="threePt" dir="t"/>
-    </dgm:scene3d>
-    <dgm:sp3d/>
-    <dgm:txPr/>
-    <dgm:style>
-      <a:lnRef idx="2">
-        <a:scrgbClr r="0" g="0" b="0"/>
-      </a:lnRef>
-      <a:fillRef idx="0">
-        <a:scrgbClr r="0" g="0" b="0"/>
-      </a:fillRef>
-      <a:effectRef idx="0">
-        <a:scrgbClr r="0" g="0" b="0"/>
-      </a:effectRef>
-      <a:fontRef idx="minor"/>
-    </dgm:style>
-  </dgm:styleLbl>
-  <dgm:styleLbl name="fgAcc1">
-    <dgm:scene3d>
-      <a:camera prst="orthographicFront"/>
-      <a:lightRig rig="threePt" dir="t"/>
-    </dgm:scene3d>
-    <dgm:sp3d/>
-    <dgm:txPr/>
-    <dgm:style>
-      <a:lnRef idx="2">
-        <a:scrgbClr r="0" g="0" b="0"/>
-      </a:lnRef>
-      <a:fillRef idx="1">
-        <a:scrgbClr r="0" g="0" b="0"/>
-      </a:fillRef>
-      <a:effectRef idx="0">
-        <a:scrgbClr r="0" g="0" b="0"/>
-      </a:effectRef>
-      <a:fontRef idx="minor"/>
-    </dgm:style>
-  </dgm:styleLbl>
-  <dgm:styleLbl name="conFgAcc1">
-    <dgm:scene3d>
-      <a:camera prst="orthographicFront"/>
-      <a:lightRig rig="threePt" dir="t"/>
-    </dgm:scene3d>
-    <dgm:sp3d/>
-    <dgm:txPr/>
-    <dgm:style>
-      <a:lnRef idx="2">
-        <a:scrgbClr r="0" g="0" b="0"/>
-      </a:lnRef>
-      <a:fillRef idx="1">
-        <a:scrgbClr r="0" g="0" b="0"/>
-      </a:fillRef>
-      <a:effectRef idx="0">
-        <a:scrgbClr r="0" g="0" b="0"/>
-      </a:effectRef>
-      <a:fontRef idx="minor"/>
-    </dgm:style>
-  </dgm:styleLbl>
-  <dgm:styleLbl name="alignAcc1">
-    <dgm:scene3d>
-      <a:camera prst="orthographicFront"/>
-      <a:lightRig rig="threePt" dir="t"/>
-    </dgm:scene3d>
-    <dgm:sp3d/>
-    <dgm:txPr/>
-    <dgm:style>
-      <a:lnRef idx="2">
-        <a:scrgbClr r="0" g="0" b="0"/>
-      </a:lnRef>
-      <a:fillRef idx="1">
-        <a:scrgbClr r="0" g="0" b="0"/>
-      </a:fillRef>
-      <a:effectRef idx="0">
-        <a:scrgbClr r="0" g="0" b="0"/>
-      </a:effectRef>
-      <a:fontRef idx="minor"/>
-    </dgm:style>
-  </dgm:styleLbl>
-  <dgm:styleLbl name="trAlignAcc1">
-    <dgm:scene3d>
-      <a:camera prst="orthographicFront"/>
-      <a:lightRig rig="threePt" dir="t"/>
-    </dgm:scene3d>
-    <dgm:sp3d/>
-    <dgm:txPr/>
-    <dgm:style>
-      <a:lnRef idx="1">
-        <a:scrgbClr r="0" g="0" b="0"/>
-      </a:lnRef>
-      <a:fillRef idx="1">
-        <a:scrgbClr r="0" g="0" b="0"/>
-      </a:fillRef>
-      <a:effectRef idx="0">
-        <a:scrgbClr r="0" g="0" b="0"/>
-      </a:effectRef>
-      <a:fontRef idx="minor"/>
-    </dgm:style>
-  </dgm:styleLbl>
-  <dgm:styleLbl name="bgAcc1">
-    <dgm:scene3d>
-      <a:camera prst="orthographicFront"/>
-      <a:lightRig rig="threePt" dir="t"/>
-    </dgm:scene3d>
-    <dgm:sp3d/>
-    <dgm:txPr/>
-    <dgm:style>
-      <a:lnRef idx="2">
-        <a:scrgbClr r="0" g="0" b="0"/>
-      </a:lnRef>
-      <a:fillRef idx="1">
-        <a:scrgbClr r="0" g="0" b="0"/>
-      </a:fillRef>
-      <a:effectRef idx="0">
-        <a:scrgbClr r="0" g="0" b="0"/>
-      </a:effectRef>
-      <a:fontRef idx="minor"/>
-    </dgm:style>
-  </dgm:styleLbl>
-  <dgm:styleLbl name="solidFgAcc1">
-    <dgm:scene3d>
-      <a:camera prst="orthographicFront"/>
-      <a:lightRig rig="threePt" dir="t"/>
-    </dgm:scene3d>
-    <dgm:sp3d/>
-    <dgm:txPr/>
-    <dgm:style>
-      <a:lnRef idx="2">
-        <a:scrgbClr r="0" g="0" b="0"/>
-      </a:lnRef>
-      <a:fillRef idx="1">
-        <a:scrgbClr r="0" g="0" b="0"/>
-      </a:fillRef>
-      <a:effectRef idx="0">
-        <a:scrgbClr r="0" g="0" b="0"/>
-      </a:effectRef>
-      <a:fontRef idx="minor"/>
-    </dgm:style>
-  </dgm:styleLbl>
-  <dgm:styleLbl name="solidAlignAcc1">
-    <dgm:scene3d>
-      <a:camera prst="orthographicFront"/>
-      <a:lightRig rig="threePt" dir="t"/>
-    </dgm:scene3d>
-    <dgm:sp3d/>
-    <dgm:txPr/>
-    <dgm:style>
-      <a:lnRef idx="2">
-        <a:scrgbClr r="0" g="0" b="0"/>
-      </a:lnRef>
-      <a:fillRef idx="1">
-        <a:scrgbClr r="0" g="0" b="0"/>
-      </a:fillRef>
-      <a:effectRef idx="0">
-        <a:scrgbClr r="0" g="0" b="0"/>
-      </a:effectRef>
-      <a:fontRef idx="minor"/>
-    </dgm:style>
-  </dgm:styleLbl>
-  <dgm:styleLbl name="solidBgAcc1">
-    <dgm:scene3d>
-      <a:camera prst="orthographicFront"/>
-      <a:lightRig rig="threePt" dir="t"/>
-    </dgm:scene3d>
-    <dgm:sp3d/>
-    <dgm:txPr/>
-    <dgm:style>
-      <a:lnRef idx="2">
-        <a:scrgbClr r="0" g="0" b="0"/>
-      </a:lnRef>
-      <a:fillRef idx="1">
-        <a:scrgbClr r="0" g="0" b="0"/>
-      </a:fillRef>
-      <a:effectRef idx="0">
-        <a:scrgbClr r="0" g="0" b="0"/>
-      </a:effectRef>
-      <a:fontRef idx="minor"/>
-    </dgm:style>
-  </dgm:styleLbl>
-  <dgm:styleLbl name="fgAccFollowNode1">
-    <dgm:scene3d>
-      <a:camera prst="orthographicFront"/>
-      <a:lightRig rig="threePt" dir="t"/>
-    </dgm:scene3d>
-    <dgm:sp3d/>
-    <dgm:txPr/>
-    <dgm:style>
-      <a:lnRef idx="2">
-        <a:scrgbClr r="0" g="0" b="0"/>
-      </a:lnRef>
-      <a:fillRef idx="1">
-        <a:scrgbClr r="0" g="0" b="0"/>
-      </a:fillRef>
-      <a:effectRef idx="0">
-        <a:scrgbClr r="0" g="0" b="0"/>
-      </a:effectRef>
-      <a:fontRef idx="minor"/>
-    </dgm:style>
-  </dgm:styleLbl>
-  <dgm:styleLbl name="alignAccFollowNode1">
-    <dgm:scene3d>
-      <a:camera prst="orthographicFront"/>
-      <a:lightRig rig="threePt" dir="t"/>
-    </dgm:scene3d>
-    <dgm:sp3d/>
-    <dgm:txPr/>
-    <dgm:style>
-      <a:lnRef idx="2">
-        <a:scrgbClr r="0" g="0" b="0"/>
-      </a:lnRef>
-      <a:fillRef idx="1">
-        <a:scrgbClr r="0" g="0" b="0"/>
-      </a:fillRef>
-      <a:effectRef idx="0">
-        <a:scrgbClr r="0" g="0" b="0"/>
-      </a:effectRef>
-      <a:fontRef idx="minor"/>
-    </dgm:style>
-  </dgm:styleLbl>
-  <dgm:styleLbl name="bgAccFollowNode1">
-    <dgm:scene3d>
-      <a:camera prst="orthographicFront"/>
-      <a:lightRig rig="threePt" dir="t"/>
-    </dgm:scene3d>
-    <dgm:sp3d/>
-    <dgm:txPr/>
-    <dgm:style>
-      <a:lnRef idx="2">
-        <a:scrgbClr r="0" g="0" b="0"/>
-      </a:lnRef>
-      <a:fillRef idx="1">
-        <a:scrgbClr r="0" g="0" b="0"/>
-      </a:fillRef>
-      <a:effectRef idx="0">
-        <a:scrgbClr r="0" g="0" b="0"/>
-      </a:effectRef>
-      <a:fontRef idx="minor"/>
-    </dgm:style>
-  </dgm:styleLbl>
-  <dgm:styleLbl name="fgAcc0">
-    <dgm:scene3d>
-      <a:camera prst="orthographicFront"/>
-      <a:lightRig rig="threePt" dir="t"/>
-    </dgm:scene3d>
-    <dgm:sp3d/>
-    <dgm:txPr/>
-    <dgm:style>
-      <a:lnRef idx="2">
-        <a:scrgbClr r="0" g="0" b="0"/>
-      </a:lnRef>
-      <a:fillRef idx="1">
-        <a:scrgbClr r="0" g="0" b="0"/>
-      </a:fillRef>
-      <a:effectRef idx="0">
-        <a:scrgbClr r="0" g="0" b="0"/>
-      </a:effectRef>
-      <a:fontRef idx="minor"/>
-    </dgm:style>
-  </dgm:styleLbl>
-  <dgm:styleLbl name="fgAcc2">
-    <dgm:scene3d>
-      <a:camera prst="orthographicFront"/>
-      <a:lightRig rig="threePt" dir="t"/>
-    </dgm:scene3d>
-    <dgm:sp3d/>
-    <dgm:txPr/>
-    <dgm:style>
-      <a:lnRef idx="2">
-        <a:scrgbClr r="0" g="0" b="0"/>
-      </a:lnRef>
-      <a:fillRef idx="1">
-        <a:scrgbClr r="0" g="0" b="0"/>
-      </a:fillRef>
-      <a:effectRef idx="0">
-        <a:scrgbClr r="0" g="0" b="0"/>
-      </a:effectRef>
-      <a:fontRef idx="minor"/>
-    </dgm:style>
-  </dgm:styleLbl>
-  <dgm:styleLbl name="fgAcc3">
-    <dgm:scene3d>
-      <a:camera prst="orthographicFront"/>
-      <a:lightRig rig="threePt" dir="t"/>
-    </dgm:scene3d>
-    <dgm:sp3d/>
-    <dgm:txPr/>
-    <dgm:style>
-      <a:lnRef idx="2">
-        <a:scrgbClr r="0" g="0" b="0"/>
-      </a:lnRef>
-      <a:fillRef idx="1">
-        <a:scrgbClr r="0" g="0" b="0"/>
-      </a:fillRef>
-      <a:effectRef idx="0">
-        <a:scrgbClr r="0" g="0" b="0"/>
-      </a:effectRef>
-      <a:fontRef idx="minor"/>
-    </dgm:style>
-  </dgm:styleLbl>
-  <dgm:styleLbl name="fgAcc4">
-    <dgm:scene3d>
-      <a:camera prst="orthographicFront"/>
-      <a:lightRig rig="threePt" dir="t"/>
-    </dgm:scene3d>
-    <dgm:sp3d/>
-    <dgm:txPr/>
-    <dgm:style>
-      <a:lnRef idx="2">
-        <a:scrgbClr r="0" g="0" b="0"/>
-      </a:lnRef>
-      <a:fillRef idx="1">
-        <a:scrgbClr r="0" g="0" b="0"/>
-      </a:fillRef>
-      <a:effectRef idx="0">
-        <a:scrgbClr r="0" g="0" b="0"/>
-      </a:effectRef>
-      <a:fontRef idx="minor"/>
-    </dgm:style>
-  </dgm:styleLbl>
-  <dgm:styleLbl name="bgShp">
-    <dgm:scene3d>
-      <a:camera prst="orthographicFront"/>
-      <a:lightRig rig="threePt" dir="t"/>
-    </dgm:scene3d>
-    <dgm:sp3d/>
-    <dgm:txPr/>
-    <dgm:style>
-      <a:lnRef idx="0">
-        <a:scrgbClr r="0" g="0" b="0"/>
-      </a:lnRef>
-      <a:fillRef idx="1">
-        <a:scrgbClr r="0" g="0" b="0"/>
-      </a:fillRef>
-      <a:effectRef idx="0">
-        <a:scrgbClr r="0" g="0" b="0"/>
-      </a:effectRef>
-      <a:fontRef idx="minor"/>
-    </dgm:style>
-  </dgm:styleLbl>
-  <dgm:styleLbl name="dkBgShp">
-    <dgm:scene3d>
-      <a:camera prst="orthographicFront"/>
-      <a:lightRig rig="threePt" dir="t"/>
-    </dgm:scene3d>
-    <dgm:sp3d/>
-    <dgm:txPr/>
-    <dgm:style>
-      <a:lnRef idx="0">
-        <a:scrgbClr r="0" g="0" b="0"/>
-      </a:lnRef>
-      <a:fillRef idx="1">
-        <a:scrgbClr r="0" g="0" b="0"/>
-      </a:fillRef>
-      <a:effectRef idx="0">
-        <a:scrgbClr r="0" g="0" b="0"/>
-      </a:effectRef>
-      <a:fontRef idx="minor"/>
-    </dgm:style>
-  </dgm:styleLbl>
-  <dgm:styleLbl name="trBgShp">
-    <dgm:scene3d>
-      <a:camera prst="orthographicFront"/>
-      <a:lightRig rig="threePt" dir="t"/>
-    </dgm:scene3d>
-    <dgm:sp3d/>
-    <dgm:txPr/>
-    <dgm:style>
-      <a:lnRef idx="0">
-        <a:scrgbClr r="0" g="0" b="0"/>
-      </a:lnRef>
-      <a:fillRef idx="1">
-        <a:scrgbClr r="0" g="0" b="0"/>
-      </a:fillRef>
-      <a:effectRef idx="0">
-        <a:scrgbClr r="0" g="0" b="0"/>
-      </a:effectRef>
-      <a:fontRef idx="minor"/>
-    </dgm:style>
-  </dgm:styleLbl>
-  <dgm:styleLbl name="fgShp">
-    <dgm:scene3d>
-      <a:camera prst="orthographicFront"/>
-      <a:lightRig rig="threePt" dir="t"/>
-    </dgm:scene3d>
-    <dgm:sp3d/>
-    <dgm:txPr/>
-    <dgm:style>
-      <a:lnRef idx="2">
-        <a:scrgbClr r="0" g="0" b="0"/>
-      </a:lnRef>
-      <a:fillRef idx="1">
-        <a:scrgbClr r="0" g="0" b="0"/>
-      </a:fillRef>
-      <a:effectRef idx="0">
-        <a:scrgbClr r="0" g="0" b="0"/>
-      </a:effectRef>
-      <a:fontRef idx="minor"/>
-    </dgm:style>
-  </dgm:styleLbl>
-  <dgm:styleLbl name="revTx">
-    <dgm:scene3d>
-      <a:camera prst="orthographicFront"/>
-      <a:lightRig rig="threePt" dir="t"/>
-    </dgm:scene3d>
-    <dgm:sp3d/>
-    <dgm:txPr/>
-    <dgm:style>
-      <a:lnRef idx="0">
-        <a:scrgbClr r="0" g="0" b="0"/>
-      </a:lnRef>
-      <a:fillRef idx="0">
-        <a:scrgbClr r="0" g="0" b="0"/>
-      </a:fillRef>
-      <a:effectRef idx="0">
-        <a:scrgbClr r="0" g="0" b="0"/>
-      </a:effectRef>
-      <a:fontRef idx="minor"/>
-    </dgm:style>
-  </dgm:styleLbl>
 </dgm:styleDef>
 </file>
 
 <file path=ppt/slideLayouts/slideLayout1.xml><?xml version="1.0" encoding="utf-8"?>
-<p:sldLayout xmlns:a="http://schemas.openxmlformats.org/drawingml/2006/main" xmlns:r="http://schemas.openxmlformats.org/officeDocument/2006/relationships" xmlns:p="http://schemas.openxmlformats.org/presentationml/2006/main" showMasterSp="0" type="title" preserve="1">
+<p:sldLayout xmlns:a="http://schemas.openxmlformats.org/drawingml/2006/main" xmlns:r="http://schemas.openxmlformats.org/officeDocument/2006/relationships" xmlns:p="http://schemas.openxmlformats.org/presentationml/2006/main" type="title" preserve="1" showMasterSp="0">
   <p:cSld name="Title Slide">
     <p:spTree>
       <p:nvGrpSpPr>
@@ -5982,7 +5881,6 @@
                 <a:buSzTx/>
                 <a:buFontTx/>
                 <a:buNone/>
-                <a:tabLst/>
                 <a:defRPr/>
               </a:pPr>
               <a:endParaRPr kumimoji="0" lang="en-US" sz="2000" b="0" i="0" u="none" strike="noStrike" kern="0" cap="none" spc="0" normalizeH="0" baseline="0" noProof="0" dirty="0">
@@ -6043,7 +5941,6 @@
                 <a:buSzTx/>
                 <a:buFontTx/>
                 <a:buNone/>
-                <a:tabLst/>
                 <a:defRPr/>
               </a:pPr>
               <a:endParaRPr kumimoji="0" lang="en-US" sz="1800" b="0" i="0" u="none" strike="noStrike" kern="0" cap="none" spc="0" normalizeH="0" baseline="0" noProof="0" dirty="0">
@@ -6194,10 +6091,9 @@
           <a:lstStyle/>
           <a:p>
             <a:fld id="{64A3198D-5D28-674D-902D-4C00DD5BED88}" type="datetimeFigureOut">
-              <a:rPr lang="en-VN" smtClean="0"/>
-              <a:t>23/06/2024</a:t>
+              <a:rPr lang="en-US" smtClean="0"/>
             </a:fld>
-            <a:endParaRPr lang="en-VN"/>
+            <a:endParaRPr lang="en-US"/>
           </a:p>
         </p:txBody>
       </p:sp>
@@ -6216,7 +6112,7 @@
           <a:bodyPr/>
           <a:lstStyle/>
           <a:p>
-            <a:endParaRPr lang="en-VN"/>
+            <a:endParaRPr lang="en-US"/>
           </a:p>
         </p:txBody>
       </p:sp>
@@ -6245,19 +6141,13 @@
           </a:lstStyle>
           <a:p>
             <a:fld id="{B56AB712-021E-E249-B128-9D3AE39D9B92}" type="slidenum">
-              <a:rPr lang="en-VN" smtClean="0"/>
-              <a:t>‹#›</a:t>
+              <a:rPr lang="en-US" smtClean="0"/>
             </a:fld>
-            <a:endParaRPr lang="en-VN"/>
+            <a:endParaRPr lang="en-US"/>
           </a:p>
         </p:txBody>
       </p:sp>
     </p:spTree>
-    <p:extLst>
-      <p:ext uri="{BB962C8B-B14F-4D97-AF65-F5344CB8AC3E}">
-        <p14:creationId xmlns:p14="http://schemas.microsoft.com/office/powerpoint/2010/main" val="4168511148"/>
-      </p:ext>
-    </p:extLst>
   </p:cSld>
   <p:clrMapOvr>
     <a:masterClrMapping/>
@@ -6301,6 +6191,7 @@
               <a:rPr lang="en-US"/>
               <a:t>Click to edit Master title style</a:t>
             </a:r>
+            <a:endParaRPr lang="en-US"/>
           </a:p>
         </p:txBody>
       </p:sp>
@@ -6324,6 +6215,7 @@
               <a:rPr lang="en-US"/>
               <a:t>Click to edit Master text styles</a:t>
             </a:r>
+            <a:endParaRPr lang="en-US"/>
           </a:p>
           <a:p>
             <a:pPr lvl="1"/>
@@ -6331,6 +6223,7 @@
               <a:rPr lang="en-US"/>
               <a:t>Second level</a:t>
             </a:r>
+            <a:endParaRPr lang="en-US"/>
           </a:p>
           <a:p>
             <a:pPr lvl="2"/>
@@ -6338,6 +6231,7 @@
               <a:rPr lang="en-US"/>
               <a:t>Third level</a:t>
             </a:r>
+            <a:endParaRPr lang="en-US"/>
           </a:p>
           <a:p>
             <a:pPr lvl="3"/>
@@ -6345,6 +6239,7 @@
               <a:rPr lang="en-US"/>
               <a:t>Fourth level</a:t>
             </a:r>
+            <a:endParaRPr lang="en-US"/>
           </a:p>
           <a:p>
             <a:pPr lvl="4"/>
@@ -6352,6 +6247,7 @@
               <a:rPr lang="en-US"/>
               <a:t>Fifth level</a:t>
             </a:r>
+            <a:endParaRPr lang="en-US"/>
           </a:p>
         </p:txBody>
       </p:sp>
@@ -6371,10 +6267,9 @@
           <a:lstStyle/>
           <a:p>
             <a:fld id="{64A3198D-5D28-674D-902D-4C00DD5BED88}" type="datetimeFigureOut">
-              <a:rPr lang="en-VN" smtClean="0"/>
-              <a:t>23/06/2024</a:t>
+              <a:rPr lang="en-US" smtClean="0"/>
             </a:fld>
-            <a:endParaRPr lang="en-VN"/>
+            <a:endParaRPr lang="en-US"/>
           </a:p>
         </p:txBody>
       </p:sp>
@@ -6393,7 +6288,7 @@
           <a:bodyPr/>
           <a:lstStyle/>
           <a:p>
-            <a:endParaRPr lang="en-VN"/>
+            <a:endParaRPr lang="en-US"/>
           </a:p>
         </p:txBody>
       </p:sp>
@@ -6413,19 +6308,13 @@
           <a:lstStyle/>
           <a:p>
             <a:fld id="{B56AB712-021E-E249-B128-9D3AE39D9B92}" type="slidenum">
-              <a:rPr lang="en-VN" smtClean="0"/>
-              <a:t>‹#›</a:t>
+              <a:rPr lang="en-US" smtClean="0"/>
             </a:fld>
-            <a:endParaRPr lang="en-VN"/>
+            <a:endParaRPr lang="en-US"/>
           </a:p>
         </p:txBody>
       </p:sp>
     </p:spTree>
-    <p:extLst>
-      <p:ext uri="{BB962C8B-B14F-4D97-AF65-F5344CB8AC3E}">
-        <p14:creationId xmlns:p14="http://schemas.microsoft.com/office/powerpoint/2010/main" val="1951514012"/>
-      </p:ext>
-    </p:extLst>
   </p:cSld>
   <p:clrMapOvr>
     <a:masterClrMapping/>
@@ -6503,6 +6392,7 @@
               <a:rPr lang="en-US"/>
               <a:t>Click to edit Master text styles</a:t>
             </a:r>
+            <a:endParaRPr lang="en-US"/>
           </a:p>
           <a:p>
             <a:pPr lvl="1"/>
@@ -6510,6 +6400,7 @@
               <a:rPr lang="en-US"/>
               <a:t>Second level</a:t>
             </a:r>
+            <a:endParaRPr lang="en-US"/>
           </a:p>
           <a:p>
             <a:pPr lvl="2"/>
@@ -6517,6 +6408,7 @@
               <a:rPr lang="en-US"/>
               <a:t>Third level</a:t>
             </a:r>
+            <a:endParaRPr lang="en-US"/>
           </a:p>
           <a:p>
             <a:pPr lvl="3"/>
@@ -6524,6 +6416,7 @@
               <a:rPr lang="en-US"/>
               <a:t>Fourth level</a:t>
             </a:r>
+            <a:endParaRPr lang="en-US"/>
           </a:p>
           <a:p>
             <a:pPr lvl="4"/>
@@ -6551,10 +6444,9 @@
           <a:lstStyle/>
           <a:p>
             <a:fld id="{64A3198D-5D28-674D-902D-4C00DD5BED88}" type="datetimeFigureOut">
-              <a:rPr lang="en-VN" smtClean="0"/>
-              <a:t>23/06/2024</a:t>
+              <a:rPr lang="en-US" smtClean="0"/>
             </a:fld>
-            <a:endParaRPr lang="en-VN"/>
+            <a:endParaRPr lang="en-US"/>
           </a:p>
         </p:txBody>
       </p:sp>
@@ -6573,7 +6465,7 @@
           <a:bodyPr/>
           <a:lstStyle/>
           <a:p>
-            <a:endParaRPr lang="en-VN"/>
+            <a:endParaRPr lang="en-US"/>
           </a:p>
         </p:txBody>
       </p:sp>
@@ -6593,19 +6485,13 @@
           <a:lstStyle/>
           <a:p>
             <a:fld id="{B56AB712-021E-E249-B128-9D3AE39D9B92}" type="slidenum">
-              <a:rPr lang="en-VN" smtClean="0"/>
-              <a:t>‹#›</a:t>
+              <a:rPr lang="en-US" smtClean="0"/>
             </a:fld>
-            <a:endParaRPr lang="en-VN"/>
+            <a:endParaRPr lang="en-US"/>
           </a:p>
         </p:txBody>
       </p:sp>
     </p:spTree>
-    <p:extLst>
-      <p:ext uri="{BB962C8B-B14F-4D97-AF65-F5344CB8AC3E}">
-        <p14:creationId xmlns:p14="http://schemas.microsoft.com/office/powerpoint/2010/main" val="1407652304"/>
-      </p:ext>
-    </p:extLst>
   </p:cSld>
   <p:clrMapOvr>
     <a:masterClrMapping/>
@@ -6673,6 +6559,7 @@
               <a:rPr lang="en-US"/>
               <a:t>Click to edit Master text styles</a:t>
             </a:r>
+            <a:endParaRPr lang="en-US"/>
           </a:p>
           <a:p>
             <a:pPr lvl="1"/>
@@ -6680,6 +6567,7 @@
               <a:rPr lang="en-US"/>
               <a:t>Second level</a:t>
             </a:r>
+            <a:endParaRPr lang="en-US"/>
           </a:p>
           <a:p>
             <a:pPr lvl="2"/>
@@ -6687,6 +6575,7 @@
               <a:rPr lang="en-US"/>
               <a:t>Third level</a:t>
             </a:r>
+            <a:endParaRPr lang="en-US"/>
           </a:p>
           <a:p>
             <a:pPr lvl="3"/>
@@ -6694,6 +6583,7 @@
               <a:rPr lang="en-US"/>
               <a:t>Fourth level</a:t>
             </a:r>
+            <a:endParaRPr lang="en-US"/>
           </a:p>
           <a:p>
             <a:pPr lvl="4"/>
@@ -6721,10 +6611,9 @@
           <a:lstStyle/>
           <a:p>
             <a:fld id="{64A3198D-5D28-674D-902D-4C00DD5BED88}" type="datetimeFigureOut">
-              <a:rPr lang="en-VN" smtClean="0"/>
-              <a:t>23/06/2024</a:t>
+              <a:rPr lang="en-US" smtClean="0"/>
             </a:fld>
-            <a:endParaRPr lang="en-VN"/>
+            <a:endParaRPr lang="en-US"/>
           </a:p>
         </p:txBody>
       </p:sp>
@@ -6743,7 +6632,7 @@
           <a:bodyPr/>
           <a:lstStyle/>
           <a:p>
-            <a:endParaRPr lang="en-VN"/>
+            <a:endParaRPr lang="en-US"/>
           </a:p>
         </p:txBody>
       </p:sp>
@@ -6763,19 +6652,13 @@
           <a:lstStyle/>
           <a:p>
             <a:fld id="{B56AB712-021E-E249-B128-9D3AE39D9B92}" type="slidenum">
-              <a:rPr lang="en-VN" smtClean="0"/>
-              <a:t>‹#›</a:t>
+              <a:rPr lang="en-US" smtClean="0"/>
             </a:fld>
-            <a:endParaRPr lang="en-VN"/>
+            <a:endParaRPr lang="en-US"/>
           </a:p>
         </p:txBody>
       </p:sp>
     </p:spTree>
-    <p:extLst>
-      <p:ext uri="{BB962C8B-B14F-4D97-AF65-F5344CB8AC3E}">
-        <p14:creationId xmlns:p14="http://schemas.microsoft.com/office/powerpoint/2010/main" val="3262625134"/>
-      </p:ext>
-    </p:extLst>
   </p:cSld>
   <p:clrMapOvr>
     <a:masterClrMapping/>
@@ -6784,7 +6667,7 @@
 </file>
 
 <file path=ppt/slideLayouts/slideLayout3.xml><?xml version="1.0" encoding="utf-8"?>
-<p:sldLayout xmlns:a="http://schemas.openxmlformats.org/drawingml/2006/main" xmlns:r="http://schemas.openxmlformats.org/officeDocument/2006/relationships" xmlns:p="http://schemas.openxmlformats.org/presentationml/2006/main" showMasterSp="0" type="secHead" preserve="1">
+<p:sldLayout xmlns:a="http://schemas.openxmlformats.org/drawingml/2006/main" xmlns:r="http://schemas.openxmlformats.org/officeDocument/2006/relationships" xmlns:p="http://schemas.openxmlformats.org/presentationml/2006/main" type="secHead" preserve="1" showMasterSp="0">
   <p:cSld name="Section Header">
     <p:spTree>
       <p:nvGrpSpPr>
@@ -7018,6 +6901,7 @@
               <a:rPr lang="en-US"/>
               <a:t>Click to edit Master text styles</a:t>
             </a:r>
+            <a:endParaRPr lang="en-US"/>
           </a:p>
         </p:txBody>
       </p:sp>
@@ -7042,10 +6926,9 @@
           <a:lstStyle/>
           <a:p>
             <a:fld id="{64A3198D-5D28-674D-902D-4C00DD5BED88}" type="datetimeFigureOut">
-              <a:rPr lang="en-VN" smtClean="0"/>
-              <a:t>23/06/2024</a:t>
+              <a:rPr lang="en-US" smtClean="0"/>
             </a:fld>
-            <a:endParaRPr lang="en-VN"/>
+            <a:endParaRPr lang="en-US"/>
           </a:p>
         </p:txBody>
       </p:sp>
@@ -7069,7 +6952,7 @@
           <a:bodyPr/>
           <a:lstStyle/>
           <a:p>
-            <a:endParaRPr lang="en-VN"/>
+            <a:endParaRPr lang="en-US"/>
           </a:p>
         </p:txBody>
       </p:sp>
@@ -7149,7 +7032,6 @@
                 <a:buSzTx/>
                 <a:buFontTx/>
                 <a:buNone/>
-                <a:tabLst/>
                 <a:defRPr/>
               </a:pPr>
               <a:endParaRPr kumimoji="0" lang="en-US" sz="2000" b="0" i="0" u="none" strike="noStrike" kern="0" cap="none" spc="0" normalizeH="0" baseline="0" noProof="0" dirty="0">
@@ -7210,7 +7092,6 @@
                 <a:buSzTx/>
                 <a:buFontTx/>
                 <a:buNone/>
-                <a:tabLst/>
                 <a:defRPr/>
               </a:pPr>
               <a:endParaRPr kumimoji="0" lang="en-US" sz="1800" b="0" i="0" u="none" strike="noStrike" kern="0" cap="none" spc="0" normalizeH="0" baseline="0" noProof="0" dirty="0">
@@ -7256,19 +7137,13 @@
           </a:lstStyle>
           <a:p>
             <a:fld id="{B56AB712-021E-E249-B128-9D3AE39D9B92}" type="slidenum">
-              <a:rPr lang="en-VN" smtClean="0"/>
-              <a:t>‹#›</a:t>
+              <a:rPr lang="en-US" smtClean="0"/>
             </a:fld>
-            <a:endParaRPr lang="en-VN"/>
+            <a:endParaRPr lang="en-US"/>
           </a:p>
         </p:txBody>
       </p:sp>
     </p:spTree>
-    <p:extLst>
-      <p:ext uri="{BB962C8B-B14F-4D97-AF65-F5344CB8AC3E}">
-        <p14:creationId xmlns:p14="http://schemas.microsoft.com/office/powerpoint/2010/main" val="3029939493"/>
-      </p:ext>
-    </p:extLst>
   </p:cSld>
   <p:clrMapOvr>
     <a:masterClrMapping/>
@@ -7369,6 +7244,7 @@
               <a:rPr lang="en-US"/>
               <a:t>Click to edit Master text styles</a:t>
             </a:r>
+            <a:endParaRPr lang="en-US"/>
           </a:p>
           <a:p>
             <a:pPr lvl="1"/>
@@ -7376,6 +7252,7 @@
               <a:rPr lang="en-US"/>
               <a:t>Second level</a:t>
             </a:r>
+            <a:endParaRPr lang="en-US"/>
           </a:p>
           <a:p>
             <a:pPr lvl="2"/>
@@ -7383,6 +7260,7 @@
               <a:rPr lang="en-US"/>
               <a:t>Third level</a:t>
             </a:r>
+            <a:endParaRPr lang="en-US"/>
           </a:p>
           <a:p>
             <a:pPr lvl="3"/>
@@ -7390,6 +7268,7 @@
               <a:rPr lang="en-US"/>
               <a:t>Fourth level</a:t>
             </a:r>
+            <a:endParaRPr lang="en-US"/>
           </a:p>
           <a:p>
             <a:pPr lvl="4"/>
@@ -7454,6 +7333,7 @@
               <a:rPr lang="en-US"/>
               <a:t>Click to edit Master text styles</a:t>
             </a:r>
+            <a:endParaRPr lang="en-US"/>
           </a:p>
           <a:p>
             <a:pPr lvl="1"/>
@@ -7461,6 +7341,7 @@
               <a:rPr lang="en-US"/>
               <a:t>Second level</a:t>
             </a:r>
+            <a:endParaRPr lang="en-US"/>
           </a:p>
           <a:p>
             <a:pPr lvl="2"/>
@@ -7468,6 +7349,7 @@
               <a:rPr lang="en-US"/>
               <a:t>Third level</a:t>
             </a:r>
+            <a:endParaRPr lang="en-US"/>
           </a:p>
           <a:p>
             <a:pPr lvl="3"/>
@@ -7475,6 +7357,7 @@
               <a:rPr lang="en-US"/>
               <a:t>Fourth level</a:t>
             </a:r>
+            <a:endParaRPr lang="en-US"/>
           </a:p>
           <a:p>
             <a:pPr lvl="4"/>
@@ -7502,10 +7385,9 @@
           <a:lstStyle/>
           <a:p>
             <a:fld id="{64A3198D-5D28-674D-902D-4C00DD5BED88}" type="datetimeFigureOut">
-              <a:rPr lang="en-VN" smtClean="0"/>
-              <a:t>23/06/2024</a:t>
+              <a:rPr lang="en-US" smtClean="0"/>
             </a:fld>
-            <a:endParaRPr lang="en-VN"/>
+            <a:endParaRPr lang="en-US"/>
           </a:p>
         </p:txBody>
       </p:sp>
@@ -7524,7 +7406,7 @@
           <a:bodyPr/>
           <a:lstStyle/>
           <a:p>
-            <a:endParaRPr lang="en-VN"/>
+            <a:endParaRPr lang="en-US"/>
           </a:p>
         </p:txBody>
       </p:sp>
@@ -7544,19 +7426,13 @@
           <a:lstStyle/>
           <a:p>
             <a:fld id="{B56AB712-021E-E249-B128-9D3AE39D9B92}" type="slidenum">
-              <a:rPr lang="en-VN" smtClean="0"/>
-              <a:t>‹#›</a:t>
+              <a:rPr lang="en-US" smtClean="0"/>
             </a:fld>
-            <a:endParaRPr lang="en-VN"/>
+            <a:endParaRPr lang="en-US"/>
           </a:p>
         </p:txBody>
       </p:sp>
     </p:spTree>
-    <p:extLst>
-      <p:ext uri="{BB962C8B-B14F-4D97-AF65-F5344CB8AC3E}">
-        <p14:creationId xmlns:p14="http://schemas.microsoft.com/office/powerpoint/2010/main" val="3844619340"/>
-      </p:ext>
-    </p:extLst>
   </p:cSld>
   <p:clrMapOvr>
     <a:masterClrMapping/>
@@ -7651,6 +7527,7 @@
               <a:rPr lang="en-US"/>
               <a:t>Click to edit Master text styles</a:t>
             </a:r>
+            <a:endParaRPr lang="en-US"/>
           </a:p>
         </p:txBody>
       </p:sp>
@@ -7707,6 +7584,7 @@
               <a:rPr lang="en-US"/>
               <a:t>Click to edit Master text styles</a:t>
             </a:r>
+            <a:endParaRPr lang="en-US"/>
           </a:p>
           <a:p>
             <a:pPr lvl="1"/>
@@ -7714,6 +7592,7 @@
               <a:rPr lang="en-US"/>
               <a:t>Second level</a:t>
             </a:r>
+            <a:endParaRPr lang="en-US"/>
           </a:p>
           <a:p>
             <a:pPr lvl="2"/>
@@ -7721,6 +7600,7 @@
               <a:rPr lang="en-US"/>
               <a:t>Third level</a:t>
             </a:r>
+            <a:endParaRPr lang="en-US"/>
           </a:p>
           <a:p>
             <a:pPr lvl="3"/>
@@ -7728,6 +7608,7 @@
               <a:rPr lang="en-US"/>
               <a:t>Fourth level</a:t>
             </a:r>
+            <a:endParaRPr lang="en-US"/>
           </a:p>
           <a:p>
             <a:pPr lvl="4"/>
@@ -7809,6 +7690,7 @@
               <a:rPr lang="en-US"/>
               <a:t>Click to edit Master text styles</a:t>
             </a:r>
+            <a:endParaRPr lang="en-US"/>
           </a:p>
         </p:txBody>
       </p:sp>
@@ -7865,6 +7747,7 @@
               <a:rPr lang="en-US"/>
               <a:t>Click to edit Master text styles</a:t>
             </a:r>
+            <a:endParaRPr lang="en-US"/>
           </a:p>
           <a:p>
             <a:pPr lvl="1"/>
@@ -7872,6 +7755,7 @@
               <a:rPr lang="en-US"/>
               <a:t>Second level</a:t>
             </a:r>
+            <a:endParaRPr lang="en-US"/>
           </a:p>
           <a:p>
             <a:pPr lvl="2"/>
@@ -7879,6 +7763,7 @@
               <a:rPr lang="en-US"/>
               <a:t>Third level</a:t>
             </a:r>
+            <a:endParaRPr lang="en-US"/>
           </a:p>
           <a:p>
             <a:pPr lvl="3"/>
@@ -7886,6 +7771,7 @@
               <a:rPr lang="en-US"/>
               <a:t>Fourth level</a:t>
             </a:r>
+            <a:endParaRPr lang="en-US"/>
           </a:p>
           <a:p>
             <a:pPr lvl="4"/>
@@ -7913,10 +7799,9 @@
           <a:lstStyle/>
           <a:p>
             <a:fld id="{64A3198D-5D28-674D-902D-4C00DD5BED88}" type="datetimeFigureOut">
-              <a:rPr lang="en-VN" smtClean="0"/>
-              <a:t>23/06/2024</a:t>
+              <a:rPr lang="en-US" smtClean="0"/>
             </a:fld>
-            <a:endParaRPr lang="en-VN"/>
+            <a:endParaRPr lang="en-US"/>
           </a:p>
         </p:txBody>
       </p:sp>
@@ -7935,7 +7820,7 @@
           <a:bodyPr/>
           <a:lstStyle/>
           <a:p>
-            <a:endParaRPr lang="en-VN"/>
+            <a:endParaRPr lang="en-US"/>
           </a:p>
         </p:txBody>
       </p:sp>
@@ -7955,10 +7840,9 @@
           <a:lstStyle/>
           <a:p>
             <a:fld id="{B56AB712-021E-E249-B128-9D3AE39D9B92}" type="slidenum">
-              <a:rPr lang="en-VN" smtClean="0"/>
-              <a:t>‹#›</a:t>
+              <a:rPr lang="en-US" smtClean="0"/>
             </a:fld>
-            <a:endParaRPr lang="en-VN"/>
+            <a:endParaRPr lang="en-US"/>
           </a:p>
         </p:txBody>
       </p:sp>
@@ -7986,11 +7870,6 @@
         </p:txBody>
       </p:sp>
     </p:spTree>
-    <p:extLst>
-      <p:ext uri="{BB962C8B-B14F-4D97-AF65-F5344CB8AC3E}">
-        <p14:creationId xmlns:p14="http://schemas.microsoft.com/office/powerpoint/2010/main" val="867637258"/>
-      </p:ext>
-    </p:extLst>
   </p:cSld>
   <p:clrMapOvr>
     <a:masterClrMapping/>
@@ -8031,10 +7910,9 @@
           <a:lstStyle/>
           <a:p>
             <a:fld id="{64A3198D-5D28-674D-902D-4C00DD5BED88}" type="datetimeFigureOut">
-              <a:rPr lang="en-VN" smtClean="0"/>
-              <a:t>23/06/2024</a:t>
+              <a:rPr lang="en-US" smtClean="0"/>
             </a:fld>
-            <a:endParaRPr lang="en-VN"/>
+            <a:endParaRPr lang="en-US"/>
           </a:p>
         </p:txBody>
       </p:sp>
@@ -8053,7 +7931,7 @@
           <a:bodyPr/>
           <a:lstStyle/>
           <a:p>
-            <a:endParaRPr lang="en-VN"/>
+            <a:endParaRPr lang="en-US"/>
           </a:p>
         </p:txBody>
       </p:sp>
@@ -8073,10 +7951,9 @@
           <a:lstStyle/>
           <a:p>
             <a:fld id="{B56AB712-021E-E249-B128-9D3AE39D9B92}" type="slidenum">
-              <a:rPr lang="en-VN" smtClean="0"/>
-              <a:t>‹#›</a:t>
+              <a:rPr lang="en-US" smtClean="0"/>
             </a:fld>
-            <a:endParaRPr lang="en-VN"/>
+            <a:endParaRPr lang="en-US"/>
           </a:p>
         </p:txBody>
       </p:sp>
@@ -8099,15 +7976,11 @@
               <a:rPr lang="en-US"/>
               <a:t>Click to edit Master title style</a:t>
             </a:r>
+            <a:endParaRPr lang="en-US"/>
           </a:p>
         </p:txBody>
       </p:sp>
     </p:spTree>
-    <p:extLst>
-      <p:ext uri="{BB962C8B-B14F-4D97-AF65-F5344CB8AC3E}">
-        <p14:creationId xmlns:p14="http://schemas.microsoft.com/office/powerpoint/2010/main" val="3753424896"/>
-      </p:ext>
-    </p:extLst>
   </p:cSld>
   <p:clrMapOvr>
     <a:masterClrMapping/>
@@ -8148,10 +8021,9 @@
           <a:lstStyle/>
           <a:p>
             <a:fld id="{64A3198D-5D28-674D-902D-4C00DD5BED88}" type="datetimeFigureOut">
-              <a:rPr lang="en-VN" smtClean="0"/>
-              <a:t>23/06/2024</a:t>
+              <a:rPr lang="en-US" smtClean="0"/>
             </a:fld>
-            <a:endParaRPr lang="en-VN"/>
+            <a:endParaRPr lang="en-US"/>
           </a:p>
         </p:txBody>
       </p:sp>
@@ -8170,7 +8042,7 @@
           <a:bodyPr/>
           <a:lstStyle/>
           <a:p>
-            <a:endParaRPr lang="en-VN"/>
+            <a:endParaRPr lang="en-US"/>
           </a:p>
         </p:txBody>
       </p:sp>
@@ -8190,19 +8062,13 @@
           <a:lstStyle/>
           <a:p>
             <a:fld id="{B56AB712-021E-E249-B128-9D3AE39D9B92}" type="slidenum">
-              <a:rPr lang="en-VN" smtClean="0"/>
-              <a:t>‹#›</a:t>
+              <a:rPr lang="en-US" smtClean="0"/>
             </a:fld>
-            <a:endParaRPr lang="en-VN"/>
+            <a:endParaRPr lang="en-US"/>
           </a:p>
         </p:txBody>
       </p:sp>
     </p:spTree>
-    <p:extLst>
-      <p:ext uri="{BB962C8B-B14F-4D97-AF65-F5344CB8AC3E}">
-        <p14:creationId xmlns:p14="http://schemas.microsoft.com/office/powerpoint/2010/main" val="3034762066"/>
-      </p:ext>
-    </p:extLst>
   </p:cSld>
   <p:clrMapOvr>
     <a:masterClrMapping/>
@@ -8211,7 +8077,7 @@
 </file>
 
 <file path=ppt/slideLayouts/slideLayout8.xml><?xml version="1.0" encoding="utf-8"?>
-<p:sldLayout xmlns:a="http://schemas.openxmlformats.org/drawingml/2006/main" xmlns:r="http://schemas.openxmlformats.org/officeDocument/2006/relationships" xmlns:p="http://schemas.openxmlformats.org/presentationml/2006/main" showMasterSp="0" type="objTx" preserve="1">
+<p:sldLayout xmlns:a="http://schemas.openxmlformats.org/drawingml/2006/main" xmlns:r="http://schemas.openxmlformats.org/officeDocument/2006/relationships" xmlns:p="http://schemas.openxmlformats.org/presentationml/2006/main" type="objTx" preserve="1" showMasterSp="0">
   <p:cSld name="Content with Caption">
     <p:spTree>
       <p:nvGrpSpPr>
@@ -8379,6 +8245,7 @@
               <a:rPr lang="en-US"/>
               <a:t>Click to edit Master text styles</a:t>
             </a:r>
+            <a:endParaRPr lang="en-US"/>
           </a:p>
           <a:p>
             <a:pPr lvl="1"/>
@@ -8386,6 +8253,7 @@
               <a:rPr lang="en-US"/>
               <a:t>Second level</a:t>
             </a:r>
+            <a:endParaRPr lang="en-US"/>
           </a:p>
           <a:p>
             <a:pPr lvl="2"/>
@@ -8393,6 +8261,7 @@
               <a:rPr lang="en-US"/>
               <a:t>Third level</a:t>
             </a:r>
+            <a:endParaRPr lang="en-US"/>
           </a:p>
           <a:p>
             <a:pPr lvl="3"/>
@@ -8400,6 +8269,7 @@
               <a:rPr lang="en-US"/>
               <a:t>Fourth level</a:t>
             </a:r>
+            <a:endParaRPr lang="en-US"/>
           </a:p>
           <a:p>
             <a:pPr lvl="4"/>
@@ -8487,6 +8357,7 @@
               <a:rPr lang="en-US"/>
               <a:t>Click to edit Master text styles</a:t>
             </a:r>
+            <a:endParaRPr lang="en-US"/>
           </a:p>
         </p:txBody>
       </p:sp>
@@ -8506,10 +8377,9 @@
           <a:lstStyle/>
           <a:p>
             <a:fld id="{64A3198D-5D28-674D-902D-4C00DD5BED88}" type="datetimeFigureOut">
-              <a:rPr lang="en-VN" smtClean="0"/>
-              <a:t>23/06/2024</a:t>
+              <a:rPr lang="en-US" smtClean="0"/>
             </a:fld>
-            <a:endParaRPr lang="en-VN"/>
+            <a:endParaRPr lang="en-US"/>
           </a:p>
         </p:txBody>
       </p:sp>
@@ -8528,7 +8398,7 @@
           <a:bodyPr/>
           <a:lstStyle/>
           <a:p>
-            <a:endParaRPr lang="en-VN"/>
+            <a:endParaRPr lang="en-US"/>
           </a:p>
         </p:txBody>
       </p:sp>
@@ -8576,10 +8446,10 @@
                     <a14:imgProps xmlns:a14="http://schemas.microsoft.com/office/drawing/2010/main">
                       <a14:imgLayer r:embed="rId5">
                         <a14:imgEffect>
-                          <a14:saturation sat="95000"/>
+                          <a14:brightnessContrast bright="-40000" contrast="20000"/>
                         </a14:imgEffect>
                         <a14:imgEffect>
-                          <a14:brightnessContrast bright="-40000" contrast="20000"/>
+                          <a14:saturation sat="95000"/>
                         </a14:imgEffect>
                       </a14:imgLayer>
                     </a14:imgProps>
@@ -8613,7 +8483,6 @@
                 <a:buSzTx/>
                 <a:buFontTx/>
                 <a:buNone/>
-                <a:tabLst/>
                 <a:defRPr/>
               </a:pPr>
               <a:endParaRPr kumimoji="0" lang="en-US" sz="2000" b="0" i="0" u="none" strike="noStrike" kern="0" cap="none" spc="0" normalizeH="0" baseline="0" noProof="0" dirty="0">
@@ -8674,7 +8543,6 @@
                 <a:buSzTx/>
                 <a:buFontTx/>
                 <a:buNone/>
-                <a:tabLst/>
                 <a:defRPr/>
               </a:pPr>
               <a:endParaRPr kumimoji="0" lang="en-US" sz="1800" b="0" i="0" u="none" strike="noStrike" kern="0" cap="none" spc="0" normalizeH="0" baseline="0" noProof="0" dirty="0">
@@ -8711,19 +8579,13 @@
           <a:lstStyle/>
           <a:p>
             <a:fld id="{B56AB712-021E-E249-B128-9D3AE39D9B92}" type="slidenum">
-              <a:rPr lang="en-VN" smtClean="0"/>
-              <a:t>‹#›</a:t>
+              <a:rPr lang="en-US" smtClean="0"/>
             </a:fld>
-            <a:endParaRPr lang="en-VN"/>
+            <a:endParaRPr lang="en-US"/>
           </a:p>
         </p:txBody>
       </p:sp>
     </p:spTree>
-    <p:extLst>
-      <p:ext uri="{BB962C8B-B14F-4D97-AF65-F5344CB8AC3E}">
-        <p14:creationId xmlns:p14="http://schemas.microsoft.com/office/powerpoint/2010/main" val="2196138756"/>
-      </p:ext>
-    </p:extLst>
   </p:cSld>
   <p:clrMapOvr>
     <a:masterClrMapping/>
@@ -8732,7 +8594,7 @@
 </file>
 
 <file path=ppt/slideLayouts/slideLayout9.xml><?xml version="1.0" encoding="utf-8"?>
-<p:sldLayout xmlns:a="http://schemas.openxmlformats.org/drawingml/2006/main" xmlns:r="http://schemas.openxmlformats.org/officeDocument/2006/relationships" xmlns:p="http://schemas.openxmlformats.org/presentationml/2006/main" showMasterSp="0" type="picTx" preserve="1">
+<p:sldLayout xmlns:a="http://schemas.openxmlformats.org/drawingml/2006/main" xmlns:r="http://schemas.openxmlformats.org/officeDocument/2006/relationships" xmlns:p="http://schemas.openxmlformats.org/presentationml/2006/main" type="picTx" preserve="1" showMasterSp="0">
   <p:cSld name="Picture with Caption">
     <p:spTree>
       <p:nvGrpSpPr>
@@ -8994,6 +8856,7 @@
               <a:rPr lang="en-US"/>
               <a:t>Click to edit Master text styles</a:t>
             </a:r>
+            <a:endParaRPr lang="en-US"/>
           </a:p>
         </p:txBody>
       </p:sp>
@@ -9013,10 +8876,9 @@
           <a:lstStyle/>
           <a:p>
             <a:fld id="{64A3198D-5D28-674D-902D-4C00DD5BED88}" type="datetimeFigureOut">
-              <a:rPr lang="en-VN" smtClean="0"/>
-              <a:t>23/06/2024</a:t>
+              <a:rPr lang="en-US" smtClean="0"/>
             </a:fld>
-            <a:endParaRPr lang="en-VN"/>
+            <a:endParaRPr lang="en-US"/>
           </a:p>
         </p:txBody>
       </p:sp>
@@ -9064,10 +8926,10 @@
                     <a14:imgProps xmlns:a14="http://schemas.microsoft.com/office/drawing/2010/main">
                       <a14:imgLayer r:embed="rId5">
                         <a14:imgEffect>
-                          <a14:saturation sat="95000"/>
+                          <a14:brightnessContrast bright="-40000" contrast="20000"/>
                         </a14:imgEffect>
                         <a14:imgEffect>
-                          <a14:brightnessContrast bright="-40000" contrast="20000"/>
+                          <a14:saturation sat="95000"/>
                         </a14:imgEffect>
                       </a14:imgLayer>
                     </a14:imgProps>
@@ -9101,7 +8963,6 @@
                 <a:buSzTx/>
                 <a:buFontTx/>
                 <a:buNone/>
-                <a:tabLst/>
                 <a:defRPr/>
               </a:pPr>
               <a:endParaRPr kumimoji="0" lang="en-US" sz="2000" b="0" i="0" u="none" strike="noStrike" kern="0" cap="none" spc="0" normalizeH="0" baseline="0" noProof="0" dirty="0">
@@ -9162,7 +9023,6 @@
                 <a:buSzTx/>
                 <a:buFontTx/>
                 <a:buNone/>
-                <a:tabLst/>
                 <a:defRPr/>
               </a:pPr>
               <a:endParaRPr kumimoji="0" lang="en-US" sz="1800" b="0" i="0" u="none" strike="noStrike" kern="0" cap="none" spc="0" normalizeH="0" baseline="0" noProof="0" dirty="0">
@@ -9199,19 +9059,13 @@
           <a:lstStyle/>
           <a:p>
             <a:fld id="{B56AB712-021E-E249-B128-9D3AE39D9B92}" type="slidenum">
-              <a:rPr lang="en-VN" smtClean="0"/>
-              <a:t>‹#›</a:t>
+              <a:rPr lang="en-US" smtClean="0"/>
             </a:fld>
-            <a:endParaRPr lang="en-VN"/>
+            <a:endParaRPr lang="en-US"/>
           </a:p>
         </p:txBody>
       </p:sp>
     </p:spTree>
-    <p:extLst>
-      <p:ext uri="{BB962C8B-B14F-4D97-AF65-F5344CB8AC3E}">
-        <p14:creationId xmlns:p14="http://schemas.microsoft.com/office/powerpoint/2010/main" val="849482853"/>
-      </p:ext>
-    </p:extLst>
   </p:cSld>
   <p:clrMapOvr>
     <a:masterClrMapping/>
@@ -9304,6 +9158,7 @@
               <a:rPr lang="en-US"/>
               <a:t>Click to edit Master text styles</a:t>
             </a:r>
+            <a:endParaRPr lang="en-US"/>
           </a:p>
           <a:p>
             <a:pPr lvl="1"/>
@@ -9311,6 +9166,7 @@
               <a:rPr lang="en-US"/>
               <a:t>Second level</a:t>
             </a:r>
+            <a:endParaRPr lang="en-US"/>
           </a:p>
           <a:p>
             <a:pPr lvl="2"/>
@@ -9318,6 +9174,7 @@
               <a:rPr lang="en-US"/>
               <a:t>Third level</a:t>
             </a:r>
+            <a:endParaRPr lang="en-US"/>
           </a:p>
           <a:p>
             <a:pPr lvl="3"/>
@@ -9325,6 +9182,7 @@
               <a:rPr lang="en-US"/>
               <a:t>Fourth level</a:t>
             </a:r>
+            <a:endParaRPr lang="en-US"/>
           </a:p>
           <a:p>
             <a:pPr lvl="4"/>
@@ -9368,10 +9226,9 @@
           </a:lstStyle>
           <a:p>
             <a:fld id="{64A3198D-5D28-674D-902D-4C00DD5BED88}" type="datetimeFigureOut">
-              <a:rPr lang="en-VN" smtClean="0"/>
-              <a:t>23/06/2024</a:t>
+              <a:rPr lang="en-US" smtClean="0"/>
             </a:fld>
-            <a:endParaRPr lang="en-VN"/>
+            <a:endParaRPr lang="en-US"/>
           </a:p>
         </p:txBody>
       </p:sp>
@@ -9406,7 +9263,7 @@
             </a:lvl1pPr>
           </a:lstStyle>
           <a:p>
-            <a:endParaRPr lang="en-VN"/>
+            <a:endParaRPr lang="en-US"/>
           </a:p>
         </p:txBody>
       </p:sp>
@@ -9441,7 +9298,7 @@
               <a:avLst/>
             </a:prstGeom>
             <a:blipFill dpi="0" rotWithShape="1">
-              <a:blip r:embed="rId13">
+              <a:blip r:embed="rId12">
                 <a:duotone>
                   <a:schemeClr val="accent1">
                     <a:shade val="45000"/>
@@ -9452,12 +9309,12 @@
                 <a:extLst>
                   <a:ext uri="{BEBA8EAE-BF5A-486C-A8C5-ECC9F3942E4B}">
                     <a14:imgProps xmlns:a14="http://schemas.microsoft.com/office/drawing/2010/main">
-                      <a14:imgLayer r:embed="rId14">
+                      <a14:imgLayer r:embed="rId13">
+                        <a14:imgEffect>
+                          <a14:brightnessContrast bright="-40000" contrast="20000"/>
+                        </a14:imgEffect>
                         <a14:imgEffect>
                           <a14:saturation sat="95000"/>
-                        </a14:imgEffect>
-                        <a14:imgEffect>
-                          <a14:brightnessContrast bright="-40000" contrast="20000"/>
                         </a14:imgEffect>
                       </a14:imgLayer>
                     </a14:imgProps>
@@ -9491,7 +9348,6 @@
                 <a:buSzTx/>
                 <a:buFontTx/>
                 <a:buNone/>
-                <a:tabLst/>
                 <a:defRPr/>
               </a:pPr>
               <a:endParaRPr kumimoji="0" lang="en-US" sz="2000" b="0" i="0" u="none" strike="noStrike" kern="0" cap="none" spc="0" normalizeH="0" baseline="0" noProof="0" dirty="0">
@@ -9552,7 +9408,6 @@
                 <a:buSzTx/>
                 <a:buFontTx/>
                 <a:buNone/>
-                <a:tabLst/>
                 <a:defRPr/>
               </a:pPr>
               <a:endParaRPr kumimoji="0" lang="en-US" sz="1800" b="0" i="0" u="none" strike="noStrike" kern="0" cap="none" spc="0" normalizeH="0" baseline="0" noProof="0" dirty="0">
@@ -9606,33 +9461,27 @@
           </a:lstStyle>
           <a:p>
             <a:fld id="{B56AB712-021E-E249-B128-9D3AE39D9B92}" type="slidenum">
-              <a:rPr lang="en-VN" smtClean="0"/>
-              <a:t>‹#›</a:t>
+              <a:rPr lang="en-US" smtClean="0"/>
             </a:fld>
-            <a:endParaRPr lang="en-VN"/>
+            <a:endParaRPr lang="en-US"/>
           </a:p>
         </p:txBody>
       </p:sp>
     </p:spTree>
-    <p:extLst>
-      <p:ext uri="{BB962C8B-B14F-4D97-AF65-F5344CB8AC3E}">
-        <p14:creationId xmlns:p14="http://schemas.microsoft.com/office/powerpoint/2010/main" val="2137900339"/>
-      </p:ext>
-    </p:extLst>
   </p:cSld>
   <p:clrMap bg1="lt1" tx1="dk1" bg2="lt2" tx2="dk2" accent1="accent1" accent2="accent2" accent3="accent3" accent4="accent4" accent5="accent5" accent6="accent6" hlink="hlink" folHlink="folHlink"/>
   <p:sldLayoutIdLst>
-    <p:sldLayoutId id="2147483817" r:id="rId1"/>
-    <p:sldLayoutId id="2147483818" r:id="rId2"/>
-    <p:sldLayoutId id="2147483819" r:id="rId3"/>
-    <p:sldLayoutId id="2147483820" r:id="rId4"/>
-    <p:sldLayoutId id="2147483821" r:id="rId5"/>
-    <p:sldLayoutId id="2147483822" r:id="rId6"/>
-    <p:sldLayoutId id="2147483823" r:id="rId7"/>
-    <p:sldLayoutId id="2147483824" r:id="rId8"/>
-    <p:sldLayoutId id="2147483825" r:id="rId9"/>
-    <p:sldLayoutId id="2147483826" r:id="rId10"/>
-    <p:sldLayoutId id="2147483827" r:id="rId11"/>
+    <p:sldLayoutId id="2147483649" r:id="rId1"/>
+    <p:sldLayoutId id="2147483650" r:id="rId2"/>
+    <p:sldLayoutId id="2147483651" r:id="rId3"/>
+    <p:sldLayoutId id="2147483652" r:id="rId4"/>
+    <p:sldLayoutId id="2147483653" r:id="rId5"/>
+    <p:sldLayoutId id="2147483654" r:id="rId6"/>
+    <p:sldLayoutId id="2147483655" r:id="rId7"/>
+    <p:sldLayoutId id="2147483656" r:id="rId8"/>
+    <p:sldLayoutId id="2147483657" r:id="rId9"/>
+    <p:sldLayoutId id="2147483658" r:id="rId10"/>
+    <p:sldLayoutId id="2147483659" r:id="rId11"/>
   </p:sldLayoutIdLst>
   <p:txStyles>
     <p:titleStyle>
@@ -9646,7 +9495,7 @@
         <a:buNone/>
         <a:defRPr sz="5400" kern="1200" cap="all" baseline="0">
           <a:blipFill>
-            <a:blip r:embed="rId15">
+            <a:blip r:embed="rId14">
               <a:extLst>
                 <a:ext uri="{28A0092B-C50C-407E-A947-70E740481C1C}">
                   <a14:useLocalDpi xmlns:a14="http://schemas.microsoft.com/office/drawing/2010/main" val="0"/>
@@ -9675,7 +9524,7 @@
           </a:schemeClr>
         </a:buClr>
         <a:buSzPct val="85000"/>
-        <a:buFont typeface="Wingdings" pitchFamily="2" charset="2"/>
+        <a:buFont typeface="Wingdings" panose="05000000000000000000" pitchFamily="2" charset="2"/>
         <a:buChar char="§"/>
         <a:defRPr sz="2000" kern="1200">
           <a:solidFill>
@@ -9702,7 +9551,7 @@
           </a:schemeClr>
         </a:buClr>
         <a:buSzPct val="85000"/>
-        <a:buFont typeface="Wingdings" pitchFamily="2" charset="2"/>
+        <a:buFont typeface="Wingdings" panose="05000000000000000000" pitchFamily="2" charset="2"/>
         <a:buChar char="§"/>
         <a:defRPr sz="1800" kern="1200">
           <a:solidFill>
@@ -9729,7 +9578,7 @@
           </a:schemeClr>
         </a:buClr>
         <a:buSzPct val="85000"/>
-        <a:buFont typeface="Wingdings" pitchFamily="2" charset="2"/>
+        <a:buFont typeface="Wingdings" panose="05000000000000000000" pitchFamily="2" charset="2"/>
         <a:buChar char="§"/>
         <a:defRPr sz="1600" kern="1200">
           <a:solidFill>
@@ -9756,7 +9605,7 @@
           </a:schemeClr>
         </a:buClr>
         <a:buSzPct val="85000"/>
-        <a:buFont typeface="Wingdings" pitchFamily="2" charset="2"/>
+        <a:buFont typeface="Wingdings" panose="05000000000000000000" pitchFamily="2" charset="2"/>
         <a:buChar char="§"/>
         <a:defRPr sz="1600" kern="1200">
           <a:solidFill>
@@ -9783,7 +9632,7 @@
           </a:schemeClr>
         </a:buClr>
         <a:buSzPct val="85000"/>
-        <a:buFont typeface="Wingdings" pitchFamily="2" charset="2"/>
+        <a:buFont typeface="Wingdings" panose="05000000000000000000" pitchFamily="2" charset="2"/>
         <a:buChar char="§"/>
         <a:defRPr sz="1600" kern="1200">
           <a:solidFill>
@@ -9794,7 +9643,7 @@
           <a:cs typeface="+mn-cs"/>
         </a:defRPr>
       </a:lvl5pPr>
-      <a:lvl6pPr marL="1600000" indent="-228600" algn="l" defTabSz="914400" rtl="0" eaLnBrk="1" latinLnBrk="0" hangingPunct="1">
+      <a:lvl6pPr marL="1600200" indent="-228600" algn="l" defTabSz="914400" rtl="0" eaLnBrk="1" latinLnBrk="0" hangingPunct="1">
         <a:lnSpc>
           <a:spcPct val="90000"/>
         </a:lnSpc>
@@ -9810,7 +9659,7 @@
           </a:schemeClr>
         </a:buClr>
         <a:buSzPct val="85000"/>
-        <a:buFont typeface="Wingdings" pitchFamily="2" charset="2"/>
+        <a:buFont typeface="Wingdings" panose="05000000000000000000" pitchFamily="2" charset="2"/>
         <a:buChar char="§"/>
         <a:defRPr sz="1600" kern="1200">
           <a:solidFill>
@@ -9821,7 +9670,7 @@
           <a:cs typeface="+mn-cs"/>
         </a:defRPr>
       </a:lvl6pPr>
-      <a:lvl7pPr marL="1900000" indent="-228600" algn="l" defTabSz="914400" rtl="0" eaLnBrk="1" latinLnBrk="0" hangingPunct="1">
+      <a:lvl7pPr marL="1899920" indent="-228600" algn="l" defTabSz="914400" rtl="0" eaLnBrk="1" latinLnBrk="0" hangingPunct="1">
         <a:lnSpc>
           <a:spcPct val="90000"/>
         </a:lnSpc>
@@ -9837,7 +9686,7 @@
           </a:schemeClr>
         </a:buClr>
         <a:buSzPct val="85000"/>
-        <a:buFont typeface="Wingdings" pitchFamily="2" charset="2"/>
+        <a:buFont typeface="Wingdings" panose="05000000000000000000" pitchFamily="2" charset="2"/>
         <a:buChar char="§"/>
         <a:defRPr sz="1600" kern="1200">
           <a:solidFill>
@@ -9848,7 +9697,7 @@
           <a:cs typeface="+mn-cs"/>
         </a:defRPr>
       </a:lvl7pPr>
-      <a:lvl8pPr marL="2200000" indent="-228600" algn="l" defTabSz="914400" rtl="0" eaLnBrk="1" latinLnBrk="0" hangingPunct="1">
+      <a:lvl8pPr marL="2200275" indent="-228600" algn="l" defTabSz="914400" rtl="0" eaLnBrk="1" latinLnBrk="0" hangingPunct="1">
         <a:lnSpc>
           <a:spcPct val="90000"/>
         </a:lnSpc>
@@ -9864,7 +9713,7 @@
           </a:schemeClr>
         </a:buClr>
         <a:buSzPct val="85000"/>
-        <a:buFont typeface="Wingdings" pitchFamily="2" charset="2"/>
+        <a:buFont typeface="Wingdings" panose="05000000000000000000" pitchFamily="2" charset="2"/>
         <a:buChar char="§"/>
         <a:defRPr sz="1600" kern="1200">
           <a:solidFill>
@@ -9875,7 +9724,7 @@
           <a:cs typeface="+mn-cs"/>
         </a:defRPr>
       </a:lvl8pPr>
-      <a:lvl9pPr marL="2500000" indent="-228600" algn="l" defTabSz="914400" rtl="0" eaLnBrk="1" latinLnBrk="0" hangingPunct="1">
+      <a:lvl9pPr marL="2499995" indent="-228600" algn="l" defTabSz="914400" rtl="0" eaLnBrk="1" latinLnBrk="0" hangingPunct="1">
         <a:lnSpc>
           <a:spcPct val="90000"/>
         </a:lnSpc>
@@ -9891,7 +9740,7 @@
           </a:schemeClr>
         </a:buClr>
         <a:buSzPct val="85000"/>
-        <a:buFont typeface="Wingdings" pitchFamily="2" charset="2"/>
+        <a:buFont typeface="Wingdings" panose="05000000000000000000" pitchFamily="2" charset="2"/>
         <a:buChar char="§"/>
         <a:defRPr sz="1600" kern="1200">
           <a:solidFill>
@@ -9999,11 +9848,6 @@
       </a:lvl9pPr>
     </p:otherStyle>
   </p:txStyles>
-  <p:extLst>
-    <p:ext uri="{27BBF7A9-308A-43DC-89C8-2F10F3537804}">
-      <p15:sldGuideLst xmlns:p15="http://schemas.microsoft.com/office/powerpoint/2012/main"/>
-    </p:ext>
-  </p:extLst>
 </p:sldMaster>
 </file>
 
@@ -10034,22 +9878,18 @@
       </p:grpSpPr>
       <p:pic>
         <p:nvPicPr>
-          <p:cNvPr id="5" name="Picture 4" descr="A robot using a laptop sitting on a blue chair">
-            <a:extLst>
-              <a:ext uri="{FF2B5EF4-FFF2-40B4-BE49-F238E27FC236}">
-                <a16:creationId xmlns:a16="http://schemas.microsoft.com/office/drawing/2014/main" id="{73510CDC-EF54-3B0E-AD50-318339A89ADC}"/>
-              </a:ext>
-            </a:extLst>
-          </p:cNvPr>
+          <p:cNvPr id="5" name="Picture 4" descr="A robot using a laptop sitting on a blue chair"/>
           <p:cNvPicPr>
             <a:picLocks noChangeAspect="1"/>
           </p:cNvPicPr>
           <p:nvPr/>
         </p:nvPicPr>
         <p:blipFill rotWithShape="1">
-          <a:blip r:embed="rId2"/>
+          <a:blip r:embed="rId1"/>
           <a:srcRect l="427" r="2" b="2"/>
-          <a:stretch/>
+          <a:stretch>
+            <a:fillRect/>
+          </a:stretch>
         </p:blipFill>
         <p:spPr>
           <a:xfrm>
@@ -10063,13 +9903,7 @@
       </p:pic>
       <p:sp>
         <p:nvSpPr>
-          <p:cNvPr id="2" name="Title 1">
-            <a:extLst>
-              <a:ext uri="{FF2B5EF4-FFF2-40B4-BE49-F238E27FC236}">
-                <a16:creationId xmlns:a16="http://schemas.microsoft.com/office/drawing/2014/main" id="{BE668F8F-DE32-49DC-143B-6E954711FF36}"/>
-              </a:ext>
-            </a:extLst>
-          </p:cNvPr>
+          <p:cNvPr id="2" name="Title 1"/>
           <p:cNvSpPr>
             <a:spLocks noGrp="1"/>
           </p:cNvSpPr>
@@ -10098,7 +9932,7 @@
               </a:rPr>
               <a:t>DiffPose: Toward More Reliable 3D Pose Estimation</a:t>
             </a:r>
-            <a:endParaRPr lang="en-VN" sz="3600">
+            <a:endParaRPr lang="en-US" sz="3600">
               <a:solidFill>
                 <a:srgbClr val="FFFFFF"/>
               </a:solidFill>
@@ -10108,13 +9942,7 @@
       </p:sp>
       <p:sp>
         <p:nvSpPr>
-          <p:cNvPr id="3" name="Subtitle 2">
-            <a:extLst>
-              <a:ext uri="{FF2B5EF4-FFF2-40B4-BE49-F238E27FC236}">
-                <a16:creationId xmlns:a16="http://schemas.microsoft.com/office/drawing/2014/main" id="{E4E18981-03B8-B7B2-5B23-5AFBC568FB8E}"/>
-              </a:ext>
-            </a:extLst>
-          </p:cNvPr>
+          <p:cNvPr id="3" name="Subtitle 2"/>
           <p:cNvSpPr>
             <a:spLocks noGrp="1"/>
           </p:cNvSpPr>
@@ -10135,7 +9963,7 @@
           <a:lstStyle/>
           <a:p>
             <a:pPr algn="l"/>
-            <a:endParaRPr lang="en-VN" sz="2000">
+            <a:endParaRPr lang="en-US" sz="2000">
               <a:solidFill>
                 <a:srgbClr val="FFFFFF"/>
               </a:solidFill>
@@ -10144,11 +9972,6 @@
         </p:txBody>
       </p:sp>
     </p:spTree>
-    <p:extLst>
-      <p:ext uri="{BB962C8B-B14F-4D97-AF65-F5344CB8AC3E}">
-        <p14:creationId xmlns:p14="http://schemas.microsoft.com/office/powerpoint/2010/main" val="3185274693"/>
-      </p:ext>
-    </p:extLst>
   </p:cSld>
   <p:clrMapOvr>
     <a:masterClrMapping/>
@@ -10267,13 +10090,7 @@
       </p:grpSpPr>
       <p:sp>
         <p:nvSpPr>
-          <p:cNvPr id="2" name="Title 1">
-            <a:extLst>
-              <a:ext uri="{FF2B5EF4-FFF2-40B4-BE49-F238E27FC236}">
-                <a16:creationId xmlns:a16="http://schemas.microsoft.com/office/drawing/2014/main" id="{BB1307AF-AE2C-3DC6-63C4-7AA130BA334D}"/>
-              </a:ext>
-            </a:extLst>
-          </p:cNvPr>
+          <p:cNvPr id="2" name="Title 1"/>
           <p:cNvSpPr>
             <a:spLocks noGrp="1"/>
           </p:cNvSpPr>
@@ -10298,19 +10115,13 @@
               <a:rPr lang="en-US" dirty="0" err="1"/>
               <a:t>luận</a:t>
             </a:r>
-            <a:endParaRPr lang="en-VN" dirty="0"/>
+            <a:endParaRPr lang="en-US" dirty="0"/>
           </a:p>
         </p:txBody>
       </p:sp>
       <p:sp>
         <p:nvSpPr>
-          <p:cNvPr id="3" name="Content Placeholder 2">
-            <a:extLst>
-              <a:ext uri="{FF2B5EF4-FFF2-40B4-BE49-F238E27FC236}">
-                <a16:creationId xmlns:a16="http://schemas.microsoft.com/office/drawing/2014/main" id="{CBC4D978-2F17-F9A6-97E7-8853DA40FB1C}"/>
-              </a:ext>
-            </a:extLst>
-          </p:cNvPr>
+          <p:cNvPr id="3" name="Content Placeholder 2"/>
           <p:cNvSpPr>
             <a:spLocks noGrp="1"/>
           </p:cNvSpPr>
@@ -10330,18 +10141,14 @@
               <a:rPr lang="vi-VN" dirty="0"/>
               <a:t>DiffPose là một phương pháp mới đầy hứa hẹn cho việc ước tính tư thế 3D từ một hình ảnh duy nhất. Nó sử dụng mô hình khuếch tán để đạt được độ chính xác và độ tin cậy cao hơn so với các phương pháp truyền thống, đồng thời có khả năng thích ứng cao và tiềm năng ứng dụng rộng rãi trong nhiều lĩnh vực. DiffPose hứa hẹn sẽ mang lại những tiến bộ đáng kể trong các ứng dụng liên quan đến tư thế 3D và mở ra những khả năng mới cho tương tác giữa con người và máy móc.</a:t>
             </a:r>
-          </a:p>
-          <a:p>
-            <a:endParaRPr lang="en-VN" dirty="0"/>
+            <a:endParaRPr lang="vi-VN" dirty="0"/>
+          </a:p>
+          <a:p>
+            <a:endParaRPr lang="en-US" dirty="0"/>
           </a:p>
         </p:txBody>
       </p:sp>
     </p:spTree>
-    <p:extLst>
-      <p:ext uri="{BB962C8B-B14F-4D97-AF65-F5344CB8AC3E}">
-        <p14:creationId xmlns:p14="http://schemas.microsoft.com/office/powerpoint/2010/main" val="1155105833"/>
-      </p:ext>
-    </p:extLst>
   </p:cSld>
   <p:clrMapOvr>
     <a:masterClrMapping/>
@@ -10376,13 +10183,7 @@
       </p:grpSpPr>
       <p:sp>
         <p:nvSpPr>
-          <p:cNvPr id="2" name="Title 1">
-            <a:extLst>
-              <a:ext uri="{FF2B5EF4-FFF2-40B4-BE49-F238E27FC236}">
-                <a16:creationId xmlns:a16="http://schemas.microsoft.com/office/drawing/2014/main" id="{C92EBE7D-346A-B562-1AB0-95E2681C8EDC}"/>
-              </a:ext>
-            </a:extLst>
-          </p:cNvPr>
+          <p:cNvPr id="2" name="Title 1"/>
           <p:cNvSpPr>
             <a:spLocks noGrp="1"/>
           </p:cNvSpPr>
@@ -10399,37 +10200,26 @@
           <a:p>
             <a:r>
               <a:rPr lang="vi-VN" dirty="0">
-                <a:latin typeface="Arial" panose="020B0604020202020204" pitchFamily="34" charset="0"/>
-                <a:cs typeface="Arial" panose="020B0604020202020204" pitchFamily="34" charset="0"/>
+                <a:latin typeface="Times New Roman Regular" panose="02020503050405090304" charset="0"/>
+                <a:cs typeface="Times New Roman Regular" panose="02020503050405090304" charset="0"/>
               </a:rPr>
-              <a:t>Vấn đề ước tính tư thế 3D</a:t>
-            </a:r>
-            <a:endParaRPr lang="en-VN" dirty="0">
-              <a:latin typeface="Arial" panose="020B0604020202020204" pitchFamily="34" charset="0"/>
-              <a:cs typeface="Arial" panose="020B0604020202020204" pitchFamily="34" charset="0"/>
+              <a:t>Vấn  đề ước tính tư thế 3D</a:t>
+            </a:r>
+            <a:endParaRPr lang="en-US" dirty="0">
+              <a:latin typeface="Times New Roman Regular" panose="02020503050405090304" charset="0"/>
+              <a:cs typeface="Times New Roman Regular" panose="02020503050405090304" charset="0"/>
             </a:endParaRPr>
           </a:p>
         </p:txBody>
       </p:sp>
       <p:graphicFrame>
         <p:nvGraphicFramePr>
-          <p:cNvPr id="5" name="Content Placeholder 2">
-            <a:extLst>
-              <a:ext uri="{FF2B5EF4-FFF2-40B4-BE49-F238E27FC236}">
-                <a16:creationId xmlns:a16="http://schemas.microsoft.com/office/drawing/2014/main" id="{8CA36046-29AD-6FBE-DA63-8A198A44C5CC}"/>
-              </a:ext>
-            </a:extLst>
-          </p:cNvPr>
+          <p:cNvPr id="5" name="Content Placeholder 2"/>
           <p:cNvGraphicFramePr>
             <a:graphicFrameLocks noGrp="1"/>
           </p:cNvGraphicFramePr>
           <p:nvPr>
             <p:ph idx="1"/>
-            <p:extLst>
-              <p:ext uri="{D42A27DB-BD31-4B8C-83A1-F6EECF244321}">
-                <p14:modId xmlns:p14="http://schemas.microsoft.com/office/powerpoint/2010/main" val="3119513106"/>
-              </p:ext>
-            </p:extLst>
           </p:nvPr>
         </p:nvGraphicFramePr>
         <p:xfrm>
@@ -10438,28 +10228,24 @@
         </p:xfrm>
         <a:graphic>
           <a:graphicData uri="http://schemas.openxmlformats.org/drawingml/2006/diagram">
-            <dgm:relIds xmlns:dgm="http://schemas.openxmlformats.org/drawingml/2006/diagram" xmlns:r="http://schemas.openxmlformats.org/officeDocument/2006/relationships" r:dm="rId2" r:lo="rId3" r:qs="rId4" r:cs="rId5"/>
+            <dgm:relIds xmlns:dgm="http://schemas.openxmlformats.org/drawingml/2006/diagram" xmlns:r="http://schemas.openxmlformats.org/officeDocument/2006/relationships" r:dm="rId1" r:lo="rId2" r:qs="rId3" r:cs="rId4"/>
           </a:graphicData>
         </a:graphic>
       </p:graphicFrame>
       <p:pic>
         <p:nvPicPr>
-          <p:cNvPr id="6" name="Picture 5">
-            <a:extLst>
-              <a:ext uri="{FF2B5EF4-FFF2-40B4-BE49-F238E27FC236}">
-                <a16:creationId xmlns:a16="http://schemas.microsoft.com/office/drawing/2014/main" id="{69D1DDD8-784E-DC3D-9773-3C1C6302CEF2}"/>
-              </a:ext>
-            </a:extLst>
-          </p:cNvPr>
+          <p:cNvPr id="6" name="Picture 5"/>
           <p:cNvPicPr>
             <a:picLocks noChangeAspect="1"/>
           </p:cNvPicPr>
           <p:nvPr/>
         </p:nvPicPr>
         <p:blipFill rotWithShape="1">
-          <a:blip r:embed="rId7"/>
+          <a:blip r:embed="rId6"/>
           <a:srcRect l="7260" r="5805" b="3"/>
-          <a:stretch/>
+          <a:stretch>
+            <a:fillRect/>
+          </a:stretch>
         </p:blipFill>
         <p:spPr>
           <a:xfrm>
@@ -10472,11 +10258,6 @@
         </p:spPr>
       </p:pic>
     </p:spTree>
-    <p:extLst>
-      <p:ext uri="{BB962C8B-B14F-4D97-AF65-F5344CB8AC3E}">
-        <p14:creationId xmlns:p14="http://schemas.microsoft.com/office/powerpoint/2010/main" val="3908496707"/>
-      </p:ext>
-    </p:extLst>
   </p:cSld>
   <p:clrMapOvr>
     <a:masterClrMapping/>
@@ -10503,13 +10284,7 @@
       </p:grpSpPr>
       <p:sp>
         <p:nvSpPr>
-          <p:cNvPr id="2" name="Title 1">
-            <a:extLst>
-              <a:ext uri="{FF2B5EF4-FFF2-40B4-BE49-F238E27FC236}">
-                <a16:creationId xmlns:a16="http://schemas.microsoft.com/office/drawing/2014/main" id="{852E93B8-9B7C-108E-D6E2-64E4F947B2DE}"/>
-              </a:ext>
-            </a:extLst>
-          </p:cNvPr>
+          <p:cNvPr id="2" name="Title 1"/>
           <p:cNvSpPr>
             <a:spLocks noGrp="1"/>
           </p:cNvSpPr>
@@ -10522,19 +10297,13 @@
           <a:bodyPr/>
           <a:lstStyle/>
           <a:p>
-            <a:endParaRPr lang="en-VN"/>
+            <a:endParaRPr lang="en-US"/>
           </a:p>
         </p:txBody>
       </p:sp>
       <p:sp>
         <p:nvSpPr>
-          <p:cNvPr id="3" name="Content Placeholder 2">
-            <a:extLst>
-              <a:ext uri="{FF2B5EF4-FFF2-40B4-BE49-F238E27FC236}">
-                <a16:creationId xmlns:a16="http://schemas.microsoft.com/office/drawing/2014/main" id="{617A4672-AD78-C387-CAC2-07B6A89162DD}"/>
-              </a:ext>
-            </a:extLst>
-          </p:cNvPr>
+          <p:cNvPr id="3" name="Content Placeholder 2"/>
           <p:cNvSpPr>
             <a:spLocks noGrp="1"/>
           </p:cNvSpPr>
@@ -10547,26 +10316,20 @@
           <a:bodyPr/>
           <a:lstStyle/>
           <a:p>
-            <a:endParaRPr lang="en-VN"/>
+            <a:endParaRPr lang="en-US"/>
           </a:p>
         </p:txBody>
       </p:sp>
       <p:pic>
         <p:nvPicPr>
-          <p:cNvPr id="1026" name="Picture 2" descr="Absolute 3D human pose estimated from a single image (top-left) with occlusion and projected into a different view (top-right). Our multi-view consensus-based approach (bottom) results in a more precise absolute pose estimation and effectively handles cases of occlusion">
-            <a:extLst>
-              <a:ext uri="{FF2B5EF4-FFF2-40B4-BE49-F238E27FC236}">
-                <a16:creationId xmlns:a16="http://schemas.microsoft.com/office/drawing/2014/main" id="{78A89C2E-A4C2-9112-5A60-3B464A5E0BAE}"/>
-              </a:ext>
-            </a:extLst>
-          </p:cNvPr>
+          <p:cNvPr id="1026" name="Picture 2" descr="Absolute 3D human pose estimated from a single image (top-left) with occlusion and projected into a different view (top-right). Our multi-view consensus-based approach (bottom) results in a more precise absolute pose estimation and effectively handles cases of occlusion"/>
           <p:cNvPicPr>
             <a:picLocks noChangeAspect="1" noChangeArrowheads="1"/>
           </p:cNvPicPr>
           <p:nvPr/>
         </p:nvPicPr>
         <p:blipFill>
-          <a:blip r:embed="rId2">
+          <a:blip r:embed="rId1">
             <a:extLst>
               <a:ext uri="{28A0092B-C50C-407E-A947-70E740481C1C}">
                 <a14:useLocalDpi xmlns:a14="http://schemas.microsoft.com/office/drawing/2010/main" val="0"/>
@@ -10599,11 +10362,6 @@
         </p:spPr>
       </p:pic>
     </p:spTree>
-    <p:extLst>
-      <p:ext uri="{BB962C8B-B14F-4D97-AF65-F5344CB8AC3E}">
-        <p14:creationId xmlns:p14="http://schemas.microsoft.com/office/powerpoint/2010/main" val="1734093057"/>
-      </p:ext>
-    </p:extLst>
   </p:cSld>
   <p:clrMapOvr>
     <a:masterClrMapping/>
@@ -10638,13 +10396,7 @@
       </p:grpSpPr>
       <p:sp>
         <p:nvSpPr>
-          <p:cNvPr id="2" name="Title 1">
-            <a:extLst>
-              <a:ext uri="{FF2B5EF4-FFF2-40B4-BE49-F238E27FC236}">
-                <a16:creationId xmlns:a16="http://schemas.microsoft.com/office/drawing/2014/main" id="{A849A116-EBD1-9F51-5FA7-EB50516C82E0}"/>
-              </a:ext>
-            </a:extLst>
-          </p:cNvPr>
+          <p:cNvPr id="2" name="Title 1"/>
           <p:cNvSpPr>
             <a:spLocks noGrp="1"/>
           </p:cNvSpPr>
@@ -10668,29 +10420,18 @@
               <a:rPr lang="vi-VN" sz="5000"/>
               <a:t>Phương pháp hiện tại</a:t>
             </a:r>
-            <a:endParaRPr lang="en-VN" sz="5000"/>
+            <a:endParaRPr lang="en-US" sz="5000"/>
           </a:p>
         </p:txBody>
       </p:sp>
       <p:graphicFrame>
         <p:nvGraphicFramePr>
-          <p:cNvPr id="5" name="Content Placeholder 2">
-            <a:extLst>
-              <a:ext uri="{FF2B5EF4-FFF2-40B4-BE49-F238E27FC236}">
-                <a16:creationId xmlns:a16="http://schemas.microsoft.com/office/drawing/2014/main" id="{C8723817-DF9A-2444-9866-587CFCF623A4}"/>
-              </a:ext>
-            </a:extLst>
-          </p:cNvPr>
+          <p:cNvPr id="5" name="Content Placeholder 2"/>
           <p:cNvGraphicFramePr>
             <a:graphicFrameLocks noGrp="1"/>
           </p:cNvGraphicFramePr>
           <p:nvPr>
             <p:ph idx="1"/>
-            <p:extLst>
-              <p:ext uri="{D42A27DB-BD31-4B8C-83A1-F6EECF244321}">
-                <p14:modId xmlns:p14="http://schemas.microsoft.com/office/powerpoint/2010/main" val="195294020"/>
-              </p:ext>
-            </p:extLst>
           </p:nvPr>
         </p:nvGraphicFramePr>
         <p:xfrm>
@@ -10699,28 +10440,24 @@
         </p:xfrm>
         <a:graphic>
           <a:graphicData uri="http://schemas.openxmlformats.org/drawingml/2006/diagram">
-            <dgm:relIds xmlns:dgm="http://schemas.openxmlformats.org/drawingml/2006/diagram" xmlns:r="http://schemas.openxmlformats.org/officeDocument/2006/relationships" r:dm="rId2" r:lo="rId3" r:qs="rId4" r:cs="rId5"/>
+            <dgm:relIds xmlns:dgm="http://schemas.openxmlformats.org/drawingml/2006/diagram" xmlns:r="http://schemas.openxmlformats.org/officeDocument/2006/relationships" r:dm="rId1" r:lo="rId2" r:qs="rId3" r:cs="rId4"/>
           </a:graphicData>
         </a:graphic>
       </p:graphicFrame>
       <p:pic>
         <p:nvPicPr>
-          <p:cNvPr id="6" name="Picture 5">
-            <a:extLst>
-              <a:ext uri="{FF2B5EF4-FFF2-40B4-BE49-F238E27FC236}">
-                <a16:creationId xmlns:a16="http://schemas.microsoft.com/office/drawing/2014/main" id="{003559FE-AA84-B16B-3693-C754868D9BC3}"/>
-              </a:ext>
-            </a:extLst>
-          </p:cNvPr>
+          <p:cNvPr id="6" name="Picture 5"/>
           <p:cNvPicPr>
             <a:picLocks noChangeAspect="1"/>
           </p:cNvPicPr>
           <p:nvPr/>
         </p:nvPicPr>
         <p:blipFill rotWithShape="1">
-          <a:blip r:embed="rId7"/>
+          <a:blip r:embed="rId6"/>
           <a:srcRect l="18026" r="15226" b="2"/>
-          <a:stretch/>
+          <a:stretch>
+            <a:fillRect/>
+          </a:stretch>
         </p:blipFill>
         <p:spPr>
           <a:xfrm>
@@ -10733,11 +10470,6 @@
         </p:spPr>
       </p:pic>
     </p:spTree>
-    <p:extLst>
-      <p:ext uri="{BB962C8B-B14F-4D97-AF65-F5344CB8AC3E}">
-        <p14:creationId xmlns:p14="http://schemas.microsoft.com/office/powerpoint/2010/main" val="3702381839"/>
-      </p:ext>
-    </p:extLst>
   </p:cSld>
   <p:clrMapOvr>
     <a:masterClrMapping/>
@@ -10772,13 +10504,7 @@
       </p:grpSpPr>
       <p:sp>
         <p:nvSpPr>
-          <p:cNvPr id="2" name="Title 1">
-            <a:extLst>
-              <a:ext uri="{FF2B5EF4-FFF2-40B4-BE49-F238E27FC236}">
-                <a16:creationId xmlns:a16="http://schemas.microsoft.com/office/drawing/2014/main" id="{E98E117C-1C44-B340-501A-1D745E87A204}"/>
-              </a:ext>
-            </a:extLst>
-          </p:cNvPr>
+          <p:cNvPr id="2" name="Title 1"/>
           <p:cNvSpPr>
             <a:spLocks noGrp="1"/>
           </p:cNvSpPr>
@@ -10818,26 +10544,20 @@
               <a:rPr lang="en-US" dirty="0" err="1"/>
               <a:t>DiffPose</a:t>
             </a:r>
-            <a:endParaRPr lang="en-VN" dirty="0"/>
+            <a:endParaRPr lang="en-US" dirty="0"/>
           </a:p>
         </p:txBody>
       </p:sp>
       <p:pic>
         <p:nvPicPr>
-          <p:cNvPr id="4" name="Content Placeholder 3">
-            <a:extLst>
-              <a:ext uri="{FF2B5EF4-FFF2-40B4-BE49-F238E27FC236}">
-                <a16:creationId xmlns:a16="http://schemas.microsoft.com/office/drawing/2014/main" id="{5FDCD260-0B87-10F5-D68A-0B8C368023F9}"/>
-              </a:ext>
-            </a:extLst>
-          </p:cNvPr>
+          <p:cNvPr id="4" name="Content Placeholder 3"/>
           <p:cNvPicPr>
             <a:picLocks noChangeAspect="1"/>
           </p:cNvPicPr>
           <p:nvPr/>
         </p:nvPicPr>
         <p:blipFill>
-          <a:blip r:embed="rId2"/>
+          <a:blip r:embed="rId1"/>
           <a:stretch>
             <a:fillRect/>
           </a:stretch>
@@ -10854,13 +10574,7 @@
       </p:pic>
       <p:sp>
         <p:nvSpPr>
-          <p:cNvPr id="3" name="Content Placeholder 2">
-            <a:extLst>
-              <a:ext uri="{FF2B5EF4-FFF2-40B4-BE49-F238E27FC236}">
-                <a16:creationId xmlns:a16="http://schemas.microsoft.com/office/drawing/2014/main" id="{62EC13D4-BAE0-8E84-3628-2B8987BF2D9F}"/>
-              </a:ext>
-            </a:extLst>
-          </p:cNvPr>
+          <p:cNvPr id="3" name="Content Placeholder 2"/>
           <p:cNvSpPr>
             <a:spLocks noGrp="1"/>
           </p:cNvSpPr>
@@ -10892,6 +10606,7 @@
               <a:rPr lang="vi-VN" sz="1400"/>
               <a:t>DiffPose nổi lên như một phương pháp mới đầy hứa hẹn cho việc ước tính tư thế 3D từ một hình ảnh duy nhất. Nó sử dụng mô hình khuếch tán để biến đổi một phân phối tư thế 3D không chắc chắn thành một phân phối tư thế 3D tự tin, mang lại kết quả chính xác và đáng tin cậy hơn so với các phương pháp truyền thống.</a:t>
             </a:r>
+            <a:endParaRPr lang="vi-VN" sz="1400"/>
           </a:p>
           <a:p>
             <a:r>
@@ -10906,10 +10621,11 @@
               <a:rPr lang="vi-VN" sz="1400"/>
               <a:t>DiffPose bao gồm hai thành phần chính:</a:t>
             </a:r>
+            <a:endParaRPr lang="vi-VN" sz="1400"/>
           </a:p>
           <a:p>
             <a:pPr lvl="2">
-              <a:buFont typeface="Wingdings" pitchFamily="2" charset="2"/>
+              <a:buFont typeface="Wingdings" panose="05000000000000000000" pitchFamily="2" charset="2"/>
               <a:buChar char="Ø"/>
             </a:pPr>
             <a:r>
@@ -10920,10 +10636,11 @@
               <a:rPr lang="vi-VN" sz="1400"/>
               <a:t> Mô hình này sử dụng mạng nơ-ron tích chập đồ thị (GCN) để mô hình hóa sự lan truyền thông tin trong phân phối tư thế. GCN có khả năng học hỏi mối quan hệ giữa các khớp và xử lý hiệu quả cấu trúc phức tạp của cơ thể người.</a:t>
             </a:r>
+            <a:endParaRPr lang="vi-VN" sz="1400"/>
           </a:p>
           <a:p>
             <a:pPr lvl="2">
-              <a:buFont typeface="Wingdings" pitchFamily="2" charset="2"/>
+              <a:buFont typeface="Wingdings" panose="05000000000000000000" pitchFamily="2" charset="2"/>
               <a:buChar char="Ø"/>
             </a:pPr>
             <a:r>
@@ -10934,18 +10651,14 @@
               <a:rPr lang="vi-VN" sz="1400"/>
               <a:t> Quá trình này tận dụng thông tin ngữ cảnh từ hình ảnh để điều chỉnh quá trình khuếch tán, đảm bảo rằng kết quả ước tính phù hợp với nội dung hình ảnh và cải thiện độ chính xác tổng thể</a:t>
             </a:r>
-          </a:p>
-          <a:p>
-            <a:endParaRPr lang="en-VN" sz="1400"/>
+            <a:endParaRPr lang="vi-VN" sz="1400"/>
+          </a:p>
+          <a:p>
+            <a:endParaRPr lang="en-US" sz="1400"/>
           </a:p>
         </p:txBody>
       </p:sp>
     </p:spTree>
-    <p:extLst>
-      <p:ext uri="{BB962C8B-B14F-4D97-AF65-F5344CB8AC3E}">
-        <p14:creationId xmlns:p14="http://schemas.microsoft.com/office/powerpoint/2010/main" val="1028696272"/>
-      </p:ext>
-    </p:extLst>
   </p:cSld>
   <p:clrMapOvr>
     <a:masterClrMapping/>
@@ -10980,26 +10693,11 @@
       </p:grpSpPr>
       <p:sp useBgFill="1">
         <p:nvSpPr>
-          <p:cNvPr id="27" name="Rectangle 26">
-            <a:extLst>
-              <a:ext uri="{FF2B5EF4-FFF2-40B4-BE49-F238E27FC236}">
-                <a16:creationId xmlns:a16="http://schemas.microsoft.com/office/drawing/2014/main" id="{5118BA95-03E7-41B7-B442-0AF8C0A7FF68}"/>
-              </a:ext>
-              <a:ext uri="{C183D7F6-B498-43B3-948B-1728B52AA6E4}">
-                <adec:decorative xmlns:adec="http://schemas.microsoft.com/office/drawing/2017/decorative" val="1"/>
-              </a:ext>
-            </a:extLst>
-          </p:cNvPr>
+          <p:cNvPr id="27" name="Rectangle 26"/>
           <p:cNvSpPr>
             <a:spLocks noGrp="1" noRot="1" noChangeAspect="1" noMove="1" noResize="1" noEditPoints="1" noAdjustHandles="1" noChangeArrowheads="1" noChangeShapeType="1" noTextEdit="1"/>
           </p:cNvSpPr>
-          <p:nvPr>
-            <p:extLst>
-              <p:ext uri="{386F3935-93C4-4BCD-93E2-E3B085C9AB24}">
-                <p16:designElem xmlns:p16="http://schemas.microsoft.com/office/powerpoint/2015/main" val="1"/>
-              </p:ext>
-            </p:extLst>
-          </p:nvPr>
+          <p:nvPr/>
         </p:nvSpPr>
         <p:spPr bwMode="white">
           <a:xfrm>
@@ -11031,9 +10729,6 @@
         </p:style>
         <p:txBody>
           <a:bodyPr rot="0" spcFirstLastPara="0" vert="horz" wrap="square" lIns="91440" tIns="45720" rIns="91440" bIns="45720" numCol="1" spcCol="0" rtlCol="0" fromWordArt="0" anchor="ctr" anchorCtr="0" forceAA="0" compatLnSpc="1">
-            <a:prstTxWarp prst="textNoShape">
-              <a:avLst/>
-            </a:prstTxWarp>
             <a:noAutofit/>
           </a:bodyPr>
           <a:lstStyle>
@@ -11139,26 +10834,11 @@
       </p:sp>
       <p:grpSp>
         <p:nvGrpSpPr>
-          <p:cNvPr id="29" name="Group 28">
-            <a:extLst>
-              <a:ext uri="{FF2B5EF4-FFF2-40B4-BE49-F238E27FC236}">
-                <a16:creationId xmlns:a16="http://schemas.microsoft.com/office/drawing/2014/main" id="{E799C3D5-7D55-4046-808C-F290F456D6EF}"/>
-              </a:ext>
-              <a:ext uri="{C183D7F6-B498-43B3-948B-1728B52AA6E4}">
-                <adec:decorative xmlns:adec="http://schemas.microsoft.com/office/drawing/2017/decorative" val="1"/>
-              </a:ext>
-            </a:extLst>
-          </p:cNvPr>
+          <p:cNvPr id="29" name="Group 28"/>
           <p:cNvGrpSpPr>
-            <a:grpSpLocks noGrp="1" noUngrp="1" noRot="1" noChangeAspect="1" noMove="1" noResize="1"/>
+            <a:grpSpLocks noGrp="1" noRot="1" noChangeAspect="1" noMove="1" noResize="1" noUngrp="1"/>
           </p:cNvGrpSpPr>
-          <p:nvPr>
-            <p:extLst>
-              <p:ext uri="{386F3935-93C4-4BCD-93E2-E3B085C9AB24}">
-                <p16:designElem xmlns:p16="http://schemas.microsoft.com/office/powerpoint/2015/main" val="1"/>
-              </p:ext>
-            </p:extLst>
-          </p:nvPr>
+          <p:nvPr/>
         </p:nvGrpSpPr>
         <p:grpSpPr>
           <a:xfrm>
@@ -11170,24 +10850,9 @@
         </p:grpSpPr>
         <p:sp>
           <p:nvSpPr>
-            <p:cNvPr id="30" name="Oval 29">
-              <a:extLst>
-                <a:ext uri="{FF2B5EF4-FFF2-40B4-BE49-F238E27FC236}">
-                  <a16:creationId xmlns:a16="http://schemas.microsoft.com/office/drawing/2014/main" id="{059D8741-EAD6-41B1-A882-70D70FC35821}"/>
-                </a:ext>
-                <a:ext uri="{C183D7F6-B498-43B3-948B-1728B52AA6E4}">
-                  <adec:decorative xmlns:adec="http://schemas.microsoft.com/office/drawing/2017/decorative" val="1"/>
-                </a:ext>
-              </a:extLst>
-            </p:cNvPr>
+            <p:cNvPr id="30" name="Oval 29"/>
             <p:cNvSpPr/>
-            <p:nvPr>
-              <p:extLst>
-                <p:ext uri="{386F3935-93C4-4BCD-93E2-E3B085C9AB24}">
-                  <p16:designElem xmlns:p16="http://schemas.microsoft.com/office/powerpoint/2015/main" val="1"/>
-                </p:ext>
-              </p:extLst>
-            </p:nvPr>
+            <p:nvPr/>
           </p:nvSpPr>
           <p:spPr>
             <a:xfrm>
@@ -11198,7 +10863,7 @@
               <a:avLst/>
             </a:prstGeom>
             <a:blipFill dpi="0" rotWithShape="1">
-              <a:blip r:embed="rId2">
+              <a:blip r:embed="rId1">
                 <a:duotone>
                   <a:schemeClr val="accent1">
                     <a:shade val="45000"/>
@@ -11209,12 +10874,12 @@
                 <a:extLst>
                   <a:ext uri="{BEBA8EAE-BF5A-486C-A8C5-ECC9F3942E4B}">
                     <a14:imgProps xmlns:a14="http://schemas.microsoft.com/office/drawing/2010/main">
-                      <a14:imgLayer r:embed="rId3">
+                      <a14:imgLayer r:embed="rId2">
+                        <a14:imgEffect>
+                          <a14:brightnessContrast bright="-40000" contrast="40000"/>
+                        </a14:imgEffect>
                         <a14:imgEffect>
                           <a14:saturation sat="400000"/>
-                        </a14:imgEffect>
-                        <a14:imgEffect>
-                          <a14:brightnessContrast bright="-40000" contrast="40000"/>
                         </a14:imgEffect>
                       </a14:imgLayer>
                     </a14:imgProps>
@@ -11248,7 +10913,6 @@
                 <a:buSzTx/>
                 <a:buFontTx/>
                 <a:buNone/>
-                <a:tabLst/>
                 <a:defRPr/>
               </a:pPr>
               <a:endParaRPr kumimoji="0" lang="en-US" sz="2000" b="0" i="0" u="none" strike="noStrike" kern="0" cap="none" spc="0" normalizeH="0" baseline="0" noProof="0" dirty="0">
@@ -11270,24 +10934,9 @@
         </p:sp>
         <p:sp>
           <p:nvSpPr>
-            <p:cNvPr id="31" name="Oval 30">
-              <a:extLst>
-                <a:ext uri="{FF2B5EF4-FFF2-40B4-BE49-F238E27FC236}">
-                  <a16:creationId xmlns:a16="http://schemas.microsoft.com/office/drawing/2014/main" id="{45444F36-3103-4D11-A25F-C054D4606DA4}"/>
-                </a:ext>
-                <a:ext uri="{C183D7F6-B498-43B3-948B-1728B52AA6E4}">
-                  <adec:decorative xmlns:adec="http://schemas.microsoft.com/office/drawing/2017/decorative" val="1"/>
-                </a:ext>
-              </a:extLst>
-            </p:cNvPr>
+            <p:cNvPr id="31" name="Oval 30"/>
             <p:cNvSpPr/>
-            <p:nvPr>
-              <p:extLst>
-                <p:ext uri="{386F3935-93C4-4BCD-93E2-E3B085C9AB24}">
-                  <p16:designElem xmlns:p16="http://schemas.microsoft.com/office/powerpoint/2015/main" val="1"/>
-                </p:ext>
-              </p:extLst>
-            </p:nvPr>
+            <p:nvPr/>
           </p:nvSpPr>
           <p:spPr>
             <a:xfrm>
@@ -11324,7 +10973,6 @@
                 <a:buSzTx/>
                 <a:buFontTx/>
                 <a:buNone/>
-                <a:tabLst/>
                 <a:defRPr/>
               </a:pPr>
               <a:endParaRPr kumimoji="0" lang="en-US" sz="1800" b="0" i="0" u="none" strike="noStrike" kern="0" cap="none" spc="0" normalizeH="0" baseline="0" noProof="0" dirty="0">
@@ -11347,13 +10995,7 @@
       </p:grpSp>
       <p:sp>
         <p:nvSpPr>
-          <p:cNvPr id="2" name="Title 1">
-            <a:extLst>
-              <a:ext uri="{FF2B5EF4-FFF2-40B4-BE49-F238E27FC236}">
-                <a16:creationId xmlns:a16="http://schemas.microsoft.com/office/drawing/2014/main" id="{C390BAE5-A172-7EBE-01BF-0A76EFF10A8C}"/>
-              </a:ext>
-            </a:extLst>
-          </p:cNvPr>
+          <p:cNvPr id="2" name="Title 1"/>
           <p:cNvSpPr>
             <a:spLocks noGrp="1"/>
           </p:cNvSpPr>
@@ -11383,7 +11025,7 @@
               </a:rPr>
               <a:t>Nguyên tắc hoạt động của DiffPose</a:t>
             </a:r>
-            <a:endParaRPr lang="en-VN" sz="3000">
+            <a:endParaRPr lang="en-US" sz="3000">
               <a:solidFill>
                 <a:srgbClr val="FFFFFF"/>
               </a:solidFill>
@@ -11393,26 +11035,11 @@
       </p:sp>
       <p:sp>
         <p:nvSpPr>
-          <p:cNvPr id="33" name="Rectangle 32">
-            <a:extLst>
-              <a:ext uri="{FF2B5EF4-FFF2-40B4-BE49-F238E27FC236}">
-                <a16:creationId xmlns:a16="http://schemas.microsoft.com/office/drawing/2014/main" id="{AD9B3EAD-A2B3-42C4-927C-3455E3E69EE6}"/>
-              </a:ext>
-              <a:ext uri="{C183D7F6-B498-43B3-948B-1728B52AA6E4}">
-                <adec:decorative xmlns:adec="http://schemas.microsoft.com/office/drawing/2017/decorative" val="1"/>
-              </a:ext>
-            </a:extLst>
-          </p:cNvPr>
+          <p:cNvPr id="33" name="Rectangle 32"/>
           <p:cNvSpPr>
             <a:spLocks noGrp="1" noRot="1" noChangeAspect="1" noMove="1" noResize="1" noEditPoints="1" noAdjustHandles="1" noChangeArrowheads="1" noChangeShapeType="1" noTextEdit="1"/>
           </p:cNvSpPr>
-          <p:nvPr>
-            <p:extLst>
-              <p:ext uri="{386F3935-93C4-4BCD-93E2-E3B085C9AB24}">
-                <p16:designElem xmlns:p16="http://schemas.microsoft.com/office/powerpoint/2015/main" val="1"/>
-              </p:ext>
-            </p:extLst>
-          </p:nvPr>
+          <p:nvPr/>
         </p:nvSpPr>
         <p:spPr>
           <a:xfrm rot="5400000">
@@ -11423,13 +11050,13 @@
             <a:avLst/>
           </a:prstGeom>
           <a:blipFill dpi="0" rotWithShape="1">
-            <a:blip r:embed="rId4">
+            <a:blip r:embed="rId3">
               <a:alphaModFix amt="85000"/>
               <a:lum bright="70000" contrast="-70000"/>
               <a:extLst>
                 <a:ext uri="{BEBA8EAE-BF5A-486C-A8C5-ECC9F3942E4B}">
                   <a14:imgProps xmlns:a14="http://schemas.microsoft.com/office/drawing/2010/main">
-                    <a14:imgLayer r:embed="rId5">
+                    <a14:imgLayer r:embed="rId4">
                       <a14:imgEffect>
                         <a14:sharpenSoften amount="61000"/>
                       </a14:imgEffect>
@@ -11468,19 +11095,13 @@
           <a:bodyPr/>
           <a:lstStyle/>
           <a:p>
-            <a:endParaRPr lang="en-VN"/>
+            <a:endParaRPr lang="en-US"/>
           </a:p>
         </p:txBody>
       </p:sp>
       <p:sp>
         <p:nvSpPr>
-          <p:cNvPr id="3" name="Content Placeholder 2">
-            <a:extLst>
-              <a:ext uri="{FF2B5EF4-FFF2-40B4-BE49-F238E27FC236}">
-                <a16:creationId xmlns:a16="http://schemas.microsoft.com/office/drawing/2014/main" id="{CC731128-7945-C327-66D4-0853DBD996E0}"/>
-              </a:ext>
-            </a:extLst>
-          </p:cNvPr>
+          <p:cNvPr id="3" name="Content Placeholder 2"/>
           <p:cNvSpPr>
             <a:spLocks noGrp="1"/>
           </p:cNvSpPr>
@@ -11519,6 +11140,9 @@
               </a:rPr>
               <a:t>Quy trình hoạt động của DiffPose có thể được tóm tắt như sau:</a:t>
             </a:r>
+            <a:endParaRPr lang="vi-VN">
+              <a:effectLst/>
+            </a:endParaRPr>
           </a:p>
           <a:p>
             <a:pPr lvl="2">
@@ -11537,6 +11161,9 @@
               </a:rPr>
               <a:t> Bắt đầu với một phân phối tư thế 3D ban đầu, đại diện cho nhiều tư thế tiềm ẩn có thể phù hợp với hình ảnh đầu vào.</a:t>
             </a:r>
+            <a:endParaRPr lang="vi-VN">
+              <a:effectLst/>
+            </a:endParaRPr>
           </a:p>
           <a:p>
             <a:pPr lvl="2">
@@ -11555,16 +11182,11 @@
               </a:rPr>
               <a:t> Sử dụng mô hình khuếch tán dựa trên GCN để biến đổi phân phối tư thế 3D theo thời gian. Mô hình học hỏi các mối quan hệ giữa các khớp.</a:t>
             </a:r>
-            <a:endParaRPr lang="en-VN"/>
+            <a:endParaRPr lang="en-US"/>
           </a:p>
         </p:txBody>
       </p:sp>
     </p:spTree>
-    <p:extLst>
-      <p:ext uri="{BB962C8B-B14F-4D97-AF65-F5344CB8AC3E}">
-        <p14:creationId xmlns:p14="http://schemas.microsoft.com/office/powerpoint/2010/main" val="3703456969"/>
-      </p:ext>
-    </p:extLst>
   </p:cSld>
   <p:clrMapOvr>
     <a:masterClrMapping/>
@@ -11591,13 +11213,7 @@
       </p:grpSpPr>
       <p:pic>
         <p:nvPicPr>
-          <p:cNvPr id="4" name="Content Placeholder 3">
-            <a:extLst>
-              <a:ext uri="{FF2B5EF4-FFF2-40B4-BE49-F238E27FC236}">
-                <a16:creationId xmlns:a16="http://schemas.microsoft.com/office/drawing/2014/main" id="{CEE78199-9994-6819-AE6B-C5AC9B2123A7}"/>
-              </a:ext>
-            </a:extLst>
-          </p:cNvPr>
+          <p:cNvPr id="4" name="Content Placeholder 3"/>
           <p:cNvPicPr>
             <a:picLocks noGrp="1" noChangeAspect="1"/>
           </p:cNvPicPr>
@@ -11606,7 +11222,7 @@
           </p:nvPr>
         </p:nvPicPr>
         <p:blipFill>
-          <a:blip r:embed="rId2"/>
+          <a:blip r:embed="rId1"/>
           <a:stretch>
             <a:fillRect/>
           </a:stretch>
@@ -11622,11 +11238,6 @@
         </p:spPr>
       </p:pic>
     </p:spTree>
-    <p:extLst>
-      <p:ext uri="{BB962C8B-B14F-4D97-AF65-F5344CB8AC3E}">
-        <p14:creationId xmlns:p14="http://schemas.microsoft.com/office/powerpoint/2010/main" val="2044084094"/>
-      </p:ext>
-    </p:extLst>
   </p:cSld>
   <p:clrMapOvr>
     <a:masterClrMapping/>
@@ -11653,13 +11264,7 @@
       </p:grpSpPr>
       <p:sp>
         <p:nvSpPr>
-          <p:cNvPr id="3" name="Content Placeholder 2">
-            <a:extLst>
-              <a:ext uri="{FF2B5EF4-FFF2-40B4-BE49-F238E27FC236}">
-                <a16:creationId xmlns:a16="http://schemas.microsoft.com/office/drawing/2014/main" id="{36B9100A-05E9-EEBA-6A51-A5A377AFBFEF}"/>
-              </a:ext>
-            </a:extLst>
-          </p:cNvPr>
+          <p:cNvPr id="3" name="Content Placeholder 2"/>
           <p:cNvSpPr>
             <a:spLocks noGrp="1"/>
           </p:cNvSpPr>
@@ -11687,6 +11292,7 @@
               <a:rPr lang="vi-VN" dirty="0"/>
               <a:t> bao gồm các bước sau:</a:t>
             </a:r>
+            <a:endParaRPr lang="vi-VN" dirty="0"/>
           </a:p>
           <a:p>
             <a:pPr>
@@ -11701,23 +11307,25 @@
           </a:p>
           <a:p>
             <a:pPr marL="742950" lvl="1" indent="-285750">
-              <a:buFont typeface="Wingdings" pitchFamily="2" charset="2"/>
+              <a:buFont typeface="Wingdings" panose="05000000000000000000" pitchFamily="2" charset="2"/>
               <a:buChar char="Ø"/>
             </a:pPr>
             <a:r>
               <a:rPr lang="vi-VN" dirty="0"/>
               <a:t>Bắt đầu với một tư thế 3D ngẫu nhiên được lấy từ phân phối tư thế 3D ban đầu (biểu thị bằng đám mây điểm).</a:t>
             </a:r>
+            <a:endParaRPr lang="vi-VN" dirty="0"/>
           </a:p>
           <a:p>
             <a:pPr marL="742950" lvl="1" indent="-285750">
-              <a:buFont typeface="Wingdings" pitchFamily="2" charset="2"/>
+              <a:buFont typeface="Wingdings" panose="05000000000000000000" pitchFamily="2" charset="2"/>
               <a:buChar char="Ø"/>
             </a:pPr>
             <a:r>
               <a:rPr lang="vi-VN" dirty="0"/>
               <a:t>Tư thế ban đầu này có thể được chọn ngẫu nhiên hoặc lấy từ mô hình ước tính tư thế thô sơ.</a:t>
             </a:r>
+            <a:endParaRPr lang="vi-VN" dirty="0"/>
           </a:p>
           <a:p>
             <a:pPr>
@@ -11732,43 +11340,47 @@
           </a:p>
           <a:p>
             <a:pPr marL="742950" lvl="1" indent="-285750">
-              <a:buFont typeface="Wingdings" pitchFamily="2" charset="2"/>
+              <a:buFont typeface="Wingdings" panose="05000000000000000000" pitchFamily="2" charset="2"/>
               <a:buChar char="Ø"/>
             </a:pPr>
             <a:r>
               <a:rPr lang="vi-VN" dirty="0"/>
               <a:t>Áp dụng mô hình khuếch tán ngược để biến đổi tư thế 3D ban đầu theo thời gian.</a:t>
             </a:r>
+            <a:endParaRPr lang="vi-VN" dirty="0"/>
           </a:p>
           <a:p>
             <a:pPr marL="742950" lvl="1" indent="-285750">
-              <a:buFont typeface="Wingdings" pitchFamily="2" charset="2"/>
+              <a:buFont typeface="Wingdings" panose="05000000000000000000" pitchFamily="2" charset="2"/>
               <a:buChar char="Ø"/>
             </a:pPr>
             <a:r>
               <a:rPr lang="vi-VN" dirty="0"/>
               <a:t>Mô hình này sử dụng thông tin ngữ cảnh được trích xuất từ hình ảnh đầu vào để hướng dẫn quá trình khuếch tán.</a:t>
             </a:r>
+            <a:endParaRPr lang="vi-VN" dirty="0"/>
           </a:p>
           <a:p>
             <a:pPr marL="742950" lvl="1" indent="-285750">
-              <a:buFont typeface="Wingdings" pitchFamily="2" charset="2"/>
+              <a:buFont typeface="Wingdings" panose="05000000000000000000" pitchFamily="2" charset="2"/>
               <a:buChar char="Ø"/>
             </a:pPr>
             <a:r>
               <a:rPr lang="vi-VN" dirty="0"/>
               <a:t>Thông tin ngữ cảnh có thể bao gồm các đặc điểm như cạnh, màu sắc và kết cấu của hình ảnh.</a:t>
             </a:r>
+            <a:endParaRPr lang="vi-VN" dirty="0"/>
           </a:p>
           <a:p>
             <a:pPr marL="742950" lvl="1" indent="-285750">
-              <a:buFont typeface="Wingdings" pitchFamily="2" charset="2"/>
+              <a:buFont typeface="Wingdings" panose="05000000000000000000" pitchFamily="2" charset="2"/>
               <a:buChar char="Ø"/>
             </a:pPr>
             <a:r>
               <a:rPr lang="vi-VN" dirty="0"/>
               <a:t>Quá trình khuếch tán ngược sử dụng thông tin ngữ cảnh này để loại bỏ nhiễu và tinh chỉnh tư thế cho phù hợp với nội dung hình ảnh.</a:t>
             </a:r>
+            <a:endParaRPr lang="vi-VN" dirty="0"/>
           </a:p>
           <a:p>
             <a:pPr>
@@ -11783,33 +11395,36 @@
           </a:p>
           <a:p>
             <a:pPr marL="742950" lvl="1" indent="-285750">
-              <a:buFont typeface="Wingdings" pitchFamily="2" charset="2"/>
+              <a:buFont typeface="Wingdings" panose="05000000000000000000" pitchFamily="2" charset="2"/>
               <a:buChar char="Ø"/>
             </a:pPr>
             <a:r>
               <a:rPr lang="vi-VN" dirty="0"/>
               <a:t>Lặp lại bước 2 cho đến khi đạt được độ chính xác mong muốn hoặc khi tư thế 3D hội tụ.</a:t>
             </a:r>
+            <a:endParaRPr lang="vi-VN" dirty="0"/>
           </a:p>
           <a:p>
             <a:pPr marL="742950" lvl="1" indent="-285750">
-              <a:buFont typeface="Wingdings" pitchFamily="2" charset="2"/>
+              <a:buFont typeface="Wingdings" panose="05000000000000000000" pitchFamily="2" charset="2"/>
               <a:buChar char="Ø"/>
             </a:pPr>
             <a:r>
               <a:rPr lang="vi-VN" dirty="0"/>
               <a:t>Tại mỗi lần lặp, tư thế được tinh chỉnh thêm, trở nên nhất quán hơn với nội dung hình ảnh.</a:t>
             </a:r>
+            <a:endParaRPr lang="vi-VN" dirty="0"/>
           </a:p>
           <a:p>
             <a:pPr marL="742950" lvl="1" indent="-285750">
-              <a:buFont typeface="Wingdings" pitchFamily="2" charset="2"/>
+              <a:buFont typeface="Wingdings" panose="05000000000000000000" pitchFamily="2" charset="2"/>
               <a:buChar char="Ø"/>
             </a:pPr>
             <a:r>
               <a:rPr lang="vi-VN" dirty="0"/>
               <a:t>Quá trình tiếp tục cho đến khi đạt được độ chính xác mong muốn hoặc khi tư thế ổn định.</a:t>
             </a:r>
+            <a:endParaRPr lang="vi-VN" dirty="0"/>
           </a:p>
           <a:p>
             <a:pPr>
@@ -11824,35 +11439,32 @@
           </a:p>
           <a:p>
             <a:pPr marL="742950" lvl="1" indent="-285750">
-              <a:buFont typeface="Wingdings" pitchFamily="2" charset="2"/>
+              <a:buFont typeface="Wingdings" panose="05000000000000000000" pitchFamily="2" charset="2"/>
               <a:buChar char="Ø"/>
             </a:pPr>
             <a:r>
               <a:rPr lang="vi-VN" dirty="0"/>
               <a:t>Sau nhiều lần lặp, quá trình khuếch tán ngược hội tụ đến ước tính tư thế 3D cuối cùng.</a:t>
             </a:r>
+            <a:endParaRPr lang="vi-VN" dirty="0"/>
           </a:p>
           <a:p>
             <a:pPr marL="742950" lvl="1" indent="-285750">
-              <a:buFont typeface="Wingdings" pitchFamily="2" charset="2"/>
+              <a:buFont typeface="Wingdings" panose="05000000000000000000" pitchFamily="2" charset="2"/>
               <a:buChar char="Ø"/>
             </a:pPr>
             <a:r>
               <a:rPr lang="vi-VN" dirty="0"/>
               <a:t>Tư thế này đại diện cho cấu hình 3D có khả năng cao nhất phù hợp với hình ảnh và thông tin ngữ cảnh đã cho.</a:t>
             </a:r>
-          </a:p>
-          <a:p>
-            <a:endParaRPr lang="en-VN" dirty="0"/>
+            <a:endParaRPr lang="vi-VN" dirty="0"/>
+          </a:p>
+          <a:p>
+            <a:endParaRPr lang="en-US" dirty="0"/>
           </a:p>
         </p:txBody>
       </p:sp>
     </p:spTree>
-    <p:extLst>
-      <p:ext uri="{BB962C8B-B14F-4D97-AF65-F5344CB8AC3E}">
-        <p14:creationId xmlns:p14="http://schemas.microsoft.com/office/powerpoint/2010/main" val="1165595117"/>
-      </p:ext>
-    </p:extLst>
   </p:cSld>
   <p:clrMapOvr>
     <a:masterClrMapping/>
@@ -11879,13 +11491,7 @@
       </p:grpSpPr>
       <p:sp>
         <p:nvSpPr>
-          <p:cNvPr id="2" name="Title 1">
-            <a:extLst>
-              <a:ext uri="{FF2B5EF4-FFF2-40B4-BE49-F238E27FC236}">
-                <a16:creationId xmlns:a16="http://schemas.microsoft.com/office/drawing/2014/main" id="{BD721D67-6D42-1AE8-D5CE-3DB780D5D5E3}"/>
-              </a:ext>
-            </a:extLst>
-          </p:cNvPr>
+          <p:cNvPr id="2" name="Title 1"/>
           <p:cNvSpPr>
             <a:spLocks noGrp="1"/>
           </p:cNvSpPr>
@@ -11902,19 +11508,13 @@
               <a:rPr lang="vi-VN" dirty="0"/>
               <a:t>Ưu điểm của DiffPose</a:t>
             </a:r>
-            <a:endParaRPr lang="en-VN" dirty="0"/>
+            <a:endParaRPr lang="en-US" dirty="0"/>
           </a:p>
         </p:txBody>
       </p:sp>
       <p:sp>
         <p:nvSpPr>
-          <p:cNvPr id="3" name="Content Placeholder 2">
-            <a:extLst>
-              <a:ext uri="{FF2B5EF4-FFF2-40B4-BE49-F238E27FC236}">
-                <a16:creationId xmlns:a16="http://schemas.microsoft.com/office/drawing/2014/main" id="{39C86ECC-E4AC-3D82-9CFF-5C2FCAE70AD4}"/>
-              </a:ext>
-            </a:extLst>
-          </p:cNvPr>
+          <p:cNvPr id="3" name="Content Placeholder 2"/>
           <p:cNvSpPr>
             <a:spLocks noGrp="1"/>
           </p:cNvSpPr>
@@ -11941,6 +11541,7 @@
               <a:rPr lang="vi-VN" dirty="0"/>
               <a:t>DiffPose đã chứng minh hiệu suất vượt trội so với các phương pháp hiện đại trên các tập dữ liệu chuẩn về ước tính tư thế 3D. Nó đạt được độ chính xác cao hơn và khả năng xử lý tốt hơn các trường hợp hình ảnh mơ hồ hoặc che khuất, mang lại kết quả đáng tin cậy hơn trong nhiều tình huống.</a:t>
             </a:r>
+            <a:endParaRPr lang="vi-VN" dirty="0"/>
           </a:p>
           <a:p>
             <a:r>
@@ -11955,6 +11556,7 @@
               <a:rPr lang="vi-VN" dirty="0"/>
               <a:t>DiffPose có thể được dễ dàng điều chỉnh để phù hợp với các nhiệm vụ và ứng dụng khác nhau. Khả năng học tập mối quan hệ giữa các khớp và xử lý cấu trúc phức tạp của cơ thể người khiến nó trở thành một công cụ linh hoạt cho nhiều bài toán liên quan đến tư thế 3D.</a:t>
             </a:r>
+            <a:endParaRPr lang="vi-VN" dirty="0"/>
           </a:p>
           <a:p>
             <a:r>
@@ -11969,10 +11571,11 @@
               <a:rPr lang="vi-VN" dirty="0"/>
               <a:t>DiffPose có tiềm năng ứng dụng rộng rãi trong nhiều lĩnh vực, bao gồm:</a:t>
             </a:r>
+            <a:endParaRPr lang="vi-VN" dirty="0"/>
           </a:p>
           <a:p>
             <a:pPr lvl="2">
-              <a:buFont typeface="Wingdings" pitchFamily="2" charset="2"/>
+              <a:buFont typeface="Wingdings" panose="05000000000000000000" pitchFamily="2" charset="2"/>
               <a:buChar char="ü"/>
             </a:pPr>
             <a:r>
@@ -11983,10 +11586,11 @@
               <a:rPr lang="vi-VN" dirty="0"/>
               <a:t>: Ước tính tư thế 3D của con người để tương tác và điều khiển robot hiệu quả hơn.</a:t>
             </a:r>
+            <a:endParaRPr lang="vi-VN" dirty="0"/>
           </a:p>
           <a:p>
             <a:pPr lvl="2">
-              <a:buFont typeface="Wingdings" pitchFamily="2" charset="2"/>
+              <a:buFont typeface="Wingdings" panose="05000000000000000000" pitchFamily="2" charset="2"/>
               <a:buChar char="ü"/>
             </a:pPr>
             <a:r>
@@ -11997,10 +11601,11 @@
               <a:rPr lang="vi-VN" dirty="0"/>
               <a:t>: Tạo trải nghiệm thực tế ảo nhập vai và tự nhiên hơn bằng cách theo dõi chuyển động của người dùng.</a:t>
             </a:r>
+            <a:endParaRPr lang="vi-VN" dirty="0"/>
           </a:p>
           <a:p>
             <a:pPr lvl="2">
-              <a:buFont typeface="Wingdings" pitchFamily="2" charset="2"/>
+              <a:buFont typeface="Wingdings" panose="05000000000000000000" pitchFamily="2" charset="2"/>
               <a:buChar char="ü"/>
             </a:pPr>
             <a:r>
@@ -12011,10 +11616,11 @@
               <a:rPr lang="vi-VN" dirty="0"/>
               <a:t>: Bổ sung thông tin kỹ thuật số vào thế giới thực một cách chính xác và tương tác với các đối tượng ảo một cách tự nhiên.</a:t>
             </a:r>
+            <a:endParaRPr lang="vi-VN" dirty="0"/>
           </a:p>
           <a:p>
             <a:pPr lvl="2">
-              <a:buFont typeface="Wingdings" pitchFamily="2" charset="2"/>
+              <a:buFont typeface="Wingdings" panose="05000000000000000000" pitchFamily="2" charset="2"/>
               <a:buChar char="ü"/>
             </a:pPr>
             <a:r>
@@ -12025,18 +11631,14 @@
               <a:rPr lang="vi-VN" dirty="0"/>
               <a:t>: Phân tích chuyển động của con người để đánh giá hiệu suất thể thao, phục hồi chức năng hoặc nghiên cứu khoa học.</a:t>
             </a:r>
-          </a:p>
-          <a:p>
-            <a:endParaRPr lang="en-VN" dirty="0"/>
+            <a:endParaRPr lang="vi-VN" dirty="0"/>
+          </a:p>
+          <a:p>
+            <a:endParaRPr lang="en-US" dirty="0"/>
           </a:p>
         </p:txBody>
       </p:sp>
     </p:spTree>
-    <p:extLst>
-      <p:ext uri="{BB962C8B-B14F-4D97-AF65-F5344CB8AC3E}">
-        <p14:creationId xmlns:p14="http://schemas.microsoft.com/office/powerpoint/2010/main" val="2022840906"/>
-      </p:ext>
-    </p:extLst>
   </p:cSld>
   <p:clrMapOvr>
     <a:masterClrMapping/>
@@ -12087,7 +11689,7 @@
     </a:clrScheme>
     <a:fontScheme name="Wood Type">
       <a:majorFont>
-        <a:latin typeface="Rockwell Condensed" panose="02060603050405020104"/>
+        <a:latin typeface="Rockwell Condensed"/>
         <a:ea typeface=""/>
         <a:cs typeface=""/>
         <a:font script="Grek" typeface="Cambria"/>
@@ -12123,7 +11725,7 @@
         <a:font script="Uigh" typeface="Microsoft Uighur"/>
       </a:majorFont>
       <a:minorFont>
-        <a:latin typeface="Rockwell" panose="02060603020205020403"/>
+        <a:latin typeface="Rockwell"/>
         <a:ea typeface=""/>
         <a:cs typeface=""/>
         <a:font script="Grek" typeface="Cambria"/>
@@ -12263,11 +11865,9 @@
       </a:bgFillStyleLst>
     </a:fmtScheme>
   </a:themeElements>
-  <a:objectDefaults/>
-  <a:extraClrSchemeLst/>
   <a:extLst>
     <a:ext uri="{05A4C25C-085E-4340-85A3-A5531E510DB2}">
-      <thm15:themeFamily xmlns:thm15="http://schemas.microsoft.com/office/thememl/2012/main" name="Wood Type" id="{7ACABC62-BF99-48CF-A9DC-4DB89C7B13DC}" vid="{142A1326-48AB-42A9-8428-CB14AA30176D}"/>
+      <thm15:themeFamily xmlns:thm15="http://schemas.microsoft.com/office/thememl/2012/main" name="Office Theme" id="{62F939B6-93AF-4DB8-9C6B-D6C7DFDC589F}" vid="{4A3C46E8-61CC-4603-A589-7422A47A8E4A}"/>
     </a:ext>
   </a:extLst>
 </a:theme>
